--- a/prophecy/学魔法.pptx
+++ b/prophecy/学魔法.pptx
@@ -9,6 +9,7 @@
     <p:sldId id="257" r:id="rId3"/>
     <p:sldId id="258" r:id="rId4"/>
     <p:sldId id="259" r:id="rId5"/>
+    <p:sldId id="260" r:id="rId6"/>
   </p:sldIdLst>
   <p:sldSz cx="12192000" cy="6858000"/>
   <p:notesSz cx="6858000" cy="9144000"/>
@@ -107,6 +108,11 @@
       </a:defRPr>
     </a:lvl9pPr>
   </p:defaultTextStyle>
+  <p:extLst>
+    <p:ext uri="{EFAFB233-063F-42B5-8137-9DF3F51BA10A}">
+      <p15:sldGuideLst xmlns:p15="http://schemas.microsoft.com/office/powerpoint/2012/main"/>
+    </p:ext>
+  </p:extLst>
 </p:presentation>
 </file>
 
@@ -241,7 +247,7 @@
           <a:p>
             <a:fld id="{D158A3A6-BB24-48D8-87E0-EE8C50041EAA}" type="datetimeFigureOut">
               <a:rPr lang="zh-CN" altLang="en-US" smtClean="0"/>
-              <a:t>2022/9/24</a:t>
+              <a:t>2022/9/30</a:t>
             </a:fld>
             <a:endParaRPr lang="zh-CN" altLang="en-US"/>
           </a:p>
@@ -411,7 +417,7 @@
           <a:p>
             <a:fld id="{D158A3A6-BB24-48D8-87E0-EE8C50041EAA}" type="datetimeFigureOut">
               <a:rPr lang="zh-CN" altLang="en-US" smtClean="0"/>
-              <a:t>2022/9/24</a:t>
+              <a:t>2022/9/30</a:t>
             </a:fld>
             <a:endParaRPr lang="zh-CN" altLang="en-US"/>
           </a:p>
@@ -591,7 +597,7 @@
           <a:p>
             <a:fld id="{D158A3A6-BB24-48D8-87E0-EE8C50041EAA}" type="datetimeFigureOut">
               <a:rPr lang="zh-CN" altLang="en-US" smtClean="0"/>
-              <a:t>2022/9/24</a:t>
+              <a:t>2022/9/30</a:t>
             </a:fld>
             <a:endParaRPr lang="zh-CN" altLang="en-US"/>
           </a:p>
@@ -761,7 +767,7 @@
           <a:p>
             <a:fld id="{D158A3A6-BB24-48D8-87E0-EE8C50041EAA}" type="datetimeFigureOut">
               <a:rPr lang="zh-CN" altLang="en-US" smtClean="0"/>
-              <a:t>2022/9/24</a:t>
+              <a:t>2022/9/30</a:t>
             </a:fld>
             <a:endParaRPr lang="zh-CN" altLang="en-US"/>
           </a:p>
@@ -1007,7 +1013,7 @@
           <a:p>
             <a:fld id="{D158A3A6-BB24-48D8-87E0-EE8C50041EAA}" type="datetimeFigureOut">
               <a:rPr lang="zh-CN" altLang="en-US" smtClean="0"/>
-              <a:t>2022/9/24</a:t>
+              <a:t>2022/9/30</a:t>
             </a:fld>
             <a:endParaRPr lang="zh-CN" altLang="en-US"/>
           </a:p>
@@ -1239,7 +1245,7 @@
           <a:p>
             <a:fld id="{D158A3A6-BB24-48D8-87E0-EE8C50041EAA}" type="datetimeFigureOut">
               <a:rPr lang="zh-CN" altLang="en-US" smtClean="0"/>
-              <a:t>2022/9/24</a:t>
+              <a:t>2022/9/30</a:t>
             </a:fld>
             <a:endParaRPr lang="zh-CN" altLang="en-US"/>
           </a:p>
@@ -1606,7 +1612,7 @@
           <a:p>
             <a:fld id="{D158A3A6-BB24-48D8-87E0-EE8C50041EAA}" type="datetimeFigureOut">
               <a:rPr lang="zh-CN" altLang="en-US" smtClean="0"/>
-              <a:t>2022/9/24</a:t>
+              <a:t>2022/9/30</a:t>
             </a:fld>
             <a:endParaRPr lang="zh-CN" altLang="en-US"/>
           </a:p>
@@ -1724,7 +1730,7 @@
           <a:p>
             <a:fld id="{D158A3A6-BB24-48D8-87E0-EE8C50041EAA}" type="datetimeFigureOut">
               <a:rPr lang="zh-CN" altLang="en-US" smtClean="0"/>
-              <a:t>2022/9/24</a:t>
+              <a:t>2022/9/30</a:t>
             </a:fld>
             <a:endParaRPr lang="zh-CN" altLang="en-US"/>
           </a:p>
@@ -1819,7 +1825,7 @@
           <a:p>
             <a:fld id="{D158A3A6-BB24-48D8-87E0-EE8C50041EAA}" type="datetimeFigureOut">
               <a:rPr lang="zh-CN" altLang="en-US" smtClean="0"/>
-              <a:t>2022/9/24</a:t>
+              <a:t>2022/9/30</a:t>
             </a:fld>
             <a:endParaRPr lang="zh-CN" altLang="en-US"/>
           </a:p>
@@ -2096,7 +2102,7 @@
           <a:p>
             <a:fld id="{D158A3A6-BB24-48D8-87E0-EE8C50041EAA}" type="datetimeFigureOut">
               <a:rPr lang="zh-CN" altLang="en-US" smtClean="0"/>
-              <a:t>2022/9/24</a:t>
+              <a:t>2022/9/30</a:t>
             </a:fld>
             <a:endParaRPr lang="zh-CN" altLang="en-US"/>
           </a:p>
@@ -2349,7 +2355,7 @@
           <a:p>
             <a:fld id="{D158A3A6-BB24-48D8-87E0-EE8C50041EAA}" type="datetimeFigureOut">
               <a:rPr lang="zh-CN" altLang="en-US" smtClean="0"/>
-              <a:t>2022/9/24</a:t>
+              <a:t>2022/9/30</a:t>
             </a:fld>
             <a:endParaRPr lang="zh-CN" altLang="en-US"/>
           </a:p>
@@ -2562,7 +2568,7 @@
           <a:p>
             <a:fld id="{D158A3A6-BB24-48D8-87E0-EE8C50041EAA}" type="datetimeFigureOut">
               <a:rPr lang="zh-CN" altLang="en-US" smtClean="0"/>
-              <a:t>2022/9/24</a:t>
+              <a:t>2022/9/30</a:t>
             </a:fld>
             <a:endParaRPr lang="zh-CN" altLang="en-US"/>
           </a:p>
@@ -6485,6 +6491,36 @@
 </p:sld>
 </file>
 
+<file path=ppt/slides/slide5.xml><?xml version="1.0" encoding="utf-8"?>
+<p:sld xmlns:a="http://schemas.openxmlformats.org/drawingml/2006/main" xmlns:r="http://schemas.openxmlformats.org/officeDocument/2006/relationships" xmlns:p="http://schemas.openxmlformats.org/presentationml/2006/main">
+  <p:cSld>
+    <p:spTree>
+      <p:nvGrpSpPr>
+        <p:cNvPr id="1" name=""/>
+        <p:cNvGrpSpPr/>
+        <p:nvPr/>
+      </p:nvGrpSpPr>
+      <p:grpSpPr>
+        <a:xfrm>
+          <a:off x="0" y="0"/>
+          <a:ext cx="0" cy="0"/>
+          <a:chOff x="0" y="0"/>
+          <a:chExt cx="0" cy="0"/>
+        </a:xfrm>
+      </p:grpSpPr>
+    </p:spTree>
+    <p:extLst>
+      <p:ext uri="{BB962C8B-B14F-4D97-AF65-F5344CB8AC3E}">
+        <p14:creationId xmlns:p14="http://schemas.microsoft.com/office/powerpoint/2010/main" val="2434019445"/>
+      </p:ext>
+    </p:extLst>
+  </p:cSld>
+  <p:clrMapOvr>
+    <a:masterClrMapping/>
+  </p:clrMapOvr>
+</p:sld>
+</file>
+
 <file path=ppt/theme/theme1.xml><?xml version="1.0" encoding="utf-8"?>
 <a:theme xmlns:a="http://schemas.openxmlformats.org/drawingml/2006/main" name="Office 主题">
   <a:themeElements>

--- a/prophecy/学魔法.pptx
+++ b/prophecy/学魔法.pptx
@@ -247,7 +247,7 @@
           <a:p>
             <a:fld id="{D158A3A6-BB24-48D8-87E0-EE8C50041EAA}" type="datetimeFigureOut">
               <a:rPr lang="zh-CN" altLang="en-US" smtClean="0"/>
-              <a:t>2022/9/30</a:t>
+              <a:t>2022/10/1</a:t>
             </a:fld>
             <a:endParaRPr lang="zh-CN" altLang="en-US"/>
           </a:p>
@@ -417,7 +417,7 @@
           <a:p>
             <a:fld id="{D158A3A6-BB24-48D8-87E0-EE8C50041EAA}" type="datetimeFigureOut">
               <a:rPr lang="zh-CN" altLang="en-US" smtClean="0"/>
-              <a:t>2022/9/30</a:t>
+              <a:t>2022/10/1</a:t>
             </a:fld>
             <a:endParaRPr lang="zh-CN" altLang="en-US"/>
           </a:p>
@@ -597,7 +597,7 @@
           <a:p>
             <a:fld id="{D158A3A6-BB24-48D8-87E0-EE8C50041EAA}" type="datetimeFigureOut">
               <a:rPr lang="zh-CN" altLang="en-US" smtClean="0"/>
-              <a:t>2022/9/30</a:t>
+              <a:t>2022/10/1</a:t>
             </a:fld>
             <a:endParaRPr lang="zh-CN" altLang="en-US"/>
           </a:p>
@@ -767,7 +767,7 @@
           <a:p>
             <a:fld id="{D158A3A6-BB24-48D8-87E0-EE8C50041EAA}" type="datetimeFigureOut">
               <a:rPr lang="zh-CN" altLang="en-US" smtClean="0"/>
-              <a:t>2022/9/30</a:t>
+              <a:t>2022/10/1</a:t>
             </a:fld>
             <a:endParaRPr lang="zh-CN" altLang="en-US"/>
           </a:p>
@@ -1013,7 +1013,7 @@
           <a:p>
             <a:fld id="{D158A3A6-BB24-48D8-87E0-EE8C50041EAA}" type="datetimeFigureOut">
               <a:rPr lang="zh-CN" altLang="en-US" smtClean="0"/>
-              <a:t>2022/9/30</a:t>
+              <a:t>2022/10/1</a:t>
             </a:fld>
             <a:endParaRPr lang="zh-CN" altLang="en-US"/>
           </a:p>
@@ -1245,7 +1245,7 @@
           <a:p>
             <a:fld id="{D158A3A6-BB24-48D8-87E0-EE8C50041EAA}" type="datetimeFigureOut">
               <a:rPr lang="zh-CN" altLang="en-US" smtClean="0"/>
-              <a:t>2022/9/30</a:t>
+              <a:t>2022/10/1</a:t>
             </a:fld>
             <a:endParaRPr lang="zh-CN" altLang="en-US"/>
           </a:p>
@@ -1612,7 +1612,7 @@
           <a:p>
             <a:fld id="{D158A3A6-BB24-48D8-87E0-EE8C50041EAA}" type="datetimeFigureOut">
               <a:rPr lang="zh-CN" altLang="en-US" smtClean="0"/>
-              <a:t>2022/9/30</a:t>
+              <a:t>2022/10/1</a:t>
             </a:fld>
             <a:endParaRPr lang="zh-CN" altLang="en-US"/>
           </a:p>
@@ -1730,7 +1730,7 @@
           <a:p>
             <a:fld id="{D158A3A6-BB24-48D8-87E0-EE8C50041EAA}" type="datetimeFigureOut">
               <a:rPr lang="zh-CN" altLang="en-US" smtClean="0"/>
-              <a:t>2022/9/30</a:t>
+              <a:t>2022/10/1</a:t>
             </a:fld>
             <a:endParaRPr lang="zh-CN" altLang="en-US"/>
           </a:p>
@@ -1825,7 +1825,7 @@
           <a:p>
             <a:fld id="{D158A3A6-BB24-48D8-87E0-EE8C50041EAA}" type="datetimeFigureOut">
               <a:rPr lang="zh-CN" altLang="en-US" smtClean="0"/>
-              <a:t>2022/9/30</a:t>
+              <a:t>2022/10/1</a:t>
             </a:fld>
             <a:endParaRPr lang="zh-CN" altLang="en-US"/>
           </a:p>
@@ -2102,7 +2102,7 @@
           <a:p>
             <a:fld id="{D158A3A6-BB24-48D8-87E0-EE8C50041EAA}" type="datetimeFigureOut">
               <a:rPr lang="zh-CN" altLang="en-US" smtClean="0"/>
-              <a:t>2022/9/30</a:t>
+              <a:t>2022/10/1</a:t>
             </a:fld>
             <a:endParaRPr lang="zh-CN" altLang="en-US"/>
           </a:p>
@@ -2355,7 +2355,7 @@
           <a:p>
             <a:fld id="{D158A3A6-BB24-48D8-87E0-EE8C50041EAA}" type="datetimeFigureOut">
               <a:rPr lang="zh-CN" altLang="en-US" smtClean="0"/>
-              <a:t>2022/9/30</a:t>
+              <a:t>2022/10/1</a:t>
             </a:fld>
             <a:endParaRPr lang="zh-CN" altLang="en-US"/>
           </a:p>
@@ -2568,7 +2568,7 @@
           <a:p>
             <a:fld id="{D158A3A6-BB24-48D8-87E0-EE8C50041EAA}" type="datetimeFigureOut">
               <a:rPr lang="zh-CN" altLang="en-US" smtClean="0"/>
-              <a:t>2022/9/30</a:t>
+              <a:t>2022/10/1</a:t>
             </a:fld>
             <a:endParaRPr lang="zh-CN" altLang="en-US"/>
           </a:p>
@@ -6508,6 +6508,639 @@
           <a:chExt cx="0" cy="0"/>
         </a:xfrm>
       </p:grpSpPr>
+      <p:sp>
+        <p:nvSpPr>
+          <p:cNvPr id="2" name="椭圆 1"/>
+          <p:cNvSpPr/>
+          <p:nvPr/>
+        </p:nvSpPr>
+        <p:spPr>
+          <a:xfrm>
+            <a:off x="5270738" y="379561"/>
+            <a:ext cx="534838" cy="534838"/>
+          </a:xfrm>
+          <a:prstGeom prst="ellipse">
+            <a:avLst/>
+          </a:prstGeom>
+        </p:spPr>
+        <p:style>
+          <a:lnRef idx="2">
+            <a:schemeClr val="accent1">
+              <a:shade val="50000"/>
+            </a:schemeClr>
+          </a:lnRef>
+          <a:fillRef idx="1">
+            <a:schemeClr val="accent1"/>
+          </a:fillRef>
+          <a:effectRef idx="0">
+            <a:schemeClr val="accent1"/>
+          </a:effectRef>
+          <a:fontRef idx="minor">
+            <a:schemeClr val="lt1"/>
+          </a:fontRef>
+        </p:style>
+        <p:txBody>
+          <a:bodyPr rtlCol="0" anchor="ctr"/>
+          <a:lstStyle/>
+          <a:p>
+            <a:pPr algn="ctr"/>
+            <a:r>
+              <a:rPr lang="zh-CN" altLang="en-US" dirty="0" smtClean="0"/>
+              <a:t>子</a:t>
+            </a:r>
+            <a:endParaRPr lang="zh-CN" altLang="en-US" dirty="0"/>
+          </a:p>
+        </p:txBody>
+      </p:sp>
+      <p:sp>
+        <p:nvSpPr>
+          <p:cNvPr id="3" name="椭圆 2"/>
+          <p:cNvSpPr/>
+          <p:nvPr/>
+        </p:nvSpPr>
+        <p:spPr>
+          <a:xfrm>
+            <a:off x="6670370" y="831646"/>
+            <a:ext cx="534838" cy="534838"/>
+          </a:xfrm>
+          <a:prstGeom prst="ellipse">
+            <a:avLst/>
+          </a:prstGeom>
+        </p:spPr>
+        <p:style>
+          <a:lnRef idx="2">
+            <a:schemeClr val="accent1">
+              <a:shade val="50000"/>
+            </a:schemeClr>
+          </a:lnRef>
+          <a:fillRef idx="1">
+            <a:schemeClr val="accent1"/>
+          </a:fillRef>
+          <a:effectRef idx="0">
+            <a:schemeClr val="accent1"/>
+          </a:effectRef>
+          <a:fontRef idx="minor">
+            <a:schemeClr val="lt1"/>
+          </a:fontRef>
+        </p:style>
+        <p:txBody>
+          <a:bodyPr rtlCol="0" anchor="ctr"/>
+          <a:lstStyle/>
+          <a:p>
+            <a:pPr algn="ctr"/>
+            <a:r>
+              <a:rPr lang="zh-CN" altLang="en-US" dirty="0" smtClean="0"/>
+              <a:t>丑</a:t>
+            </a:r>
+            <a:endParaRPr lang="zh-CN" altLang="en-US" dirty="0"/>
+          </a:p>
+        </p:txBody>
+      </p:sp>
+      <p:sp>
+        <p:nvSpPr>
+          <p:cNvPr id="4" name="椭圆 3"/>
+          <p:cNvSpPr/>
+          <p:nvPr/>
+        </p:nvSpPr>
+        <p:spPr>
+          <a:xfrm>
+            <a:off x="7677508" y="1807237"/>
+            <a:ext cx="534838" cy="534838"/>
+          </a:xfrm>
+          <a:prstGeom prst="ellipse">
+            <a:avLst/>
+          </a:prstGeom>
+        </p:spPr>
+        <p:style>
+          <a:lnRef idx="2">
+            <a:schemeClr val="accent1">
+              <a:shade val="50000"/>
+            </a:schemeClr>
+          </a:lnRef>
+          <a:fillRef idx="1">
+            <a:schemeClr val="accent1"/>
+          </a:fillRef>
+          <a:effectRef idx="0">
+            <a:schemeClr val="accent1"/>
+          </a:effectRef>
+          <a:fontRef idx="minor">
+            <a:schemeClr val="lt1"/>
+          </a:fontRef>
+        </p:style>
+        <p:txBody>
+          <a:bodyPr rtlCol="0" anchor="ctr"/>
+          <a:lstStyle/>
+          <a:p>
+            <a:pPr algn="ctr"/>
+            <a:r>
+              <a:rPr lang="zh-CN" altLang="en-US" dirty="0" smtClean="0"/>
+              <a:t>寅</a:t>
+            </a:r>
+            <a:endParaRPr lang="zh-CN" altLang="en-US" dirty="0"/>
+          </a:p>
+        </p:txBody>
+      </p:sp>
+      <p:sp>
+        <p:nvSpPr>
+          <p:cNvPr id="5" name="椭圆 4"/>
+          <p:cNvSpPr/>
+          <p:nvPr/>
+        </p:nvSpPr>
+        <p:spPr>
+          <a:xfrm>
+            <a:off x="7975119" y="3053749"/>
+            <a:ext cx="534838" cy="534838"/>
+          </a:xfrm>
+          <a:prstGeom prst="ellipse">
+            <a:avLst/>
+          </a:prstGeom>
+        </p:spPr>
+        <p:style>
+          <a:lnRef idx="2">
+            <a:schemeClr val="accent1">
+              <a:shade val="50000"/>
+            </a:schemeClr>
+          </a:lnRef>
+          <a:fillRef idx="1">
+            <a:schemeClr val="accent1"/>
+          </a:fillRef>
+          <a:effectRef idx="0">
+            <a:schemeClr val="accent1"/>
+          </a:effectRef>
+          <a:fontRef idx="minor">
+            <a:schemeClr val="lt1"/>
+          </a:fontRef>
+        </p:style>
+        <p:txBody>
+          <a:bodyPr rtlCol="0" anchor="ctr"/>
+          <a:lstStyle/>
+          <a:p>
+            <a:pPr algn="ctr"/>
+            <a:r>
+              <a:rPr lang="zh-CN" altLang="en-US" dirty="0" smtClean="0"/>
+              <a:t>卯</a:t>
+            </a:r>
+            <a:endParaRPr lang="zh-CN" altLang="en-US" dirty="0"/>
+          </a:p>
+        </p:txBody>
+      </p:sp>
+      <p:sp>
+        <p:nvSpPr>
+          <p:cNvPr id="6" name="椭圆 5"/>
+          <p:cNvSpPr/>
+          <p:nvPr/>
+        </p:nvSpPr>
+        <p:spPr>
+          <a:xfrm>
+            <a:off x="7677508" y="4334773"/>
+            <a:ext cx="534838" cy="534838"/>
+          </a:xfrm>
+          <a:prstGeom prst="ellipse">
+            <a:avLst/>
+          </a:prstGeom>
+        </p:spPr>
+        <p:style>
+          <a:lnRef idx="2">
+            <a:schemeClr val="accent1">
+              <a:shade val="50000"/>
+            </a:schemeClr>
+          </a:lnRef>
+          <a:fillRef idx="1">
+            <a:schemeClr val="accent1"/>
+          </a:fillRef>
+          <a:effectRef idx="0">
+            <a:schemeClr val="accent1"/>
+          </a:effectRef>
+          <a:fontRef idx="minor">
+            <a:schemeClr val="lt1"/>
+          </a:fontRef>
+        </p:style>
+        <p:txBody>
+          <a:bodyPr rtlCol="0" anchor="ctr"/>
+          <a:lstStyle/>
+          <a:p>
+            <a:pPr algn="ctr"/>
+            <a:r>
+              <a:rPr lang="zh-CN" altLang="en-US" dirty="0" smtClean="0"/>
+              <a:t>辰</a:t>
+            </a:r>
+            <a:endParaRPr lang="zh-CN" altLang="en-US" dirty="0"/>
+          </a:p>
+        </p:txBody>
+      </p:sp>
+      <p:sp>
+        <p:nvSpPr>
+          <p:cNvPr id="7" name="椭圆 6"/>
+          <p:cNvSpPr/>
+          <p:nvPr/>
+        </p:nvSpPr>
+        <p:spPr>
+          <a:xfrm>
+            <a:off x="6756638" y="5259946"/>
+            <a:ext cx="534838" cy="534838"/>
+          </a:xfrm>
+          <a:prstGeom prst="ellipse">
+            <a:avLst/>
+          </a:prstGeom>
+        </p:spPr>
+        <p:style>
+          <a:lnRef idx="2">
+            <a:schemeClr val="accent1">
+              <a:shade val="50000"/>
+            </a:schemeClr>
+          </a:lnRef>
+          <a:fillRef idx="1">
+            <a:schemeClr val="accent1"/>
+          </a:fillRef>
+          <a:effectRef idx="0">
+            <a:schemeClr val="accent1"/>
+          </a:effectRef>
+          <a:fontRef idx="minor">
+            <a:schemeClr val="lt1"/>
+          </a:fontRef>
+        </p:style>
+        <p:txBody>
+          <a:bodyPr rtlCol="0" anchor="ctr"/>
+          <a:lstStyle/>
+          <a:p>
+            <a:pPr algn="ctr"/>
+            <a:r>
+              <a:rPr lang="zh-CN" altLang="en-US" dirty="0" smtClean="0"/>
+              <a:t>巳</a:t>
+            </a:r>
+            <a:endParaRPr lang="zh-CN" altLang="en-US" dirty="0"/>
+          </a:p>
+        </p:txBody>
+      </p:sp>
+      <p:sp>
+        <p:nvSpPr>
+          <p:cNvPr id="8" name="椭圆 7"/>
+          <p:cNvSpPr/>
+          <p:nvPr/>
+        </p:nvSpPr>
+        <p:spPr>
+          <a:xfrm>
+            <a:off x="5270738" y="5758130"/>
+            <a:ext cx="534838" cy="534838"/>
+          </a:xfrm>
+          <a:prstGeom prst="ellipse">
+            <a:avLst/>
+          </a:prstGeom>
+        </p:spPr>
+        <p:style>
+          <a:lnRef idx="2">
+            <a:schemeClr val="accent1">
+              <a:shade val="50000"/>
+            </a:schemeClr>
+          </a:lnRef>
+          <a:fillRef idx="1">
+            <a:schemeClr val="accent1"/>
+          </a:fillRef>
+          <a:effectRef idx="0">
+            <a:schemeClr val="accent1"/>
+          </a:effectRef>
+          <a:fontRef idx="minor">
+            <a:schemeClr val="lt1"/>
+          </a:fontRef>
+        </p:style>
+        <p:txBody>
+          <a:bodyPr rtlCol="0" anchor="ctr"/>
+          <a:lstStyle/>
+          <a:p>
+            <a:pPr algn="ctr"/>
+            <a:r>
+              <a:rPr lang="zh-CN" altLang="en-US" dirty="0" smtClean="0"/>
+              <a:t>午</a:t>
+            </a:r>
+            <a:endParaRPr lang="zh-CN" altLang="en-US" dirty="0"/>
+          </a:p>
+        </p:txBody>
+      </p:sp>
+      <p:sp>
+        <p:nvSpPr>
+          <p:cNvPr id="9" name="椭圆 8"/>
+          <p:cNvSpPr/>
+          <p:nvPr/>
+        </p:nvSpPr>
+        <p:spPr>
+          <a:xfrm>
+            <a:off x="3784839" y="5223292"/>
+            <a:ext cx="534838" cy="534838"/>
+          </a:xfrm>
+          <a:prstGeom prst="ellipse">
+            <a:avLst/>
+          </a:prstGeom>
+        </p:spPr>
+        <p:style>
+          <a:lnRef idx="2">
+            <a:schemeClr val="accent1">
+              <a:shade val="50000"/>
+            </a:schemeClr>
+          </a:lnRef>
+          <a:fillRef idx="1">
+            <a:schemeClr val="accent1"/>
+          </a:fillRef>
+          <a:effectRef idx="0">
+            <a:schemeClr val="accent1"/>
+          </a:effectRef>
+          <a:fontRef idx="minor">
+            <a:schemeClr val="lt1"/>
+          </a:fontRef>
+        </p:style>
+        <p:txBody>
+          <a:bodyPr rtlCol="0" anchor="ctr"/>
+          <a:lstStyle/>
+          <a:p>
+            <a:pPr algn="ctr"/>
+            <a:r>
+              <a:rPr lang="zh-CN" altLang="en-US" dirty="0" smtClean="0"/>
+              <a:t>未</a:t>
+            </a:r>
+            <a:endParaRPr lang="zh-CN" altLang="en-US" dirty="0"/>
+          </a:p>
+        </p:txBody>
+      </p:sp>
+      <p:sp>
+        <p:nvSpPr>
+          <p:cNvPr id="10" name="椭圆 9"/>
+          <p:cNvSpPr/>
+          <p:nvPr/>
+        </p:nvSpPr>
+        <p:spPr>
+          <a:xfrm>
+            <a:off x="2924356" y="4300261"/>
+            <a:ext cx="534838" cy="534838"/>
+          </a:xfrm>
+          <a:prstGeom prst="ellipse">
+            <a:avLst/>
+          </a:prstGeom>
+        </p:spPr>
+        <p:style>
+          <a:lnRef idx="2">
+            <a:schemeClr val="accent1">
+              <a:shade val="50000"/>
+            </a:schemeClr>
+          </a:lnRef>
+          <a:fillRef idx="1">
+            <a:schemeClr val="accent1"/>
+          </a:fillRef>
+          <a:effectRef idx="0">
+            <a:schemeClr val="accent1"/>
+          </a:effectRef>
+          <a:fontRef idx="minor">
+            <a:schemeClr val="lt1"/>
+          </a:fontRef>
+        </p:style>
+        <p:txBody>
+          <a:bodyPr rtlCol="0" anchor="ctr"/>
+          <a:lstStyle/>
+          <a:p>
+            <a:pPr algn="ctr"/>
+            <a:r>
+              <a:rPr lang="zh-CN" altLang="en-US" dirty="0" smtClean="0"/>
+              <a:t>申</a:t>
+            </a:r>
+            <a:endParaRPr lang="zh-CN" altLang="en-US" dirty="0"/>
+          </a:p>
+        </p:txBody>
+      </p:sp>
+      <p:sp>
+        <p:nvSpPr>
+          <p:cNvPr id="11" name="椭圆 10"/>
+          <p:cNvSpPr/>
+          <p:nvPr/>
+        </p:nvSpPr>
+        <p:spPr>
+          <a:xfrm>
+            <a:off x="2566358" y="3053749"/>
+            <a:ext cx="534838" cy="534838"/>
+          </a:xfrm>
+          <a:prstGeom prst="ellipse">
+            <a:avLst/>
+          </a:prstGeom>
+        </p:spPr>
+        <p:style>
+          <a:lnRef idx="2">
+            <a:schemeClr val="accent1">
+              <a:shade val="50000"/>
+            </a:schemeClr>
+          </a:lnRef>
+          <a:fillRef idx="1">
+            <a:schemeClr val="accent1"/>
+          </a:fillRef>
+          <a:effectRef idx="0">
+            <a:schemeClr val="accent1"/>
+          </a:effectRef>
+          <a:fontRef idx="minor">
+            <a:schemeClr val="lt1"/>
+          </a:fontRef>
+        </p:style>
+        <p:txBody>
+          <a:bodyPr rtlCol="0" anchor="ctr"/>
+          <a:lstStyle/>
+          <a:p>
+            <a:pPr algn="ctr"/>
+            <a:r>
+              <a:rPr lang="zh-CN" altLang="en-US" dirty="0" smtClean="0"/>
+              <a:t>酉</a:t>
+            </a:r>
+            <a:endParaRPr lang="zh-CN" altLang="en-US" dirty="0"/>
+          </a:p>
+        </p:txBody>
+      </p:sp>
+      <p:sp>
+        <p:nvSpPr>
+          <p:cNvPr id="12" name="椭圆 11"/>
+          <p:cNvSpPr/>
+          <p:nvPr/>
+        </p:nvSpPr>
+        <p:spPr>
+          <a:xfrm>
+            <a:off x="2924356" y="1807237"/>
+            <a:ext cx="534838" cy="534838"/>
+          </a:xfrm>
+          <a:prstGeom prst="ellipse">
+            <a:avLst/>
+          </a:prstGeom>
+        </p:spPr>
+        <p:style>
+          <a:lnRef idx="2">
+            <a:schemeClr val="accent1">
+              <a:shade val="50000"/>
+            </a:schemeClr>
+          </a:lnRef>
+          <a:fillRef idx="1">
+            <a:schemeClr val="accent1"/>
+          </a:fillRef>
+          <a:effectRef idx="0">
+            <a:schemeClr val="accent1"/>
+          </a:effectRef>
+          <a:fontRef idx="minor">
+            <a:schemeClr val="lt1"/>
+          </a:fontRef>
+        </p:style>
+        <p:txBody>
+          <a:bodyPr rtlCol="0" anchor="ctr"/>
+          <a:lstStyle/>
+          <a:p>
+            <a:pPr algn="ctr"/>
+            <a:r>
+              <a:rPr lang="zh-CN" altLang="en-US" dirty="0" smtClean="0"/>
+              <a:t>戌</a:t>
+            </a:r>
+            <a:endParaRPr lang="zh-CN" altLang="en-US" dirty="0"/>
+          </a:p>
+        </p:txBody>
+      </p:sp>
+      <p:sp>
+        <p:nvSpPr>
+          <p:cNvPr id="13" name="椭圆 12"/>
+          <p:cNvSpPr/>
+          <p:nvPr/>
+        </p:nvSpPr>
+        <p:spPr>
+          <a:xfrm>
+            <a:off x="3830129" y="831646"/>
+            <a:ext cx="534838" cy="534838"/>
+          </a:xfrm>
+          <a:prstGeom prst="ellipse">
+            <a:avLst/>
+          </a:prstGeom>
+        </p:spPr>
+        <p:style>
+          <a:lnRef idx="2">
+            <a:schemeClr val="accent1">
+              <a:shade val="50000"/>
+            </a:schemeClr>
+          </a:lnRef>
+          <a:fillRef idx="1">
+            <a:schemeClr val="accent1"/>
+          </a:fillRef>
+          <a:effectRef idx="0">
+            <a:schemeClr val="accent1"/>
+          </a:effectRef>
+          <a:fontRef idx="minor">
+            <a:schemeClr val="lt1"/>
+          </a:fontRef>
+        </p:style>
+        <p:txBody>
+          <a:bodyPr rtlCol="0" anchor="ctr"/>
+          <a:lstStyle/>
+          <a:p>
+            <a:pPr algn="ctr"/>
+            <a:r>
+              <a:rPr lang="zh-CN" altLang="en-US" dirty="0" smtClean="0"/>
+              <a:t>亥</a:t>
+            </a:r>
+            <a:endParaRPr lang="zh-CN" altLang="en-US" dirty="0"/>
+          </a:p>
+        </p:txBody>
+      </p:sp>
+      <p:sp>
+        <p:nvSpPr>
+          <p:cNvPr id="30" name="文本框 29"/>
+          <p:cNvSpPr txBox="1"/>
+          <p:nvPr/>
+        </p:nvSpPr>
+        <p:spPr>
+          <a:xfrm>
+            <a:off x="1054970" y="729733"/>
+            <a:ext cx="933269" cy="369332"/>
+          </a:xfrm>
+          <a:prstGeom prst="rect">
+            <a:avLst/>
+          </a:prstGeom>
+          <a:noFill/>
+        </p:spPr>
+        <p:txBody>
+          <a:bodyPr wrap="none" rtlCol="0">
+            <a:spAutoFit/>
+          </a:bodyPr>
+          <a:lstStyle/>
+          <a:p>
+            <a:r>
+              <a:rPr lang="en-US" altLang="zh-CN" dirty="0" smtClean="0"/>
+              <a:t>42 </a:t>
+            </a:r>
+            <a:r>
+              <a:rPr lang="zh-CN" altLang="en-US" dirty="0" smtClean="0"/>
+              <a:t>六合</a:t>
+            </a:r>
+            <a:endParaRPr lang="zh-CN" altLang="en-US" dirty="0"/>
+          </a:p>
+        </p:txBody>
+      </p:sp>
+      <p:sp>
+        <p:nvSpPr>
+          <p:cNvPr id="32" name="椭圆 31"/>
+          <p:cNvSpPr/>
+          <p:nvPr/>
+        </p:nvSpPr>
+        <p:spPr>
+          <a:xfrm>
+            <a:off x="2833777" y="616788"/>
+            <a:ext cx="5408761" cy="5408761"/>
+          </a:xfrm>
+          <a:prstGeom prst="ellipse">
+            <a:avLst/>
+          </a:prstGeom>
+          <a:noFill/>
+        </p:spPr>
+        <p:style>
+          <a:lnRef idx="2">
+            <a:schemeClr val="accent1">
+              <a:shade val="50000"/>
+            </a:schemeClr>
+          </a:lnRef>
+          <a:fillRef idx="1">
+            <a:schemeClr val="accent1"/>
+          </a:fillRef>
+          <a:effectRef idx="0">
+            <a:schemeClr val="accent1"/>
+          </a:effectRef>
+          <a:fontRef idx="minor">
+            <a:schemeClr val="lt1"/>
+          </a:fontRef>
+        </p:style>
+        <p:txBody>
+          <a:bodyPr rtlCol="0" anchor="ctr"/>
+          <a:lstStyle/>
+          <a:p>
+            <a:pPr algn="ctr"/>
+            <a:endParaRPr lang="zh-CN" altLang="en-US"/>
+          </a:p>
+        </p:txBody>
+      </p:sp>
+      <p:cxnSp>
+        <p:nvCxnSpPr>
+          <p:cNvPr id="34" name="直接连接符 33"/>
+          <p:cNvCxnSpPr/>
+          <p:nvPr/>
+        </p:nvCxnSpPr>
+        <p:spPr>
+          <a:xfrm flipV="1">
+            <a:off x="4563369" y="379562"/>
+            <a:ext cx="1915069" cy="5883214"/>
+          </a:xfrm>
+          <a:prstGeom prst="line">
+            <a:avLst/>
+          </a:prstGeom>
+        </p:spPr>
+        <p:style>
+          <a:lnRef idx="3">
+            <a:schemeClr val="accent2"/>
+          </a:lnRef>
+          <a:fillRef idx="0">
+            <a:schemeClr val="accent2"/>
+          </a:fillRef>
+          <a:effectRef idx="2">
+            <a:schemeClr val="accent2"/>
+          </a:effectRef>
+          <a:fontRef idx="minor">
+            <a:schemeClr val="tx1"/>
+          </a:fontRef>
+        </p:style>
+      </p:cxnSp>
     </p:spTree>
     <p:extLst>
       <p:ext uri="{BB962C8B-B14F-4D97-AF65-F5344CB8AC3E}">

--- a/prophecy/学魔法.pptx
+++ b/prophecy/学魔法.pptx
@@ -10,6 +10,7 @@
     <p:sldId id="258" r:id="rId4"/>
     <p:sldId id="259" r:id="rId5"/>
     <p:sldId id="260" r:id="rId6"/>
+    <p:sldId id="261" r:id="rId7"/>
   </p:sldIdLst>
   <p:sldSz cx="12192000" cy="6858000"/>
   <p:notesSz cx="6858000" cy="9144000"/>
@@ -247,7 +248,7 @@
           <a:p>
             <a:fld id="{D158A3A6-BB24-48D8-87E0-EE8C50041EAA}" type="datetimeFigureOut">
               <a:rPr lang="zh-CN" altLang="en-US" smtClean="0"/>
-              <a:t>2022/10/1</a:t>
+              <a:t>2022/10/24</a:t>
             </a:fld>
             <a:endParaRPr lang="zh-CN" altLang="en-US"/>
           </a:p>
@@ -417,7 +418,7 @@
           <a:p>
             <a:fld id="{D158A3A6-BB24-48D8-87E0-EE8C50041EAA}" type="datetimeFigureOut">
               <a:rPr lang="zh-CN" altLang="en-US" smtClean="0"/>
-              <a:t>2022/10/1</a:t>
+              <a:t>2022/10/24</a:t>
             </a:fld>
             <a:endParaRPr lang="zh-CN" altLang="en-US"/>
           </a:p>
@@ -597,7 +598,7 @@
           <a:p>
             <a:fld id="{D158A3A6-BB24-48D8-87E0-EE8C50041EAA}" type="datetimeFigureOut">
               <a:rPr lang="zh-CN" altLang="en-US" smtClean="0"/>
-              <a:t>2022/10/1</a:t>
+              <a:t>2022/10/24</a:t>
             </a:fld>
             <a:endParaRPr lang="zh-CN" altLang="en-US"/>
           </a:p>
@@ -767,7 +768,7 @@
           <a:p>
             <a:fld id="{D158A3A6-BB24-48D8-87E0-EE8C50041EAA}" type="datetimeFigureOut">
               <a:rPr lang="zh-CN" altLang="en-US" smtClean="0"/>
-              <a:t>2022/10/1</a:t>
+              <a:t>2022/10/24</a:t>
             </a:fld>
             <a:endParaRPr lang="zh-CN" altLang="en-US"/>
           </a:p>
@@ -1013,7 +1014,7 @@
           <a:p>
             <a:fld id="{D158A3A6-BB24-48D8-87E0-EE8C50041EAA}" type="datetimeFigureOut">
               <a:rPr lang="zh-CN" altLang="en-US" smtClean="0"/>
-              <a:t>2022/10/1</a:t>
+              <a:t>2022/10/24</a:t>
             </a:fld>
             <a:endParaRPr lang="zh-CN" altLang="en-US"/>
           </a:p>
@@ -1245,7 +1246,7 @@
           <a:p>
             <a:fld id="{D158A3A6-BB24-48D8-87E0-EE8C50041EAA}" type="datetimeFigureOut">
               <a:rPr lang="zh-CN" altLang="en-US" smtClean="0"/>
-              <a:t>2022/10/1</a:t>
+              <a:t>2022/10/24</a:t>
             </a:fld>
             <a:endParaRPr lang="zh-CN" altLang="en-US"/>
           </a:p>
@@ -1612,7 +1613,7 @@
           <a:p>
             <a:fld id="{D158A3A6-BB24-48D8-87E0-EE8C50041EAA}" type="datetimeFigureOut">
               <a:rPr lang="zh-CN" altLang="en-US" smtClean="0"/>
-              <a:t>2022/10/1</a:t>
+              <a:t>2022/10/24</a:t>
             </a:fld>
             <a:endParaRPr lang="zh-CN" altLang="en-US"/>
           </a:p>
@@ -1730,7 +1731,7 @@
           <a:p>
             <a:fld id="{D158A3A6-BB24-48D8-87E0-EE8C50041EAA}" type="datetimeFigureOut">
               <a:rPr lang="zh-CN" altLang="en-US" smtClean="0"/>
-              <a:t>2022/10/1</a:t>
+              <a:t>2022/10/24</a:t>
             </a:fld>
             <a:endParaRPr lang="zh-CN" altLang="en-US"/>
           </a:p>
@@ -1825,7 +1826,7 @@
           <a:p>
             <a:fld id="{D158A3A6-BB24-48D8-87E0-EE8C50041EAA}" type="datetimeFigureOut">
               <a:rPr lang="zh-CN" altLang="en-US" smtClean="0"/>
-              <a:t>2022/10/1</a:t>
+              <a:t>2022/10/24</a:t>
             </a:fld>
             <a:endParaRPr lang="zh-CN" altLang="en-US"/>
           </a:p>
@@ -2102,7 +2103,7 @@
           <a:p>
             <a:fld id="{D158A3A6-BB24-48D8-87E0-EE8C50041EAA}" type="datetimeFigureOut">
               <a:rPr lang="zh-CN" altLang="en-US" smtClean="0"/>
-              <a:t>2022/10/1</a:t>
+              <a:t>2022/10/24</a:t>
             </a:fld>
             <a:endParaRPr lang="zh-CN" altLang="en-US"/>
           </a:p>
@@ -2355,7 +2356,7 @@
           <a:p>
             <a:fld id="{D158A3A6-BB24-48D8-87E0-EE8C50041EAA}" type="datetimeFigureOut">
               <a:rPr lang="zh-CN" altLang="en-US" smtClean="0"/>
-              <a:t>2022/10/1</a:t>
+              <a:t>2022/10/24</a:t>
             </a:fld>
             <a:endParaRPr lang="zh-CN" altLang="en-US"/>
           </a:p>
@@ -2568,7 +2569,7 @@
           <a:p>
             <a:fld id="{D158A3A6-BB24-48D8-87E0-EE8C50041EAA}" type="datetimeFigureOut">
               <a:rPr lang="zh-CN" altLang="en-US" smtClean="0"/>
-              <a:t>2022/10/1</a:t>
+              <a:t>2022/10/24</a:t>
             </a:fld>
             <a:endParaRPr lang="zh-CN" altLang="en-US"/>
           </a:p>
@@ -7154,6 +7155,923 @@
 </p:sld>
 </file>
 
+<file path=ppt/slides/slide6.xml><?xml version="1.0" encoding="utf-8"?>
+<p:sld xmlns:a="http://schemas.openxmlformats.org/drawingml/2006/main" xmlns:r="http://schemas.openxmlformats.org/officeDocument/2006/relationships" xmlns:p="http://schemas.openxmlformats.org/presentationml/2006/main">
+  <p:cSld>
+    <p:spTree>
+      <p:nvGrpSpPr>
+        <p:cNvPr id="1" name=""/>
+        <p:cNvGrpSpPr/>
+        <p:nvPr/>
+      </p:nvGrpSpPr>
+      <p:grpSpPr>
+        <a:xfrm>
+          <a:off x="0" y="0"/>
+          <a:ext cx="0" cy="0"/>
+          <a:chOff x="0" y="0"/>
+          <a:chExt cx="0" cy="0"/>
+        </a:xfrm>
+      </p:grpSpPr>
+      <p:sp>
+        <p:nvSpPr>
+          <p:cNvPr id="5" name="椭圆 4"/>
+          <p:cNvSpPr/>
+          <p:nvPr/>
+        </p:nvSpPr>
+        <p:spPr>
+          <a:xfrm>
+            <a:off x="5020575" y="2958857"/>
+            <a:ext cx="552090" cy="552090"/>
+          </a:xfrm>
+          <a:prstGeom prst="ellipse">
+            <a:avLst/>
+          </a:prstGeom>
+          <a:solidFill>
+            <a:schemeClr val="accent2"/>
+          </a:solidFill>
+        </p:spPr>
+        <p:style>
+          <a:lnRef idx="2">
+            <a:schemeClr val="accent1">
+              <a:shade val="50000"/>
+            </a:schemeClr>
+          </a:lnRef>
+          <a:fillRef idx="1">
+            <a:schemeClr val="accent1"/>
+          </a:fillRef>
+          <a:effectRef idx="0">
+            <a:schemeClr val="accent1"/>
+          </a:effectRef>
+          <a:fontRef idx="minor">
+            <a:schemeClr val="lt1"/>
+          </a:fontRef>
+        </p:style>
+        <p:txBody>
+          <a:bodyPr rtlCol="0" anchor="ctr"/>
+          <a:lstStyle/>
+          <a:p>
+            <a:pPr algn="ctr"/>
+            <a:r>
+              <a:rPr lang="zh-CN" altLang="en-US" dirty="0" smtClean="0"/>
+              <a:t>木</a:t>
+            </a:r>
+            <a:endParaRPr lang="zh-CN" altLang="en-US" dirty="0"/>
+          </a:p>
+        </p:txBody>
+      </p:sp>
+      <p:sp>
+        <p:nvSpPr>
+          <p:cNvPr id="6" name="椭圆 5"/>
+          <p:cNvSpPr/>
+          <p:nvPr/>
+        </p:nvSpPr>
+        <p:spPr>
+          <a:xfrm>
+            <a:off x="2997678" y="4718649"/>
+            <a:ext cx="552090" cy="552090"/>
+          </a:xfrm>
+          <a:prstGeom prst="ellipse">
+            <a:avLst/>
+          </a:prstGeom>
+          <a:solidFill>
+            <a:schemeClr val="accent2"/>
+          </a:solidFill>
+        </p:spPr>
+        <p:style>
+          <a:lnRef idx="2">
+            <a:schemeClr val="accent1">
+              <a:shade val="50000"/>
+            </a:schemeClr>
+          </a:lnRef>
+          <a:fillRef idx="1">
+            <a:schemeClr val="accent1"/>
+          </a:fillRef>
+          <a:effectRef idx="0">
+            <a:schemeClr val="accent1"/>
+          </a:effectRef>
+          <a:fontRef idx="minor">
+            <a:schemeClr val="lt1"/>
+          </a:fontRef>
+        </p:style>
+        <p:txBody>
+          <a:bodyPr rtlCol="0" anchor="ctr"/>
+          <a:lstStyle/>
+          <a:p>
+            <a:pPr algn="ctr"/>
+            <a:r>
+              <a:rPr lang="zh-CN" altLang="en-US" dirty="0" smtClean="0"/>
+              <a:t>火</a:t>
+            </a:r>
+            <a:endParaRPr lang="zh-CN" altLang="en-US" dirty="0"/>
+          </a:p>
+        </p:txBody>
+      </p:sp>
+      <p:sp>
+        <p:nvSpPr>
+          <p:cNvPr id="7" name="椭圆 6"/>
+          <p:cNvSpPr/>
+          <p:nvPr/>
+        </p:nvSpPr>
+        <p:spPr>
+          <a:xfrm>
+            <a:off x="974781" y="2950232"/>
+            <a:ext cx="552090" cy="552090"/>
+          </a:xfrm>
+          <a:prstGeom prst="ellipse">
+            <a:avLst/>
+          </a:prstGeom>
+          <a:solidFill>
+            <a:schemeClr val="accent2"/>
+          </a:solidFill>
+        </p:spPr>
+        <p:style>
+          <a:lnRef idx="2">
+            <a:schemeClr val="accent1">
+              <a:shade val="50000"/>
+            </a:schemeClr>
+          </a:lnRef>
+          <a:fillRef idx="1">
+            <a:schemeClr val="accent1"/>
+          </a:fillRef>
+          <a:effectRef idx="0">
+            <a:schemeClr val="accent1"/>
+          </a:effectRef>
+          <a:fontRef idx="minor">
+            <a:schemeClr val="lt1"/>
+          </a:fontRef>
+        </p:style>
+        <p:txBody>
+          <a:bodyPr rtlCol="0" anchor="ctr"/>
+          <a:lstStyle/>
+          <a:p>
+            <a:pPr algn="ctr"/>
+            <a:r>
+              <a:rPr lang="zh-CN" altLang="en-US" dirty="0" smtClean="0"/>
+              <a:t>金</a:t>
+            </a:r>
+            <a:endParaRPr lang="zh-CN" altLang="en-US" dirty="0"/>
+          </a:p>
+        </p:txBody>
+      </p:sp>
+      <p:sp>
+        <p:nvSpPr>
+          <p:cNvPr id="8" name="椭圆 7"/>
+          <p:cNvSpPr/>
+          <p:nvPr/>
+        </p:nvSpPr>
+        <p:spPr>
+          <a:xfrm>
+            <a:off x="2997678" y="1181815"/>
+            <a:ext cx="552090" cy="552090"/>
+          </a:xfrm>
+          <a:prstGeom prst="ellipse">
+            <a:avLst/>
+          </a:prstGeom>
+          <a:solidFill>
+            <a:schemeClr val="accent2"/>
+          </a:solidFill>
+        </p:spPr>
+        <p:style>
+          <a:lnRef idx="2">
+            <a:schemeClr val="accent1">
+              <a:shade val="50000"/>
+            </a:schemeClr>
+          </a:lnRef>
+          <a:fillRef idx="1">
+            <a:schemeClr val="accent1"/>
+          </a:fillRef>
+          <a:effectRef idx="0">
+            <a:schemeClr val="accent1"/>
+          </a:effectRef>
+          <a:fontRef idx="minor">
+            <a:schemeClr val="lt1"/>
+          </a:fontRef>
+        </p:style>
+        <p:txBody>
+          <a:bodyPr rtlCol="0" anchor="ctr"/>
+          <a:lstStyle/>
+          <a:p>
+            <a:pPr algn="ctr"/>
+            <a:r>
+              <a:rPr lang="zh-CN" altLang="en-US" sz="2000" dirty="0" smtClean="0"/>
+              <a:t>水</a:t>
+            </a:r>
+            <a:endParaRPr lang="zh-CN" altLang="en-US" sz="2000" dirty="0"/>
+          </a:p>
+        </p:txBody>
+      </p:sp>
+      <p:sp>
+        <p:nvSpPr>
+          <p:cNvPr id="18" name="椭圆 17"/>
+          <p:cNvSpPr/>
+          <p:nvPr/>
+        </p:nvSpPr>
+        <p:spPr>
+          <a:xfrm>
+            <a:off x="2997678" y="2950232"/>
+            <a:ext cx="552090" cy="552090"/>
+          </a:xfrm>
+          <a:prstGeom prst="ellipse">
+            <a:avLst/>
+          </a:prstGeom>
+          <a:solidFill>
+            <a:schemeClr val="accent2"/>
+          </a:solidFill>
+        </p:spPr>
+        <p:style>
+          <a:lnRef idx="2">
+            <a:schemeClr val="accent1">
+              <a:shade val="50000"/>
+            </a:schemeClr>
+          </a:lnRef>
+          <a:fillRef idx="1">
+            <a:schemeClr val="accent1"/>
+          </a:fillRef>
+          <a:effectRef idx="0">
+            <a:schemeClr val="accent1"/>
+          </a:effectRef>
+          <a:fontRef idx="minor">
+            <a:schemeClr val="lt1"/>
+          </a:fontRef>
+        </p:style>
+        <p:txBody>
+          <a:bodyPr rtlCol="0" anchor="ctr"/>
+          <a:lstStyle/>
+          <a:p>
+            <a:pPr algn="ctr"/>
+            <a:r>
+              <a:rPr lang="zh-CN" altLang="en-US" dirty="0" smtClean="0"/>
+              <a:t>土</a:t>
+            </a:r>
+            <a:endParaRPr lang="zh-CN" altLang="en-US" dirty="0"/>
+          </a:p>
+        </p:txBody>
+      </p:sp>
+      <p:cxnSp>
+        <p:nvCxnSpPr>
+          <p:cNvPr id="20" name="直接箭头连接符 19"/>
+          <p:cNvCxnSpPr/>
+          <p:nvPr/>
+        </p:nvCxnSpPr>
+        <p:spPr>
+          <a:xfrm flipV="1">
+            <a:off x="1629332" y="1725280"/>
+            <a:ext cx="1287494" cy="1216327"/>
+          </a:xfrm>
+          <a:prstGeom prst="straightConnector1">
+            <a:avLst/>
+          </a:prstGeom>
+          <a:ln>
+            <a:tailEnd type="triangle"/>
+          </a:ln>
+        </p:spPr>
+        <p:style>
+          <a:lnRef idx="1">
+            <a:schemeClr val="accent1"/>
+          </a:lnRef>
+          <a:fillRef idx="0">
+            <a:schemeClr val="accent1"/>
+          </a:fillRef>
+          <a:effectRef idx="0">
+            <a:schemeClr val="accent1"/>
+          </a:effectRef>
+          <a:fontRef idx="minor">
+            <a:schemeClr val="tx1"/>
+          </a:fontRef>
+        </p:style>
+      </p:cxnSp>
+      <p:cxnSp>
+        <p:nvCxnSpPr>
+          <p:cNvPr id="27" name="直接箭头连接符 26"/>
+          <p:cNvCxnSpPr/>
+          <p:nvPr/>
+        </p:nvCxnSpPr>
+        <p:spPr>
+          <a:xfrm>
+            <a:off x="3652229" y="1742530"/>
+            <a:ext cx="1368346" cy="1199077"/>
+          </a:xfrm>
+          <a:prstGeom prst="straightConnector1">
+            <a:avLst/>
+          </a:prstGeom>
+          <a:ln>
+            <a:tailEnd type="triangle"/>
+          </a:ln>
+        </p:spPr>
+        <p:style>
+          <a:lnRef idx="1">
+            <a:schemeClr val="accent1"/>
+          </a:lnRef>
+          <a:fillRef idx="0">
+            <a:schemeClr val="accent1"/>
+          </a:fillRef>
+          <a:effectRef idx="0">
+            <a:schemeClr val="accent1"/>
+          </a:effectRef>
+          <a:fontRef idx="minor">
+            <a:schemeClr val="tx1"/>
+          </a:fontRef>
+        </p:style>
+      </p:cxnSp>
+      <p:cxnSp>
+        <p:nvCxnSpPr>
+          <p:cNvPr id="29" name="直接箭头连接符 28"/>
+          <p:cNvCxnSpPr/>
+          <p:nvPr/>
+        </p:nvCxnSpPr>
+        <p:spPr>
+          <a:xfrm flipH="1">
+            <a:off x="3630620" y="3510947"/>
+            <a:ext cx="1389955" cy="1216327"/>
+          </a:xfrm>
+          <a:prstGeom prst="straightConnector1">
+            <a:avLst/>
+          </a:prstGeom>
+          <a:ln>
+            <a:tailEnd type="triangle"/>
+          </a:ln>
+        </p:spPr>
+        <p:style>
+          <a:lnRef idx="1">
+            <a:schemeClr val="accent1"/>
+          </a:lnRef>
+          <a:fillRef idx="0">
+            <a:schemeClr val="accent1"/>
+          </a:fillRef>
+          <a:effectRef idx="0">
+            <a:schemeClr val="accent1"/>
+          </a:effectRef>
+          <a:fontRef idx="minor">
+            <a:schemeClr val="tx1"/>
+          </a:fontRef>
+        </p:style>
+      </p:cxnSp>
+      <p:cxnSp>
+        <p:nvCxnSpPr>
+          <p:cNvPr id="33" name="直接箭头连接符 32"/>
+          <p:cNvCxnSpPr/>
+          <p:nvPr/>
+        </p:nvCxnSpPr>
+        <p:spPr>
+          <a:xfrm flipH="1">
+            <a:off x="1802921" y="3271015"/>
+            <a:ext cx="1092296" cy="0"/>
+          </a:xfrm>
+          <a:prstGeom prst="straightConnector1">
+            <a:avLst/>
+          </a:prstGeom>
+          <a:ln>
+            <a:tailEnd type="triangle"/>
+          </a:ln>
+        </p:spPr>
+        <p:style>
+          <a:lnRef idx="1">
+            <a:schemeClr val="accent1"/>
+          </a:lnRef>
+          <a:fillRef idx="0">
+            <a:schemeClr val="accent1"/>
+          </a:fillRef>
+          <a:effectRef idx="0">
+            <a:schemeClr val="accent1"/>
+          </a:effectRef>
+          <a:fontRef idx="minor">
+            <a:schemeClr val="tx1"/>
+          </a:fontRef>
+        </p:style>
+      </p:cxnSp>
+      <p:sp>
+        <p:nvSpPr>
+          <p:cNvPr id="34" name="椭圆 33"/>
+          <p:cNvSpPr/>
+          <p:nvPr/>
+        </p:nvSpPr>
+        <p:spPr>
+          <a:xfrm>
+            <a:off x="10618028" y="2950232"/>
+            <a:ext cx="552090" cy="552090"/>
+          </a:xfrm>
+          <a:prstGeom prst="ellipse">
+            <a:avLst/>
+          </a:prstGeom>
+          <a:solidFill>
+            <a:schemeClr val="accent2"/>
+          </a:solidFill>
+        </p:spPr>
+        <p:style>
+          <a:lnRef idx="2">
+            <a:schemeClr val="accent1">
+              <a:shade val="50000"/>
+            </a:schemeClr>
+          </a:lnRef>
+          <a:fillRef idx="1">
+            <a:schemeClr val="accent1"/>
+          </a:fillRef>
+          <a:effectRef idx="0">
+            <a:schemeClr val="accent1"/>
+          </a:effectRef>
+          <a:fontRef idx="minor">
+            <a:schemeClr val="lt1"/>
+          </a:fontRef>
+        </p:style>
+        <p:txBody>
+          <a:bodyPr rtlCol="0" anchor="ctr"/>
+          <a:lstStyle/>
+          <a:p>
+            <a:pPr algn="ctr"/>
+            <a:r>
+              <a:rPr lang="zh-CN" altLang="en-US" dirty="0" smtClean="0"/>
+              <a:t>木</a:t>
+            </a:r>
+            <a:endParaRPr lang="zh-CN" altLang="en-US" dirty="0"/>
+          </a:p>
+        </p:txBody>
+      </p:sp>
+      <p:sp>
+        <p:nvSpPr>
+          <p:cNvPr id="35" name="椭圆 34"/>
+          <p:cNvSpPr/>
+          <p:nvPr/>
+        </p:nvSpPr>
+        <p:spPr>
+          <a:xfrm>
+            <a:off x="8595131" y="4710024"/>
+            <a:ext cx="552090" cy="552090"/>
+          </a:xfrm>
+          <a:prstGeom prst="ellipse">
+            <a:avLst/>
+          </a:prstGeom>
+          <a:solidFill>
+            <a:schemeClr val="accent2"/>
+          </a:solidFill>
+        </p:spPr>
+        <p:style>
+          <a:lnRef idx="2">
+            <a:schemeClr val="accent1">
+              <a:shade val="50000"/>
+            </a:schemeClr>
+          </a:lnRef>
+          <a:fillRef idx="1">
+            <a:schemeClr val="accent1"/>
+          </a:fillRef>
+          <a:effectRef idx="0">
+            <a:schemeClr val="accent1"/>
+          </a:effectRef>
+          <a:fontRef idx="minor">
+            <a:schemeClr val="lt1"/>
+          </a:fontRef>
+        </p:style>
+        <p:txBody>
+          <a:bodyPr rtlCol="0" anchor="ctr"/>
+          <a:lstStyle/>
+          <a:p>
+            <a:pPr algn="ctr"/>
+            <a:r>
+              <a:rPr lang="zh-CN" altLang="en-US" dirty="0" smtClean="0"/>
+              <a:t>火</a:t>
+            </a:r>
+            <a:endParaRPr lang="zh-CN" altLang="en-US" dirty="0"/>
+          </a:p>
+        </p:txBody>
+      </p:sp>
+      <p:sp>
+        <p:nvSpPr>
+          <p:cNvPr id="36" name="椭圆 35"/>
+          <p:cNvSpPr/>
+          <p:nvPr/>
+        </p:nvSpPr>
+        <p:spPr>
+          <a:xfrm>
+            <a:off x="6572234" y="2941607"/>
+            <a:ext cx="552090" cy="552090"/>
+          </a:xfrm>
+          <a:prstGeom prst="ellipse">
+            <a:avLst/>
+          </a:prstGeom>
+          <a:solidFill>
+            <a:schemeClr val="accent2"/>
+          </a:solidFill>
+        </p:spPr>
+        <p:style>
+          <a:lnRef idx="2">
+            <a:schemeClr val="accent1">
+              <a:shade val="50000"/>
+            </a:schemeClr>
+          </a:lnRef>
+          <a:fillRef idx="1">
+            <a:schemeClr val="accent1"/>
+          </a:fillRef>
+          <a:effectRef idx="0">
+            <a:schemeClr val="accent1"/>
+          </a:effectRef>
+          <a:fontRef idx="minor">
+            <a:schemeClr val="lt1"/>
+          </a:fontRef>
+        </p:style>
+        <p:txBody>
+          <a:bodyPr rtlCol="0" anchor="ctr"/>
+          <a:lstStyle/>
+          <a:p>
+            <a:pPr algn="ctr"/>
+            <a:r>
+              <a:rPr lang="zh-CN" altLang="en-US" dirty="0" smtClean="0"/>
+              <a:t>金</a:t>
+            </a:r>
+            <a:endParaRPr lang="zh-CN" altLang="en-US" dirty="0"/>
+          </a:p>
+        </p:txBody>
+      </p:sp>
+      <p:sp>
+        <p:nvSpPr>
+          <p:cNvPr id="37" name="椭圆 36"/>
+          <p:cNvSpPr/>
+          <p:nvPr/>
+        </p:nvSpPr>
+        <p:spPr>
+          <a:xfrm>
+            <a:off x="8595131" y="1173190"/>
+            <a:ext cx="552090" cy="552090"/>
+          </a:xfrm>
+          <a:prstGeom prst="ellipse">
+            <a:avLst/>
+          </a:prstGeom>
+          <a:solidFill>
+            <a:schemeClr val="accent2"/>
+          </a:solidFill>
+        </p:spPr>
+        <p:style>
+          <a:lnRef idx="2">
+            <a:schemeClr val="accent1">
+              <a:shade val="50000"/>
+            </a:schemeClr>
+          </a:lnRef>
+          <a:fillRef idx="1">
+            <a:schemeClr val="accent1"/>
+          </a:fillRef>
+          <a:effectRef idx="0">
+            <a:schemeClr val="accent1"/>
+          </a:effectRef>
+          <a:fontRef idx="minor">
+            <a:schemeClr val="lt1"/>
+          </a:fontRef>
+        </p:style>
+        <p:txBody>
+          <a:bodyPr rtlCol="0" anchor="ctr"/>
+          <a:lstStyle/>
+          <a:p>
+            <a:pPr algn="ctr"/>
+            <a:r>
+              <a:rPr lang="zh-CN" altLang="en-US" dirty="0" smtClean="0"/>
+              <a:t>水</a:t>
+            </a:r>
+            <a:endParaRPr lang="zh-CN" altLang="en-US" dirty="0"/>
+          </a:p>
+        </p:txBody>
+      </p:sp>
+      <p:sp>
+        <p:nvSpPr>
+          <p:cNvPr id="38" name="椭圆 37"/>
+          <p:cNvSpPr/>
+          <p:nvPr/>
+        </p:nvSpPr>
+        <p:spPr>
+          <a:xfrm>
+            <a:off x="8595131" y="2941607"/>
+            <a:ext cx="552090" cy="552090"/>
+          </a:xfrm>
+          <a:prstGeom prst="ellipse">
+            <a:avLst/>
+          </a:prstGeom>
+          <a:solidFill>
+            <a:schemeClr val="accent2"/>
+          </a:solidFill>
+        </p:spPr>
+        <p:style>
+          <a:lnRef idx="2">
+            <a:schemeClr val="accent1">
+              <a:shade val="50000"/>
+            </a:schemeClr>
+          </a:lnRef>
+          <a:fillRef idx="1">
+            <a:schemeClr val="accent1"/>
+          </a:fillRef>
+          <a:effectRef idx="0">
+            <a:schemeClr val="accent1"/>
+          </a:effectRef>
+          <a:fontRef idx="minor">
+            <a:schemeClr val="lt1"/>
+          </a:fontRef>
+        </p:style>
+        <p:txBody>
+          <a:bodyPr rtlCol="0" anchor="ctr"/>
+          <a:lstStyle/>
+          <a:p>
+            <a:pPr algn="ctr"/>
+            <a:r>
+              <a:rPr lang="zh-CN" altLang="en-US" dirty="0" smtClean="0"/>
+              <a:t>土</a:t>
+            </a:r>
+            <a:endParaRPr lang="zh-CN" altLang="en-US" dirty="0"/>
+          </a:p>
+        </p:txBody>
+      </p:sp>
+      <p:cxnSp>
+        <p:nvCxnSpPr>
+          <p:cNvPr id="54" name="直接连接符 53"/>
+          <p:cNvCxnSpPr/>
+          <p:nvPr/>
+        </p:nvCxnSpPr>
+        <p:spPr>
+          <a:xfrm flipV="1">
+            <a:off x="7030528" y="2350694"/>
+            <a:ext cx="2268747" cy="590913"/>
+          </a:xfrm>
+          <a:prstGeom prst="line">
+            <a:avLst/>
+          </a:prstGeom>
+        </p:spPr>
+        <p:style>
+          <a:lnRef idx="1">
+            <a:schemeClr val="accent1"/>
+          </a:lnRef>
+          <a:fillRef idx="0">
+            <a:schemeClr val="accent1"/>
+          </a:fillRef>
+          <a:effectRef idx="0">
+            <a:schemeClr val="accent1"/>
+          </a:effectRef>
+          <a:fontRef idx="minor">
+            <a:schemeClr val="tx1"/>
+          </a:fontRef>
+        </p:style>
+      </p:cxnSp>
+      <p:cxnSp>
+        <p:nvCxnSpPr>
+          <p:cNvPr id="56" name="直接箭头连接符 55"/>
+          <p:cNvCxnSpPr/>
+          <p:nvPr/>
+        </p:nvCxnSpPr>
+        <p:spPr>
+          <a:xfrm>
+            <a:off x="9299275" y="2350694"/>
+            <a:ext cx="1318753" cy="668551"/>
+          </a:xfrm>
+          <a:prstGeom prst="straightConnector1">
+            <a:avLst/>
+          </a:prstGeom>
+          <a:ln>
+            <a:tailEnd type="triangle"/>
+          </a:ln>
+        </p:spPr>
+        <p:style>
+          <a:lnRef idx="1">
+            <a:schemeClr val="accent1"/>
+          </a:lnRef>
+          <a:fillRef idx="0">
+            <a:schemeClr val="accent1"/>
+          </a:fillRef>
+          <a:effectRef idx="0">
+            <a:schemeClr val="accent1"/>
+          </a:effectRef>
+          <a:fontRef idx="minor">
+            <a:schemeClr val="tx1"/>
+          </a:fontRef>
+        </p:style>
+      </p:cxnSp>
+      <p:cxnSp>
+        <p:nvCxnSpPr>
+          <p:cNvPr id="58" name="直接箭头连接符 57"/>
+          <p:cNvCxnSpPr/>
+          <p:nvPr/>
+        </p:nvCxnSpPr>
+        <p:spPr>
+          <a:xfrm flipH="1">
+            <a:off x="9299275" y="3355675"/>
+            <a:ext cx="1318753" cy="0"/>
+          </a:xfrm>
+          <a:prstGeom prst="straightConnector1">
+            <a:avLst/>
+          </a:prstGeom>
+          <a:ln>
+            <a:tailEnd type="triangle"/>
+          </a:ln>
+        </p:spPr>
+        <p:style>
+          <a:lnRef idx="1">
+            <a:schemeClr val="accent1"/>
+          </a:lnRef>
+          <a:fillRef idx="0">
+            <a:schemeClr val="accent1"/>
+          </a:fillRef>
+          <a:effectRef idx="0">
+            <a:schemeClr val="accent1"/>
+          </a:effectRef>
+          <a:fontRef idx="minor">
+            <a:schemeClr val="tx1"/>
+          </a:fontRef>
+        </p:style>
+      </p:cxnSp>
+      <p:cxnSp>
+        <p:nvCxnSpPr>
+          <p:cNvPr id="60" name="直接箭头连接符 59"/>
+          <p:cNvCxnSpPr/>
+          <p:nvPr/>
+        </p:nvCxnSpPr>
+        <p:spPr>
+          <a:xfrm flipV="1">
+            <a:off x="8522898" y="1725280"/>
+            <a:ext cx="155276" cy="1293965"/>
+          </a:xfrm>
+          <a:prstGeom prst="straightConnector1">
+            <a:avLst/>
+          </a:prstGeom>
+          <a:ln>
+            <a:tailEnd type="triangle"/>
+          </a:ln>
+        </p:spPr>
+        <p:style>
+          <a:lnRef idx="1">
+            <a:schemeClr val="accent1"/>
+          </a:lnRef>
+          <a:fillRef idx="0">
+            <a:schemeClr val="accent1"/>
+          </a:fillRef>
+          <a:effectRef idx="0">
+            <a:schemeClr val="accent1"/>
+          </a:effectRef>
+          <a:fontRef idx="minor">
+            <a:schemeClr val="tx1"/>
+          </a:fontRef>
+        </p:style>
+      </p:cxnSp>
+      <p:cxnSp>
+        <p:nvCxnSpPr>
+          <p:cNvPr id="62" name="直接连接符 61"/>
+          <p:cNvCxnSpPr/>
+          <p:nvPr/>
+        </p:nvCxnSpPr>
+        <p:spPr>
+          <a:xfrm flipH="1">
+            <a:off x="8216113" y="1613140"/>
+            <a:ext cx="306785" cy="2471470"/>
+          </a:xfrm>
+          <a:prstGeom prst="line">
+            <a:avLst/>
+          </a:prstGeom>
+        </p:spPr>
+        <p:style>
+          <a:lnRef idx="1">
+            <a:schemeClr val="accent1"/>
+          </a:lnRef>
+          <a:fillRef idx="0">
+            <a:schemeClr val="accent1"/>
+          </a:fillRef>
+          <a:effectRef idx="0">
+            <a:schemeClr val="accent1"/>
+          </a:effectRef>
+          <a:fontRef idx="minor">
+            <a:schemeClr val="tx1"/>
+          </a:fontRef>
+        </p:style>
+      </p:cxnSp>
+      <p:cxnSp>
+        <p:nvCxnSpPr>
+          <p:cNvPr id="64" name="直接箭头连接符 63"/>
+          <p:cNvCxnSpPr/>
+          <p:nvPr/>
+        </p:nvCxnSpPr>
+        <p:spPr>
+          <a:xfrm>
+            <a:off x="8212592" y="4084610"/>
+            <a:ext cx="382539" cy="642664"/>
+          </a:xfrm>
+          <a:prstGeom prst="straightConnector1">
+            <a:avLst/>
+          </a:prstGeom>
+          <a:ln>
+            <a:tailEnd type="triangle"/>
+          </a:ln>
+        </p:spPr>
+        <p:style>
+          <a:lnRef idx="1">
+            <a:schemeClr val="accent1"/>
+          </a:lnRef>
+          <a:fillRef idx="0">
+            <a:schemeClr val="accent1"/>
+          </a:fillRef>
+          <a:effectRef idx="0">
+            <a:schemeClr val="accent1"/>
+          </a:effectRef>
+          <a:fontRef idx="minor">
+            <a:schemeClr val="tx1"/>
+          </a:fontRef>
+        </p:style>
+      </p:cxnSp>
+      <p:cxnSp>
+        <p:nvCxnSpPr>
+          <p:cNvPr id="66" name="直接箭头连接符 65"/>
+          <p:cNvCxnSpPr/>
+          <p:nvPr/>
+        </p:nvCxnSpPr>
+        <p:spPr>
+          <a:xfrm flipH="1" flipV="1">
+            <a:off x="7030528" y="3610158"/>
+            <a:ext cx="1492370" cy="1350031"/>
+          </a:xfrm>
+          <a:prstGeom prst="straightConnector1">
+            <a:avLst/>
+          </a:prstGeom>
+          <a:ln>
+            <a:tailEnd type="triangle"/>
+          </a:ln>
+        </p:spPr>
+        <p:style>
+          <a:lnRef idx="1">
+            <a:schemeClr val="accent1"/>
+          </a:lnRef>
+          <a:fillRef idx="0">
+            <a:schemeClr val="accent1"/>
+          </a:fillRef>
+          <a:effectRef idx="0">
+            <a:schemeClr val="accent1"/>
+          </a:effectRef>
+          <a:fontRef idx="minor">
+            <a:schemeClr val="tx1"/>
+          </a:fontRef>
+        </p:style>
+      </p:cxnSp>
+      <p:sp>
+        <p:nvSpPr>
+          <p:cNvPr id="69" name="文本框 68"/>
+          <p:cNvSpPr txBox="1"/>
+          <p:nvPr/>
+        </p:nvSpPr>
+        <p:spPr>
+          <a:xfrm>
+            <a:off x="1181819" y="940279"/>
+            <a:ext cx="415498" cy="369332"/>
+          </a:xfrm>
+          <a:prstGeom prst="rect">
+            <a:avLst/>
+          </a:prstGeom>
+          <a:noFill/>
+        </p:spPr>
+        <p:txBody>
+          <a:bodyPr wrap="none" rtlCol="0">
+            <a:spAutoFit/>
+          </a:bodyPr>
+          <a:lstStyle/>
+          <a:p>
+            <a:r>
+              <a:rPr lang="zh-CN" altLang="en-US" dirty="0" smtClean="0"/>
+              <a:t>生</a:t>
+            </a:r>
+            <a:endParaRPr lang="zh-CN" altLang="en-US" dirty="0"/>
+          </a:p>
+        </p:txBody>
+      </p:sp>
+      <p:sp>
+        <p:nvSpPr>
+          <p:cNvPr id="70" name="文本框 69"/>
+          <p:cNvSpPr txBox="1"/>
+          <p:nvPr/>
+        </p:nvSpPr>
+        <p:spPr>
+          <a:xfrm>
+            <a:off x="7030528" y="1173190"/>
+            <a:ext cx="415498" cy="369332"/>
+          </a:xfrm>
+          <a:prstGeom prst="rect">
+            <a:avLst/>
+          </a:prstGeom>
+          <a:noFill/>
+        </p:spPr>
+        <p:txBody>
+          <a:bodyPr wrap="none" rtlCol="0">
+            <a:spAutoFit/>
+          </a:bodyPr>
+          <a:lstStyle/>
+          <a:p>
+            <a:r>
+              <a:rPr lang="zh-CN" altLang="en-US" dirty="0" smtClean="0"/>
+              <a:t>克</a:t>
+            </a:r>
+            <a:endParaRPr lang="zh-CN" altLang="en-US" dirty="0"/>
+          </a:p>
+        </p:txBody>
+      </p:sp>
+    </p:spTree>
+    <p:extLst>
+      <p:ext uri="{BB962C8B-B14F-4D97-AF65-F5344CB8AC3E}">
+        <p14:creationId xmlns:p14="http://schemas.microsoft.com/office/powerpoint/2010/main" val="2236229099"/>
+      </p:ext>
+    </p:extLst>
+  </p:cSld>
+  <p:clrMapOvr>
+    <a:masterClrMapping/>
+  </p:clrMapOvr>
+</p:sld>
+</file>
+
 <file path=ppt/theme/theme1.xml><?xml version="1.0" encoding="utf-8"?>
 <a:theme xmlns:a="http://schemas.openxmlformats.org/drawingml/2006/main" name="Office 主题">
   <a:themeElements>

--- a/prophecy/学魔法.pptx
+++ b/prophecy/学魔法.pptx
@@ -7878,7 +7878,7 @@
         </p:nvCxnSpPr>
         <p:spPr>
           <a:xfrm flipV="1">
-            <a:off x="8522898" y="1725280"/>
+            <a:off x="8566029" y="1759784"/>
             <a:ext cx="155276" cy="1293965"/>
           </a:xfrm>
           <a:prstGeom prst="straightConnector1">
@@ -8059,6 +8059,39 @@
           </a:p>
         </p:txBody>
       </p:sp>
+      <p:cxnSp>
+        <p:nvCxnSpPr>
+          <p:cNvPr id="72" name="直接箭头连接符 71"/>
+          <p:cNvCxnSpPr/>
+          <p:nvPr/>
+        </p:nvCxnSpPr>
+        <p:spPr>
+          <a:xfrm flipV="1">
+            <a:off x="3273723" y="3610158"/>
+            <a:ext cx="0" cy="944589"/>
+          </a:xfrm>
+          <a:prstGeom prst="straightConnector1">
+            <a:avLst/>
+          </a:prstGeom>
+          <a:ln>
+            <a:tailEnd type="triangle"/>
+          </a:ln>
+        </p:spPr>
+        <p:style>
+          <a:lnRef idx="1">
+            <a:schemeClr val="accent1"/>
+          </a:lnRef>
+          <a:fillRef idx="0">
+            <a:schemeClr val="accent1"/>
+          </a:fillRef>
+          <a:effectRef idx="0">
+            <a:schemeClr val="accent1"/>
+          </a:effectRef>
+          <a:fontRef idx="minor">
+            <a:schemeClr val="tx1"/>
+          </a:fontRef>
+        </p:style>
+      </p:cxnSp>
     </p:spTree>
     <p:extLst>
       <p:ext uri="{BB962C8B-B14F-4D97-AF65-F5344CB8AC3E}">

--- a/prophecy/学魔法.pptx
+++ b/prophecy/学魔法.pptx
@@ -248,7 +248,7 @@
           <a:p>
             <a:fld id="{D158A3A6-BB24-48D8-87E0-EE8C50041EAA}" type="datetimeFigureOut">
               <a:rPr lang="zh-CN" altLang="en-US" smtClean="0"/>
-              <a:t>2022/10/24</a:t>
+              <a:t>2022/10/25</a:t>
             </a:fld>
             <a:endParaRPr lang="zh-CN" altLang="en-US"/>
           </a:p>
@@ -418,7 +418,7 @@
           <a:p>
             <a:fld id="{D158A3A6-BB24-48D8-87E0-EE8C50041EAA}" type="datetimeFigureOut">
               <a:rPr lang="zh-CN" altLang="en-US" smtClean="0"/>
-              <a:t>2022/10/24</a:t>
+              <a:t>2022/10/25</a:t>
             </a:fld>
             <a:endParaRPr lang="zh-CN" altLang="en-US"/>
           </a:p>
@@ -598,7 +598,7 @@
           <a:p>
             <a:fld id="{D158A3A6-BB24-48D8-87E0-EE8C50041EAA}" type="datetimeFigureOut">
               <a:rPr lang="zh-CN" altLang="en-US" smtClean="0"/>
-              <a:t>2022/10/24</a:t>
+              <a:t>2022/10/25</a:t>
             </a:fld>
             <a:endParaRPr lang="zh-CN" altLang="en-US"/>
           </a:p>
@@ -768,7 +768,7 @@
           <a:p>
             <a:fld id="{D158A3A6-BB24-48D8-87E0-EE8C50041EAA}" type="datetimeFigureOut">
               <a:rPr lang="zh-CN" altLang="en-US" smtClean="0"/>
-              <a:t>2022/10/24</a:t>
+              <a:t>2022/10/25</a:t>
             </a:fld>
             <a:endParaRPr lang="zh-CN" altLang="en-US"/>
           </a:p>
@@ -1014,7 +1014,7 @@
           <a:p>
             <a:fld id="{D158A3A6-BB24-48D8-87E0-EE8C50041EAA}" type="datetimeFigureOut">
               <a:rPr lang="zh-CN" altLang="en-US" smtClean="0"/>
-              <a:t>2022/10/24</a:t>
+              <a:t>2022/10/25</a:t>
             </a:fld>
             <a:endParaRPr lang="zh-CN" altLang="en-US"/>
           </a:p>
@@ -1246,7 +1246,7 @@
           <a:p>
             <a:fld id="{D158A3A6-BB24-48D8-87E0-EE8C50041EAA}" type="datetimeFigureOut">
               <a:rPr lang="zh-CN" altLang="en-US" smtClean="0"/>
-              <a:t>2022/10/24</a:t>
+              <a:t>2022/10/25</a:t>
             </a:fld>
             <a:endParaRPr lang="zh-CN" altLang="en-US"/>
           </a:p>
@@ -1613,7 +1613,7 @@
           <a:p>
             <a:fld id="{D158A3A6-BB24-48D8-87E0-EE8C50041EAA}" type="datetimeFigureOut">
               <a:rPr lang="zh-CN" altLang="en-US" smtClean="0"/>
-              <a:t>2022/10/24</a:t>
+              <a:t>2022/10/25</a:t>
             </a:fld>
             <a:endParaRPr lang="zh-CN" altLang="en-US"/>
           </a:p>
@@ -1731,7 +1731,7 @@
           <a:p>
             <a:fld id="{D158A3A6-BB24-48D8-87E0-EE8C50041EAA}" type="datetimeFigureOut">
               <a:rPr lang="zh-CN" altLang="en-US" smtClean="0"/>
-              <a:t>2022/10/24</a:t>
+              <a:t>2022/10/25</a:t>
             </a:fld>
             <a:endParaRPr lang="zh-CN" altLang="en-US"/>
           </a:p>
@@ -1826,7 +1826,7 @@
           <a:p>
             <a:fld id="{D158A3A6-BB24-48D8-87E0-EE8C50041EAA}" type="datetimeFigureOut">
               <a:rPr lang="zh-CN" altLang="en-US" smtClean="0"/>
-              <a:t>2022/10/24</a:t>
+              <a:t>2022/10/25</a:t>
             </a:fld>
             <a:endParaRPr lang="zh-CN" altLang="en-US"/>
           </a:p>
@@ -2103,7 +2103,7 @@
           <a:p>
             <a:fld id="{D158A3A6-BB24-48D8-87E0-EE8C50041EAA}" type="datetimeFigureOut">
               <a:rPr lang="zh-CN" altLang="en-US" smtClean="0"/>
-              <a:t>2022/10/24</a:t>
+              <a:t>2022/10/25</a:t>
             </a:fld>
             <a:endParaRPr lang="zh-CN" altLang="en-US"/>
           </a:p>
@@ -2356,7 +2356,7 @@
           <a:p>
             <a:fld id="{D158A3A6-BB24-48D8-87E0-EE8C50041EAA}" type="datetimeFigureOut">
               <a:rPr lang="zh-CN" altLang="en-US" smtClean="0"/>
-              <a:t>2022/10/24</a:t>
+              <a:t>2022/10/25</a:t>
             </a:fld>
             <a:endParaRPr lang="zh-CN" altLang="en-US"/>
           </a:p>
@@ -2569,7 +2569,7 @@
           <a:p>
             <a:fld id="{D158A3A6-BB24-48D8-87E0-EE8C50041EAA}" type="datetimeFigureOut">
               <a:rPr lang="zh-CN" altLang="en-US" smtClean="0"/>
-              <a:t>2022/10/24</a:t>
+              <a:t>2022/10/25</a:t>
             </a:fld>
             <a:endParaRPr lang="zh-CN" altLang="en-US"/>
           </a:p>
@@ -3113,7 +3113,7 @@
         </p:nvSpPr>
         <p:spPr>
           <a:xfrm>
-            <a:off x="3571337" y="2708693"/>
+            <a:off x="3278038" y="2708693"/>
             <a:ext cx="534838" cy="534838"/>
           </a:xfrm>
           <a:prstGeom prst="ellipse">
@@ -3348,6 +3348,100 @@
             <a:r>
               <a:rPr lang="zh-CN" altLang="en-US" dirty="0" smtClean="0"/>
               <a:t>八卦方位</a:t>
+            </a:r>
+            <a:endParaRPr lang="zh-CN" altLang="en-US" dirty="0"/>
+          </a:p>
+        </p:txBody>
+      </p:sp>
+      <p:sp>
+        <p:nvSpPr>
+          <p:cNvPr id="12" name="矩形 11"/>
+          <p:cNvSpPr/>
+          <p:nvPr/>
+        </p:nvSpPr>
+        <p:spPr>
+          <a:xfrm>
+            <a:off x="7108167" y="1362973"/>
+            <a:ext cx="370936" cy="370936"/>
+          </a:xfrm>
+          <a:prstGeom prst="rect">
+            <a:avLst/>
+          </a:prstGeom>
+          <a:solidFill>
+            <a:schemeClr val="accent2"/>
+          </a:solidFill>
+        </p:spPr>
+        <p:style>
+          <a:lnRef idx="2">
+            <a:schemeClr val="accent1">
+              <a:shade val="50000"/>
+            </a:schemeClr>
+          </a:lnRef>
+          <a:fillRef idx="1">
+            <a:schemeClr val="accent1"/>
+          </a:fillRef>
+          <a:effectRef idx="0">
+            <a:schemeClr val="accent1"/>
+          </a:effectRef>
+          <a:fontRef idx="minor">
+            <a:schemeClr val="lt1"/>
+          </a:fontRef>
+        </p:style>
+        <p:txBody>
+          <a:bodyPr rtlCol="0" anchor="ctr"/>
+          <a:lstStyle/>
+          <a:p>
+            <a:pPr algn="ctr"/>
+            <a:r>
+              <a:rPr lang="zh-CN" altLang="en-US" dirty="0" smtClean="0"/>
+              <a:t>土</a:t>
+            </a:r>
+            <a:endParaRPr lang="zh-CN" altLang="en-US" dirty="0"/>
+          </a:p>
+        </p:txBody>
+      </p:sp>
+      <p:sp>
+        <p:nvSpPr>
+          <p:cNvPr id="13" name="矩形 12"/>
+          <p:cNvSpPr/>
+          <p:nvPr/>
+        </p:nvSpPr>
+        <p:spPr>
+          <a:xfrm>
+            <a:off x="3735239" y="4231254"/>
+            <a:ext cx="370936" cy="370936"/>
+          </a:xfrm>
+          <a:prstGeom prst="rect">
+            <a:avLst/>
+          </a:prstGeom>
+          <a:solidFill>
+            <a:schemeClr val="accent2"/>
+          </a:solidFill>
+        </p:spPr>
+        <p:style>
+          <a:lnRef idx="2">
+            <a:schemeClr val="accent1">
+              <a:shade val="50000"/>
+            </a:schemeClr>
+          </a:lnRef>
+          <a:fillRef idx="1">
+            <a:schemeClr val="accent1"/>
+          </a:fillRef>
+          <a:effectRef idx="0">
+            <a:schemeClr val="accent1"/>
+          </a:effectRef>
+          <a:fontRef idx="minor">
+            <a:schemeClr val="lt1"/>
+          </a:fontRef>
+        </p:style>
+        <p:txBody>
+          <a:bodyPr rtlCol="0" anchor="ctr"/>
+          <a:lstStyle/>
+          <a:p>
+            <a:pPr algn="ctr"/>
+            <a:r>
+              <a:rPr lang="zh-CN" altLang="en-US" dirty="0" smtClean="0"/>
+              <a:t>土</a:t>
             </a:r>
             <a:endParaRPr lang="zh-CN" altLang="en-US" dirty="0"/>
           </a:p>

--- a/prophecy/学魔法.pptx
+++ b/prophecy/学魔法.pptx
@@ -248,7 +248,7 @@
           <a:p>
             <a:fld id="{D158A3A6-BB24-48D8-87E0-EE8C50041EAA}" type="datetimeFigureOut">
               <a:rPr lang="zh-CN" altLang="en-US" smtClean="0"/>
-              <a:t>2022/10/25</a:t>
+              <a:t>2022/10/27</a:t>
             </a:fld>
             <a:endParaRPr lang="zh-CN" altLang="en-US"/>
           </a:p>
@@ -418,7 +418,7 @@
           <a:p>
             <a:fld id="{D158A3A6-BB24-48D8-87E0-EE8C50041EAA}" type="datetimeFigureOut">
               <a:rPr lang="zh-CN" altLang="en-US" smtClean="0"/>
-              <a:t>2022/10/25</a:t>
+              <a:t>2022/10/27</a:t>
             </a:fld>
             <a:endParaRPr lang="zh-CN" altLang="en-US"/>
           </a:p>
@@ -598,7 +598,7 @@
           <a:p>
             <a:fld id="{D158A3A6-BB24-48D8-87E0-EE8C50041EAA}" type="datetimeFigureOut">
               <a:rPr lang="zh-CN" altLang="en-US" smtClean="0"/>
-              <a:t>2022/10/25</a:t>
+              <a:t>2022/10/27</a:t>
             </a:fld>
             <a:endParaRPr lang="zh-CN" altLang="en-US"/>
           </a:p>
@@ -768,7 +768,7 @@
           <a:p>
             <a:fld id="{D158A3A6-BB24-48D8-87E0-EE8C50041EAA}" type="datetimeFigureOut">
               <a:rPr lang="zh-CN" altLang="en-US" smtClean="0"/>
-              <a:t>2022/10/25</a:t>
+              <a:t>2022/10/27</a:t>
             </a:fld>
             <a:endParaRPr lang="zh-CN" altLang="en-US"/>
           </a:p>
@@ -1014,7 +1014,7 @@
           <a:p>
             <a:fld id="{D158A3A6-BB24-48D8-87E0-EE8C50041EAA}" type="datetimeFigureOut">
               <a:rPr lang="zh-CN" altLang="en-US" smtClean="0"/>
-              <a:t>2022/10/25</a:t>
+              <a:t>2022/10/27</a:t>
             </a:fld>
             <a:endParaRPr lang="zh-CN" altLang="en-US"/>
           </a:p>
@@ -1246,7 +1246,7 @@
           <a:p>
             <a:fld id="{D158A3A6-BB24-48D8-87E0-EE8C50041EAA}" type="datetimeFigureOut">
               <a:rPr lang="zh-CN" altLang="en-US" smtClean="0"/>
-              <a:t>2022/10/25</a:t>
+              <a:t>2022/10/27</a:t>
             </a:fld>
             <a:endParaRPr lang="zh-CN" altLang="en-US"/>
           </a:p>
@@ -1613,7 +1613,7 @@
           <a:p>
             <a:fld id="{D158A3A6-BB24-48D8-87E0-EE8C50041EAA}" type="datetimeFigureOut">
               <a:rPr lang="zh-CN" altLang="en-US" smtClean="0"/>
-              <a:t>2022/10/25</a:t>
+              <a:t>2022/10/27</a:t>
             </a:fld>
             <a:endParaRPr lang="zh-CN" altLang="en-US"/>
           </a:p>
@@ -1731,7 +1731,7 @@
           <a:p>
             <a:fld id="{D158A3A6-BB24-48D8-87E0-EE8C50041EAA}" type="datetimeFigureOut">
               <a:rPr lang="zh-CN" altLang="en-US" smtClean="0"/>
-              <a:t>2022/10/25</a:t>
+              <a:t>2022/10/27</a:t>
             </a:fld>
             <a:endParaRPr lang="zh-CN" altLang="en-US"/>
           </a:p>
@@ -1826,7 +1826,7 @@
           <a:p>
             <a:fld id="{D158A3A6-BB24-48D8-87E0-EE8C50041EAA}" type="datetimeFigureOut">
               <a:rPr lang="zh-CN" altLang="en-US" smtClean="0"/>
-              <a:t>2022/10/25</a:t>
+              <a:t>2022/10/27</a:t>
             </a:fld>
             <a:endParaRPr lang="zh-CN" altLang="en-US"/>
           </a:p>
@@ -2103,7 +2103,7 @@
           <a:p>
             <a:fld id="{D158A3A6-BB24-48D8-87E0-EE8C50041EAA}" type="datetimeFigureOut">
               <a:rPr lang="zh-CN" altLang="en-US" smtClean="0"/>
-              <a:t>2022/10/25</a:t>
+              <a:t>2022/10/27</a:t>
             </a:fld>
             <a:endParaRPr lang="zh-CN" altLang="en-US"/>
           </a:p>
@@ -2356,7 +2356,7 @@
           <a:p>
             <a:fld id="{D158A3A6-BB24-48D8-87E0-EE8C50041EAA}" type="datetimeFigureOut">
               <a:rPr lang="zh-CN" altLang="en-US" smtClean="0"/>
-              <a:t>2022/10/25</a:t>
+              <a:t>2022/10/27</a:t>
             </a:fld>
             <a:endParaRPr lang="zh-CN" altLang="en-US"/>
           </a:p>
@@ -2569,7 +2569,7 @@
           <a:p>
             <a:fld id="{D158A3A6-BB24-48D8-87E0-EE8C50041EAA}" type="datetimeFigureOut">
               <a:rPr lang="zh-CN" altLang="en-US" smtClean="0"/>
-              <a:t>2022/10/25</a:t>
+              <a:t>2022/10/27</a:t>
             </a:fld>
             <a:endParaRPr lang="zh-CN" altLang="en-US"/>
           </a:p>

--- a/prophecy/学魔法.pptx
+++ b/prophecy/学魔法.pptx
@@ -248,7 +248,7 @@
           <a:p>
             <a:fld id="{D158A3A6-BB24-48D8-87E0-EE8C50041EAA}" type="datetimeFigureOut">
               <a:rPr lang="zh-CN" altLang="en-US" smtClean="0"/>
-              <a:t>2022/10/27</a:t>
+              <a:t>2022/11/20</a:t>
             </a:fld>
             <a:endParaRPr lang="zh-CN" altLang="en-US"/>
           </a:p>
@@ -418,7 +418,7 @@
           <a:p>
             <a:fld id="{D158A3A6-BB24-48D8-87E0-EE8C50041EAA}" type="datetimeFigureOut">
               <a:rPr lang="zh-CN" altLang="en-US" smtClean="0"/>
-              <a:t>2022/10/27</a:t>
+              <a:t>2022/11/20</a:t>
             </a:fld>
             <a:endParaRPr lang="zh-CN" altLang="en-US"/>
           </a:p>
@@ -598,7 +598,7 @@
           <a:p>
             <a:fld id="{D158A3A6-BB24-48D8-87E0-EE8C50041EAA}" type="datetimeFigureOut">
               <a:rPr lang="zh-CN" altLang="en-US" smtClean="0"/>
-              <a:t>2022/10/27</a:t>
+              <a:t>2022/11/20</a:t>
             </a:fld>
             <a:endParaRPr lang="zh-CN" altLang="en-US"/>
           </a:p>
@@ -768,7 +768,7 @@
           <a:p>
             <a:fld id="{D158A3A6-BB24-48D8-87E0-EE8C50041EAA}" type="datetimeFigureOut">
               <a:rPr lang="zh-CN" altLang="en-US" smtClean="0"/>
-              <a:t>2022/10/27</a:t>
+              <a:t>2022/11/20</a:t>
             </a:fld>
             <a:endParaRPr lang="zh-CN" altLang="en-US"/>
           </a:p>
@@ -1014,7 +1014,7 @@
           <a:p>
             <a:fld id="{D158A3A6-BB24-48D8-87E0-EE8C50041EAA}" type="datetimeFigureOut">
               <a:rPr lang="zh-CN" altLang="en-US" smtClean="0"/>
-              <a:t>2022/10/27</a:t>
+              <a:t>2022/11/20</a:t>
             </a:fld>
             <a:endParaRPr lang="zh-CN" altLang="en-US"/>
           </a:p>
@@ -1246,7 +1246,7 @@
           <a:p>
             <a:fld id="{D158A3A6-BB24-48D8-87E0-EE8C50041EAA}" type="datetimeFigureOut">
               <a:rPr lang="zh-CN" altLang="en-US" smtClean="0"/>
-              <a:t>2022/10/27</a:t>
+              <a:t>2022/11/20</a:t>
             </a:fld>
             <a:endParaRPr lang="zh-CN" altLang="en-US"/>
           </a:p>
@@ -1613,7 +1613,7 @@
           <a:p>
             <a:fld id="{D158A3A6-BB24-48D8-87E0-EE8C50041EAA}" type="datetimeFigureOut">
               <a:rPr lang="zh-CN" altLang="en-US" smtClean="0"/>
-              <a:t>2022/10/27</a:t>
+              <a:t>2022/11/20</a:t>
             </a:fld>
             <a:endParaRPr lang="zh-CN" altLang="en-US"/>
           </a:p>
@@ -1731,7 +1731,7 @@
           <a:p>
             <a:fld id="{D158A3A6-BB24-48D8-87E0-EE8C50041EAA}" type="datetimeFigureOut">
               <a:rPr lang="zh-CN" altLang="en-US" smtClean="0"/>
-              <a:t>2022/10/27</a:t>
+              <a:t>2022/11/20</a:t>
             </a:fld>
             <a:endParaRPr lang="zh-CN" altLang="en-US"/>
           </a:p>
@@ -1826,7 +1826,7 @@
           <a:p>
             <a:fld id="{D158A3A6-BB24-48D8-87E0-EE8C50041EAA}" type="datetimeFigureOut">
               <a:rPr lang="zh-CN" altLang="en-US" smtClean="0"/>
-              <a:t>2022/10/27</a:t>
+              <a:t>2022/11/20</a:t>
             </a:fld>
             <a:endParaRPr lang="zh-CN" altLang="en-US"/>
           </a:p>
@@ -2103,7 +2103,7 @@
           <a:p>
             <a:fld id="{D158A3A6-BB24-48D8-87E0-EE8C50041EAA}" type="datetimeFigureOut">
               <a:rPr lang="zh-CN" altLang="en-US" smtClean="0"/>
-              <a:t>2022/10/27</a:t>
+              <a:t>2022/11/20</a:t>
             </a:fld>
             <a:endParaRPr lang="zh-CN" altLang="en-US"/>
           </a:p>
@@ -2356,7 +2356,7 @@
           <a:p>
             <a:fld id="{D158A3A6-BB24-48D8-87E0-EE8C50041EAA}" type="datetimeFigureOut">
               <a:rPr lang="zh-CN" altLang="en-US" smtClean="0"/>
-              <a:t>2022/10/27</a:t>
+              <a:t>2022/11/20</a:t>
             </a:fld>
             <a:endParaRPr lang="zh-CN" altLang="en-US"/>
           </a:p>
@@ -2569,7 +2569,7 @@
           <a:p>
             <a:fld id="{D158A3A6-BB24-48D8-87E0-EE8C50041EAA}" type="datetimeFigureOut">
               <a:rPr lang="zh-CN" altLang="en-US" smtClean="0"/>
-              <a:t>2022/10/27</a:t>
+              <a:t>2022/11/20</a:t>
             </a:fld>
             <a:endParaRPr lang="zh-CN" altLang="en-US"/>
           </a:p>
@@ -6611,7 +6611,7 @@
         </p:nvSpPr>
         <p:spPr>
           <a:xfrm>
-            <a:off x="5270738" y="379561"/>
+            <a:off x="2930107" y="445614"/>
             <a:ext cx="534838" cy="534838"/>
           </a:xfrm>
           <a:prstGeom prst="ellipse">
@@ -6655,7 +6655,7 @@
         </p:nvSpPr>
         <p:spPr>
           <a:xfrm>
-            <a:off x="6670370" y="831646"/>
+            <a:off x="4329739" y="897699"/>
             <a:ext cx="534838" cy="534838"/>
           </a:xfrm>
           <a:prstGeom prst="ellipse">
@@ -6699,7 +6699,7 @@
         </p:nvSpPr>
         <p:spPr>
           <a:xfrm>
-            <a:off x="7677508" y="1807237"/>
+            <a:off x="5336877" y="1873290"/>
             <a:ext cx="534838" cy="534838"/>
           </a:xfrm>
           <a:prstGeom prst="ellipse">
@@ -6743,7 +6743,7 @@
         </p:nvSpPr>
         <p:spPr>
           <a:xfrm>
-            <a:off x="7975119" y="3053749"/>
+            <a:off x="5634488" y="3119802"/>
             <a:ext cx="534838" cy="534838"/>
           </a:xfrm>
           <a:prstGeom prst="ellipse">
@@ -6787,7 +6787,7 @@
         </p:nvSpPr>
         <p:spPr>
           <a:xfrm>
-            <a:off x="7677508" y="4334773"/>
+            <a:off x="5336877" y="4400826"/>
             <a:ext cx="534838" cy="534838"/>
           </a:xfrm>
           <a:prstGeom prst="ellipse">
@@ -6831,7 +6831,7 @@
         </p:nvSpPr>
         <p:spPr>
           <a:xfrm>
-            <a:off x="6756638" y="5259946"/>
+            <a:off x="4416007" y="5325999"/>
             <a:ext cx="534838" cy="534838"/>
           </a:xfrm>
           <a:prstGeom prst="ellipse">
@@ -6875,7 +6875,7 @@
         </p:nvSpPr>
         <p:spPr>
           <a:xfrm>
-            <a:off x="5270738" y="5758130"/>
+            <a:off x="2930107" y="5824183"/>
             <a:ext cx="534838" cy="534838"/>
           </a:xfrm>
           <a:prstGeom prst="ellipse">
@@ -6919,7 +6919,7 @@
         </p:nvSpPr>
         <p:spPr>
           <a:xfrm>
-            <a:off x="3784839" y="5223292"/>
+            <a:off x="1444208" y="5289345"/>
             <a:ext cx="534838" cy="534838"/>
           </a:xfrm>
           <a:prstGeom prst="ellipse">
@@ -6963,7 +6963,7 @@
         </p:nvSpPr>
         <p:spPr>
           <a:xfrm>
-            <a:off x="2924356" y="4300261"/>
+            <a:off x="583725" y="4366314"/>
             <a:ext cx="534838" cy="534838"/>
           </a:xfrm>
           <a:prstGeom prst="ellipse">
@@ -7007,7 +7007,7 @@
         </p:nvSpPr>
         <p:spPr>
           <a:xfrm>
-            <a:off x="2566358" y="3053749"/>
+            <a:off x="225727" y="3119802"/>
             <a:ext cx="534838" cy="534838"/>
           </a:xfrm>
           <a:prstGeom prst="ellipse">
@@ -7051,7 +7051,7 @@
         </p:nvSpPr>
         <p:spPr>
           <a:xfrm>
-            <a:off x="2924356" y="1807237"/>
+            <a:off x="583725" y="1873290"/>
             <a:ext cx="534838" cy="534838"/>
           </a:xfrm>
           <a:prstGeom prst="ellipse">
@@ -7095,7 +7095,7 @@
         </p:nvSpPr>
         <p:spPr>
           <a:xfrm>
-            <a:off x="3830129" y="831646"/>
+            <a:off x="1489498" y="897699"/>
             <a:ext cx="534838" cy="534838"/>
           </a:xfrm>
           <a:prstGeom prst="ellipse">
@@ -7139,7 +7139,7 @@
         </p:nvSpPr>
         <p:spPr>
           <a:xfrm>
-            <a:off x="1054970" y="729733"/>
+            <a:off x="299204" y="194896"/>
             <a:ext cx="933269" cy="369332"/>
           </a:xfrm>
           <a:prstGeom prst="rect">
@@ -7173,7 +7173,7 @@
         </p:nvSpPr>
         <p:spPr>
           <a:xfrm>
-            <a:off x="2833777" y="616788"/>
+            <a:off x="493146" y="682841"/>
             <a:ext cx="5408761" cy="5408761"/>
           </a:xfrm>
           <a:prstGeom prst="ellipse">
@@ -7214,7 +7214,7 @@
         </p:nvCxnSpPr>
         <p:spPr>
           <a:xfrm flipV="1">
-            <a:off x="4563369" y="379562"/>
+            <a:off x="2222738" y="445615"/>
             <a:ext cx="1915069" cy="5883214"/>
           </a:xfrm>
           <a:prstGeom prst="line">
@@ -7236,6 +7236,136 @@
           </a:fontRef>
         </p:style>
       </p:cxnSp>
+      <p:sp>
+        <p:nvSpPr>
+          <p:cNvPr id="14" name="矩形 13"/>
+          <p:cNvSpPr/>
+          <p:nvPr/>
+        </p:nvSpPr>
+        <p:spPr>
+          <a:xfrm>
+            <a:off x="6401403" y="3145681"/>
+            <a:ext cx="5493812" cy="369332"/>
+          </a:xfrm>
+          <a:prstGeom prst="rect">
+            <a:avLst/>
+          </a:prstGeom>
+        </p:spPr>
+        <p:txBody>
+          <a:bodyPr wrap="none">
+            <a:spAutoFit/>
+          </a:bodyPr>
+          <a:lstStyle/>
+          <a:p>
+            <a:r>
+              <a:rPr lang="zh-CN" altLang="en-US" dirty="0"/>
+              <a:t>子午冲、丑未冲、寅申冲、卯酉冲、辰戌冲、巳亥冲</a:t>
+            </a:r>
+          </a:p>
+        </p:txBody>
+      </p:sp>
+      <p:sp>
+        <p:nvSpPr>
+          <p:cNvPr id="15" name="矩形 14"/>
+          <p:cNvSpPr/>
+          <p:nvPr/>
+        </p:nvSpPr>
+        <p:spPr>
+          <a:xfrm>
+            <a:off x="5799215" y="5051968"/>
+            <a:ext cx="6096000" cy="923330"/>
+          </a:xfrm>
+          <a:prstGeom prst="rect">
+            <a:avLst/>
+          </a:prstGeom>
+        </p:spPr>
+        <p:txBody>
+          <a:bodyPr>
+            <a:spAutoFit/>
+          </a:bodyPr>
+          <a:lstStyle/>
+          <a:p>
+            <a:r>
+              <a:rPr lang="zh-CN" altLang="en-US" dirty="0"/>
+              <a:t>丑子六合土，寅亥 木，卯戌 火，辰酉 金，巳申 水 午未六合日月</a:t>
+            </a:r>
+          </a:p>
+          <a:p>
+            <a:r>
+              <a:rPr lang="zh-CN" altLang="en-US" dirty="0"/>
+              <a:t>太阳主宰午，月亮主宰未</a:t>
+            </a:r>
+          </a:p>
+        </p:txBody>
+      </p:sp>
+      <p:sp>
+        <p:nvSpPr>
+          <p:cNvPr id="17" name="矩形 16"/>
+          <p:cNvSpPr/>
+          <p:nvPr/>
+        </p:nvSpPr>
+        <p:spPr>
+          <a:xfrm>
+            <a:off x="5930662" y="338894"/>
+            <a:ext cx="6096000" cy="1477328"/>
+          </a:xfrm>
+          <a:prstGeom prst="rect">
+            <a:avLst/>
+          </a:prstGeom>
+        </p:spPr>
+        <p:txBody>
+          <a:bodyPr>
+            <a:spAutoFit/>
+          </a:bodyPr>
+          <a:lstStyle/>
+          <a:p>
+            <a:r>
+              <a:rPr lang="zh-CN" altLang="en-US" dirty="0"/>
+              <a:t>	长生 	帝旺	墓 </a:t>
+            </a:r>
+          </a:p>
+          <a:p>
+            <a:r>
+              <a:rPr lang="zh-CN" altLang="en-US" dirty="0"/>
+              <a:t>火	寅	午	戌	</a:t>
+            </a:r>
+            <a:r>
+              <a:rPr lang="zh-CN" altLang="en-US" dirty="0" smtClean="0"/>
+              <a:t>火</a:t>
+            </a:r>
+            <a:r>
+              <a:rPr lang="zh-CN" altLang="en-US" dirty="0"/>
+              <a:t>的三合是 寅午戌</a:t>
+            </a:r>
+          </a:p>
+          <a:p>
+            <a:r>
+              <a:rPr lang="zh-CN" altLang="en-US" dirty="0"/>
+              <a:t>金	巳	酉	丑	</a:t>
+            </a:r>
+            <a:r>
+              <a:rPr lang="zh-CN" altLang="en-US" dirty="0" smtClean="0"/>
+              <a:t>金</a:t>
+            </a:r>
+            <a:r>
+              <a:rPr lang="zh-CN" altLang="en-US" dirty="0"/>
+              <a:t>的三合是 巳酉丑</a:t>
+            </a:r>
+          </a:p>
+          <a:p>
+            <a:r>
+              <a:rPr lang="zh-CN" altLang="en-US" dirty="0"/>
+              <a:t>水	申	子	辰</a:t>
+            </a:r>
+          </a:p>
+          <a:p>
+            <a:r>
+              <a:rPr lang="zh-CN" altLang="en-US" dirty="0"/>
+              <a:t>木	亥	卯	未</a:t>
+            </a:r>
+          </a:p>
+        </p:txBody>
+      </p:sp>
     </p:spTree>
     <p:extLst>
       <p:ext uri="{BB962C8B-B14F-4D97-AF65-F5344CB8AC3E}">

--- a/prophecy/学魔法.pptx
+++ b/prophecy/学魔法.pptx
@@ -248,7 +248,7 @@
           <a:p>
             <a:fld id="{D158A3A6-BB24-48D8-87E0-EE8C50041EAA}" type="datetimeFigureOut">
               <a:rPr lang="zh-CN" altLang="en-US" smtClean="0"/>
-              <a:t>2022/11/20</a:t>
+              <a:t>2022/11/22</a:t>
             </a:fld>
             <a:endParaRPr lang="zh-CN" altLang="en-US"/>
           </a:p>
@@ -418,7 +418,7 @@
           <a:p>
             <a:fld id="{D158A3A6-BB24-48D8-87E0-EE8C50041EAA}" type="datetimeFigureOut">
               <a:rPr lang="zh-CN" altLang="en-US" smtClean="0"/>
-              <a:t>2022/11/20</a:t>
+              <a:t>2022/11/22</a:t>
             </a:fld>
             <a:endParaRPr lang="zh-CN" altLang="en-US"/>
           </a:p>
@@ -598,7 +598,7 @@
           <a:p>
             <a:fld id="{D158A3A6-BB24-48D8-87E0-EE8C50041EAA}" type="datetimeFigureOut">
               <a:rPr lang="zh-CN" altLang="en-US" smtClean="0"/>
-              <a:t>2022/11/20</a:t>
+              <a:t>2022/11/22</a:t>
             </a:fld>
             <a:endParaRPr lang="zh-CN" altLang="en-US"/>
           </a:p>
@@ -768,7 +768,7 @@
           <a:p>
             <a:fld id="{D158A3A6-BB24-48D8-87E0-EE8C50041EAA}" type="datetimeFigureOut">
               <a:rPr lang="zh-CN" altLang="en-US" smtClean="0"/>
-              <a:t>2022/11/20</a:t>
+              <a:t>2022/11/22</a:t>
             </a:fld>
             <a:endParaRPr lang="zh-CN" altLang="en-US"/>
           </a:p>
@@ -1014,7 +1014,7 @@
           <a:p>
             <a:fld id="{D158A3A6-BB24-48D8-87E0-EE8C50041EAA}" type="datetimeFigureOut">
               <a:rPr lang="zh-CN" altLang="en-US" smtClean="0"/>
-              <a:t>2022/11/20</a:t>
+              <a:t>2022/11/22</a:t>
             </a:fld>
             <a:endParaRPr lang="zh-CN" altLang="en-US"/>
           </a:p>
@@ -1246,7 +1246,7 @@
           <a:p>
             <a:fld id="{D158A3A6-BB24-48D8-87E0-EE8C50041EAA}" type="datetimeFigureOut">
               <a:rPr lang="zh-CN" altLang="en-US" smtClean="0"/>
-              <a:t>2022/11/20</a:t>
+              <a:t>2022/11/22</a:t>
             </a:fld>
             <a:endParaRPr lang="zh-CN" altLang="en-US"/>
           </a:p>
@@ -1613,7 +1613,7 @@
           <a:p>
             <a:fld id="{D158A3A6-BB24-48D8-87E0-EE8C50041EAA}" type="datetimeFigureOut">
               <a:rPr lang="zh-CN" altLang="en-US" smtClean="0"/>
-              <a:t>2022/11/20</a:t>
+              <a:t>2022/11/22</a:t>
             </a:fld>
             <a:endParaRPr lang="zh-CN" altLang="en-US"/>
           </a:p>
@@ -1731,7 +1731,7 @@
           <a:p>
             <a:fld id="{D158A3A6-BB24-48D8-87E0-EE8C50041EAA}" type="datetimeFigureOut">
               <a:rPr lang="zh-CN" altLang="en-US" smtClean="0"/>
-              <a:t>2022/11/20</a:t>
+              <a:t>2022/11/22</a:t>
             </a:fld>
             <a:endParaRPr lang="zh-CN" altLang="en-US"/>
           </a:p>
@@ -1826,7 +1826,7 @@
           <a:p>
             <a:fld id="{D158A3A6-BB24-48D8-87E0-EE8C50041EAA}" type="datetimeFigureOut">
               <a:rPr lang="zh-CN" altLang="en-US" smtClean="0"/>
-              <a:t>2022/11/20</a:t>
+              <a:t>2022/11/22</a:t>
             </a:fld>
             <a:endParaRPr lang="zh-CN" altLang="en-US"/>
           </a:p>
@@ -2103,7 +2103,7 @@
           <a:p>
             <a:fld id="{D158A3A6-BB24-48D8-87E0-EE8C50041EAA}" type="datetimeFigureOut">
               <a:rPr lang="zh-CN" altLang="en-US" smtClean="0"/>
-              <a:t>2022/11/20</a:t>
+              <a:t>2022/11/22</a:t>
             </a:fld>
             <a:endParaRPr lang="zh-CN" altLang="en-US"/>
           </a:p>
@@ -2356,7 +2356,7 @@
           <a:p>
             <a:fld id="{D158A3A6-BB24-48D8-87E0-EE8C50041EAA}" type="datetimeFigureOut">
               <a:rPr lang="zh-CN" altLang="en-US" smtClean="0"/>
-              <a:t>2022/11/20</a:t>
+              <a:t>2022/11/22</a:t>
             </a:fld>
             <a:endParaRPr lang="zh-CN" altLang="en-US"/>
           </a:p>
@@ -2569,7 +2569,7 @@
           <a:p>
             <a:fld id="{D158A3A6-BB24-48D8-87E0-EE8C50041EAA}" type="datetimeFigureOut">
               <a:rPr lang="zh-CN" altLang="en-US" smtClean="0"/>
-              <a:t>2022/11/20</a:t>
+              <a:t>2022/11/22</a:t>
             </a:fld>
             <a:endParaRPr lang="zh-CN" altLang="en-US"/>
           </a:p>
@@ -7244,7 +7244,7 @@
         </p:nvSpPr>
         <p:spPr>
           <a:xfrm>
-            <a:off x="6401403" y="3145681"/>
+            <a:off x="5901907" y="306390"/>
             <a:ext cx="5493812" cy="369332"/>
           </a:xfrm>
           <a:prstGeom prst="rect">
@@ -7272,7 +7272,7 @@
         </p:nvSpPr>
         <p:spPr>
           <a:xfrm>
-            <a:off x="5799215" y="5051968"/>
+            <a:off x="5901907" y="945451"/>
             <a:ext cx="6096000" cy="923330"/>
           </a:xfrm>
           <a:prstGeom prst="rect">
@@ -7306,7 +7306,7 @@
         </p:nvSpPr>
         <p:spPr>
           <a:xfrm>
-            <a:off x="5930662" y="338894"/>
+            <a:off x="5694868" y="4905661"/>
             <a:ext cx="6096000" cy="1477328"/>
           </a:xfrm>
           <a:prstGeom prst="rect">
@@ -7362,6 +7362,40 @@
             <a:r>
               <a:rPr lang="zh-CN" altLang="en-US" dirty="0"/>
               <a:t>木	亥	卯	未</a:t>
+            </a:r>
+          </a:p>
+        </p:txBody>
+      </p:sp>
+      <p:sp>
+        <p:nvSpPr>
+          <p:cNvPr id="16" name="矩形 15"/>
+          <p:cNvSpPr/>
+          <p:nvPr/>
+        </p:nvSpPr>
+        <p:spPr>
+          <a:xfrm>
+            <a:off x="6169326" y="2208558"/>
+            <a:ext cx="6096000" cy="1200329"/>
+          </a:xfrm>
+          <a:prstGeom prst="rect">
+            <a:avLst/>
+          </a:prstGeom>
+        </p:spPr>
+        <p:txBody>
+          <a:bodyPr>
+            <a:spAutoFit/>
+          </a:bodyPr>
+          <a:lstStyle/>
+          <a:p>
+            <a:r>
+              <a:rPr lang="zh-CN" altLang="en-US" dirty="0"/>
+              <a:t>进神：亥化子，寅化卯，巳化午，申化酉，丑化辰，辰化未，未化戌。</a:t>
+            </a:r>
+          </a:p>
+          <a:p>
+            <a:r>
+              <a:rPr lang="zh-CN" altLang="en-US" dirty="0"/>
+              <a:t>退神：子化亥，卯化寅，午化巳，酉化申，辰化丑，未化辰，戌化未。</a:t>
             </a:r>
           </a:p>
         </p:txBody>

--- a/prophecy/学魔法.pptx
+++ b/prophecy/学魔法.pptx
@@ -248,7 +248,7 @@
           <a:p>
             <a:fld id="{D158A3A6-BB24-48D8-87E0-EE8C50041EAA}" type="datetimeFigureOut">
               <a:rPr lang="zh-CN" altLang="en-US" smtClean="0"/>
-              <a:t>2022/11/22</a:t>
+              <a:t>2022/11/23</a:t>
             </a:fld>
             <a:endParaRPr lang="zh-CN" altLang="en-US"/>
           </a:p>
@@ -418,7 +418,7 @@
           <a:p>
             <a:fld id="{D158A3A6-BB24-48D8-87E0-EE8C50041EAA}" type="datetimeFigureOut">
               <a:rPr lang="zh-CN" altLang="en-US" smtClean="0"/>
-              <a:t>2022/11/22</a:t>
+              <a:t>2022/11/23</a:t>
             </a:fld>
             <a:endParaRPr lang="zh-CN" altLang="en-US"/>
           </a:p>
@@ -598,7 +598,7 @@
           <a:p>
             <a:fld id="{D158A3A6-BB24-48D8-87E0-EE8C50041EAA}" type="datetimeFigureOut">
               <a:rPr lang="zh-CN" altLang="en-US" smtClean="0"/>
-              <a:t>2022/11/22</a:t>
+              <a:t>2022/11/23</a:t>
             </a:fld>
             <a:endParaRPr lang="zh-CN" altLang="en-US"/>
           </a:p>
@@ -768,7 +768,7 @@
           <a:p>
             <a:fld id="{D158A3A6-BB24-48D8-87E0-EE8C50041EAA}" type="datetimeFigureOut">
               <a:rPr lang="zh-CN" altLang="en-US" smtClean="0"/>
-              <a:t>2022/11/22</a:t>
+              <a:t>2022/11/23</a:t>
             </a:fld>
             <a:endParaRPr lang="zh-CN" altLang="en-US"/>
           </a:p>
@@ -1014,7 +1014,7 @@
           <a:p>
             <a:fld id="{D158A3A6-BB24-48D8-87E0-EE8C50041EAA}" type="datetimeFigureOut">
               <a:rPr lang="zh-CN" altLang="en-US" smtClean="0"/>
-              <a:t>2022/11/22</a:t>
+              <a:t>2022/11/23</a:t>
             </a:fld>
             <a:endParaRPr lang="zh-CN" altLang="en-US"/>
           </a:p>
@@ -1246,7 +1246,7 @@
           <a:p>
             <a:fld id="{D158A3A6-BB24-48D8-87E0-EE8C50041EAA}" type="datetimeFigureOut">
               <a:rPr lang="zh-CN" altLang="en-US" smtClean="0"/>
-              <a:t>2022/11/22</a:t>
+              <a:t>2022/11/23</a:t>
             </a:fld>
             <a:endParaRPr lang="zh-CN" altLang="en-US"/>
           </a:p>
@@ -1613,7 +1613,7 @@
           <a:p>
             <a:fld id="{D158A3A6-BB24-48D8-87E0-EE8C50041EAA}" type="datetimeFigureOut">
               <a:rPr lang="zh-CN" altLang="en-US" smtClean="0"/>
-              <a:t>2022/11/22</a:t>
+              <a:t>2022/11/23</a:t>
             </a:fld>
             <a:endParaRPr lang="zh-CN" altLang="en-US"/>
           </a:p>
@@ -1731,7 +1731,7 @@
           <a:p>
             <a:fld id="{D158A3A6-BB24-48D8-87E0-EE8C50041EAA}" type="datetimeFigureOut">
               <a:rPr lang="zh-CN" altLang="en-US" smtClean="0"/>
-              <a:t>2022/11/22</a:t>
+              <a:t>2022/11/23</a:t>
             </a:fld>
             <a:endParaRPr lang="zh-CN" altLang="en-US"/>
           </a:p>
@@ -1826,7 +1826,7 @@
           <a:p>
             <a:fld id="{D158A3A6-BB24-48D8-87E0-EE8C50041EAA}" type="datetimeFigureOut">
               <a:rPr lang="zh-CN" altLang="en-US" smtClean="0"/>
-              <a:t>2022/11/22</a:t>
+              <a:t>2022/11/23</a:t>
             </a:fld>
             <a:endParaRPr lang="zh-CN" altLang="en-US"/>
           </a:p>
@@ -2103,7 +2103,7 @@
           <a:p>
             <a:fld id="{D158A3A6-BB24-48D8-87E0-EE8C50041EAA}" type="datetimeFigureOut">
               <a:rPr lang="zh-CN" altLang="en-US" smtClean="0"/>
-              <a:t>2022/11/22</a:t>
+              <a:t>2022/11/23</a:t>
             </a:fld>
             <a:endParaRPr lang="zh-CN" altLang="en-US"/>
           </a:p>
@@ -2356,7 +2356,7 @@
           <a:p>
             <a:fld id="{D158A3A6-BB24-48D8-87E0-EE8C50041EAA}" type="datetimeFigureOut">
               <a:rPr lang="zh-CN" altLang="en-US" smtClean="0"/>
-              <a:t>2022/11/22</a:t>
+              <a:t>2022/11/23</a:t>
             </a:fld>
             <a:endParaRPr lang="zh-CN" altLang="en-US"/>
           </a:p>
@@ -2569,7 +2569,7 @@
           <a:p>
             <a:fld id="{D158A3A6-BB24-48D8-87E0-EE8C50041EAA}" type="datetimeFigureOut">
               <a:rPr lang="zh-CN" altLang="en-US" smtClean="0"/>
-              <a:t>2022/11/22</a:t>
+              <a:t>2022/11/23</a:t>
             </a:fld>
             <a:endParaRPr lang="zh-CN" altLang="en-US"/>
           </a:p>
@@ -6640,10 +6640,16 @@
           <a:p>
             <a:pPr algn="ctr"/>
             <a:r>
-              <a:rPr lang="zh-CN" altLang="en-US" dirty="0" smtClean="0"/>
+              <a:rPr lang="zh-CN" altLang="en-US" b="1" dirty="0" smtClean="0">
+                <a:latin typeface="楷体" panose="02010609060101010101" pitchFamily="49" charset="-122"/>
+                <a:ea typeface="楷体" panose="02010609060101010101" pitchFamily="49" charset="-122"/>
+              </a:rPr>
               <a:t>子</a:t>
             </a:r>
-            <a:endParaRPr lang="zh-CN" altLang="en-US" dirty="0"/>
+            <a:endParaRPr lang="zh-CN" altLang="en-US" b="1" dirty="0">
+              <a:latin typeface="楷体" panose="02010609060101010101" pitchFamily="49" charset="-122"/>
+              <a:ea typeface="楷体" panose="02010609060101010101" pitchFamily="49" charset="-122"/>
+            </a:endParaRPr>
           </a:p>
         </p:txBody>
       </p:sp>
@@ -6684,10 +6690,16 @@
           <a:p>
             <a:pPr algn="ctr"/>
             <a:r>
-              <a:rPr lang="zh-CN" altLang="en-US" dirty="0" smtClean="0"/>
+              <a:rPr lang="zh-CN" altLang="en-US" b="1" dirty="0" smtClean="0">
+                <a:latin typeface="楷体" panose="02010609060101010101" pitchFamily="49" charset="-122"/>
+                <a:ea typeface="楷体" panose="02010609060101010101" pitchFamily="49" charset="-122"/>
+              </a:rPr>
               <a:t>丑</a:t>
             </a:r>
-            <a:endParaRPr lang="zh-CN" altLang="en-US" dirty="0"/>
+            <a:endParaRPr lang="zh-CN" altLang="en-US" b="1" dirty="0">
+              <a:latin typeface="楷体" panose="02010609060101010101" pitchFamily="49" charset="-122"/>
+              <a:ea typeface="楷体" panose="02010609060101010101" pitchFamily="49" charset="-122"/>
+            </a:endParaRPr>
           </a:p>
         </p:txBody>
       </p:sp>
@@ -6728,10 +6740,16 @@
           <a:p>
             <a:pPr algn="ctr"/>
             <a:r>
-              <a:rPr lang="zh-CN" altLang="en-US" dirty="0" smtClean="0"/>
+              <a:rPr lang="zh-CN" altLang="en-US" b="1" dirty="0" smtClean="0">
+                <a:latin typeface="楷体" panose="02010609060101010101" pitchFamily="49" charset="-122"/>
+                <a:ea typeface="楷体" panose="02010609060101010101" pitchFamily="49" charset="-122"/>
+              </a:rPr>
               <a:t>寅</a:t>
             </a:r>
-            <a:endParaRPr lang="zh-CN" altLang="en-US" dirty="0"/>
+            <a:endParaRPr lang="zh-CN" altLang="en-US" b="1" dirty="0">
+              <a:latin typeface="楷体" panose="02010609060101010101" pitchFamily="49" charset="-122"/>
+              <a:ea typeface="楷体" panose="02010609060101010101" pitchFamily="49" charset="-122"/>
+            </a:endParaRPr>
           </a:p>
         </p:txBody>
       </p:sp>
@@ -6772,10 +6790,16 @@
           <a:p>
             <a:pPr algn="ctr"/>
             <a:r>
-              <a:rPr lang="zh-CN" altLang="en-US" dirty="0" smtClean="0"/>
+              <a:rPr lang="zh-CN" altLang="en-US" b="1" dirty="0" smtClean="0">
+                <a:latin typeface="楷体" panose="02010609060101010101" pitchFamily="49" charset="-122"/>
+                <a:ea typeface="楷体" panose="02010609060101010101" pitchFamily="49" charset="-122"/>
+              </a:rPr>
               <a:t>卯</a:t>
             </a:r>
-            <a:endParaRPr lang="zh-CN" altLang="en-US" dirty="0"/>
+            <a:endParaRPr lang="zh-CN" altLang="en-US" b="1" dirty="0">
+              <a:latin typeface="楷体" panose="02010609060101010101" pitchFamily="49" charset="-122"/>
+              <a:ea typeface="楷体" panose="02010609060101010101" pitchFamily="49" charset="-122"/>
+            </a:endParaRPr>
           </a:p>
         </p:txBody>
       </p:sp>
@@ -6816,10 +6840,16 @@
           <a:p>
             <a:pPr algn="ctr"/>
             <a:r>
-              <a:rPr lang="zh-CN" altLang="en-US" dirty="0" smtClean="0"/>
+              <a:rPr lang="zh-CN" altLang="en-US" b="1" dirty="0" smtClean="0">
+                <a:latin typeface="楷体" panose="02010609060101010101" pitchFamily="49" charset="-122"/>
+                <a:ea typeface="楷体" panose="02010609060101010101" pitchFamily="49" charset="-122"/>
+              </a:rPr>
               <a:t>辰</a:t>
             </a:r>
-            <a:endParaRPr lang="zh-CN" altLang="en-US" dirty="0"/>
+            <a:endParaRPr lang="zh-CN" altLang="en-US" b="1" dirty="0">
+              <a:latin typeface="楷体" panose="02010609060101010101" pitchFamily="49" charset="-122"/>
+              <a:ea typeface="楷体" panose="02010609060101010101" pitchFamily="49" charset="-122"/>
+            </a:endParaRPr>
           </a:p>
         </p:txBody>
       </p:sp>
@@ -6860,10 +6890,16 @@
           <a:p>
             <a:pPr algn="ctr"/>
             <a:r>
-              <a:rPr lang="zh-CN" altLang="en-US" dirty="0" smtClean="0"/>
+              <a:rPr lang="zh-CN" altLang="en-US" b="1" dirty="0" smtClean="0">
+                <a:latin typeface="楷体" panose="02010609060101010101" pitchFamily="49" charset="-122"/>
+                <a:ea typeface="楷体" panose="02010609060101010101" pitchFamily="49" charset="-122"/>
+              </a:rPr>
               <a:t>巳</a:t>
             </a:r>
-            <a:endParaRPr lang="zh-CN" altLang="en-US" dirty="0"/>
+            <a:endParaRPr lang="zh-CN" altLang="en-US" b="1" dirty="0">
+              <a:latin typeface="楷体" panose="02010609060101010101" pitchFamily="49" charset="-122"/>
+              <a:ea typeface="楷体" panose="02010609060101010101" pitchFamily="49" charset="-122"/>
+            </a:endParaRPr>
           </a:p>
         </p:txBody>
       </p:sp>
@@ -6904,10 +6940,16 @@
           <a:p>
             <a:pPr algn="ctr"/>
             <a:r>
-              <a:rPr lang="zh-CN" altLang="en-US" dirty="0" smtClean="0"/>
+              <a:rPr lang="zh-CN" altLang="en-US" b="1" dirty="0" smtClean="0">
+                <a:latin typeface="楷体" panose="02010609060101010101" pitchFamily="49" charset="-122"/>
+                <a:ea typeface="楷体" panose="02010609060101010101" pitchFamily="49" charset="-122"/>
+              </a:rPr>
               <a:t>午</a:t>
             </a:r>
-            <a:endParaRPr lang="zh-CN" altLang="en-US" dirty="0"/>
+            <a:endParaRPr lang="zh-CN" altLang="en-US" b="1" dirty="0">
+              <a:latin typeface="楷体" panose="02010609060101010101" pitchFamily="49" charset="-122"/>
+              <a:ea typeface="楷体" panose="02010609060101010101" pitchFamily="49" charset="-122"/>
+            </a:endParaRPr>
           </a:p>
         </p:txBody>
       </p:sp>
@@ -6948,10 +6990,16 @@
           <a:p>
             <a:pPr algn="ctr"/>
             <a:r>
-              <a:rPr lang="zh-CN" altLang="en-US" dirty="0" smtClean="0"/>
+              <a:rPr lang="zh-CN" altLang="en-US" b="1" dirty="0" smtClean="0">
+                <a:latin typeface="楷体" panose="02010609060101010101" pitchFamily="49" charset="-122"/>
+                <a:ea typeface="楷体" panose="02010609060101010101" pitchFamily="49" charset="-122"/>
+              </a:rPr>
               <a:t>未</a:t>
             </a:r>
-            <a:endParaRPr lang="zh-CN" altLang="en-US" dirty="0"/>
+            <a:endParaRPr lang="zh-CN" altLang="en-US" b="1" dirty="0">
+              <a:latin typeface="楷体" panose="02010609060101010101" pitchFamily="49" charset="-122"/>
+              <a:ea typeface="楷体" panose="02010609060101010101" pitchFamily="49" charset="-122"/>
+            </a:endParaRPr>
           </a:p>
         </p:txBody>
       </p:sp>
@@ -6992,10 +7040,16 @@
           <a:p>
             <a:pPr algn="ctr"/>
             <a:r>
-              <a:rPr lang="zh-CN" altLang="en-US" dirty="0" smtClean="0"/>
+              <a:rPr lang="zh-CN" altLang="en-US" b="1" dirty="0" smtClean="0">
+                <a:latin typeface="楷体" panose="02010609060101010101" pitchFamily="49" charset="-122"/>
+                <a:ea typeface="楷体" panose="02010609060101010101" pitchFamily="49" charset="-122"/>
+              </a:rPr>
               <a:t>申</a:t>
             </a:r>
-            <a:endParaRPr lang="zh-CN" altLang="en-US" dirty="0"/>
+            <a:endParaRPr lang="zh-CN" altLang="en-US" b="1" dirty="0">
+              <a:latin typeface="楷体" panose="02010609060101010101" pitchFamily="49" charset="-122"/>
+              <a:ea typeface="楷体" panose="02010609060101010101" pitchFamily="49" charset="-122"/>
+            </a:endParaRPr>
           </a:p>
         </p:txBody>
       </p:sp>
@@ -7036,10 +7090,16 @@
           <a:p>
             <a:pPr algn="ctr"/>
             <a:r>
-              <a:rPr lang="zh-CN" altLang="en-US" dirty="0" smtClean="0"/>
+              <a:rPr lang="zh-CN" altLang="en-US" b="1" dirty="0" smtClean="0">
+                <a:latin typeface="楷体" panose="02010609060101010101" pitchFamily="49" charset="-122"/>
+                <a:ea typeface="楷体" panose="02010609060101010101" pitchFamily="49" charset="-122"/>
+              </a:rPr>
               <a:t>酉</a:t>
             </a:r>
-            <a:endParaRPr lang="zh-CN" altLang="en-US" dirty="0"/>
+            <a:endParaRPr lang="zh-CN" altLang="en-US" b="1" dirty="0">
+              <a:latin typeface="楷体" panose="02010609060101010101" pitchFamily="49" charset="-122"/>
+              <a:ea typeface="楷体" panose="02010609060101010101" pitchFamily="49" charset="-122"/>
+            </a:endParaRPr>
           </a:p>
         </p:txBody>
       </p:sp>
@@ -7080,10 +7140,16 @@
           <a:p>
             <a:pPr algn="ctr"/>
             <a:r>
-              <a:rPr lang="zh-CN" altLang="en-US" dirty="0" smtClean="0"/>
+              <a:rPr lang="zh-CN" altLang="en-US" b="1" dirty="0" smtClean="0">
+                <a:latin typeface="楷体" panose="02010609060101010101" pitchFamily="49" charset="-122"/>
+                <a:ea typeface="楷体" panose="02010609060101010101" pitchFamily="49" charset="-122"/>
+              </a:rPr>
               <a:t>戌</a:t>
             </a:r>
-            <a:endParaRPr lang="zh-CN" altLang="en-US" dirty="0"/>
+            <a:endParaRPr lang="zh-CN" altLang="en-US" b="1" dirty="0">
+              <a:latin typeface="楷体" panose="02010609060101010101" pitchFamily="49" charset="-122"/>
+              <a:ea typeface="楷体" panose="02010609060101010101" pitchFamily="49" charset="-122"/>
+            </a:endParaRPr>
           </a:p>
         </p:txBody>
       </p:sp>
@@ -7124,10 +7190,16 @@
           <a:p>
             <a:pPr algn="ctr"/>
             <a:r>
-              <a:rPr lang="zh-CN" altLang="en-US" dirty="0" smtClean="0"/>
+              <a:rPr lang="zh-CN" altLang="en-US" b="1" dirty="0" smtClean="0">
+                <a:latin typeface="楷体" panose="02010609060101010101" pitchFamily="49" charset="-122"/>
+                <a:ea typeface="楷体" panose="02010609060101010101" pitchFamily="49" charset="-122"/>
+              </a:rPr>
               <a:t>亥</a:t>
             </a:r>
-            <a:endParaRPr lang="zh-CN" altLang="en-US" dirty="0"/>
+            <a:endParaRPr lang="zh-CN" altLang="en-US" b="1" dirty="0">
+              <a:latin typeface="楷体" panose="02010609060101010101" pitchFamily="49" charset="-122"/>
+              <a:ea typeface="楷体" panose="02010609060101010101" pitchFamily="49" charset="-122"/>
+            </a:endParaRPr>
           </a:p>
         </p:txBody>
       </p:sp>
@@ -7139,8 +7211,8 @@
         </p:nvSpPr>
         <p:spPr>
           <a:xfrm>
-            <a:off x="299204" y="194896"/>
-            <a:ext cx="933269" cy="369332"/>
+            <a:off x="-18861" y="-28833"/>
+            <a:ext cx="992579" cy="369332"/>
           </a:xfrm>
           <a:prstGeom prst="rect">
             <a:avLst/>
@@ -7154,14 +7226,23 @@
           <a:lstStyle/>
           <a:p>
             <a:r>
-              <a:rPr lang="en-US" altLang="zh-CN" dirty="0" smtClean="0"/>
+              <a:rPr lang="en-US" altLang="zh-CN" b="1" dirty="0" smtClean="0">
+                <a:latin typeface="楷体" panose="02010609060101010101" pitchFamily="49" charset="-122"/>
+                <a:ea typeface="楷体" panose="02010609060101010101" pitchFamily="49" charset="-122"/>
+              </a:rPr>
               <a:t>42 </a:t>
             </a:r>
             <a:r>
-              <a:rPr lang="zh-CN" altLang="en-US" dirty="0" smtClean="0"/>
+              <a:rPr lang="zh-CN" altLang="en-US" b="1" dirty="0" smtClean="0">
+                <a:latin typeface="楷体" panose="02010609060101010101" pitchFamily="49" charset="-122"/>
+                <a:ea typeface="楷体" panose="02010609060101010101" pitchFamily="49" charset="-122"/>
+              </a:rPr>
               <a:t>六合</a:t>
             </a:r>
-            <a:endParaRPr lang="zh-CN" altLang="en-US" dirty="0"/>
+            <a:endParaRPr lang="zh-CN" altLang="en-US" b="1" dirty="0">
+              <a:latin typeface="楷体" panose="02010609060101010101" pitchFamily="49" charset="-122"/>
+              <a:ea typeface="楷体" panose="02010609060101010101" pitchFamily="49" charset="-122"/>
+            </a:endParaRPr>
           </a:p>
         </p:txBody>
       </p:sp>
@@ -7202,7 +7283,10 @@
           <a:lstStyle/>
           <a:p>
             <a:pPr algn="ctr"/>
-            <a:endParaRPr lang="zh-CN" altLang="en-US"/>
+            <a:endParaRPr lang="zh-CN" altLang="en-US" b="1">
+              <a:latin typeface="楷体" panose="02010609060101010101" pitchFamily="49" charset="-122"/>
+              <a:ea typeface="楷体" panose="02010609060101010101" pitchFamily="49" charset="-122"/>
+            </a:endParaRPr>
           </a:p>
         </p:txBody>
       </p:sp>
@@ -7258,7 +7342,10 @@
           <a:lstStyle/>
           <a:p>
             <a:r>
-              <a:rPr lang="zh-CN" altLang="en-US" dirty="0"/>
+              <a:rPr lang="zh-CN" altLang="en-US" b="1" dirty="0">
+                <a:latin typeface="楷体" panose="02010609060101010101" pitchFamily="49" charset="-122"/>
+                <a:ea typeface="楷体" panose="02010609060101010101" pitchFamily="49" charset="-122"/>
+              </a:rPr>
               <a:t>子午冲、丑未冲、寅申冲、卯酉冲、辰戌冲、巳亥冲</a:t>
             </a:r>
           </a:p>
@@ -7273,7 +7360,7 @@
         <p:spPr>
           <a:xfrm>
             <a:off x="5901907" y="945451"/>
-            <a:ext cx="6096000" cy="923330"/>
+            <a:ext cx="6096000" cy="646331"/>
           </a:xfrm>
           <a:prstGeom prst="rect">
             <a:avLst/>
@@ -7286,15 +7373,23 @@
           <a:lstStyle/>
           <a:p>
             <a:r>
-              <a:rPr lang="zh-CN" altLang="en-US" dirty="0"/>
-              <a:t>丑子六合土，寅亥 木，卯戌 火，辰酉 金，巳申 水 午未六合日月</a:t>
-            </a:r>
-          </a:p>
-          <a:p>
-            <a:r>
-              <a:rPr lang="zh-CN" altLang="en-US" dirty="0"/>
-              <a:t>太阳主宰午，月亮主宰未</a:t>
-            </a:r>
+              <a:rPr lang="zh-CN" altLang="en-US" b="1" dirty="0">
+                <a:latin typeface="楷体" panose="02010609060101010101" pitchFamily="49" charset="-122"/>
+                <a:ea typeface="楷体" panose="02010609060101010101" pitchFamily="49" charset="-122"/>
+              </a:rPr>
+              <a:t>丑子六合土，寅亥 木，卯戌 火，辰酉 金，巳申 水 午未六合</a:t>
+            </a:r>
+            <a:r>
+              <a:rPr lang="zh-CN" altLang="en-US" b="1" dirty="0" smtClean="0">
+                <a:latin typeface="楷体" panose="02010609060101010101" pitchFamily="49" charset="-122"/>
+                <a:ea typeface="楷体" panose="02010609060101010101" pitchFamily="49" charset="-122"/>
+              </a:rPr>
+              <a:t>日月</a:t>
+            </a:r>
+            <a:endParaRPr lang="zh-CN" altLang="en-US" b="1" dirty="0">
+              <a:latin typeface="楷体" panose="02010609060101010101" pitchFamily="49" charset="-122"/>
+              <a:ea typeface="楷体" panose="02010609060101010101" pitchFamily="49" charset="-122"/>
+            </a:endParaRPr>
           </a:p>
         </p:txBody>
       </p:sp>
@@ -7320,47 +7415,74 @@
           <a:lstStyle/>
           <a:p>
             <a:r>
-              <a:rPr lang="zh-CN" altLang="en-US" dirty="0"/>
+              <a:rPr lang="zh-CN" altLang="en-US" b="1" dirty="0">
+                <a:latin typeface="楷体" panose="02010609060101010101" pitchFamily="49" charset="-122"/>
+                <a:ea typeface="楷体" panose="02010609060101010101" pitchFamily="49" charset="-122"/>
+              </a:rPr>
               <a:t>	长生 	帝旺	墓 </a:t>
             </a:r>
           </a:p>
           <a:p>
             <a:r>
-              <a:rPr lang="zh-CN" altLang="en-US" dirty="0"/>
+              <a:rPr lang="zh-CN" altLang="en-US" b="1" dirty="0">
+                <a:latin typeface="楷体" panose="02010609060101010101" pitchFamily="49" charset="-122"/>
+                <a:ea typeface="楷体" panose="02010609060101010101" pitchFamily="49" charset="-122"/>
+              </a:rPr>
               <a:t>火	寅	午	戌	</a:t>
             </a:r>
             <a:r>
-              <a:rPr lang="zh-CN" altLang="en-US" dirty="0" smtClean="0"/>
+              <a:rPr lang="zh-CN" altLang="en-US" b="1" dirty="0" smtClean="0">
+                <a:latin typeface="楷体" panose="02010609060101010101" pitchFamily="49" charset="-122"/>
+                <a:ea typeface="楷体" panose="02010609060101010101" pitchFamily="49" charset="-122"/>
+              </a:rPr>
               <a:t>火</a:t>
             </a:r>
             <a:r>
-              <a:rPr lang="zh-CN" altLang="en-US" dirty="0"/>
+              <a:rPr lang="zh-CN" altLang="en-US" b="1" dirty="0">
+                <a:latin typeface="楷体" panose="02010609060101010101" pitchFamily="49" charset="-122"/>
+                <a:ea typeface="楷体" panose="02010609060101010101" pitchFamily="49" charset="-122"/>
+              </a:rPr>
               <a:t>的三合是 寅午戌</a:t>
             </a:r>
           </a:p>
           <a:p>
             <a:r>
-              <a:rPr lang="zh-CN" altLang="en-US" dirty="0"/>
+              <a:rPr lang="zh-CN" altLang="en-US" b="1" dirty="0">
+                <a:latin typeface="楷体" panose="02010609060101010101" pitchFamily="49" charset="-122"/>
+                <a:ea typeface="楷体" panose="02010609060101010101" pitchFamily="49" charset="-122"/>
+              </a:rPr>
               <a:t>金	巳	酉	丑	</a:t>
             </a:r>
             <a:r>
-              <a:rPr lang="zh-CN" altLang="en-US" dirty="0" smtClean="0"/>
+              <a:rPr lang="zh-CN" altLang="en-US" b="1" dirty="0" smtClean="0">
+                <a:latin typeface="楷体" panose="02010609060101010101" pitchFamily="49" charset="-122"/>
+                <a:ea typeface="楷体" panose="02010609060101010101" pitchFamily="49" charset="-122"/>
+              </a:rPr>
               <a:t>金</a:t>
             </a:r>
             <a:r>
-              <a:rPr lang="zh-CN" altLang="en-US" dirty="0"/>
+              <a:rPr lang="zh-CN" altLang="en-US" b="1" dirty="0">
+                <a:latin typeface="楷体" panose="02010609060101010101" pitchFamily="49" charset="-122"/>
+                <a:ea typeface="楷体" panose="02010609060101010101" pitchFamily="49" charset="-122"/>
+              </a:rPr>
               <a:t>的三合是 巳酉丑</a:t>
             </a:r>
           </a:p>
           <a:p>
             <a:r>
-              <a:rPr lang="zh-CN" altLang="en-US" dirty="0"/>
+              <a:rPr lang="zh-CN" altLang="en-US" b="1" dirty="0">
+                <a:latin typeface="楷体" panose="02010609060101010101" pitchFamily="49" charset="-122"/>
+                <a:ea typeface="楷体" panose="02010609060101010101" pitchFamily="49" charset="-122"/>
+              </a:rPr>
               <a:t>水	申	子	辰</a:t>
             </a:r>
           </a:p>
           <a:p>
             <a:r>
-              <a:rPr lang="zh-CN" altLang="en-US" dirty="0"/>
+              <a:rPr lang="zh-CN" altLang="en-US" b="1" dirty="0">
+                <a:latin typeface="楷体" panose="02010609060101010101" pitchFamily="49" charset="-122"/>
+                <a:ea typeface="楷体" panose="02010609060101010101" pitchFamily="49" charset="-122"/>
+              </a:rPr>
               <a:t>木	亥	卯	未</a:t>
             </a:r>
           </a:p>
@@ -7388,14 +7510,88 @@
           <a:lstStyle/>
           <a:p>
             <a:r>
-              <a:rPr lang="zh-CN" altLang="en-US" dirty="0"/>
-              <a:t>进神：亥化子，寅化卯，巳化午，申化酉，丑化辰，辰化未，未化戌。</a:t>
-            </a:r>
-          </a:p>
-          <a:p>
-            <a:r>
-              <a:rPr lang="zh-CN" altLang="en-US" dirty="0"/>
-              <a:t>退神：子化亥，卯化寅，午化巳，酉化申，辰化丑，未化辰，戌化未。</a:t>
+              <a:rPr lang="zh-CN" altLang="en-US" b="1" dirty="0">
+                <a:latin typeface="楷体" panose="02010609060101010101" pitchFamily="49" charset="-122"/>
+                <a:ea typeface="楷体" panose="02010609060101010101" pitchFamily="49" charset="-122"/>
+              </a:rPr>
+              <a:t>进神：亥化子，寅化卯，巳化午，申化酉，丑化辰</a:t>
+            </a:r>
+            <a:r>
+              <a:rPr lang="zh-CN" altLang="en-US" b="1" dirty="0" smtClean="0">
+                <a:latin typeface="楷体" panose="02010609060101010101" pitchFamily="49" charset="-122"/>
+                <a:ea typeface="楷体" panose="02010609060101010101" pitchFamily="49" charset="-122"/>
+              </a:rPr>
+              <a:t>，</a:t>
+            </a:r>
+            <a:endParaRPr lang="en-US" altLang="zh-CN" b="1" dirty="0" smtClean="0">
+              <a:latin typeface="楷体" panose="02010609060101010101" pitchFamily="49" charset="-122"/>
+              <a:ea typeface="楷体" panose="02010609060101010101" pitchFamily="49" charset="-122"/>
+            </a:endParaRPr>
+          </a:p>
+          <a:p>
+            <a:r>
+              <a:rPr lang="en-US" altLang="zh-CN" b="1" dirty="0" smtClean="0">
+                <a:latin typeface="楷体" panose="02010609060101010101" pitchFamily="49" charset="-122"/>
+                <a:ea typeface="楷体" panose="02010609060101010101" pitchFamily="49" charset="-122"/>
+              </a:rPr>
+              <a:t>	</a:t>
+            </a:r>
+            <a:r>
+              <a:rPr lang="zh-CN" altLang="en-US" b="1" dirty="0" smtClean="0">
+                <a:latin typeface="楷体" panose="02010609060101010101" pitchFamily="49" charset="-122"/>
+                <a:ea typeface="楷体" panose="02010609060101010101" pitchFamily="49" charset="-122"/>
+              </a:rPr>
+              <a:t>辰化未</a:t>
+            </a:r>
+            <a:r>
+              <a:rPr lang="zh-CN" altLang="en-US" b="1" dirty="0">
+                <a:latin typeface="楷体" panose="02010609060101010101" pitchFamily="49" charset="-122"/>
+                <a:ea typeface="楷体" panose="02010609060101010101" pitchFamily="49" charset="-122"/>
+              </a:rPr>
+              <a:t>，未化戌。</a:t>
+            </a:r>
+          </a:p>
+          <a:p>
+            <a:r>
+              <a:rPr lang="zh-CN" altLang="en-US" b="1" dirty="0">
+                <a:latin typeface="楷体" panose="02010609060101010101" pitchFamily="49" charset="-122"/>
+                <a:ea typeface="楷体" panose="02010609060101010101" pitchFamily="49" charset="-122"/>
+              </a:rPr>
+              <a:t>退神：子化亥，卯化寅，午化巳，酉化申，辰化丑</a:t>
+            </a:r>
+            <a:r>
+              <a:rPr lang="zh-CN" altLang="en-US" b="1" dirty="0" smtClean="0">
+                <a:latin typeface="楷体" panose="02010609060101010101" pitchFamily="49" charset="-122"/>
+                <a:ea typeface="楷体" panose="02010609060101010101" pitchFamily="49" charset="-122"/>
+              </a:rPr>
+              <a:t>，</a:t>
+            </a:r>
+            <a:endParaRPr lang="en-US" altLang="zh-CN" b="1" dirty="0" smtClean="0">
+              <a:latin typeface="楷体" panose="02010609060101010101" pitchFamily="49" charset="-122"/>
+              <a:ea typeface="楷体" panose="02010609060101010101" pitchFamily="49" charset="-122"/>
+            </a:endParaRPr>
+          </a:p>
+          <a:p>
+            <a:r>
+              <a:rPr lang="en-US" altLang="zh-CN" b="1" dirty="0">
+                <a:latin typeface="楷体" panose="02010609060101010101" pitchFamily="49" charset="-122"/>
+                <a:ea typeface="楷体" panose="02010609060101010101" pitchFamily="49" charset="-122"/>
+              </a:rPr>
+              <a:t>	</a:t>
+            </a:r>
+            <a:r>
+              <a:rPr lang="zh-CN" altLang="en-US" b="1" dirty="0" smtClean="0">
+                <a:latin typeface="楷体" panose="02010609060101010101" pitchFamily="49" charset="-122"/>
+                <a:ea typeface="楷体" panose="02010609060101010101" pitchFamily="49" charset="-122"/>
+              </a:rPr>
+              <a:t>未</a:t>
+            </a:r>
+            <a:r>
+              <a:rPr lang="zh-CN" altLang="en-US" b="1" dirty="0">
+                <a:latin typeface="楷体" panose="02010609060101010101" pitchFamily="49" charset="-122"/>
+                <a:ea typeface="楷体" panose="02010609060101010101" pitchFamily="49" charset="-122"/>
+              </a:rPr>
+              <a:t>化辰，戌化未。</a:t>
             </a:r>
           </a:p>
         </p:txBody>

--- a/prophecy/学魔法.pptx
+++ b/prophecy/学魔法.pptx
@@ -5,11 +5,11 @@
     <p:sldMasterId id="2147483648" r:id="rId1"/>
   </p:sldMasterIdLst>
   <p:sldIdLst>
-    <p:sldId id="256" r:id="rId2"/>
-    <p:sldId id="257" r:id="rId3"/>
-    <p:sldId id="258" r:id="rId4"/>
-    <p:sldId id="259" r:id="rId5"/>
-    <p:sldId id="260" r:id="rId6"/>
+    <p:sldId id="260" r:id="rId2"/>
+    <p:sldId id="256" r:id="rId3"/>
+    <p:sldId id="257" r:id="rId4"/>
+    <p:sldId id="258" r:id="rId5"/>
+    <p:sldId id="259" r:id="rId6"/>
     <p:sldId id="261" r:id="rId7"/>
   </p:sldIdLst>
   <p:sldSz cx="12192000" cy="6858000"/>
@@ -248,7 +248,7 @@
           <a:p>
             <a:fld id="{D158A3A6-BB24-48D8-87E0-EE8C50041EAA}" type="datetimeFigureOut">
               <a:rPr lang="zh-CN" altLang="en-US" smtClean="0"/>
-              <a:t>2022/11/23</a:t>
+              <a:t>2022/11/25</a:t>
             </a:fld>
             <a:endParaRPr lang="zh-CN" altLang="en-US"/>
           </a:p>
@@ -418,7 +418,7 @@
           <a:p>
             <a:fld id="{D158A3A6-BB24-48D8-87E0-EE8C50041EAA}" type="datetimeFigureOut">
               <a:rPr lang="zh-CN" altLang="en-US" smtClean="0"/>
-              <a:t>2022/11/23</a:t>
+              <a:t>2022/11/25</a:t>
             </a:fld>
             <a:endParaRPr lang="zh-CN" altLang="en-US"/>
           </a:p>
@@ -598,7 +598,7 @@
           <a:p>
             <a:fld id="{D158A3A6-BB24-48D8-87E0-EE8C50041EAA}" type="datetimeFigureOut">
               <a:rPr lang="zh-CN" altLang="en-US" smtClean="0"/>
-              <a:t>2022/11/23</a:t>
+              <a:t>2022/11/25</a:t>
             </a:fld>
             <a:endParaRPr lang="zh-CN" altLang="en-US"/>
           </a:p>
@@ -768,7 +768,7 @@
           <a:p>
             <a:fld id="{D158A3A6-BB24-48D8-87E0-EE8C50041EAA}" type="datetimeFigureOut">
               <a:rPr lang="zh-CN" altLang="en-US" smtClean="0"/>
-              <a:t>2022/11/23</a:t>
+              <a:t>2022/11/25</a:t>
             </a:fld>
             <a:endParaRPr lang="zh-CN" altLang="en-US"/>
           </a:p>
@@ -1014,7 +1014,7 @@
           <a:p>
             <a:fld id="{D158A3A6-BB24-48D8-87E0-EE8C50041EAA}" type="datetimeFigureOut">
               <a:rPr lang="zh-CN" altLang="en-US" smtClean="0"/>
-              <a:t>2022/11/23</a:t>
+              <a:t>2022/11/25</a:t>
             </a:fld>
             <a:endParaRPr lang="zh-CN" altLang="en-US"/>
           </a:p>
@@ -1246,7 +1246,7 @@
           <a:p>
             <a:fld id="{D158A3A6-BB24-48D8-87E0-EE8C50041EAA}" type="datetimeFigureOut">
               <a:rPr lang="zh-CN" altLang="en-US" smtClean="0"/>
-              <a:t>2022/11/23</a:t>
+              <a:t>2022/11/25</a:t>
             </a:fld>
             <a:endParaRPr lang="zh-CN" altLang="en-US"/>
           </a:p>
@@ -1613,7 +1613,7 @@
           <a:p>
             <a:fld id="{D158A3A6-BB24-48D8-87E0-EE8C50041EAA}" type="datetimeFigureOut">
               <a:rPr lang="zh-CN" altLang="en-US" smtClean="0"/>
-              <a:t>2022/11/23</a:t>
+              <a:t>2022/11/25</a:t>
             </a:fld>
             <a:endParaRPr lang="zh-CN" altLang="en-US"/>
           </a:p>
@@ -1731,7 +1731,7 @@
           <a:p>
             <a:fld id="{D158A3A6-BB24-48D8-87E0-EE8C50041EAA}" type="datetimeFigureOut">
               <a:rPr lang="zh-CN" altLang="en-US" smtClean="0"/>
-              <a:t>2022/11/23</a:t>
+              <a:t>2022/11/25</a:t>
             </a:fld>
             <a:endParaRPr lang="zh-CN" altLang="en-US"/>
           </a:p>
@@ -1826,7 +1826,7 @@
           <a:p>
             <a:fld id="{D158A3A6-BB24-48D8-87E0-EE8C50041EAA}" type="datetimeFigureOut">
               <a:rPr lang="zh-CN" altLang="en-US" smtClean="0"/>
-              <a:t>2022/11/23</a:t>
+              <a:t>2022/11/25</a:t>
             </a:fld>
             <a:endParaRPr lang="zh-CN" altLang="en-US"/>
           </a:p>
@@ -2103,7 +2103,7 @@
           <a:p>
             <a:fld id="{D158A3A6-BB24-48D8-87E0-EE8C50041EAA}" type="datetimeFigureOut">
               <a:rPr lang="zh-CN" altLang="en-US" smtClean="0"/>
-              <a:t>2022/11/23</a:t>
+              <a:t>2022/11/25</a:t>
             </a:fld>
             <a:endParaRPr lang="zh-CN" altLang="en-US"/>
           </a:p>
@@ -2356,7 +2356,7 @@
           <a:p>
             <a:fld id="{D158A3A6-BB24-48D8-87E0-EE8C50041EAA}" type="datetimeFigureOut">
               <a:rPr lang="zh-CN" altLang="en-US" smtClean="0"/>
-              <a:t>2022/11/23</a:t>
+              <a:t>2022/11/25</a:t>
             </a:fld>
             <a:endParaRPr lang="zh-CN" altLang="en-US"/>
           </a:p>
@@ -2569,7 +2569,7 @@
           <a:p>
             <a:fld id="{D158A3A6-BB24-48D8-87E0-EE8C50041EAA}" type="datetimeFigureOut">
               <a:rPr lang="zh-CN" altLang="en-US" smtClean="0"/>
-              <a:t>2022/11/23</a:t>
+              <a:t>2022/11/25</a:t>
             </a:fld>
             <a:endParaRPr lang="zh-CN" altLang="en-US"/>
           </a:p>
@@ -2976,13 +2976,13 @@
       </p:grpSpPr>
       <p:sp>
         <p:nvSpPr>
-          <p:cNvPr id="14" name="椭圆 13"/>
-          <p:cNvSpPr/>
-          <p:nvPr/>
-        </p:nvSpPr>
-        <p:spPr>
-          <a:xfrm>
-            <a:off x="5279366" y="1095554"/>
+          <p:cNvPr id="2" name="椭圆 1"/>
+          <p:cNvSpPr/>
+          <p:nvPr/>
+        </p:nvSpPr>
+        <p:spPr>
+          <a:xfrm>
+            <a:off x="2930107" y="445614"/>
             <a:ext cx="534838" cy="534838"/>
           </a:xfrm>
           <a:prstGeom prst="ellipse">
@@ -3011,22 +3011,28 @@
           <a:p>
             <a:pPr algn="ctr"/>
             <a:r>
-              <a:rPr lang="zh-CN" altLang="en-US" dirty="0" smtClean="0"/>
-              <a:t>坎</a:t>
-            </a:r>
-            <a:endParaRPr lang="zh-CN" altLang="en-US" dirty="0"/>
-          </a:p>
-        </p:txBody>
-      </p:sp>
-      <p:sp>
-        <p:nvSpPr>
-          <p:cNvPr id="15" name="椭圆 14"/>
-          <p:cNvSpPr/>
-          <p:nvPr/>
-        </p:nvSpPr>
-        <p:spPr>
-          <a:xfrm>
-            <a:off x="5279367" y="4149303"/>
+              <a:rPr lang="zh-CN" altLang="en-US" b="1" dirty="0" smtClean="0">
+                <a:latin typeface="楷体" panose="02010609060101010101" pitchFamily="49" charset="-122"/>
+                <a:ea typeface="楷体" panose="02010609060101010101" pitchFamily="49" charset="-122"/>
+              </a:rPr>
+              <a:t>子</a:t>
+            </a:r>
+            <a:endParaRPr lang="zh-CN" altLang="en-US" b="1" dirty="0">
+              <a:latin typeface="楷体" panose="02010609060101010101" pitchFamily="49" charset="-122"/>
+              <a:ea typeface="楷体" panose="02010609060101010101" pitchFamily="49" charset="-122"/>
+            </a:endParaRPr>
+          </a:p>
+        </p:txBody>
+      </p:sp>
+      <p:sp>
+        <p:nvSpPr>
+          <p:cNvPr id="3" name="椭圆 2"/>
+          <p:cNvSpPr/>
+          <p:nvPr/>
+        </p:nvSpPr>
+        <p:spPr>
+          <a:xfrm>
+            <a:off x="4329739" y="897699"/>
             <a:ext cx="534838" cy="534838"/>
           </a:xfrm>
           <a:prstGeom prst="ellipse">
@@ -3055,21 +3061,28 @@
           <a:p>
             <a:pPr algn="ctr"/>
             <a:r>
-              <a:rPr lang="zh-CN" altLang="en-US" dirty="0"/>
-              <a:t>离</a:t>
-            </a:r>
-          </a:p>
-        </p:txBody>
-      </p:sp>
-      <p:sp>
-        <p:nvSpPr>
-          <p:cNvPr id="16" name="椭圆 15"/>
-          <p:cNvSpPr/>
-          <p:nvPr/>
-        </p:nvSpPr>
-        <p:spPr>
-          <a:xfrm>
-            <a:off x="7211684" y="2708693"/>
+              <a:rPr lang="zh-CN" altLang="en-US" b="1" dirty="0" smtClean="0">
+                <a:latin typeface="楷体" panose="02010609060101010101" pitchFamily="49" charset="-122"/>
+                <a:ea typeface="楷体" panose="02010609060101010101" pitchFamily="49" charset="-122"/>
+              </a:rPr>
+              <a:t>丑</a:t>
+            </a:r>
+            <a:endParaRPr lang="zh-CN" altLang="en-US" b="1" dirty="0">
+              <a:latin typeface="楷体" panose="02010609060101010101" pitchFamily="49" charset="-122"/>
+              <a:ea typeface="楷体" panose="02010609060101010101" pitchFamily="49" charset="-122"/>
+            </a:endParaRPr>
+          </a:p>
+        </p:txBody>
+      </p:sp>
+      <p:sp>
+        <p:nvSpPr>
+          <p:cNvPr id="4" name="椭圆 3"/>
+          <p:cNvSpPr/>
+          <p:nvPr/>
+        </p:nvSpPr>
+        <p:spPr>
+          <a:xfrm>
+            <a:off x="5336877" y="1873290"/>
             <a:ext cx="534838" cy="534838"/>
           </a:xfrm>
           <a:prstGeom prst="ellipse">
@@ -3098,22 +3111,28 @@
           <a:p>
             <a:pPr algn="ctr"/>
             <a:r>
-              <a:rPr lang="zh-CN" altLang="en-US" dirty="0" smtClean="0"/>
-              <a:t>震</a:t>
-            </a:r>
-            <a:endParaRPr lang="zh-CN" altLang="en-US" dirty="0"/>
-          </a:p>
-        </p:txBody>
-      </p:sp>
-      <p:sp>
-        <p:nvSpPr>
-          <p:cNvPr id="17" name="椭圆 16"/>
-          <p:cNvSpPr/>
-          <p:nvPr/>
-        </p:nvSpPr>
-        <p:spPr>
-          <a:xfrm>
-            <a:off x="3278038" y="2708693"/>
+              <a:rPr lang="zh-CN" altLang="en-US" b="1" dirty="0" smtClean="0">
+                <a:latin typeface="楷体" panose="02010609060101010101" pitchFamily="49" charset="-122"/>
+                <a:ea typeface="楷体" panose="02010609060101010101" pitchFamily="49" charset="-122"/>
+              </a:rPr>
+              <a:t>寅</a:t>
+            </a:r>
+            <a:endParaRPr lang="zh-CN" altLang="en-US" b="1" dirty="0">
+              <a:latin typeface="楷体" panose="02010609060101010101" pitchFamily="49" charset="-122"/>
+              <a:ea typeface="楷体" panose="02010609060101010101" pitchFamily="49" charset="-122"/>
+            </a:endParaRPr>
+          </a:p>
+        </p:txBody>
+      </p:sp>
+      <p:sp>
+        <p:nvSpPr>
+          <p:cNvPr id="5" name="椭圆 4"/>
+          <p:cNvSpPr/>
+          <p:nvPr/>
+        </p:nvSpPr>
+        <p:spPr>
+          <a:xfrm>
+            <a:off x="5634488" y="3119802"/>
             <a:ext cx="534838" cy="534838"/>
           </a:xfrm>
           <a:prstGeom prst="ellipse">
@@ -3142,22 +3161,28 @@
           <a:p>
             <a:pPr algn="ctr"/>
             <a:r>
-              <a:rPr lang="zh-CN" altLang="en-US" dirty="0" smtClean="0"/>
-              <a:t>兑</a:t>
-            </a:r>
-            <a:endParaRPr lang="zh-CN" altLang="en-US" dirty="0"/>
-          </a:p>
-        </p:txBody>
-      </p:sp>
-      <p:sp>
-        <p:nvSpPr>
-          <p:cNvPr id="18" name="椭圆 17"/>
-          <p:cNvSpPr/>
-          <p:nvPr/>
-        </p:nvSpPr>
-        <p:spPr>
-          <a:xfrm>
-            <a:off x="6452557" y="1630392"/>
+              <a:rPr lang="zh-CN" altLang="en-US" b="1" dirty="0" smtClean="0">
+                <a:latin typeface="楷体" panose="02010609060101010101" pitchFamily="49" charset="-122"/>
+                <a:ea typeface="楷体" panose="02010609060101010101" pitchFamily="49" charset="-122"/>
+              </a:rPr>
+              <a:t>卯</a:t>
+            </a:r>
+            <a:endParaRPr lang="zh-CN" altLang="en-US" b="1" dirty="0">
+              <a:latin typeface="楷体" panose="02010609060101010101" pitchFamily="49" charset="-122"/>
+              <a:ea typeface="楷体" panose="02010609060101010101" pitchFamily="49" charset="-122"/>
+            </a:endParaRPr>
+          </a:p>
+        </p:txBody>
+      </p:sp>
+      <p:sp>
+        <p:nvSpPr>
+          <p:cNvPr id="6" name="椭圆 5"/>
+          <p:cNvSpPr/>
+          <p:nvPr/>
+        </p:nvSpPr>
+        <p:spPr>
+          <a:xfrm>
+            <a:off x="5336877" y="4400826"/>
             <a:ext cx="534838" cy="534838"/>
           </a:xfrm>
           <a:prstGeom prst="ellipse">
@@ -3186,21 +3211,28 @@
           <a:p>
             <a:pPr algn="ctr"/>
             <a:r>
-              <a:rPr lang="zh-CN" altLang="en-US" dirty="0"/>
-              <a:t>艮</a:t>
-            </a:r>
-          </a:p>
-        </p:txBody>
-      </p:sp>
-      <p:sp>
-        <p:nvSpPr>
-          <p:cNvPr id="19" name="椭圆 18"/>
-          <p:cNvSpPr/>
-          <p:nvPr/>
-        </p:nvSpPr>
-        <p:spPr>
-          <a:xfrm>
-            <a:off x="6452557" y="3614465"/>
+              <a:rPr lang="zh-CN" altLang="en-US" b="1" dirty="0" smtClean="0">
+                <a:latin typeface="楷体" panose="02010609060101010101" pitchFamily="49" charset="-122"/>
+                <a:ea typeface="楷体" panose="02010609060101010101" pitchFamily="49" charset="-122"/>
+              </a:rPr>
+              <a:t>辰</a:t>
+            </a:r>
+            <a:endParaRPr lang="zh-CN" altLang="en-US" b="1" dirty="0">
+              <a:latin typeface="楷体" panose="02010609060101010101" pitchFamily="49" charset="-122"/>
+              <a:ea typeface="楷体" panose="02010609060101010101" pitchFamily="49" charset="-122"/>
+            </a:endParaRPr>
+          </a:p>
+        </p:txBody>
+      </p:sp>
+      <p:sp>
+        <p:nvSpPr>
+          <p:cNvPr id="7" name="椭圆 6"/>
+          <p:cNvSpPr/>
+          <p:nvPr/>
+        </p:nvSpPr>
+        <p:spPr>
+          <a:xfrm>
+            <a:off x="4416007" y="5325999"/>
             <a:ext cx="534838" cy="534838"/>
           </a:xfrm>
           <a:prstGeom prst="ellipse">
@@ -3229,22 +3261,28 @@
           <a:p>
             <a:pPr algn="ctr"/>
             <a:r>
-              <a:rPr lang="zh-CN" altLang="en-US" dirty="0" smtClean="0"/>
-              <a:t>巽</a:t>
-            </a:r>
-            <a:endParaRPr lang="zh-CN" altLang="en-US" dirty="0"/>
-          </a:p>
-        </p:txBody>
-      </p:sp>
-      <p:sp>
-        <p:nvSpPr>
-          <p:cNvPr id="20" name="椭圆 19"/>
-          <p:cNvSpPr/>
-          <p:nvPr/>
-        </p:nvSpPr>
-        <p:spPr>
-          <a:xfrm>
-            <a:off x="4106175" y="3614465"/>
+              <a:rPr lang="zh-CN" altLang="en-US" b="1" dirty="0" smtClean="0">
+                <a:latin typeface="楷体" panose="02010609060101010101" pitchFamily="49" charset="-122"/>
+                <a:ea typeface="楷体" panose="02010609060101010101" pitchFamily="49" charset="-122"/>
+              </a:rPr>
+              <a:t>巳</a:t>
+            </a:r>
+            <a:endParaRPr lang="zh-CN" altLang="en-US" b="1" dirty="0">
+              <a:latin typeface="楷体" panose="02010609060101010101" pitchFamily="49" charset="-122"/>
+              <a:ea typeface="楷体" panose="02010609060101010101" pitchFamily="49" charset="-122"/>
+            </a:endParaRPr>
+          </a:p>
+        </p:txBody>
+      </p:sp>
+      <p:sp>
+        <p:nvSpPr>
+          <p:cNvPr id="8" name="椭圆 7"/>
+          <p:cNvSpPr/>
+          <p:nvPr/>
+        </p:nvSpPr>
+        <p:spPr>
+          <a:xfrm>
+            <a:off x="2930107" y="5824183"/>
             <a:ext cx="534838" cy="534838"/>
           </a:xfrm>
           <a:prstGeom prst="ellipse">
@@ -3273,22 +3311,28 @@
           <a:p>
             <a:pPr algn="ctr"/>
             <a:r>
-              <a:rPr lang="zh-CN" altLang="en-US" dirty="0" smtClean="0"/>
-              <a:t>坤</a:t>
-            </a:r>
-            <a:endParaRPr lang="zh-CN" altLang="en-US" dirty="0"/>
-          </a:p>
-        </p:txBody>
-      </p:sp>
-      <p:sp>
-        <p:nvSpPr>
-          <p:cNvPr id="21" name="椭圆 20"/>
-          <p:cNvSpPr/>
-          <p:nvPr/>
-        </p:nvSpPr>
-        <p:spPr>
-          <a:xfrm>
-            <a:off x="4106175" y="1630392"/>
+              <a:rPr lang="zh-CN" altLang="en-US" b="1" dirty="0" smtClean="0">
+                <a:latin typeface="楷体" panose="02010609060101010101" pitchFamily="49" charset="-122"/>
+                <a:ea typeface="楷体" panose="02010609060101010101" pitchFamily="49" charset="-122"/>
+              </a:rPr>
+              <a:t>午</a:t>
+            </a:r>
+            <a:endParaRPr lang="zh-CN" altLang="en-US" b="1" dirty="0">
+              <a:latin typeface="楷体" panose="02010609060101010101" pitchFamily="49" charset="-122"/>
+              <a:ea typeface="楷体" panose="02010609060101010101" pitchFamily="49" charset="-122"/>
+            </a:endParaRPr>
+          </a:p>
+        </p:txBody>
+      </p:sp>
+      <p:sp>
+        <p:nvSpPr>
+          <p:cNvPr id="9" name="椭圆 8"/>
+          <p:cNvSpPr/>
+          <p:nvPr/>
+        </p:nvSpPr>
+        <p:spPr>
+          <a:xfrm>
+            <a:off x="1444208" y="5289345"/>
             <a:ext cx="534838" cy="534838"/>
           </a:xfrm>
           <a:prstGeom prst="ellipse">
@@ -3317,59 +3361,33 @@
           <a:p>
             <a:pPr algn="ctr"/>
             <a:r>
-              <a:rPr lang="zh-CN" altLang="en-US" dirty="0"/>
-              <a:t>乾</a:t>
-            </a:r>
-          </a:p>
-        </p:txBody>
-      </p:sp>
-      <p:sp>
-        <p:nvSpPr>
-          <p:cNvPr id="22" name="文本框 21"/>
-          <p:cNvSpPr txBox="1"/>
-          <p:nvPr/>
-        </p:nvSpPr>
-        <p:spPr>
-          <a:xfrm>
-            <a:off x="785004" y="1259457"/>
-            <a:ext cx="1107996" cy="369332"/>
-          </a:xfrm>
-          <a:prstGeom prst="rect">
-            <a:avLst/>
-          </a:prstGeom>
-          <a:noFill/>
-        </p:spPr>
-        <p:txBody>
-          <a:bodyPr wrap="none" rtlCol="0">
-            <a:spAutoFit/>
-          </a:bodyPr>
-          <a:lstStyle/>
-          <a:p>
-            <a:r>
-              <a:rPr lang="zh-CN" altLang="en-US" dirty="0" smtClean="0"/>
-              <a:t>八卦方位</a:t>
-            </a:r>
-            <a:endParaRPr lang="zh-CN" altLang="en-US" dirty="0"/>
-          </a:p>
-        </p:txBody>
-      </p:sp>
-      <p:sp>
-        <p:nvSpPr>
-          <p:cNvPr id="12" name="矩形 11"/>
-          <p:cNvSpPr/>
-          <p:nvPr/>
-        </p:nvSpPr>
-        <p:spPr>
-          <a:xfrm>
-            <a:off x="7108167" y="1362973"/>
-            <a:ext cx="370936" cy="370936"/>
-          </a:xfrm>
-          <a:prstGeom prst="rect">
-            <a:avLst/>
-          </a:prstGeom>
-          <a:solidFill>
-            <a:schemeClr val="accent2"/>
-          </a:solidFill>
+              <a:rPr lang="zh-CN" altLang="en-US" b="1" dirty="0" smtClean="0">
+                <a:latin typeface="楷体" panose="02010609060101010101" pitchFamily="49" charset="-122"/>
+                <a:ea typeface="楷体" panose="02010609060101010101" pitchFamily="49" charset="-122"/>
+              </a:rPr>
+              <a:t>未</a:t>
+            </a:r>
+            <a:endParaRPr lang="zh-CN" altLang="en-US" b="1" dirty="0">
+              <a:latin typeface="楷体" panose="02010609060101010101" pitchFamily="49" charset="-122"/>
+              <a:ea typeface="楷体" panose="02010609060101010101" pitchFamily="49" charset="-122"/>
+            </a:endParaRPr>
+          </a:p>
+        </p:txBody>
+      </p:sp>
+      <p:sp>
+        <p:nvSpPr>
+          <p:cNvPr id="10" name="椭圆 9"/>
+          <p:cNvSpPr/>
+          <p:nvPr/>
+        </p:nvSpPr>
+        <p:spPr>
+          <a:xfrm>
+            <a:off x="583725" y="4366314"/>
+            <a:ext cx="534838" cy="534838"/>
+          </a:xfrm>
+          <a:prstGeom prst="ellipse">
+            <a:avLst/>
+          </a:prstGeom>
         </p:spPr>
         <p:style>
           <a:lnRef idx="2">
@@ -3393,30 +3411,33 @@
           <a:p>
             <a:pPr algn="ctr"/>
             <a:r>
-              <a:rPr lang="zh-CN" altLang="en-US" dirty="0" smtClean="0"/>
-              <a:t>土</a:t>
-            </a:r>
-            <a:endParaRPr lang="zh-CN" altLang="en-US" dirty="0"/>
-          </a:p>
-        </p:txBody>
-      </p:sp>
-      <p:sp>
-        <p:nvSpPr>
-          <p:cNvPr id="13" name="矩形 12"/>
-          <p:cNvSpPr/>
-          <p:nvPr/>
-        </p:nvSpPr>
-        <p:spPr>
-          <a:xfrm>
-            <a:off x="3735239" y="4231254"/>
-            <a:ext cx="370936" cy="370936"/>
-          </a:xfrm>
-          <a:prstGeom prst="rect">
-            <a:avLst/>
-          </a:prstGeom>
-          <a:solidFill>
-            <a:schemeClr val="accent2"/>
-          </a:solidFill>
+              <a:rPr lang="zh-CN" altLang="en-US" b="1" dirty="0" smtClean="0">
+                <a:latin typeface="楷体" panose="02010609060101010101" pitchFamily="49" charset="-122"/>
+                <a:ea typeface="楷体" panose="02010609060101010101" pitchFamily="49" charset="-122"/>
+              </a:rPr>
+              <a:t>申</a:t>
+            </a:r>
+            <a:endParaRPr lang="zh-CN" altLang="en-US" b="1" dirty="0">
+              <a:latin typeface="楷体" panose="02010609060101010101" pitchFamily="49" charset="-122"/>
+              <a:ea typeface="楷体" panose="02010609060101010101" pitchFamily="49" charset="-122"/>
+            </a:endParaRPr>
+          </a:p>
+        </p:txBody>
+      </p:sp>
+      <p:sp>
+        <p:nvSpPr>
+          <p:cNvPr id="11" name="椭圆 10"/>
+          <p:cNvSpPr/>
+          <p:nvPr/>
+        </p:nvSpPr>
+        <p:spPr>
+          <a:xfrm>
+            <a:off x="225727" y="3119802"/>
+            <a:ext cx="534838" cy="534838"/>
+          </a:xfrm>
+          <a:prstGeom prst="ellipse">
+            <a:avLst/>
+          </a:prstGeom>
         </p:spPr>
         <p:style>
           <a:lnRef idx="2">
@@ -3440,17 +3461,567 @@
           <a:p>
             <a:pPr algn="ctr"/>
             <a:r>
-              <a:rPr lang="zh-CN" altLang="en-US" dirty="0" smtClean="0"/>
-              <a:t>土</a:t>
-            </a:r>
-            <a:endParaRPr lang="zh-CN" altLang="en-US" dirty="0"/>
+              <a:rPr lang="zh-CN" altLang="en-US" b="1" dirty="0" smtClean="0">
+                <a:latin typeface="楷体" panose="02010609060101010101" pitchFamily="49" charset="-122"/>
+                <a:ea typeface="楷体" panose="02010609060101010101" pitchFamily="49" charset="-122"/>
+              </a:rPr>
+              <a:t>酉</a:t>
+            </a:r>
+            <a:endParaRPr lang="zh-CN" altLang="en-US" b="1" dirty="0">
+              <a:latin typeface="楷体" panose="02010609060101010101" pitchFamily="49" charset="-122"/>
+              <a:ea typeface="楷体" panose="02010609060101010101" pitchFamily="49" charset="-122"/>
+            </a:endParaRPr>
+          </a:p>
+        </p:txBody>
+      </p:sp>
+      <p:sp>
+        <p:nvSpPr>
+          <p:cNvPr id="12" name="椭圆 11"/>
+          <p:cNvSpPr/>
+          <p:nvPr/>
+        </p:nvSpPr>
+        <p:spPr>
+          <a:xfrm>
+            <a:off x="583725" y="1873290"/>
+            <a:ext cx="534838" cy="534838"/>
+          </a:xfrm>
+          <a:prstGeom prst="ellipse">
+            <a:avLst/>
+          </a:prstGeom>
+        </p:spPr>
+        <p:style>
+          <a:lnRef idx="2">
+            <a:schemeClr val="accent1">
+              <a:shade val="50000"/>
+            </a:schemeClr>
+          </a:lnRef>
+          <a:fillRef idx="1">
+            <a:schemeClr val="accent1"/>
+          </a:fillRef>
+          <a:effectRef idx="0">
+            <a:schemeClr val="accent1"/>
+          </a:effectRef>
+          <a:fontRef idx="minor">
+            <a:schemeClr val="lt1"/>
+          </a:fontRef>
+        </p:style>
+        <p:txBody>
+          <a:bodyPr rtlCol="0" anchor="ctr"/>
+          <a:lstStyle/>
+          <a:p>
+            <a:pPr algn="ctr"/>
+            <a:r>
+              <a:rPr lang="zh-CN" altLang="en-US" b="1" dirty="0" smtClean="0">
+                <a:latin typeface="楷体" panose="02010609060101010101" pitchFamily="49" charset="-122"/>
+                <a:ea typeface="楷体" panose="02010609060101010101" pitchFamily="49" charset="-122"/>
+              </a:rPr>
+              <a:t>戌</a:t>
+            </a:r>
+            <a:endParaRPr lang="zh-CN" altLang="en-US" b="1" dirty="0">
+              <a:latin typeface="楷体" panose="02010609060101010101" pitchFamily="49" charset="-122"/>
+              <a:ea typeface="楷体" panose="02010609060101010101" pitchFamily="49" charset="-122"/>
+            </a:endParaRPr>
+          </a:p>
+        </p:txBody>
+      </p:sp>
+      <p:sp>
+        <p:nvSpPr>
+          <p:cNvPr id="13" name="椭圆 12"/>
+          <p:cNvSpPr/>
+          <p:nvPr/>
+        </p:nvSpPr>
+        <p:spPr>
+          <a:xfrm>
+            <a:off x="1489498" y="897699"/>
+            <a:ext cx="534838" cy="534838"/>
+          </a:xfrm>
+          <a:prstGeom prst="ellipse">
+            <a:avLst/>
+          </a:prstGeom>
+        </p:spPr>
+        <p:style>
+          <a:lnRef idx="2">
+            <a:schemeClr val="accent1">
+              <a:shade val="50000"/>
+            </a:schemeClr>
+          </a:lnRef>
+          <a:fillRef idx="1">
+            <a:schemeClr val="accent1"/>
+          </a:fillRef>
+          <a:effectRef idx="0">
+            <a:schemeClr val="accent1"/>
+          </a:effectRef>
+          <a:fontRef idx="minor">
+            <a:schemeClr val="lt1"/>
+          </a:fontRef>
+        </p:style>
+        <p:txBody>
+          <a:bodyPr rtlCol="0" anchor="ctr"/>
+          <a:lstStyle/>
+          <a:p>
+            <a:pPr algn="ctr"/>
+            <a:r>
+              <a:rPr lang="zh-CN" altLang="en-US" b="1" dirty="0" smtClean="0">
+                <a:latin typeface="楷体" panose="02010609060101010101" pitchFamily="49" charset="-122"/>
+                <a:ea typeface="楷体" panose="02010609060101010101" pitchFamily="49" charset="-122"/>
+              </a:rPr>
+              <a:t>亥</a:t>
+            </a:r>
+            <a:endParaRPr lang="zh-CN" altLang="en-US" b="1" dirty="0">
+              <a:latin typeface="楷体" panose="02010609060101010101" pitchFamily="49" charset="-122"/>
+              <a:ea typeface="楷体" panose="02010609060101010101" pitchFamily="49" charset="-122"/>
+            </a:endParaRPr>
+          </a:p>
+        </p:txBody>
+      </p:sp>
+      <p:sp>
+        <p:nvSpPr>
+          <p:cNvPr id="30" name="文本框 29"/>
+          <p:cNvSpPr txBox="1"/>
+          <p:nvPr/>
+        </p:nvSpPr>
+        <p:spPr>
+          <a:xfrm>
+            <a:off x="-18861" y="-28833"/>
+            <a:ext cx="992579" cy="369332"/>
+          </a:xfrm>
+          <a:prstGeom prst="rect">
+            <a:avLst/>
+          </a:prstGeom>
+          <a:noFill/>
+        </p:spPr>
+        <p:txBody>
+          <a:bodyPr wrap="none" rtlCol="0">
+            <a:spAutoFit/>
+          </a:bodyPr>
+          <a:lstStyle/>
+          <a:p>
+            <a:r>
+              <a:rPr lang="en-US" altLang="zh-CN" b="1" dirty="0" smtClean="0">
+                <a:latin typeface="楷体" panose="02010609060101010101" pitchFamily="49" charset="-122"/>
+                <a:ea typeface="楷体" panose="02010609060101010101" pitchFamily="49" charset="-122"/>
+              </a:rPr>
+              <a:t>42 </a:t>
+            </a:r>
+            <a:r>
+              <a:rPr lang="zh-CN" altLang="en-US" b="1" dirty="0" smtClean="0">
+                <a:latin typeface="楷体" panose="02010609060101010101" pitchFamily="49" charset="-122"/>
+                <a:ea typeface="楷体" panose="02010609060101010101" pitchFamily="49" charset="-122"/>
+              </a:rPr>
+              <a:t>六合</a:t>
+            </a:r>
+            <a:endParaRPr lang="zh-CN" altLang="en-US" b="1" dirty="0">
+              <a:latin typeface="楷体" panose="02010609060101010101" pitchFamily="49" charset="-122"/>
+              <a:ea typeface="楷体" panose="02010609060101010101" pitchFamily="49" charset="-122"/>
+            </a:endParaRPr>
+          </a:p>
+        </p:txBody>
+      </p:sp>
+      <p:sp>
+        <p:nvSpPr>
+          <p:cNvPr id="32" name="椭圆 31"/>
+          <p:cNvSpPr/>
+          <p:nvPr/>
+        </p:nvSpPr>
+        <p:spPr>
+          <a:xfrm>
+            <a:off x="493146" y="682841"/>
+            <a:ext cx="5408761" cy="5408761"/>
+          </a:xfrm>
+          <a:prstGeom prst="ellipse">
+            <a:avLst/>
+          </a:prstGeom>
+          <a:noFill/>
+        </p:spPr>
+        <p:style>
+          <a:lnRef idx="2">
+            <a:schemeClr val="accent1">
+              <a:shade val="50000"/>
+            </a:schemeClr>
+          </a:lnRef>
+          <a:fillRef idx="1">
+            <a:schemeClr val="accent1"/>
+          </a:fillRef>
+          <a:effectRef idx="0">
+            <a:schemeClr val="accent1"/>
+          </a:effectRef>
+          <a:fontRef idx="minor">
+            <a:schemeClr val="lt1"/>
+          </a:fontRef>
+        </p:style>
+        <p:txBody>
+          <a:bodyPr rtlCol="0" anchor="ctr"/>
+          <a:lstStyle/>
+          <a:p>
+            <a:pPr algn="ctr"/>
+            <a:endParaRPr lang="zh-CN" altLang="en-US" b="1">
+              <a:latin typeface="楷体" panose="02010609060101010101" pitchFamily="49" charset="-122"/>
+              <a:ea typeface="楷体" panose="02010609060101010101" pitchFamily="49" charset="-122"/>
+            </a:endParaRPr>
+          </a:p>
+        </p:txBody>
+      </p:sp>
+      <p:cxnSp>
+        <p:nvCxnSpPr>
+          <p:cNvPr id="34" name="直接连接符 33"/>
+          <p:cNvCxnSpPr/>
+          <p:nvPr/>
+        </p:nvCxnSpPr>
+        <p:spPr>
+          <a:xfrm flipV="1">
+            <a:off x="2222738" y="445615"/>
+            <a:ext cx="1915069" cy="5883214"/>
+          </a:xfrm>
+          <a:prstGeom prst="line">
+            <a:avLst/>
+          </a:prstGeom>
+        </p:spPr>
+        <p:style>
+          <a:lnRef idx="3">
+            <a:schemeClr val="accent2"/>
+          </a:lnRef>
+          <a:fillRef idx="0">
+            <a:schemeClr val="accent2"/>
+          </a:fillRef>
+          <a:effectRef idx="2">
+            <a:schemeClr val="accent2"/>
+          </a:effectRef>
+          <a:fontRef idx="minor">
+            <a:schemeClr val="tx1"/>
+          </a:fontRef>
+        </p:style>
+      </p:cxnSp>
+      <p:sp>
+        <p:nvSpPr>
+          <p:cNvPr id="14" name="矩形 13"/>
+          <p:cNvSpPr/>
+          <p:nvPr/>
+        </p:nvSpPr>
+        <p:spPr>
+          <a:xfrm>
+            <a:off x="5901907" y="306390"/>
+            <a:ext cx="5493812" cy="369332"/>
+          </a:xfrm>
+          <a:prstGeom prst="rect">
+            <a:avLst/>
+          </a:prstGeom>
+        </p:spPr>
+        <p:txBody>
+          <a:bodyPr wrap="none">
+            <a:spAutoFit/>
+          </a:bodyPr>
+          <a:lstStyle/>
+          <a:p>
+            <a:r>
+              <a:rPr lang="zh-CN" altLang="en-US" b="1" dirty="0">
+                <a:latin typeface="楷体" panose="02010609060101010101" pitchFamily="49" charset="-122"/>
+                <a:ea typeface="楷体" panose="02010609060101010101" pitchFamily="49" charset="-122"/>
+              </a:rPr>
+              <a:t>子午冲、丑未冲、寅申冲、卯酉冲、辰戌冲、巳亥冲</a:t>
+            </a:r>
+          </a:p>
+        </p:txBody>
+      </p:sp>
+      <p:sp>
+        <p:nvSpPr>
+          <p:cNvPr id="15" name="矩形 14"/>
+          <p:cNvSpPr/>
+          <p:nvPr/>
+        </p:nvSpPr>
+        <p:spPr>
+          <a:xfrm>
+            <a:off x="5901907" y="945451"/>
+            <a:ext cx="6096000" cy="646331"/>
+          </a:xfrm>
+          <a:prstGeom prst="rect">
+            <a:avLst/>
+          </a:prstGeom>
+        </p:spPr>
+        <p:txBody>
+          <a:bodyPr>
+            <a:spAutoFit/>
+          </a:bodyPr>
+          <a:lstStyle/>
+          <a:p>
+            <a:r>
+              <a:rPr lang="zh-CN" altLang="en-US" b="1" dirty="0">
+                <a:latin typeface="楷体" panose="02010609060101010101" pitchFamily="49" charset="-122"/>
+                <a:ea typeface="楷体" panose="02010609060101010101" pitchFamily="49" charset="-122"/>
+              </a:rPr>
+              <a:t>丑子六合土，寅亥 木，卯戌 火，辰酉 金，巳申 水 </a:t>
+            </a:r>
+            <a:endParaRPr lang="en-US" altLang="zh-CN" b="1" dirty="0" smtClean="0">
+              <a:latin typeface="楷体" panose="02010609060101010101" pitchFamily="49" charset="-122"/>
+              <a:ea typeface="楷体" panose="02010609060101010101" pitchFamily="49" charset="-122"/>
+            </a:endParaRPr>
+          </a:p>
+          <a:p>
+            <a:r>
+              <a:rPr lang="zh-CN" altLang="en-US" b="1" dirty="0" smtClean="0">
+                <a:latin typeface="楷体" panose="02010609060101010101" pitchFamily="49" charset="-122"/>
+                <a:ea typeface="楷体" panose="02010609060101010101" pitchFamily="49" charset="-122"/>
+              </a:rPr>
+              <a:t>午</a:t>
+            </a:r>
+            <a:r>
+              <a:rPr lang="zh-CN" altLang="en-US" b="1" dirty="0">
+                <a:latin typeface="楷体" panose="02010609060101010101" pitchFamily="49" charset="-122"/>
+                <a:ea typeface="楷体" panose="02010609060101010101" pitchFamily="49" charset="-122"/>
+              </a:rPr>
+              <a:t>未六合</a:t>
+            </a:r>
+            <a:r>
+              <a:rPr lang="zh-CN" altLang="en-US" b="1" dirty="0" smtClean="0">
+                <a:latin typeface="楷体" panose="02010609060101010101" pitchFamily="49" charset="-122"/>
+                <a:ea typeface="楷体" panose="02010609060101010101" pitchFamily="49" charset="-122"/>
+              </a:rPr>
+              <a:t>日月</a:t>
+            </a:r>
+            <a:endParaRPr lang="zh-CN" altLang="en-US" b="1" dirty="0">
+              <a:latin typeface="楷体" panose="02010609060101010101" pitchFamily="49" charset="-122"/>
+              <a:ea typeface="楷体" panose="02010609060101010101" pitchFamily="49" charset="-122"/>
+            </a:endParaRPr>
+          </a:p>
+        </p:txBody>
+      </p:sp>
+      <p:sp>
+        <p:nvSpPr>
+          <p:cNvPr id="17" name="矩形 16"/>
+          <p:cNvSpPr/>
+          <p:nvPr/>
+        </p:nvSpPr>
+        <p:spPr>
+          <a:xfrm>
+            <a:off x="5694868" y="4905661"/>
+            <a:ext cx="6096000" cy="1477328"/>
+          </a:xfrm>
+          <a:prstGeom prst="rect">
+            <a:avLst/>
+          </a:prstGeom>
+        </p:spPr>
+        <p:txBody>
+          <a:bodyPr>
+            <a:spAutoFit/>
+          </a:bodyPr>
+          <a:lstStyle/>
+          <a:p>
+            <a:r>
+              <a:rPr lang="zh-CN" altLang="en-US" b="1" dirty="0">
+                <a:latin typeface="楷体" panose="02010609060101010101" pitchFamily="49" charset="-122"/>
+                <a:ea typeface="楷体" panose="02010609060101010101" pitchFamily="49" charset="-122"/>
+              </a:rPr>
+              <a:t>	长生 	帝旺	墓 </a:t>
+            </a:r>
+          </a:p>
+          <a:p>
+            <a:r>
+              <a:rPr lang="zh-CN" altLang="en-US" b="1" dirty="0">
+                <a:latin typeface="楷体" panose="02010609060101010101" pitchFamily="49" charset="-122"/>
+                <a:ea typeface="楷体" panose="02010609060101010101" pitchFamily="49" charset="-122"/>
+              </a:rPr>
+              <a:t>火	寅	午	戌	</a:t>
+            </a:r>
+            <a:r>
+              <a:rPr lang="zh-CN" altLang="en-US" b="1" dirty="0" smtClean="0">
+                <a:latin typeface="楷体" panose="02010609060101010101" pitchFamily="49" charset="-122"/>
+                <a:ea typeface="楷体" panose="02010609060101010101" pitchFamily="49" charset="-122"/>
+              </a:rPr>
+              <a:t>火</a:t>
+            </a:r>
+            <a:r>
+              <a:rPr lang="zh-CN" altLang="en-US" b="1" dirty="0">
+                <a:latin typeface="楷体" panose="02010609060101010101" pitchFamily="49" charset="-122"/>
+                <a:ea typeface="楷体" panose="02010609060101010101" pitchFamily="49" charset="-122"/>
+              </a:rPr>
+              <a:t>的三合是 寅午戌</a:t>
+            </a:r>
+          </a:p>
+          <a:p>
+            <a:r>
+              <a:rPr lang="zh-CN" altLang="en-US" b="1" dirty="0">
+                <a:latin typeface="楷体" panose="02010609060101010101" pitchFamily="49" charset="-122"/>
+                <a:ea typeface="楷体" panose="02010609060101010101" pitchFamily="49" charset="-122"/>
+              </a:rPr>
+              <a:t>金	巳	酉	丑	</a:t>
+            </a:r>
+            <a:r>
+              <a:rPr lang="zh-CN" altLang="en-US" b="1" dirty="0" smtClean="0">
+                <a:latin typeface="楷体" panose="02010609060101010101" pitchFamily="49" charset="-122"/>
+                <a:ea typeface="楷体" panose="02010609060101010101" pitchFamily="49" charset="-122"/>
+              </a:rPr>
+              <a:t>金</a:t>
+            </a:r>
+            <a:r>
+              <a:rPr lang="zh-CN" altLang="en-US" b="1" dirty="0">
+                <a:latin typeface="楷体" panose="02010609060101010101" pitchFamily="49" charset="-122"/>
+                <a:ea typeface="楷体" panose="02010609060101010101" pitchFamily="49" charset="-122"/>
+              </a:rPr>
+              <a:t>的三合是 巳酉丑</a:t>
+            </a:r>
+          </a:p>
+          <a:p>
+            <a:r>
+              <a:rPr lang="zh-CN" altLang="en-US" b="1" dirty="0">
+                <a:latin typeface="楷体" panose="02010609060101010101" pitchFamily="49" charset="-122"/>
+                <a:ea typeface="楷体" panose="02010609060101010101" pitchFamily="49" charset="-122"/>
+              </a:rPr>
+              <a:t>水	申	子	辰</a:t>
+            </a:r>
+          </a:p>
+          <a:p>
+            <a:r>
+              <a:rPr lang="zh-CN" altLang="en-US" b="1" dirty="0">
+                <a:latin typeface="楷体" panose="02010609060101010101" pitchFamily="49" charset="-122"/>
+                <a:ea typeface="楷体" panose="02010609060101010101" pitchFamily="49" charset="-122"/>
+              </a:rPr>
+              <a:t>木	亥	卯	未</a:t>
+            </a:r>
+          </a:p>
+        </p:txBody>
+      </p:sp>
+      <p:sp>
+        <p:nvSpPr>
+          <p:cNvPr id="16" name="矩形 15"/>
+          <p:cNvSpPr/>
+          <p:nvPr/>
+        </p:nvSpPr>
+        <p:spPr>
+          <a:xfrm>
+            <a:off x="6169326" y="2208558"/>
+            <a:ext cx="6096000" cy="1200329"/>
+          </a:xfrm>
+          <a:prstGeom prst="rect">
+            <a:avLst/>
+          </a:prstGeom>
+        </p:spPr>
+        <p:txBody>
+          <a:bodyPr>
+            <a:spAutoFit/>
+          </a:bodyPr>
+          <a:lstStyle/>
+          <a:p>
+            <a:r>
+              <a:rPr lang="zh-CN" altLang="en-US" b="1" dirty="0">
+                <a:latin typeface="楷体" panose="02010609060101010101" pitchFamily="49" charset="-122"/>
+                <a:ea typeface="楷体" panose="02010609060101010101" pitchFamily="49" charset="-122"/>
+              </a:rPr>
+              <a:t>进神：亥化子，寅化卯，巳化午，申化酉，丑化辰</a:t>
+            </a:r>
+            <a:r>
+              <a:rPr lang="zh-CN" altLang="en-US" b="1" dirty="0" smtClean="0">
+                <a:latin typeface="楷体" panose="02010609060101010101" pitchFamily="49" charset="-122"/>
+                <a:ea typeface="楷体" panose="02010609060101010101" pitchFamily="49" charset="-122"/>
+              </a:rPr>
+              <a:t>，</a:t>
+            </a:r>
+            <a:endParaRPr lang="en-US" altLang="zh-CN" b="1" dirty="0" smtClean="0">
+              <a:latin typeface="楷体" panose="02010609060101010101" pitchFamily="49" charset="-122"/>
+              <a:ea typeface="楷体" panose="02010609060101010101" pitchFamily="49" charset="-122"/>
+            </a:endParaRPr>
+          </a:p>
+          <a:p>
+            <a:r>
+              <a:rPr lang="en-US" altLang="zh-CN" b="1" dirty="0" smtClean="0">
+                <a:latin typeface="楷体" panose="02010609060101010101" pitchFamily="49" charset="-122"/>
+                <a:ea typeface="楷体" panose="02010609060101010101" pitchFamily="49" charset="-122"/>
+              </a:rPr>
+              <a:t>	</a:t>
+            </a:r>
+            <a:r>
+              <a:rPr lang="zh-CN" altLang="en-US" b="1" dirty="0" smtClean="0">
+                <a:latin typeface="楷体" panose="02010609060101010101" pitchFamily="49" charset="-122"/>
+                <a:ea typeface="楷体" panose="02010609060101010101" pitchFamily="49" charset="-122"/>
+              </a:rPr>
+              <a:t>辰化未</a:t>
+            </a:r>
+            <a:r>
+              <a:rPr lang="zh-CN" altLang="en-US" b="1" dirty="0">
+                <a:latin typeface="楷体" panose="02010609060101010101" pitchFamily="49" charset="-122"/>
+                <a:ea typeface="楷体" panose="02010609060101010101" pitchFamily="49" charset="-122"/>
+              </a:rPr>
+              <a:t>，未化戌。</a:t>
+            </a:r>
+          </a:p>
+          <a:p>
+            <a:r>
+              <a:rPr lang="zh-CN" altLang="en-US" b="1" dirty="0">
+                <a:latin typeface="楷体" panose="02010609060101010101" pitchFamily="49" charset="-122"/>
+                <a:ea typeface="楷体" panose="02010609060101010101" pitchFamily="49" charset="-122"/>
+              </a:rPr>
+              <a:t>退神：子化亥，卯化寅，午化巳，酉化申，辰化丑</a:t>
+            </a:r>
+            <a:r>
+              <a:rPr lang="zh-CN" altLang="en-US" b="1" dirty="0" smtClean="0">
+                <a:latin typeface="楷体" panose="02010609060101010101" pitchFamily="49" charset="-122"/>
+                <a:ea typeface="楷体" panose="02010609060101010101" pitchFamily="49" charset="-122"/>
+              </a:rPr>
+              <a:t>，</a:t>
+            </a:r>
+            <a:endParaRPr lang="en-US" altLang="zh-CN" b="1" dirty="0" smtClean="0">
+              <a:latin typeface="楷体" panose="02010609060101010101" pitchFamily="49" charset="-122"/>
+              <a:ea typeface="楷体" panose="02010609060101010101" pitchFamily="49" charset="-122"/>
+            </a:endParaRPr>
+          </a:p>
+          <a:p>
+            <a:r>
+              <a:rPr lang="en-US" altLang="zh-CN" b="1" dirty="0">
+                <a:latin typeface="楷体" panose="02010609060101010101" pitchFamily="49" charset="-122"/>
+                <a:ea typeface="楷体" panose="02010609060101010101" pitchFamily="49" charset="-122"/>
+              </a:rPr>
+              <a:t>	</a:t>
+            </a:r>
+            <a:r>
+              <a:rPr lang="zh-CN" altLang="en-US" b="1" dirty="0" smtClean="0">
+                <a:latin typeface="楷体" panose="02010609060101010101" pitchFamily="49" charset="-122"/>
+                <a:ea typeface="楷体" panose="02010609060101010101" pitchFamily="49" charset="-122"/>
+              </a:rPr>
+              <a:t>未</a:t>
+            </a:r>
+            <a:r>
+              <a:rPr lang="zh-CN" altLang="en-US" b="1" dirty="0">
+                <a:latin typeface="楷体" panose="02010609060101010101" pitchFamily="49" charset="-122"/>
+                <a:ea typeface="楷体" panose="02010609060101010101" pitchFamily="49" charset="-122"/>
+              </a:rPr>
+              <a:t>化辰，戌化未。</a:t>
+            </a:r>
+          </a:p>
+        </p:txBody>
+      </p:sp>
+      <p:sp>
+        <p:nvSpPr>
+          <p:cNvPr id="19" name="矩形 18"/>
+          <p:cNvSpPr/>
+          <p:nvPr/>
+        </p:nvSpPr>
+        <p:spPr>
+          <a:xfrm>
+            <a:off x="6411502" y="3876256"/>
+            <a:ext cx="3323346" cy="369332"/>
+          </a:xfrm>
+          <a:prstGeom prst="rect">
+            <a:avLst/>
+          </a:prstGeom>
+        </p:spPr>
+        <p:txBody>
+          <a:bodyPr wrap="none">
+            <a:spAutoFit/>
+          </a:bodyPr>
+          <a:lstStyle/>
+          <a:p>
+            <a:r>
+              <a:rPr lang="zh-CN" altLang="en-US" b="1" dirty="0">
+                <a:latin typeface="楷体" panose="02010609060101010101" pitchFamily="49" charset="-122"/>
+                <a:ea typeface="楷体" panose="02010609060101010101" pitchFamily="49" charset="-122"/>
+              </a:rPr>
+              <a:t>化绝:子水化巳火，酉金化寅木</a:t>
+            </a:r>
           </a:p>
         </p:txBody>
       </p:sp>
     </p:spTree>
     <p:extLst>
       <p:ext uri="{BB962C8B-B14F-4D97-AF65-F5344CB8AC3E}">
-        <p14:creationId xmlns:p14="http://schemas.microsoft.com/office/powerpoint/2010/main" val="2365140433"/>
+        <p14:creationId xmlns:p14="http://schemas.microsoft.com/office/powerpoint/2010/main" val="2434019445"/>
       </p:ext>
     </p:extLst>
   </p:cSld>
@@ -3616,7 +4187,7 @@
         </p:nvSpPr>
         <p:spPr>
           <a:xfrm>
-            <a:off x="3571337" y="2708693"/>
+            <a:off x="3278038" y="2708693"/>
             <a:ext cx="534838" cy="534838"/>
           </a:xfrm>
           <a:prstGeom prst="ellipse">
@@ -3828,18 +4399,51 @@
       </p:sp>
       <p:sp>
         <p:nvSpPr>
-          <p:cNvPr id="10" name="椭圆 9"/>
-          <p:cNvSpPr/>
-          <p:nvPr/>
-        </p:nvSpPr>
-        <p:spPr>
-          <a:xfrm>
-            <a:off x="5279366" y="405440"/>
-            <a:ext cx="534838" cy="534838"/>
-          </a:xfrm>
-          <a:prstGeom prst="ellipse">
-            <a:avLst/>
-          </a:prstGeom>
+          <p:cNvPr id="22" name="文本框 21"/>
+          <p:cNvSpPr txBox="1"/>
+          <p:nvPr/>
+        </p:nvSpPr>
+        <p:spPr>
+          <a:xfrm>
+            <a:off x="785004" y="1259457"/>
+            <a:ext cx="1107996" cy="369332"/>
+          </a:xfrm>
+          <a:prstGeom prst="rect">
+            <a:avLst/>
+          </a:prstGeom>
+          <a:noFill/>
+        </p:spPr>
+        <p:txBody>
+          <a:bodyPr wrap="none" rtlCol="0">
+            <a:spAutoFit/>
+          </a:bodyPr>
+          <a:lstStyle/>
+          <a:p>
+            <a:r>
+              <a:rPr lang="zh-CN" altLang="en-US" dirty="0" smtClean="0"/>
+              <a:t>八卦方位</a:t>
+            </a:r>
+            <a:endParaRPr lang="zh-CN" altLang="en-US" dirty="0"/>
+          </a:p>
+        </p:txBody>
+      </p:sp>
+      <p:sp>
+        <p:nvSpPr>
+          <p:cNvPr id="12" name="矩形 11"/>
+          <p:cNvSpPr/>
+          <p:nvPr/>
+        </p:nvSpPr>
+        <p:spPr>
+          <a:xfrm>
+            <a:off x="7108167" y="1362973"/>
+            <a:ext cx="370936" cy="370936"/>
+          </a:xfrm>
+          <a:prstGeom prst="rect">
+            <a:avLst/>
+          </a:prstGeom>
+          <a:solidFill>
+            <a:schemeClr val="accent2"/>
+          </a:solidFill>
         </p:spPr>
         <p:style>
           <a:lnRef idx="2">
@@ -3864,7 +4468,7 @@
             <a:pPr algn="ctr"/>
             <a:r>
               <a:rPr lang="zh-CN" altLang="en-US" dirty="0" smtClean="0"/>
-              <a:t>子</a:t>
+              <a:t>土</a:t>
             </a:r>
             <a:endParaRPr lang="zh-CN" altLang="en-US" dirty="0"/>
           </a:p>
@@ -3872,18 +4476,21 @@
       </p:sp>
       <p:sp>
         <p:nvSpPr>
-          <p:cNvPr id="11" name="椭圆 10"/>
-          <p:cNvSpPr/>
-          <p:nvPr/>
-        </p:nvSpPr>
-        <p:spPr>
-          <a:xfrm>
-            <a:off x="6452557" y="828135"/>
-            <a:ext cx="534838" cy="534838"/>
-          </a:xfrm>
-          <a:prstGeom prst="ellipse">
-            <a:avLst/>
-          </a:prstGeom>
+          <p:cNvPr id="13" name="矩形 12"/>
+          <p:cNvSpPr/>
+          <p:nvPr/>
+        </p:nvSpPr>
+        <p:spPr>
+          <a:xfrm>
+            <a:off x="3735239" y="4231254"/>
+            <a:ext cx="370936" cy="370936"/>
+          </a:xfrm>
+          <a:prstGeom prst="rect">
+            <a:avLst/>
+          </a:prstGeom>
+          <a:solidFill>
+            <a:schemeClr val="accent2"/>
+          </a:solidFill>
         </p:spPr>
         <p:style>
           <a:lnRef idx="2">
@@ -3908,477 +4515,7 @@
             <a:pPr algn="ctr"/>
             <a:r>
               <a:rPr lang="zh-CN" altLang="en-US" dirty="0" smtClean="0"/>
-              <a:t>丑</a:t>
-            </a:r>
-            <a:endParaRPr lang="zh-CN" altLang="en-US" dirty="0"/>
-          </a:p>
-        </p:txBody>
-      </p:sp>
-      <p:sp>
-        <p:nvSpPr>
-          <p:cNvPr id="12" name="椭圆 11"/>
-          <p:cNvSpPr/>
-          <p:nvPr/>
-        </p:nvSpPr>
-        <p:spPr>
-          <a:xfrm>
-            <a:off x="7418716" y="1630392"/>
-            <a:ext cx="534838" cy="534838"/>
-          </a:xfrm>
-          <a:prstGeom prst="ellipse">
-            <a:avLst/>
-          </a:prstGeom>
-        </p:spPr>
-        <p:style>
-          <a:lnRef idx="2">
-            <a:schemeClr val="accent1">
-              <a:shade val="50000"/>
-            </a:schemeClr>
-          </a:lnRef>
-          <a:fillRef idx="1">
-            <a:schemeClr val="accent1"/>
-          </a:fillRef>
-          <a:effectRef idx="0">
-            <a:schemeClr val="accent1"/>
-          </a:effectRef>
-          <a:fontRef idx="minor">
-            <a:schemeClr val="lt1"/>
-          </a:fontRef>
-        </p:style>
-        <p:txBody>
-          <a:bodyPr rtlCol="0" anchor="ctr"/>
-          <a:lstStyle/>
-          <a:p>
-            <a:pPr algn="ctr"/>
-            <a:r>
-              <a:rPr lang="zh-CN" altLang="en-US" dirty="0" smtClean="0"/>
-              <a:t>寅</a:t>
-            </a:r>
-            <a:endParaRPr lang="zh-CN" altLang="en-US" dirty="0"/>
-          </a:p>
-        </p:txBody>
-      </p:sp>
-      <p:sp>
-        <p:nvSpPr>
-          <p:cNvPr id="22" name="椭圆 21"/>
-          <p:cNvSpPr/>
-          <p:nvPr/>
-        </p:nvSpPr>
-        <p:spPr>
-          <a:xfrm>
-            <a:off x="8255478" y="2708693"/>
-            <a:ext cx="534838" cy="534838"/>
-          </a:xfrm>
-          <a:prstGeom prst="ellipse">
-            <a:avLst/>
-          </a:prstGeom>
-        </p:spPr>
-        <p:style>
-          <a:lnRef idx="2">
-            <a:schemeClr val="accent1">
-              <a:shade val="50000"/>
-            </a:schemeClr>
-          </a:lnRef>
-          <a:fillRef idx="1">
-            <a:schemeClr val="accent1"/>
-          </a:fillRef>
-          <a:effectRef idx="0">
-            <a:schemeClr val="accent1"/>
-          </a:effectRef>
-          <a:fontRef idx="minor">
-            <a:schemeClr val="lt1"/>
-          </a:fontRef>
-        </p:style>
-        <p:txBody>
-          <a:bodyPr rtlCol="0" anchor="ctr"/>
-          <a:lstStyle/>
-          <a:p>
-            <a:pPr algn="ctr"/>
-            <a:r>
-              <a:rPr lang="zh-CN" altLang="en-US" dirty="0" smtClean="0"/>
-              <a:t>卯</a:t>
-            </a:r>
-            <a:endParaRPr lang="zh-CN" altLang="en-US" dirty="0"/>
-          </a:p>
-        </p:txBody>
-      </p:sp>
-      <p:sp>
-        <p:nvSpPr>
-          <p:cNvPr id="23" name="椭圆 22"/>
-          <p:cNvSpPr/>
-          <p:nvPr/>
-        </p:nvSpPr>
-        <p:spPr>
-          <a:xfrm>
-            <a:off x="7875915" y="3614465"/>
-            <a:ext cx="534838" cy="534838"/>
-          </a:xfrm>
-          <a:prstGeom prst="ellipse">
-            <a:avLst/>
-          </a:prstGeom>
-        </p:spPr>
-        <p:style>
-          <a:lnRef idx="2">
-            <a:schemeClr val="accent1">
-              <a:shade val="50000"/>
-            </a:schemeClr>
-          </a:lnRef>
-          <a:fillRef idx="1">
-            <a:schemeClr val="accent1"/>
-          </a:fillRef>
-          <a:effectRef idx="0">
-            <a:schemeClr val="accent1"/>
-          </a:effectRef>
-          <a:fontRef idx="minor">
-            <a:schemeClr val="lt1"/>
-          </a:fontRef>
-        </p:style>
-        <p:txBody>
-          <a:bodyPr rtlCol="0" anchor="ctr"/>
-          <a:lstStyle/>
-          <a:p>
-            <a:pPr algn="ctr"/>
-            <a:r>
-              <a:rPr lang="zh-CN" altLang="en-US" dirty="0" smtClean="0"/>
-              <a:t>辰</a:t>
-            </a:r>
-            <a:endParaRPr lang="zh-CN" altLang="en-US" dirty="0"/>
-          </a:p>
-        </p:txBody>
-      </p:sp>
-      <p:sp>
-        <p:nvSpPr>
-          <p:cNvPr id="24" name="椭圆 23"/>
-          <p:cNvSpPr/>
-          <p:nvPr/>
-        </p:nvSpPr>
-        <p:spPr>
-          <a:xfrm>
-            <a:off x="6788988" y="4528862"/>
-            <a:ext cx="534838" cy="534838"/>
-          </a:xfrm>
-          <a:prstGeom prst="ellipse">
-            <a:avLst/>
-          </a:prstGeom>
-        </p:spPr>
-        <p:style>
-          <a:lnRef idx="2">
-            <a:schemeClr val="accent1">
-              <a:shade val="50000"/>
-            </a:schemeClr>
-          </a:lnRef>
-          <a:fillRef idx="1">
-            <a:schemeClr val="accent1"/>
-          </a:fillRef>
-          <a:effectRef idx="0">
-            <a:schemeClr val="accent1"/>
-          </a:effectRef>
-          <a:fontRef idx="minor">
-            <a:schemeClr val="lt1"/>
-          </a:fontRef>
-        </p:style>
-        <p:txBody>
-          <a:bodyPr rtlCol="0" anchor="ctr"/>
-          <a:lstStyle/>
-          <a:p>
-            <a:pPr algn="ctr"/>
-            <a:r>
-              <a:rPr lang="zh-CN" altLang="en-US" dirty="0" smtClean="0"/>
-              <a:t>巳</a:t>
-            </a:r>
-            <a:endParaRPr lang="zh-CN" altLang="en-US" dirty="0"/>
-          </a:p>
-        </p:txBody>
-      </p:sp>
-      <p:sp>
-        <p:nvSpPr>
-          <p:cNvPr id="25" name="椭圆 24"/>
-          <p:cNvSpPr/>
-          <p:nvPr/>
-        </p:nvSpPr>
-        <p:spPr>
-          <a:xfrm>
-            <a:off x="5279366" y="5063700"/>
-            <a:ext cx="534838" cy="534838"/>
-          </a:xfrm>
-          <a:prstGeom prst="ellipse">
-            <a:avLst/>
-          </a:prstGeom>
-        </p:spPr>
-        <p:style>
-          <a:lnRef idx="2">
-            <a:schemeClr val="accent1">
-              <a:shade val="50000"/>
-            </a:schemeClr>
-          </a:lnRef>
-          <a:fillRef idx="1">
-            <a:schemeClr val="accent1"/>
-          </a:fillRef>
-          <a:effectRef idx="0">
-            <a:schemeClr val="accent1"/>
-          </a:effectRef>
-          <a:fontRef idx="minor">
-            <a:schemeClr val="lt1"/>
-          </a:fontRef>
-        </p:style>
-        <p:txBody>
-          <a:bodyPr rtlCol="0" anchor="ctr"/>
-          <a:lstStyle/>
-          <a:p>
-            <a:pPr algn="ctr"/>
-            <a:r>
-              <a:rPr lang="zh-CN" altLang="en-US" dirty="0" smtClean="0"/>
-              <a:t>午</a:t>
-            </a:r>
-            <a:endParaRPr lang="zh-CN" altLang="en-US" dirty="0"/>
-          </a:p>
-        </p:txBody>
-      </p:sp>
-      <p:sp>
-        <p:nvSpPr>
-          <p:cNvPr id="26" name="椭圆 25"/>
-          <p:cNvSpPr/>
-          <p:nvPr/>
-        </p:nvSpPr>
-        <p:spPr>
-          <a:xfrm>
-            <a:off x="4235570" y="4658256"/>
-            <a:ext cx="534838" cy="534838"/>
-          </a:xfrm>
-          <a:prstGeom prst="ellipse">
-            <a:avLst/>
-          </a:prstGeom>
-        </p:spPr>
-        <p:style>
-          <a:lnRef idx="2">
-            <a:schemeClr val="accent1">
-              <a:shade val="50000"/>
-            </a:schemeClr>
-          </a:lnRef>
-          <a:fillRef idx="1">
-            <a:schemeClr val="accent1"/>
-          </a:fillRef>
-          <a:effectRef idx="0">
-            <a:schemeClr val="accent1"/>
-          </a:effectRef>
-          <a:fontRef idx="minor">
-            <a:schemeClr val="lt1"/>
-          </a:fontRef>
-        </p:style>
-        <p:txBody>
-          <a:bodyPr rtlCol="0" anchor="ctr"/>
-          <a:lstStyle/>
-          <a:p>
-            <a:pPr algn="ctr"/>
-            <a:r>
-              <a:rPr lang="zh-CN" altLang="en-US" dirty="0" smtClean="0"/>
-              <a:t>未</a:t>
-            </a:r>
-            <a:endParaRPr lang="zh-CN" altLang="en-US" dirty="0"/>
-          </a:p>
-        </p:txBody>
-      </p:sp>
-      <p:sp>
-        <p:nvSpPr>
-          <p:cNvPr id="27" name="椭圆 26"/>
-          <p:cNvSpPr/>
-          <p:nvPr/>
-        </p:nvSpPr>
-        <p:spPr>
-          <a:xfrm>
-            <a:off x="3226282" y="3916384"/>
-            <a:ext cx="534838" cy="534838"/>
-          </a:xfrm>
-          <a:prstGeom prst="ellipse">
-            <a:avLst/>
-          </a:prstGeom>
-        </p:spPr>
-        <p:style>
-          <a:lnRef idx="2">
-            <a:schemeClr val="accent1">
-              <a:shade val="50000"/>
-            </a:schemeClr>
-          </a:lnRef>
-          <a:fillRef idx="1">
-            <a:schemeClr val="accent1"/>
-          </a:fillRef>
-          <a:effectRef idx="0">
-            <a:schemeClr val="accent1"/>
-          </a:effectRef>
-          <a:fontRef idx="minor">
-            <a:schemeClr val="lt1"/>
-          </a:fontRef>
-        </p:style>
-        <p:txBody>
-          <a:bodyPr rtlCol="0" anchor="ctr"/>
-          <a:lstStyle/>
-          <a:p>
-            <a:pPr algn="ctr"/>
-            <a:r>
-              <a:rPr lang="zh-CN" altLang="en-US" dirty="0" smtClean="0"/>
-              <a:t>申</a:t>
-            </a:r>
-            <a:endParaRPr lang="zh-CN" altLang="en-US" dirty="0"/>
-          </a:p>
-        </p:txBody>
-      </p:sp>
-      <p:sp>
-        <p:nvSpPr>
-          <p:cNvPr id="28" name="椭圆 27"/>
-          <p:cNvSpPr/>
-          <p:nvPr/>
-        </p:nvSpPr>
-        <p:spPr>
-          <a:xfrm>
-            <a:off x="2191112" y="2708693"/>
-            <a:ext cx="534838" cy="534838"/>
-          </a:xfrm>
-          <a:prstGeom prst="ellipse">
-            <a:avLst/>
-          </a:prstGeom>
-        </p:spPr>
-        <p:style>
-          <a:lnRef idx="2">
-            <a:schemeClr val="accent1">
-              <a:shade val="50000"/>
-            </a:schemeClr>
-          </a:lnRef>
-          <a:fillRef idx="1">
-            <a:schemeClr val="accent1"/>
-          </a:fillRef>
-          <a:effectRef idx="0">
-            <a:schemeClr val="accent1"/>
-          </a:effectRef>
-          <a:fontRef idx="minor">
-            <a:schemeClr val="lt1"/>
-          </a:fontRef>
-        </p:style>
-        <p:txBody>
-          <a:bodyPr rtlCol="0" anchor="ctr"/>
-          <a:lstStyle/>
-          <a:p>
-            <a:pPr algn="ctr"/>
-            <a:r>
-              <a:rPr lang="zh-CN" altLang="en-US" dirty="0" smtClean="0"/>
-              <a:t>酉</a:t>
-            </a:r>
-            <a:endParaRPr lang="zh-CN" altLang="en-US" dirty="0"/>
-          </a:p>
-        </p:txBody>
-      </p:sp>
-      <p:sp>
-        <p:nvSpPr>
-          <p:cNvPr id="29" name="椭圆 28"/>
-          <p:cNvSpPr/>
-          <p:nvPr/>
-        </p:nvSpPr>
-        <p:spPr>
-          <a:xfrm>
-            <a:off x="3088258" y="1768421"/>
-            <a:ext cx="534838" cy="534838"/>
-          </a:xfrm>
-          <a:prstGeom prst="ellipse">
-            <a:avLst/>
-          </a:prstGeom>
-        </p:spPr>
-        <p:style>
-          <a:lnRef idx="2">
-            <a:schemeClr val="accent1">
-              <a:shade val="50000"/>
-            </a:schemeClr>
-          </a:lnRef>
-          <a:fillRef idx="1">
-            <a:schemeClr val="accent1"/>
-          </a:fillRef>
-          <a:effectRef idx="0">
-            <a:schemeClr val="accent1"/>
-          </a:effectRef>
-          <a:fontRef idx="minor">
-            <a:schemeClr val="lt1"/>
-          </a:fontRef>
-        </p:style>
-        <p:txBody>
-          <a:bodyPr rtlCol="0" anchor="ctr"/>
-          <a:lstStyle/>
-          <a:p>
-            <a:pPr algn="ctr"/>
-            <a:r>
-              <a:rPr lang="zh-CN" altLang="en-US" dirty="0" smtClean="0"/>
-              <a:t>戌</a:t>
-            </a:r>
-            <a:endParaRPr lang="zh-CN" altLang="en-US" dirty="0"/>
-          </a:p>
-        </p:txBody>
-      </p:sp>
-      <p:sp>
-        <p:nvSpPr>
-          <p:cNvPr id="30" name="椭圆 29"/>
-          <p:cNvSpPr/>
-          <p:nvPr/>
-        </p:nvSpPr>
-        <p:spPr>
-          <a:xfrm>
-            <a:off x="3976779" y="819510"/>
-            <a:ext cx="534838" cy="534838"/>
-          </a:xfrm>
-          <a:prstGeom prst="ellipse">
-            <a:avLst/>
-          </a:prstGeom>
-        </p:spPr>
-        <p:style>
-          <a:lnRef idx="2">
-            <a:schemeClr val="accent1">
-              <a:shade val="50000"/>
-            </a:schemeClr>
-          </a:lnRef>
-          <a:fillRef idx="1">
-            <a:schemeClr val="accent1"/>
-          </a:fillRef>
-          <a:effectRef idx="0">
-            <a:schemeClr val="accent1"/>
-          </a:effectRef>
-          <a:fontRef idx="minor">
-            <a:schemeClr val="lt1"/>
-          </a:fontRef>
-        </p:style>
-        <p:txBody>
-          <a:bodyPr rtlCol="0" anchor="ctr"/>
-          <a:lstStyle/>
-          <a:p>
-            <a:pPr algn="ctr"/>
-            <a:r>
-              <a:rPr lang="zh-CN" altLang="en-US" dirty="0" smtClean="0"/>
-              <a:t>亥</a:t>
-            </a:r>
-            <a:endParaRPr lang="zh-CN" altLang="en-US" dirty="0"/>
-          </a:p>
-        </p:txBody>
-      </p:sp>
-      <p:sp>
-        <p:nvSpPr>
-          <p:cNvPr id="3" name="文本框 2"/>
-          <p:cNvSpPr txBox="1"/>
-          <p:nvPr/>
-        </p:nvSpPr>
-        <p:spPr>
-          <a:xfrm>
-            <a:off x="1344315" y="931651"/>
-            <a:ext cx="1107996" cy="369332"/>
-          </a:xfrm>
-          <a:prstGeom prst="rect">
-            <a:avLst/>
-          </a:prstGeom>
-          <a:noFill/>
-        </p:spPr>
-        <p:txBody>
-          <a:bodyPr wrap="none" rtlCol="0">
-            <a:spAutoFit/>
-          </a:bodyPr>
-          <a:lstStyle/>
-          <a:p>
-            <a:r>
-              <a:rPr lang="zh-CN" altLang="en-US" dirty="0" smtClean="0"/>
-              <a:t>地支方位</a:t>
+              <a:t>土</a:t>
             </a:r>
             <a:endParaRPr lang="zh-CN" altLang="en-US" dirty="0"/>
           </a:p>
@@ -4387,7 +4524,7 @@
     </p:spTree>
     <p:extLst>
       <p:ext uri="{BB962C8B-B14F-4D97-AF65-F5344CB8AC3E}">
-        <p14:creationId xmlns:p14="http://schemas.microsoft.com/office/powerpoint/2010/main" val="2470224310"/>
+        <p14:creationId xmlns:p14="http://schemas.microsoft.com/office/powerpoint/2010/main" val="2365140433"/>
       </p:ext>
     </p:extLst>
   </p:cSld>
@@ -4416,13 +4553,13 @@
       </p:grpSpPr>
       <p:sp>
         <p:nvSpPr>
-          <p:cNvPr id="10" name="椭圆 9"/>
-          <p:cNvSpPr/>
-          <p:nvPr/>
-        </p:nvSpPr>
-        <p:spPr>
-          <a:xfrm>
-            <a:off x="5538158" y="750497"/>
+          <p:cNvPr id="14" name="椭圆 13"/>
+          <p:cNvSpPr/>
+          <p:nvPr/>
+        </p:nvSpPr>
+        <p:spPr>
+          <a:xfrm>
+            <a:off x="5279366" y="1095554"/>
             <a:ext cx="534838" cy="534838"/>
           </a:xfrm>
           <a:prstGeom prst="ellipse">
@@ -4452,7 +4589,7 @@
             <a:pPr algn="ctr"/>
             <a:r>
               <a:rPr lang="zh-CN" altLang="en-US" dirty="0" smtClean="0"/>
-              <a:t>子</a:t>
+              <a:t>坎</a:t>
             </a:r>
             <a:endParaRPr lang="zh-CN" altLang="en-US" dirty="0"/>
           </a:p>
@@ -4460,13 +4597,13 @@
       </p:sp>
       <p:sp>
         <p:nvSpPr>
-          <p:cNvPr id="11" name="椭圆 10"/>
-          <p:cNvSpPr/>
-          <p:nvPr/>
-        </p:nvSpPr>
-        <p:spPr>
-          <a:xfrm>
-            <a:off x="6711349" y="1173192"/>
+          <p:cNvPr id="15" name="椭圆 14"/>
+          <p:cNvSpPr/>
+          <p:nvPr/>
+        </p:nvSpPr>
+        <p:spPr>
+          <a:xfrm>
+            <a:off x="5279367" y="4149303"/>
             <a:ext cx="534838" cy="534838"/>
           </a:xfrm>
           <a:prstGeom prst="ellipse">
@@ -4495,22 +4632,21 @@
           <a:p>
             <a:pPr algn="ctr"/>
             <a:r>
-              <a:rPr lang="zh-CN" altLang="en-US" dirty="0" smtClean="0"/>
-              <a:t>丑</a:t>
-            </a:r>
-            <a:endParaRPr lang="zh-CN" altLang="en-US" dirty="0"/>
-          </a:p>
-        </p:txBody>
-      </p:sp>
-      <p:sp>
-        <p:nvSpPr>
-          <p:cNvPr id="12" name="椭圆 11"/>
-          <p:cNvSpPr/>
-          <p:nvPr/>
-        </p:nvSpPr>
-        <p:spPr>
-          <a:xfrm>
-            <a:off x="7677508" y="1975449"/>
+              <a:rPr lang="zh-CN" altLang="en-US" dirty="0"/>
+              <a:t>离</a:t>
+            </a:r>
+          </a:p>
+        </p:txBody>
+      </p:sp>
+      <p:sp>
+        <p:nvSpPr>
+          <p:cNvPr id="16" name="椭圆 15"/>
+          <p:cNvSpPr/>
+          <p:nvPr/>
+        </p:nvSpPr>
+        <p:spPr>
+          <a:xfrm>
+            <a:off x="7211684" y="2708693"/>
             <a:ext cx="534838" cy="534838"/>
           </a:xfrm>
           <a:prstGeom prst="ellipse">
@@ -4540,7 +4676,7 @@
             <a:pPr algn="ctr"/>
             <a:r>
               <a:rPr lang="zh-CN" altLang="en-US" dirty="0" smtClean="0"/>
-              <a:t>寅</a:t>
+              <a:t>震</a:t>
             </a:r>
             <a:endParaRPr lang="zh-CN" altLang="en-US" dirty="0"/>
           </a:p>
@@ -4548,13 +4684,13 @@
       </p:sp>
       <p:sp>
         <p:nvSpPr>
-          <p:cNvPr id="22" name="椭圆 21"/>
-          <p:cNvSpPr/>
-          <p:nvPr/>
-        </p:nvSpPr>
-        <p:spPr>
-          <a:xfrm>
-            <a:off x="8514270" y="3053750"/>
+          <p:cNvPr id="17" name="椭圆 16"/>
+          <p:cNvSpPr/>
+          <p:nvPr/>
+        </p:nvSpPr>
+        <p:spPr>
+          <a:xfrm>
+            <a:off x="3571337" y="2708693"/>
             <a:ext cx="534838" cy="534838"/>
           </a:xfrm>
           <a:prstGeom prst="ellipse">
@@ -4584,7 +4720,7 @@
             <a:pPr algn="ctr"/>
             <a:r>
               <a:rPr lang="zh-CN" altLang="en-US" dirty="0" smtClean="0"/>
-              <a:t>卯</a:t>
+              <a:t>兑</a:t>
             </a:r>
             <a:endParaRPr lang="zh-CN" altLang="en-US" dirty="0"/>
           </a:p>
@@ -4592,13 +4728,13 @@
       </p:sp>
       <p:sp>
         <p:nvSpPr>
-          <p:cNvPr id="23" name="椭圆 22"/>
-          <p:cNvSpPr/>
-          <p:nvPr/>
-        </p:nvSpPr>
-        <p:spPr>
-          <a:xfrm>
-            <a:off x="8134707" y="3959522"/>
+          <p:cNvPr id="18" name="椭圆 17"/>
+          <p:cNvSpPr/>
+          <p:nvPr/>
+        </p:nvSpPr>
+        <p:spPr>
+          <a:xfrm>
+            <a:off x="6452557" y="1630392"/>
             <a:ext cx="534838" cy="534838"/>
           </a:xfrm>
           <a:prstGeom prst="ellipse">
@@ -4627,22 +4763,21 @@
           <a:p>
             <a:pPr algn="ctr"/>
             <a:r>
-              <a:rPr lang="zh-CN" altLang="en-US" dirty="0" smtClean="0"/>
-              <a:t>辰</a:t>
-            </a:r>
-            <a:endParaRPr lang="zh-CN" altLang="en-US" dirty="0"/>
-          </a:p>
-        </p:txBody>
-      </p:sp>
-      <p:sp>
-        <p:nvSpPr>
-          <p:cNvPr id="24" name="椭圆 23"/>
-          <p:cNvSpPr/>
-          <p:nvPr/>
-        </p:nvSpPr>
-        <p:spPr>
-          <a:xfrm>
-            <a:off x="7047780" y="4873919"/>
+              <a:rPr lang="zh-CN" altLang="en-US" dirty="0"/>
+              <a:t>艮</a:t>
+            </a:r>
+          </a:p>
+        </p:txBody>
+      </p:sp>
+      <p:sp>
+        <p:nvSpPr>
+          <p:cNvPr id="19" name="椭圆 18"/>
+          <p:cNvSpPr/>
+          <p:nvPr/>
+        </p:nvSpPr>
+        <p:spPr>
+          <a:xfrm>
+            <a:off x="6452557" y="3614465"/>
             <a:ext cx="534838" cy="534838"/>
           </a:xfrm>
           <a:prstGeom prst="ellipse">
@@ -4672,7 +4807,7 @@
             <a:pPr algn="ctr"/>
             <a:r>
               <a:rPr lang="zh-CN" altLang="en-US" dirty="0" smtClean="0"/>
-              <a:t>巳</a:t>
+              <a:t>巽</a:t>
             </a:r>
             <a:endParaRPr lang="zh-CN" altLang="en-US" dirty="0"/>
           </a:p>
@@ -4680,13 +4815,13 @@
       </p:sp>
       <p:sp>
         <p:nvSpPr>
-          <p:cNvPr id="25" name="椭圆 24"/>
-          <p:cNvSpPr/>
-          <p:nvPr/>
-        </p:nvSpPr>
-        <p:spPr>
-          <a:xfrm>
-            <a:off x="5538158" y="5408757"/>
+          <p:cNvPr id="20" name="椭圆 19"/>
+          <p:cNvSpPr/>
+          <p:nvPr/>
+        </p:nvSpPr>
+        <p:spPr>
+          <a:xfrm>
+            <a:off x="4106175" y="3614465"/>
             <a:ext cx="534838" cy="534838"/>
           </a:xfrm>
           <a:prstGeom prst="ellipse">
@@ -4716,7 +4851,7 @@
             <a:pPr algn="ctr"/>
             <a:r>
               <a:rPr lang="zh-CN" altLang="en-US" dirty="0" smtClean="0"/>
-              <a:t>午</a:t>
+              <a:t>坤</a:t>
             </a:r>
             <a:endParaRPr lang="zh-CN" altLang="en-US" dirty="0"/>
           </a:p>
@@ -4724,13 +4859,13 @@
       </p:sp>
       <p:sp>
         <p:nvSpPr>
-          <p:cNvPr id="26" name="椭圆 25"/>
-          <p:cNvSpPr/>
-          <p:nvPr/>
-        </p:nvSpPr>
-        <p:spPr>
-          <a:xfrm>
-            <a:off x="4494362" y="5003313"/>
+          <p:cNvPr id="21" name="椭圆 20"/>
+          <p:cNvSpPr/>
+          <p:nvPr/>
+        </p:nvSpPr>
+        <p:spPr>
+          <a:xfrm>
+            <a:off x="4106175" y="1630392"/>
             <a:ext cx="534838" cy="534838"/>
           </a:xfrm>
           <a:prstGeom prst="ellipse">
@@ -4759,22 +4894,21 @@
           <a:p>
             <a:pPr algn="ctr"/>
             <a:r>
-              <a:rPr lang="zh-CN" altLang="en-US" dirty="0" smtClean="0"/>
-              <a:t>未</a:t>
-            </a:r>
-            <a:endParaRPr lang="zh-CN" altLang="en-US" dirty="0"/>
-          </a:p>
-        </p:txBody>
-      </p:sp>
-      <p:sp>
-        <p:nvSpPr>
-          <p:cNvPr id="27" name="椭圆 26"/>
-          <p:cNvSpPr/>
-          <p:nvPr/>
-        </p:nvSpPr>
-        <p:spPr>
-          <a:xfrm>
-            <a:off x="3485074" y="4261441"/>
+              <a:rPr lang="zh-CN" altLang="en-US" dirty="0"/>
+              <a:t>乾</a:t>
+            </a:r>
+          </a:p>
+        </p:txBody>
+      </p:sp>
+      <p:sp>
+        <p:nvSpPr>
+          <p:cNvPr id="10" name="椭圆 9"/>
+          <p:cNvSpPr/>
+          <p:nvPr/>
+        </p:nvSpPr>
+        <p:spPr>
+          <a:xfrm>
+            <a:off x="5279366" y="405440"/>
             <a:ext cx="534838" cy="534838"/>
           </a:xfrm>
           <a:prstGeom prst="ellipse">
@@ -4804,7 +4938,7 @@
             <a:pPr algn="ctr"/>
             <a:r>
               <a:rPr lang="zh-CN" altLang="en-US" dirty="0" smtClean="0"/>
-              <a:t>申</a:t>
+              <a:t>子</a:t>
             </a:r>
             <a:endParaRPr lang="zh-CN" altLang="en-US" dirty="0"/>
           </a:p>
@@ -4812,13 +4946,13 @@
       </p:sp>
       <p:sp>
         <p:nvSpPr>
-          <p:cNvPr id="28" name="椭圆 27"/>
-          <p:cNvSpPr/>
-          <p:nvPr/>
-        </p:nvSpPr>
-        <p:spPr>
-          <a:xfrm>
-            <a:off x="2449904" y="3053750"/>
+          <p:cNvPr id="11" name="椭圆 10"/>
+          <p:cNvSpPr/>
+          <p:nvPr/>
+        </p:nvSpPr>
+        <p:spPr>
+          <a:xfrm>
+            <a:off x="6452557" y="828135"/>
             <a:ext cx="534838" cy="534838"/>
           </a:xfrm>
           <a:prstGeom prst="ellipse">
@@ -4848,7 +4982,7 @@
             <a:pPr algn="ctr"/>
             <a:r>
               <a:rPr lang="zh-CN" altLang="en-US" dirty="0" smtClean="0"/>
-              <a:t>酉</a:t>
+              <a:t>丑</a:t>
             </a:r>
             <a:endParaRPr lang="zh-CN" altLang="en-US" dirty="0"/>
           </a:p>
@@ -4856,13 +4990,13 @@
       </p:sp>
       <p:sp>
         <p:nvSpPr>
-          <p:cNvPr id="29" name="椭圆 28"/>
-          <p:cNvSpPr/>
-          <p:nvPr/>
-        </p:nvSpPr>
-        <p:spPr>
-          <a:xfrm>
-            <a:off x="3347050" y="2113478"/>
+          <p:cNvPr id="12" name="椭圆 11"/>
+          <p:cNvSpPr/>
+          <p:nvPr/>
+        </p:nvSpPr>
+        <p:spPr>
+          <a:xfrm>
+            <a:off x="7418716" y="1630392"/>
             <a:ext cx="534838" cy="534838"/>
           </a:xfrm>
           <a:prstGeom prst="ellipse">
@@ -4892,7 +5026,7 @@
             <a:pPr algn="ctr"/>
             <a:r>
               <a:rPr lang="zh-CN" altLang="en-US" dirty="0" smtClean="0"/>
-              <a:t>戌</a:t>
+              <a:t>寅</a:t>
             </a:r>
             <a:endParaRPr lang="zh-CN" altLang="en-US" dirty="0"/>
           </a:p>
@@ -4900,13 +5034,13 @@
       </p:sp>
       <p:sp>
         <p:nvSpPr>
-          <p:cNvPr id="30" name="椭圆 29"/>
-          <p:cNvSpPr/>
-          <p:nvPr/>
-        </p:nvSpPr>
-        <p:spPr>
-          <a:xfrm>
-            <a:off x="4235571" y="1164567"/>
+          <p:cNvPr id="22" name="椭圆 21"/>
+          <p:cNvSpPr/>
+          <p:nvPr/>
+        </p:nvSpPr>
+        <p:spPr>
+          <a:xfrm>
+            <a:off x="8255478" y="2708693"/>
             <a:ext cx="534838" cy="534838"/>
           </a:xfrm>
           <a:prstGeom prst="ellipse">
@@ -4936,7 +5070,7 @@
             <a:pPr algn="ctr"/>
             <a:r>
               <a:rPr lang="zh-CN" altLang="en-US" dirty="0" smtClean="0"/>
-              <a:t>亥</a:t>
+              <a:t>卯</a:t>
             </a:r>
             <a:endParaRPr lang="zh-CN" altLang="en-US" dirty="0"/>
           </a:p>
@@ -4944,21 +5078,18 @@
       </p:sp>
       <p:sp>
         <p:nvSpPr>
-          <p:cNvPr id="4" name="矩形 3"/>
-          <p:cNvSpPr/>
-          <p:nvPr/>
-        </p:nvSpPr>
-        <p:spPr>
-          <a:xfrm>
-            <a:off x="4576313" y="379561"/>
-            <a:ext cx="370936" cy="370936"/>
-          </a:xfrm>
-          <a:prstGeom prst="rect">
-            <a:avLst/>
-          </a:prstGeom>
-          <a:solidFill>
-            <a:schemeClr val="accent2"/>
-          </a:solidFill>
+          <p:cNvPr id="23" name="椭圆 22"/>
+          <p:cNvSpPr/>
+          <p:nvPr/>
+        </p:nvSpPr>
+        <p:spPr>
+          <a:xfrm>
+            <a:off x="7875915" y="3614465"/>
+            <a:ext cx="534838" cy="534838"/>
+          </a:xfrm>
+          <a:prstGeom prst="ellipse">
+            <a:avLst/>
+          </a:prstGeom>
         </p:spPr>
         <p:style>
           <a:lnRef idx="2">
@@ -4983,7 +5114,7 @@
             <a:pPr algn="ctr"/>
             <a:r>
               <a:rPr lang="zh-CN" altLang="en-US" dirty="0" smtClean="0"/>
-              <a:t>水</a:t>
+              <a:t>辰</a:t>
             </a:r>
             <a:endParaRPr lang="zh-CN" altLang="en-US" dirty="0"/>
           </a:p>
@@ -4991,21 +5122,18 @@
       </p:sp>
       <p:sp>
         <p:nvSpPr>
-          <p:cNvPr id="33" name="矩形 32"/>
-          <p:cNvSpPr/>
-          <p:nvPr/>
-        </p:nvSpPr>
-        <p:spPr>
-          <a:xfrm>
-            <a:off x="7276380" y="914399"/>
-            <a:ext cx="370936" cy="370936"/>
-          </a:xfrm>
-          <a:prstGeom prst="rect">
-            <a:avLst/>
-          </a:prstGeom>
-          <a:solidFill>
-            <a:schemeClr val="accent2"/>
-          </a:solidFill>
+          <p:cNvPr id="24" name="椭圆 23"/>
+          <p:cNvSpPr/>
+          <p:nvPr/>
+        </p:nvSpPr>
+        <p:spPr>
+          <a:xfrm>
+            <a:off x="6788988" y="4528862"/>
+            <a:ext cx="534838" cy="534838"/>
+          </a:xfrm>
+          <a:prstGeom prst="ellipse">
+            <a:avLst/>
+          </a:prstGeom>
         </p:spPr>
         <p:style>
           <a:lnRef idx="2">
@@ -5030,7 +5158,7 @@
             <a:pPr algn="ctr"/>
             <a:r>
               <a:rPr lang="zh-CN" altLang="en-US" dirty="0" smtClean="0"/>
-              <a:t>土</a:t>
+              <a:t>巳</a:t>
             </a:r>
             <a:endParaRPr lang="zh-CN" altLang="en-US" dirty="0"/>
           </a:p>
@@ -5038,21 +5166,18 @@
       </p:sp>
       <p:sp>
         <p:nvSpPr>
-          <p:cNvPr id="34" name="矩形 33"/>
-          <p:cNvSpPr/>
-          <p:nvPr/>
-        </p:nvSpPr>
-        <p:spPr>
-          <a:xfrm>
-            <a:off x="4347712" y="5572659"/>
-            <a:ext cx="370936" cy="370936"/>
-          </a:xfrm>
-          <a:prstGeom prst="rect">
-            <a:avLst/>
-          </a:prstGeom>
-          <a:solidFill>
-            <a:schemeClr val="accent2"/>
-          </a:solidFill>
+          <p:cNvPr id="25" name="椭圆 24"/>
+          <p:cNvSpPr/>
+          <p:nvPr/>
+        </p:nvSpPr>
+        <p:spPr>
+          <a:xfrm>
+            <a:off x="5279366" y="5063700"/>
+            <a:ext cx="534838" cy="534838"/>
+          </a:xfrm>
+          <a:prstGeom prst="ellipse">
+            <a:avLst/>
+          </a:prstGeom>
         </p:spPr>
         <p:style>
           <a:lnRef idx="2">
@@ -5077,7 +5202,7 @@
             <a:pPr algn="ctr"/>
             <a:r>
               <a:rPr lang="zh-CN" altLang="en-US" dirty="0" smtClean="0"/>
-              <a:t>土</a:t>
+              <a:t>午</a:t>
             </a:r>
             <a:endParaRPr lang="zh-CN" altLang="en-US" dirty="0"/>
           </a:p>
@@ -5085,21 +5210,18 @@
       </p:sp>
       <p:sp>
         <p:nvSpPr>
-          <p:cNvPr id="35" name="矩形 34"/>
-          <p:cNvSpPr/>
-          <p:nvPr/>
-        </p:nvSpPr>
-        <p:spPr>
-          <a:xfrm>
-            <a:off x="2967488" y="2009961"/>
-            <a:ext cx="370936" cy="370936"/>
-          </a:xfrm>
-          <a:prstGeom prst="rect">
-            <a:avLst/>
-          </a:prstGeom>
-          <a:solidFill>
-            <a:schemeClr val="accent2"/>
-          </a:solidFill>
+          <p:cNvPr id="26" name="椭圆 25"/>
+          <p:cNvSpPr/>
+          <p:nvPr/>
+        </p:nvSpPr>
+        <p:spPr>
+          <a:xfrm>
+            <a:off x="4235570" y="4658256"/>
+            <a:ext cx="534838" cy="534838"/>
+          </a:xfrm>
+          <a:prstGeom prst="ellipse">
+            <a:avLst/>
+          </a:prstGeom>
         </p:spPr>
         <p:style>
           <a:lnRef idx="2">
@@ -5124,7 +5246,7 @@
             <a:pPr algn="ctr"/>
             <a:r>
               <a:rPr lang="zh-CN" altLang="en-US" dirty="0" smtClean="0"/>
-              <a:t>土</a:t>
+              <a:t>未</a:t>
             </a:r>
             <a:endParaRPr lang="zh-CN" altLang="en-US" dirty="0"/>
           </a:p>
@@ -5132,21 +5254,18 @@
       </p:sp>
       <p:sp>
         <p:nvSpPr>
-          <p:cNvPr id="36" name="矩形 35"/>
-          <p:cNvSpPr/>
-          <p:nvPr/>
-        </p:nvSpPr>
-        <p:spPr>
-          <a:xfrm>
-            <a:off x="8596221" y="4610811"/>
-            <a:ext cx="370936" cy="370936"/>
-          </a:xfrm>
-          <a:prstGeom prst="rect">
-            <a:avLst/>
-          </a:prstGeom>
-          <a:solidFill>
-            <a:schemeClr val="accent2"/>
-          </a:solidFill>
+          <p:cNvPr id="27" name="椭圆 26"/>
+          <p:cNvSpPr/>
+          <p:nvPr/>
+        </p:nvSpPr>
+        <p:spPr>
+          <a:xfrm>
+            <a:off x="3226282" y="3916384"/>
+            <a:ext cx="534838" cy="534838"/>
+          </a:xfrm>
+          <a:prstGeom prst="ellipse">
+            <a:avLst/>
+          </a:prstGeom>
         </p:spPr>
         <p:style>
           <a:lnRef idx="2">
@@ -5171,7 +5290,7 @@
             <a:pPr algn="ctr"/>
             <a:r>
               <a:rPr lang="zh-CN" altLang="en-US" dirty="0" smtClean="0"/>
-              <a:t>土</a:t>
+              <a:t>申</a:t>
             </a:r>
             <a:endParaRPr lang="zh-CN" altLang="en-US" dirty="0"/>
           </a:p>
@@ -5179,21 +5298,18 @@
       </p:sp>
       <p:sp>
         <p:nvSpPr>
-          <p:cNvPr id="37" name="矩形 36"/>
-          <p:cNvSpPr/>
-          <p:nvPr/>
-        </p:nvSpPr>
-        <p:spPr>
-          <a:xfrm>
-            <a:off x="8678172" y="2357171"/>
-            <a:ext cx="370936" cy="370936"/>
-          </a:xfrm>
-          <a:prstGeom prst="rect">
-            <a:avLst/>
-          </a:prstGeom>
-          <a:solidFill>
-            <a:schemeClr val="accent2"/>
-          </a:solidFill>
+          <p:cNvPr id="28" name="椭圆 27"/>
+          <p:cNvSpPr/>
+          <p:nvPr/>
+        </p:nvSpPr>
+        <p:spPr>
+          <a:xfrm>
+            <a:off x="2191112" y="2708693"/>
+            <a:ext cx="534838" cy="534838"/>
+          </a:xfrm>
+          <a:prstGeom prst="ellipse">
+            <a:avLst/>
+          </a:prstGeom>
         </p:spPr>
         <p:style>
           <a:lnRef idx="2">
@@ -5218,7 +5334,7 @@
             <a:pPr algn="ctr"/>
             <a:r>
               <a:rPr lang="zh-CN" altLang="en-US" dirty="0" smtClean="0"/>
-              <a:t>木</a:t>
+              <a:t>酉</a:t>
             </a:r>
             <a:endParaRPr lang="zh-CN" altLang="en-US" dirty="0"/>
           </a:p>
@@ -5226,21 +5342,18 @@
       </p:sp>
       <p:sp>
         <p:nvSpPr>
-          <p:cNvPr id="38" name="矩形 37"/>
-          <p:cNvSpPr/>
-          <p:nvPr/>
-        </p:nvSpPr>
-        <p:spPr>
-          <a:xfrm>
-            <a:off x="6711349" y="5676176"/>
-            <a:ext cx="370936" cy="370936"/>
-          </a:xfrm>
-          <a:prstGeom prst="rect">
-            <a:avLst/>
-          </a:prstGeom>
-          <a:solidFill>
-            <a:schemeClr val="accent2"/>
-          </a:solidFill>
+          <p:cNvPr id="29" name="椭圆 28"/>
+          <p:cNvSpPr/>
+          <p:nvPr/>
+        </p:nvSpPr>
+        <p:spPr>
+          <a:xfrm>
+            <a:off x="3088258" y="1768421"/>
+            <a:ext cx="534838" cy="534838"/>
+          </a:xfrm>
+          <a:prstGeom prst="ellipse">
+            <a:avLst/>
+          </a:prstGeom>
         </p:spPr>
         <p:style>
           <a:lnRef idx="2">
@@ -5265,7 +5378,7 @@
             <a:pPr algn="ctr"/>
             <a:r>
               <a:rPr lang="zh-CN" altLang="en-US" dirty="0" smtClean="0"/>
-              <a:t>火</a:t>
+              <a:t>戌</a:t>
             </a:r>
             <a:endParaRPr lang="zh-CN" altLang="en-US" dirty="0"/>
           </a:p>
@@ -5273,21 +5386,18 @@
       </p:sp>
       <p:sp>
         <p:nvSpPr>
-          <p:cNvPr id="39" name="矩形 38"/>
-          <p:cNvSpPr/>
-          <p:nvPr/>
-        </p:nvSpPr>
-        <p:spPr>
-          <a:xfrm>
-            <a:off x="2639684" y="4123424"/>
-            <a:ext cx="370936" cy="370936"/>
-          </a:xfrm>
-          <a:prstGeom prst="rect">
-            <a:avLst/>
-          </a:prstGeom>
-          <a:solidFill>
-            <a:schemeClr val="accent2"/>
-          </a:solidFill>
+          <p:cNvPr id="30" name="椭圆 29"/>
+          <p:cNvSpPr/>
+          <p:nvPr/>
+        </p:nvSpPr>
+        <p:spPr>
+          <a:xfrm>
+            <a:off x="3976779" y="819510"/>
+            <a:ext cx="534838" cy="534838"/>
+          </a:xfrm>
+          <a:prstGeom prst="ellipse">
+            <a:avLst/>
+          </a:prstGeom>
         </p:spPr>
         <p:style>
           <a:lnRef idx="2">
@@ -5312,309 +5422,22 @@
             <a:pPr algn="ctr"/>
             <a:r>
               <a:rPr lang="zh-CN" altLang="en-US" dirty="0" smtClean="0"/>
-              <a:t>金</a:t>
+              <a:t>亥</a:t>
             </a:r>
             <a:endParaRPr lang="zh-CN" altLang="en-US" dirty="0"/>
           </a:p>
         </p:txBody>
       </p:sp>
-      <p:cxnSp>
-        <p:nvCxnSpPr>
-          <p:cNvPr id="8" name="直接箭头连接符 7"/>
-          <p:cNvCxnSpPr>
-            <a:stCxn id="4" idx="2"/>
-            <a:endCxn id="30" idx="7"/>
-          </p:cNvCxnSpPr>
-          <p:nvPr/>
-        </p:nvCxnSpPr>
-        <p:spPr>
-          <a:xfrm flipH="1">
-            <a:off x="4692084" y="750497"/>
-            <a:ext cx="69697" cy="492395"/>
-          </a:xfrm>
-          <a:prstGeom prst="straightConnector1">
-            <a:avLst/>
-          </a:prstGeom>
-          <a:ln>
-            <a:tailEnd type="triangle"/>
-          </a:ln>
-        </p:spPr>
-        <p:style>
-          <a:lnRef idx="1">
-            <a:schemeClr val="accent1"/>
-          </a:lnRef>
-          <a:fillRef idx="0">
-            <a:schemeClr val="accent1"/>
-          </a:fillRef>
-          <a:effectRef idx="0">
-            <a:schemeClr val="accent1"/>
-          </a:effectRef>
-          <a:fontRef idx="minor">
-            <a:schemeClr val="tx1"/>
-          </a:fontRef>
-        </p:style>
-      </p:cxnSp>
-      <p:cxnSp>
-        <p:nvCxnSpPr>
-          <p:cNvPr id="40" name="直接箭头连接符 39"/>
-          <p:cNvCxnSpPr>
-            <a:stCxn id="4" idx="2"/>
-            <a:endCxn id="10" idx="1"/>
-          </p:cNvCxnSpPr>
-          <p:nvPr/>
-        </p:nvCxnSpPr>
-        <p:spPr>
-          <a:xfrm>
-            <a:off x="4761781" y="750497"/>
-            <a:ext cx="854702" cy="78325"/>
-          </a:xfrm>
-          <a:prstGeom prst="straightConnector1">
-            <a:avLst/>
-          </a:prstGeom>
-          <a:ln>
-            <a:tailEnd type="triangle"/>
-          </a:ln>
-        </p:spPr>
-        <p:style>
-          <a:lnRef idx="1">
-            <a:schemeClr val="accent1"/>
-          </a:lnRef>
-          <a:fillRef idx="0">
-            <a:schemeClr val="accent1"/>
-          </a:fillRef>
-          <a:effectRef idx="0">
-            <a:schemeClr val="accent1"/>
-          </a:effectRef>
-          <a:fontRef idx="minor">
-            <a:schemeClr val="tx1"/>
-          </a:fontRef>
-        </p:style>
-      </p:cxnSp>
-      <p:cxnSp>
-        <p:nvCxnSpPr>
-          <p:cNvPr id="44" name="直接箭头连接符 43"/>
-          <p:cNvCxnSpPr>
-            <a:stCxn id="39" idx="0"/>
-          </p:cNvCxnSpPr>
-          <p:nvPr/>
-        </p:nvCxnSpPr>
-        <p:spPr>
-          <a:xfrm flipH="1" flipV="1">
-            <a:off x="2639684" y="3338423"/>
-            <a:ext cx="185468" cy="785001"/>
-          </a:xfrm>
-          <a:prstGeom prst="straightConnector1">
-            <a:avLst/>
-          </a:prstGeom>
-          <a:ln>
-            <a:tailEnd type="triangle"/>
-          </a:ln>
-        </p:spPr>
-        <p:style>
-          <a:lnRef idx="1">
-            <a:schemeClr val="accent1"/>
-          </a:lnRef>
-          <a:fillRef idx="0">
-            <a:schemeClr val="accent1"/>
-          </a:fillRef>
-          <a:effectRef idx="0">
-            <a:schemeClr val="accent1"/>
-          </a:effectRef>
-          <a:fontRef idx="minor">
-            <a:schemeClr val="tx1"/>
-          </a:fontRef>
-        </p:style>
-      </p:cxnSp>
-      <p:cxnSp>
-        <p:nvCxnSpPr>
-          <p:cNvPr id="46" name="直接箭头连接符 45"/>
-          <p:cNvCxnSpPr>
-            <a:stCxn id="39" idx="3"/>
-            <a:endCxn id="27" idx="2"/>
-          </p:cNvCxnSpPr>
-          <p:nvPr/>
-        </p:nvCxnSpPr>
-        <p:spPr>
-          <a:xfrm>
-            <a:off x="3010620" y="4308892"/>
-            <a:ext cx="474454" cy="219968"/>
-          </a:xfrm>
-          <a:prstGeom prst="straightConnector1">
-            <a:avLst/>
-          </a:prstGeom>
-          <a:ln>
-            <a:tailEnd type="triangle"/>
-          </a:ln>
-        </p:spPr>
-        <p:style>
-          <a:lnRef idx="1">
-            <a:schemeClr val="accent1"/>
-          </a:lnRef>
-          <a:fillRef idx="0">
-            <a:schemeClr val="accent1"/>
-          </a:fillRef>
-          <a:effectRef idx="0">
-            <a:schemeClr val="accent1"/>
-          </a:effectRef>
-          <a:fontRef idx="minor">
-            <a:schemeClr val="tx1"/>
-          </a:fontRef>
-        </p:style>
-      </p:cxnSp>
-      <p:cxnSp>
-        <p:nvCxnSpPr>
-          <p:cNvPr id="48" name="直接箭头连接符 47"/>
-          <p:cNvCxnSpPr>
-            <a:stCxn id="38" idx="0"/>
-            <a:endCxn id="24" idx="3"/>
-          </p:cNvCxnSpPr>
-          <p:nvPr/>
-        </p:nvCxnSpPr>
-        <p:spPr>
-          <a:xfrm flipV="1">
-            <a:off x="6896817" y="5330432"/>
-            <a:ext cx="229288" cy="345744"/>
-          </a:xfrm>
-          <a:prstGeom prst="straightConnector1">
-            <a:avLst/>
-          </a:prstGeom>
-          <a:ln>
-            <a:tailEnd type="triangle"/>
-          </a:ln>
-        </p:spPr>
-        <p:style>
-          <a:lnRef idx="1">
-            <a:schemeClr val="accent1"/>
-          </a:lnRef>
-          <a:fillRef idx="0">
-            <a:schemeClr val="accent1"/>
-          </a:fillRef>
-          <a:effectRef idx="0">
-            <a:schemeClr val="accent1"/>
-          </a:effectRef>
-          <a:fontRef idx="minor">
-            <a:schemeClr val="tx1"/>
-          </a:fontRef>
-        </p:style>
-      </p:cxnSp>
-      <p:cxnSp>
-        <p:nvCxnSpPr>
-          <p:cNvPr id="54" name="直接箭头连接符 53"/>
-          <p:cNvCxnSpPr>
-            <a:stCxn id="38" idx="1"/>
-            <a:endCxn id="25" idx="5"/>
-          </p:cNvCxnSpPr>
-          <p:nvPr/>
-        </p:nvCxnSpPr>
-        <p:spPr>
-          <a:xfrm flipH="1">
-            <a:off x="5994671" y="5861644"/>
-            <a:ext cx="716678" cy="3626"/>
-          </a:xfrm>
-          <a:prstGeom prst="straightConnector1">
-            <a:avLst/>
-          </a:prstGeom>
-          <a:ln>
-            <a:tailEnd type="triangle"/>
-          </a:ln>
-        </p:spPr>
-        <p:style>
-          <a:lnRef idx="1">
-            <a:schemeClr val="accent1"/>
-          </a:lnRef>
-          <a:fillRef idx="0">
-            <a:schemeClr val="accent1"/>
-          </a:fillRef>
-          <a:effectRef idx="0">
-            <a:schemeClr val="accent1"/>
-          </a:effectRef>
-          <a:fontRef idx="minor">
-            <a:schemeClr val="tx1"/>
-          </a:fontRef>
-        </p:style>
-      </p:cxnSp>
-      <p:cxnSp>
-        <p:nvCxnSpPr>
-          <p:cNvPr id="58" name="直接箭头连接符 57"/>
-          <p:cNvCxnSpPr>
-            <a:stCxn id="37" idx="2"/>
-            <a:endCxn id="22" idx="0"/>
-          </p:cNvCxnSpPr>
-          <p:nvPr/>
-        </p:nvCxnSpPr>
-        <p:spPr>
-          <a:xfrm flipH="1">
-            <a:off x="8781689" y="2728107"/>
-            <a:ext cx="81951" cy="325643"/>
-          </a:xfrm>
-          <a:prstGeom prst="straightConnector1">
-            <a:avLst/>
-          </a:prstGeom>
-          <a:ln>
-            <a:tailEnd type="triangle"/>
-          </a:ln>
-        </p:spPr>
-        <p:style>
-          <a:lnRef idx="1">
-            <a:schemeClr val="accent1"/>
-          </a:lnRef>
-          <a:fillRef idx="0">
-            <a:schemeClr val="accent1"/>
-          </a:fillRef>
-          <a:effectRef idx="0">
-            <a:schemeClr val="accent1"/>
-          </a:effectRef>
-          <a:fontRef idx="minor">
-            <a:schemeClr val="tx1"/>
-          </a:fontRef>
-        </p:style>
-      </p:cxnSp>
-      <p:cxnSp>
-        <p:nvCxnSpPr>
-          <p:cNvPr id="60" name="直接箭头连接符 59"/>
-          <p:cNvCxnSpPr>
-            <a:stCxn id="37" idx="1"/>
-            <a:endCxn id="12" idx="6"/>
-          </p:cNvCxnSpPr>
-          <p:nvPr/>
-        </p:nvCxnSpPr>
-        <p:spPr>
-          <a:xfrm flipH="1" flipV="1">
-            <a:off x="8212346" y="2242868"/>
-            <a:ext cx="465826" cy="299771"/>
-          </a:xfrm>
-          <a:prstGeom prst="straightConnector1">
-            <a:avLst/>
-          </a:prstGeom>
-          <a:ln>
-            <a:tailEnd type="triangle"/>
-          </a:ln>
-        </p:spPr>
-        <p:style>
-          <a:lnRef idx="1">
-            <a:schemeClr val="accent1"/>
-          </a:lnRef>
-          <a:fillRef idx="0">
-            <a:schemeClr val="accent1"/>
-          </a:fillRef>
-          <a:effectRef idx="0">
-            <a:schemeClr val="accent1"/>
-          </a:effectRef>
-          <a:fontRef idx="minor">
-            <a:schemeClr val="tx1"/>
-          </a:fontRef>
-        </p:style>
-      </p:cxnSp>
-      <p:sp>
-        <p:nvSpPr>
-          <p:cNvPr id="61" name="文本框 60"/>
+      <p:sp>
+        <p:nvSpPr>
+          <p:cNvPr id="3" name="文本框 2"/>
           <p:cNvSpPr txBox="1"/>
           <p:nvPr/>
         </p:nvSpPr>
         <p:spPr>
           <a:xfrm>
-            <a:off x="1054970" y="729733"/>
-            <a:ext cx="1394934" cy="369332"/>
+            <a:off x="1344315" y="931651"/>
+            <a:ext cx="1107996" cy="369332"/>
           </a:xfrm>
           <a:prstGeom prst="rect">
             <a:avLst/>
@@ -5628,12 +5451,8 @@
           <a:lstStyle/>
           <a:p>
             <a:r>
-              <a:rPr lang="en-US" altLang="zh-CN" dirty="0" smtClean="0"/>
-              <a:t>21 </a:t>
-            </a:r>
-            <a:r>
               <a:rPr lang="zh-CN" altLang="en-US" dirty="0" smtClean="0"/>
-              <a:t>地支五行</a:t>
+              <a:t>地支方位</a:t>
             </a:r>
             <a:endParaRPr lang="zh-CN" altLang="en-US" dirty="0"/>
           </a:p>
@@ -5642,7 +5461,7 @@
     </p:spTree>
     <p:extLst>
       <p:ext uri="{BB962C8B-B14F-4D97-AF65-F5344CB8AC3E}">
-        <p14:creationId xmlns:p14="http://schemas.microsoft.com/office/powerpoint/2010/main" val="43189565"/>
+        <p14:creationId xmlns:p14="http://schemas.microsoft.com/office/powerpoint/2010/main" val="2470224310"/>
       </p:ext>
     </p:extLst>
   </p:cSld>
@@ -5671,52 +5490,14 @@
       </p:grpSpPr>
       <p:sp>
         <p:nvSpPr>
-          <p:cNvPr id="2" name="文本框 1"/>
-          <p:cNvSpPr txBox="1"/>
-          <p:nvPr/>
-        </p:nvSpPr>
-        <p:spPr>
-          <a:xfrm>
-            <a:off x="655608" y="940278"/>
-            <a:ext cx="1447832" cy="369332"/>
-          </a:xfrm>
-          <a:prstGeom prst="rect">
-            <a:avLst/>
-          </a:prstGeom>
-          <a:noFill/>
-        </p:spPr>
-        <p:txBody>
-          <a:bodyPr wrap="none" rtlCol="0">
-            <a:spAutoFit/>
-          </a:bodyPr>
-          <a:lstStyle/>
-          <a:p>
-            <a:r>
-              <a:rPr lang="zh-CN" altLang="en-US" dirty="0" smtClean="0"/>
-              <a:t> </a:t>
-            </a:r>
-            <a:r>
-              <a:rPr lang="en-US" altLang="zh-CN" dirty="0" smtClean="0"/>
-              <a:t>21 </a:t>
-            </a:r>
-            <a:r>
-              <a:rPr lang="zh-CN" altLang="en-US" dirty="0" smtClean="0"/>
-              <a:t>天干五行</a:t>
-            </a:r>
-            <a:endParaRPr lang="en-US" altLang="zh-CN" dirty="0" smtClean="0"/>
-          </a:p>
-        </p:txBody>
-      </p:sp>
-      <p:sp>
-        <p:nvSpPr>
-          <p:cNvPr id="3" name="椭圆 2"/>
-          <p:cNvSpPr/>
-          <p:nvPr/>
-        </p:nvSpPr>
-        <p:spPr>
-          <a:xfrm>
-            <a:off x="8082950" y="2967487"/>
-            <a:ext cx="483079" cy="483079"/>
+          <p:cNvPr id="10" name="椭圆 9"/>
+          <p:cNvSpPr/>
+          <p:nvPr/>
+        </p:nvSpPr>
+        <p:spPr>
+          <a:xfrm>
+            <a:off x="5538158" y="750497"/>
+            <a:ext cx="534838" cy="534838"/>
           </a:xfrm>
           <a:prstGeom prst="ellipse">
             <a:avLst/>
@@ -5745,7 +5526,7 @@
             <a:pPr algn="ctr"/>
             <a:r>
               <a:rPr lang="zh-CN" altLang="en-US" dirty="0" smtClean="0"/>
-              <a:t>甲</a:t>
+              <a:t>子</a:t>
             </a:r>
             <a:endParaRPr lang="zh-CN" altLang="en-US" dirty="0"/>
           </a:p>
@@ -5753,21 +5534,18 @@
       </p:sp>
       <p:sp>
         <p:nvSpPr>
-          <p:cNvPr id="4" name="椭圆 3"/>
-          <p:cNvSpPr/>
-          <p:nvPr/>
-        </p:nvSpPr>
-        <p:spPr>
-          <a:xfrm>
-            <a:off x="7332452" y="2691442"/>
-            <a:ext cx="552090" cy="552090"/>
+          <p:cNvPr id="11" name="椭圆 10"/>
+          <p:cNvSpPr/>
+          <p:nvPr/>
+        </p:nvSpPr>
+        <p:spPr>
+          <a:xfrm>
+            <a:off x="6711349" y="1173192"/>
+            <a:ext cx="534838" cy="534838"/>
           </a:xfrm>
           <a:prstGeom prst="ellipse">
             <a:avLst/>
           </a:prstGeom>
-          <a:solidFill>
-            <a:schemeClr val="accent2"/>
-          </a:solidFill>
         </p:spPr>
         <p:style>
           <a:lnRef idx="2">
@@ -5792,7 +5570,7 @@
             <a:pPr algn="ctr"/>
             <a:r>
               <a:rPr lang="zh-CN" altLang="en-US" dirty="0" smtClean="0"/>
-              <a:t>木</a:t>
+              <a:t>丑</a:t>
             </a:r>
             <a:endParaRPr lang="zh-CN" altLang="en-US" dirty="0"/>
           </a:p>
@@ -5800,21 +5578,18 @@
       </p:sp>
       <p:sp>
         <p:nvSpPr>
-          <p:cNvPr id="32" name="椭圆 31"/>
-          <p:cNvSpPr/>
-          <p:nvPr/>
-        </p:nvSpPr>
-        <p:spPr>
-          <a:xfrm>
-            <a:off x="5365629" y="4313208"/>
-            <a:ext cx="552090" cy="552090"/>
+          <p:cNvPr id="12" name="椭圆 11"/>
+          <p:cNvSpPr/>
+          <p:nvPr/>
+        </p:nvSpPr>
+        <p:spPr>
+          <a:xfrm>
+            <a:off x="7677508" y="1975449"/>
+            <a:ext cx="534838" cy="534838"/>
           </a:xfrm>
           <a:prstGeom prst="ellipse">
             <a:avLst/>
           </a:prstGeom>
-          <a:solidFill>
-            <a:schemeClr val="accent2"/>
-          </a:solidFill>
         </p:spPr>
         <p:style>
           <a:lnRef idx="2">
@@ -5839,7 +5614,7 @@
             <a:pPr algn="ctr"/>
             <a:r>
               <a:rPr lang="zh-CN" altLang="en-US" dirty="0" smtClean="0"/>
-              <a:t>火</a:t>
+              <a:t>寅</a:t>
             </a:r>
             <a:endParaRPr lang="zh-CN" altLang="en-US" dirty="0"/>
           </a:p>
@@ -5847,21 +5622,18 @@
       </p:sp>
       <p:sp>
         <p:nvSpPr>
-          <p:cNvPr id="33" name="椭圆 32"/>
-          <p:cNvSpPr/>
-          <p:nvPr/>
-        </p:nvSpPr>
-        <p:spPr>
-          <a:xfrm>
-            <a:off x="3252157" y="2544793"/>
-            <a:ext cx="552090" cy="552090"/>
+          <p:cNvPr id="22" name="椭圆 21"/>
+          <p:cNvSpPr/>
+          <p:nvPr/>
+        </p:nvSpPr>
+        <p:spPr>
+          <a:xfrm>
+            <a:off x="8514270" y="3053750"/>
+            <a:ext cx="534838" cy="534838"/>
           </a:xfrm>
           <a:prstGeom prst="ellipse">
             <a:avLst/>
           </a:prstGeom>
-          <a:solidFill>
-            <a:schemeClr val="accent2"/>
-          </a:solidFill>
         </p:spPr>
         <p:style>
           <a:lnRef idx="2">
@@ -5886,7 +5658,7 @@
             <a:pPr algn="ctr"/>
             <a:r>
               <a:rPr lang="zh-CN" altLang="en-US" dirty="0" smtClean="0"/>
-              <a:t>金</a:t>
+              <a:t>卯</a:t>
             </a:r>
             <a:endParaRPr lang="zh-CN" altLang="en-US" dirty="0"/>
           </a:p>
@@ -5894,21 +5666,18 @@
       </p:sp>
       <p:sp>
         <p:nvSpPr>
-          <p:cNvPr id="34" name="椭圆 33"/>
-          <p:cNvSpPr/>
-          <p:nvPr/>
-        </p:nvSpPr>
-        <p:spPr>
-          <a:xfrm>
-            <a:off x="5365629" y="845389"/>
-            <a:ext cx="552090" cy="552090"/>
+          <p:cNvPr id="23" name="椭圆 22"/>
+          <p:cNvSpPr/>
+          <p:nvPr/>
+        </p:nvSpPr>
+        <p:spPr>
+          <a:xfrm>
+            <a:off x="8134707" y="3959522"/>
+            <a:ext cx="534838" cy="534838"/>
           </a:xfrm>
           <a:prstGeom prst="ellipse">
             <a:avLst/>
           </a:prstGeom>
-          <a:solidFill>
-            <a:schemeClr val="accent2"/>
-          </a:solidFill>
         </p:spPr>
         <p:style>
           <a:lnRef idx="2">
@@ -5933,7 +5702,7 @@
             <a:pPr algn="ctr"/>
             <a:r>
               <a:rPr lang="zh-CN" altLang="en-US" dirty="0" smtClean="0"/>
-              <a:t>水</a:t>
+              <a:t>辰</a:t>
             </a:r>
             <a:endParaRPr lang="zh-CN" altLang="en-US" dirty="0"/>
           </a:p>
@@ -5941,14 +5710,14 @@
       </p:sp>
       <p:sp>
         <p:nvSpPr>
-          <p:cNvPr id="35" name="椭圆 34"/>
-          <p:cNvSpPr/>
-          <p:nvPr/>
-        </p:nvSpPr>
-        <p:spPr>
-          <a:xfrm>
-            <a:off x="8566029" y="2967487"/>
-            <a:ext cx="483079" cy="483079"/>
+          <p:cNvPr id="24" name="椭圆 23"/>
+          <p:cNvSpPr/>
+          <p:nvPr/>
+        </p:nvSpPr>
+        <p:spPr>
+          <a:xfrm>
+            <a:off x="7047780" y="4873919"/>
+            <a:ext cx="534838" cy="534838"/>
           </a:xfrm>
           <a:prstGeom prst="ellipse">
             <a:avLst/>
@@ -5977,7 +5746,7 @@
             <a:pPr algn="ctr"/>
             <a:r>
               <a:rPr lang="zh-CN" altLang="en-US" dirty="0" smtClean="0"/>
-              <a:t>乙</a:t>
+              <a:t>巳</a:t>
             </a:r>
             <a:endParaRPr lang="zh-CN" altLang="en-US" dirty="0"/>
           </a:p>
@@ -5985,14 +5754,14 @@
       </p:sp>
       <p:sp>
         <p:nvSpPr>
-          <p:cNvPr id="36" name="椭圆 35"/>
-          <p:cNvSpPr/>
-          <p:nvPr/>
-        </p:nvSpPr>
-        <p:spPr>
-          <a:xfrm>
-            <a:off x="6055742" y="4779034"/>
-            <a:ext cx="483079" cy="483079"/>
+          <p:cNvPr id="25" name="椭圆 24"/>
+          <p:cNvSpPr/>
+          <p:nvPr/>
+        </p:nvSpPr>
+        <p:spPr>
+          <a:xfrm>
+            <a:off x="5538158" y="5408757"/>
+            <a:ext cx="534838" cy="534838"/>
           </a:xfrm>
           <a:prstGeom prst="ellipse">
             <a:avLst/>
@@ -6021,7 +5790,7 @@
             <a:pPr algn="ctr"/>
             <a:r>
               <a:rPr lang="zh-CN" altLang="en-US" dirty="0" smtClean="0"/>
-              <a:t>丙</a:t>
+              <a:t>午</a:t>
             </a:r>
             <a:endParaRPr lang="zh-CN" altLang="en-US" dirty="0"/>
           </a:p>
@@ -6029,14 +5798,14 @@
       </p:sp>
       <p:sp>
         <p:nvSpPr>
-          <p:cNvPr id="37" name="椭圆 36"/>
-          <p:cNvSpPr/>
-          <p:nvPr/>
-        </p:nvSpPr>
-        <p:spPr>
-          <a:xfrm>
-            <a:off x="6538821" y="4779033"/>
-            <a:ext cx="483079" cy="483079"/>
+          <p:cNvPr id="26" name="椭圆 25"/>
+          <p:cNvSpPr/>
+          <p:nvPr/>
+        </p:nvSpPr>
+        <p:spPr>
+          <a:xfrm>
+            <a:off x="4494362" y="5003313"/>
+            <a:ext cx="534838" cy="534838"/>
           </a:xfrm>
           <a:prstGeom prst="ellipse">
             <a:avLst/>
@@ -6064,8 +5833,8 @@
           <a:p>
             <a:pPr algn="ctr"/>
             <a:r>
-              <a:rPr lang="zh-CN" altLang="en-US" smtClean="0"/>
-              <a:t>丁</a:t>
+              <a:rPr lang="zh-CN" altLang="en-US" dirty="0" smtClean="0"/>
+              <a:t>未</a:t>
             </a:r>
             <a:endParaRPr lang="zh-CN" altLang="en-US" dirty="0"/>
           </a:p>
@@ -6073,14 +5842,14 @@
       </p:sp>
       <p:sp>
         <p:nvSpPr>
-          <p:cNvPr id="38" name="椭圆 37"/>
-          <p:cNvSpPr/>
-          <p:nvPr/>
-        </p:nvSpPr>
-        <p:spPr>
-          <a:xfrm>
-            <a:off x="5572663" y="3096881"/>
-            <a:ext cx="483079" cy="483079"/>
+          <p:cNvPr id="27" name="椭圆 26"/>
+          <p:cNvSpPr/>
+          <p:nvPr/>
+        </p:nvSpPr>
+        <p:spPr>
+          <a:xfrm>
+            <a:off x="3485074" y="4261441"/>
+            <a:ext cx="534838" cy="534838"/>
           </a:xfrm>
           <a:prstGeom prst="ellipse">
             <a:avLst/>
@@ -6109,7 +5878,7 @@
             <a:pPr algn="ctr"/>
             <a:r>
               <a:rPr lang="zh-CN" altLang="en-US" dirty="0" smtClean="0"/>
-              <a:t>戊</a:t>
+              <a:t>申</a:t>
             </a:r>
             <a:endParaRPr lang="zh-CN" altLang="en-US" dirty="0"/>
           </a:p>
@@ -6117,14 +5886,14 @@
       </p:sp>
       <p:sp>
         <p:nvSpPr>
-          <p:cNvPr id="39" name="椭圆 38"/>
-          <p:cNvSpPr/>
-          <p:nvPr/>
-        </p:nvSpPr>
-        <p:spPr>
-          <a:xfrm>
-            <a:off x="6055742" y="3096882"/>
-            <a:ext cx="483079" cy="483079"/>
+          <p:cNvPr id="28" name="椭圆 27"/>
+          <p:cNvSpPr/>
+          <p:nvPr/>
+        </p:nvSpPr>
+        <p:spPr>
+          <a:xfrm>
+            <a:off x="2449904" y="3053750"/>
+            <a:ext cx="534838" cy="534838"/>
           </a:xfrm>
           <a:prstGeom prst="ellipse">
             <a:avLst/>
@@ -6152,8 +5921,8 @@
           <a:p>
             <a:pPr algn="ctr"/>
             <a:r>
-              <a:rPr lang="zh-CN" altLang="en-US" smtClean="0"/>
-              <a:t>己</a:t>
+              <a:rPr lang="zh-CN" altLang="en-US" dirty="0" smtClean="0"/>
+              <a:t>酉</a:t>
             </a:r>
             <a:endParaRPr lang="zh-CN" altLang="en-US" dirty="0"/>
           </a:p>
@@ -6161,14 +5930,14 @@
       </p:sp>
       <p:sp>
         <p:nvSpPr>
-          <p:cNvPr id="40" name="椭圆 39"/>
-          <p:cNvSpPr/>
-          <p:nvPr/>
-        </p:nvSpPr>
-        <p:spPr>
-          <a:xfrm>
-            <a:off x="2428334" y="3096882"/>
-            <a:ext cx="483079" cy="483079"/>
+          <p:cNvPr id="29" name="椭圆 28"/>
+          <p:cNvSpPr/>
+          <p:nvPr/>
+        </p:nvSpPr>
+        <p:spPr>
+          <a:xfrm>
+            <a:off x="3347050" y="2113478"/>
+            <a:ext cx="534838" cy="534838"/>
           </a:xfrm>
           <a:prstGeom prst="ellipse">
             <a:avLst/>
@@ -6196,22 +5965,23 @@
           <a:p>
             <a:pPr algn="ctr"/>
             <a:r>
-              <a:rPr lang="zh-CN" altLang="en-US" dirty="0"/>
-              <a:t>庚</a:t>
-            </a:r>
-          </a:p>
-        </p:txBody>
-      </p:sp>
-      <p:sp>
-        <p:nvSpPr>
-          <p:cNvPr id="41" name="椭圆 40"/>
-          <p:cNvSpPr/>
-          <p:nvPr/>
-        </p:nvSpPr>
-        <p:spPr>
-          <a:xfrm>
-            <a:off x="2911413" y="3096881"/>
-            <a:ext cx="483079" cy="483079"/>
+              <a:rPr lang="zh-CN" altLang="en-US" dirty="0" smtClean="0"/>
+              <a:t>戌</a:t>
+            </a:r>
+            <a:endParaRPr lang="zh-CN" altLang="en-US" dirty="0"/>
+          </a:p>
+        </p:txBody>
+      </p:sp>
+      <p:sp>
+        <p:nvSpPr>
+          <p:cNvPr id="30" name="椭圆 29"/>
+          <p:cNvSpPr/>
+          <p:nvPr/>
+        </p:nvSpPr>
+        <p:spPr>
+          <a:xfrm>
+            <a:off x="4235571" y="1164567"/>
+            <a:ext cx="534838" cy="534838"/>
           </a:xfrm>
           <a:prstGeom prst="ellipse">
             <a:avLst/>
@@ -6240,7 +6010,7 @@
             <a:pPr algn="ctr"/>
             <a:r>
               <a:rPr lang="zh-CN" altLang="en-US" dirty="0" smtClean="0"/>
-              <a:t>辛</a:t>
+              <a:t>亥</a:t>
             </a:r>
             <a:endParaRPr lang="zh-CN" altLang="en-US" dirty="0"/>
           </a:p>
@@ -6248,18 +6018,21 @@
       </p:sp>
       <p:sp>
         <p:nvSpPr>
-          <p:cNvPr id="42" name="椭圆 41"/>
-          <p:cNvSpPr/>
-          <p:nvPr/>
-        </p:nvSpPr>
-        <p:spPr>
-          <a:xfrm>
-            <a:off x="4481421" y="457199"/>
-            <a:ext cx="483079" cy="483079"/>
-          </a:xfrm>
-          <a:prstGeom prst="ellipse">
-            <a:avLst/>
-          </a:prstGeom>
+          <p:cNvPr id="4" name="矩形 3"/>
+          <p:cNvSpPr/>
+          <p:nvPr/>
+        </p:nvSpPr>
+        <p:spPr>
+          <a:xfrm>
+            <a:off x="4576313" y="379561"/>
+            <a:ext cx="370936" cy="370936"/>
+          </a:xfrm>
+          <a:prstGeom prst="rect">
+            <a:avLst/>
+          </a:prstGeom>
+          <a:solidFill>
+            <a:schemeClr val="accent2"/>
+          </a:solidFill>
         </p:spPr>
         <p:style>
           <a:lnRef idx="2">
@@ -6284,7 +6057,7 @@
             <a:pPr algn="ctr"/>
             <a:r>
               <a:rPr lang="zh-CN" altLang="en-US" dirty="0" smtClean="0"/>
-              <a:t>壬</a:t>
+              <a:t>水</a:t>
             </a:r>
             <a:endParaRPr lang="zh-CN" altLang="en-US" dirty="0"/>
           </a:p>
@@ -6292,18 +6065,21 @@
       </p:sp>
       <p:sp>
         <p:nvSpPr>
-          <p:cNvPr id="43" name="椭圆 42"/>
-          <p:cNvSpPr/>
-          <p:nvPr/>
-        </p:nvSpPr>
-        <p:spPr>
-          <a:xfrm>
-            <a:off x="4964500" y="457198"/>
-            <a:ext cx="483079" cy="483079"/>
-          </a:xfrm>
-          <a:prstGeom prst="ellipse">
-            <a:avLst/>
-          </a:prstGeom>
+          <p:cNvPr id="33" name="矩形 32"/>
+          <p:cNvSpPr/>
+          <p:nvPr/>
+        </p:nvSpPr>
+        <p:spPr>
+          <a:xfrm>
+            <a:off x="7276380" y="914399"/>
+            <a:ext cx="370936" cy="370936"/>
+          </a:xfrm>
+          <a:prstGeom prst="rect">
+            <a:avLst/>
+          </a:prstGeom>
+          <a:solidFill>
+            <a:schemeClr val="accent2"/>
+          </a:solidFill>
         </p:spPr>
         <p:style>
           <a:lnRef idx="2">
@@ -6328,7 +6104,7 @@
             <a:pPr algn="ctr"/>
             <a:r>
               <a:rPr lang="zh-CN" altLang="en-US" dirty="0" smtClean="0"/>
-              <a:t>癸</a:t>
+              <a:t>土</a:t>
             </a:r>
             <a:endParaRPr lang="zh-CN" altLang="en-US" dirty="0"/>
           </a:p>
@@ -6336,16 +6112,16 @@
       </p:sp>
       <p:sp>
         <p:nvSpPr>
-          <p:cNvPr id="44" name="椭圆 43"/>
-          <p:cNvSpPr/>
-          <p:nvPr/>
-        </p:nvSpPr>
-        <p:spPr>
-          <a:xfrm>
-            <a:off x="5292304" y="2544791"/>
-            <a:ext cx="552090" cy="552090"/>
-          </a:xfrm>
-          <a:prstGeom prst="ellipse">
+          <p:cNvPr id="34" name="矩形 33"/>
+          <p:cNvSpPr/>
+          <p:nvPr/>
+        </p:nvSpPr>
+        <p:spPr>
+          <a:xfrm>
+            <a:off x="4347712" y="5572659"/>
+            <a:ext cx="370936" cy="370936"/>
+          </a:xfrm>
+          <a:prstGeom prst="rect">
             <a:avLst/>
           </a:prstGeom>
           <a:solidFill>
@@ -6381,16 +6157,254 @@
           </a:p>
         </p:txBody>
       </p:sp>
+      <p:sp>
+        <p:nvSpPr>
+          <p:cNvPr id="35" name="矩形 34"/>
+          <p:cNvSpPr/>
+          <p:nvPr/>
+        </p:nvSpPr>
+        <p:spPr>
+          <a:xfrm>
+            <a:off x="2967488" y="2009961"/>
+            <a:ext cx="370936" cy="370936"/>
+          </a:xfrm>
+          <a:prstGeom prst="rect">
+            <a:avLst/>
+          </a:prstGeom>
+          <a:solidFill>
+            <a:schemeClr val="accent2"/>
+          </a:solidFill>
+        </p:spPr>
+        <p:style>
+          <a:lnRef idx="2">
+            <a:schemeClr val="accent1">
+              <a:shade val="50000"/>
+            </a:schemeClr>
+          </a:lnRef>
+          <a:fillRef idx="1">
+            <a:schemeClr val="accent1"/>
+          </a:fillRef>
+          <a:effectRef idx="0">
+            <a:schemeClr val="accent1"/>
+          </a:effectRef>
+          <a:fontRef idx="minor">
+            <a:schemeClr val="lt1"/>
+          </a:fontRef>
+        </p:style>
+        <p:txBody>
+          <a:bodyPr rtlCol="0" anchor="ctr"/>
+          <a:lstStyle/>
+          <a:p>
+            <a:pPr algn="ctr"/>
+            <a:r>
+              <a:rPr lang="zh-CN" altLang="en-US" dirty="0" smtClean="0"/>
+              <a:t>土</a:t>
+            </a:r>
+            <a:endParaRPr lang="zh-CN" altLang="en-US" dirty="0"/>
+          </a:p>
+        </p:txBody>
+      </p:sp>
+      <p:sp>
+        <p:nvSpPr>
+          <p:cNvPr id="36" name="矩形 35"/>
+          <p:cNvSpPr/>
+          <p:nvPr/>
+        </p:nvSpPr>
+        <p:spPr>
+          <a:xfrm>
+            <a:off x="8596221" y="4610811"/>
+            <a:ext cx="370936" cy="370936"/>
+          </a:xfrm>
+          <a:prstGeom prst="rect">
+            <a:avLst/>
+          </a:prstGeom>
+          <a:solidFill>
+            <a:schemeClr val="accent2"/>
+          </a:solidFill>
+        </p:spPr>
+        <p:style>
+          <a:lnRef idx="2">
+            <a:schemeClr val="accent1">
+              <a:shade val="50000"/>
+            </a:schemeClr>
+          </a:lnRef>
+          <a:fillRef idx="1">
+            <a:schemeClr val="accent1"/>
+          </a:fillRef>
+          <a:effectRef idx="0">
+            <a:schemeClr val="accent1"/>
+          </a:effectRef>
+          <a:fontRef idx="minor">
+            <a:schemeClr val="lt1"/>
+          </a:fontRef>
+        </p:style>
+        <p:txBody>
+          <a:bodyPr rtlCol="0" anchor="ctr"/>
+          <a:lstStyle/>
+          <a:p>
+            <a:pPr algn="ctr"/>
+            <a:r>
+              <a:rPr lang="zh-CN" altLang="en-US" dirty="0" smtClean="0"/>
+              <a:t>土</a:t>
+            </a:r>
+            <a:endParaRPr lang="zh-CN" altLang="en-US" dirty="0"/>
+          </a:p>
+        </p:txBody>
+      </p:sp>
+      <p:sp>
+        <p:nvSpPr>
+          <p:cNvPr id="37" name="矩形 36"/>
+          <p:cNvSpPr/>
+          <p:nvPr/>
+        </p:nvSpPr>
+        <p:spPr>
+          <a:xfrm>
+            <a:off x="8678172" y="2357171"/>
+            <a:ext cx="370936" cy="370936"/>
+          </a:xfrm>
+          <a:prstGeom prst="rect">
+            <a:avLst/>
+          </a:prstGeom>
+          <a:solidFill>
+            <a:schemeClr val="accent2"/>
+          </a:solidFill>
+        </p:spPr>
+        <p:style>
+          <a:lnRef idx="2">
+            <a:schemeClr val="accent1">
+              <a:shade val="50000"/>
+            </a:schemeClr>
+          </a:lnRef>
+          <a:fillRef idx="1">
+            <a:schemeClr val="accent1"/>
+          </a:fillRef>
+          <a:effectRef idx="0">
+            <a:schemeClr val="accent1"/>
+          </a:effectRef>
+          <a:fontRef idx="minor">
+            <a:schemeClr val="lt1"/>
+          </a:fontRef>
+        </p:style>
+        <p:txBody>
+          <a:bodyPr rtlCol="0" anchor="ctr"/>
+          <a:lstStyle/>
+          <a:p>
+            <a:pPr algn="ctr"/>
+            <a:r>
+              <a:rPr lang="zh-CN" altLang="en-US" dirty="0" smtClean="0"/>
+              <a:t>木</a:t>
+            </a:r>
+            <a:endParaRPr lang="zh-CN" altLang="en-US" dirty="0"/>
+          </a:p>
+        </p:txBody>
+      </p:sp>
+      <p:sp>
+        <p:nvSpPr>
+          <p:cNvPr id="38" name="矩形 37"/>
+          <p:cNvSpPr/>
+          <p:nvPr/>
+        </p:nvSpPr>
+        <p:spPr>
+          <a:xfrm>
+            <a:off x="6711349" y="5676176"/>
+            <a:ext cx="370936" cy="370936"/>
+          </a:xfrm>
+          <a:prstGeom prst="rect">
+            <a:avLst/>
+          </a:prstGeom>
+          <a:solidFill>
+            <a:schemeClr val="accent2"/>
+          </a:solidFill>
+        </p:spPr>
+        <p:style>
+          <a:lnRef idx="2">
+            <a:schemeClr val="accent1">
+              <a:shade val="50000"/>
+            </a:schemeClr>
+          </a:lnRef>
+          <a:fillRef idx="1">
+            <a:schemeClr val="accent1"/>
+          </a:fillRef>
+          <a:effectRef idx="0">
+            <a:schemeClr val="accent1"/>
+          </a:effectRef>
+          <a:fontRef idx="minor">
+            <a:schemeClr val="lt1"/>
+          </a:fontRef>
+        </p:style>
+        <p:txBody>
+          <a:bodyPr rtlCol="0" anchor="ctr"/>
+          <a:lstStyle/>
+          <a:p>
+            <a:pPr algn="ctr"/>
+            <a:r>
+              <a:rPr lang="zh-CN" altLang="en-US" dirty="0" smtClean="0"/>
+              <a:t>火</a:t>
+            </a:r>
+            <a:endParaRPr lang="zh-CN" altLang="en-US" dirty="0"/>
+          </a:p>
+        </p:txBody>
+      </p:sp>
+      <p:sp>
+        <p:nvSpPr>
+          <p:cNvPr id="39" name="矩形 38"/>
+          <p:cNvSpPr/>
+          <p:nvPr/>
+        </p:nvSpPr>
+        <p:spPr>
+          <a:xfrm>
+            <a:off x="2639684" y="4123424"/>
+            <a:ext cx="370936" cy="370936"/>
+          </a:xfrm>
+          <a:prstGeom prst="rect">
+            <a:avLst/>
+          </a:prstGeom>
+          <a:solidFill>
+            <a:schemeClr val="accent2"/>
+          </a:solidFill>
+        </p:spPr>
+        <p:style>
+          <a:lnRef idx="2">
+            <a:schemeClr val="accent1">
+              <a:shade val="50000"/>
+            </a:schemeClr>
+          </a:lnRef>
+          <a:fillRef idx="1">
+            <a:schemeClr val="accent1"/>
+          </a:fillRef>
+          <a:effectRef idx="0">
+            <a:schemeClr val="accent1"/>
+          </a:effectRef>
+          <a:fontRef idx="minor">
+            <a:schemeClr val="lt1"/>
+          </a:fontRef>
+        </p:style>
+        <p:txBody>
+          <a:bodyPr rtlCol="0" anchor="ctr"/>
+          <a:lstStyle/>
+          <a:p>
+            <a:pPr algn="ctr"/>
+            <a:r>
+              <a:rPr lang="zh-CN" altLang="en-US" dirty="0" smtClean="0"/>
+              <a:t>金</a:t>
+            </a:r>
+            <a:endParaRPr lang="zh-CN" altLang="en-US" dirty="0"/>
+          </a:p>
+        </p:txBody>
+      </p:sp>
       <p:cxnSp>
         <p:nvCxnSpPr>
-          <p:cNvPr id="6" name="直接箭头连接符 5"/>
-          <p:cNvCxnSpPr/>
+          <p:cNvPr id="8" name="直接箭头连接符 7"/>
+          <p:cNvCxnSpPr>
+            <a:stCxn id="4" idx="2"/>
+            <a:endCxn id="30" idx="7"/>
+          </p:cNvCxnSpPr>
           <p:nvPr/>
         </p:nvCxnSpPr>
         <p:spPr>
           <a:xfrm flipH="1">
-            <a:off x="10834777" y="1397479"/>
-            <a:ext cx="629730" cy="646981"/>
+            <a:off x="4692084" y="750497"/>
+            <a:ext cx="69697" cy="492395"/>
           </a:xfrm>
           <a:prstGeom prst="straightConnector1">
             <a:avLst/>
@@ -6416,14 +6430,52 @@
       </p:cxnSp>
       <p:cxnSp>
         <p:nvCxnSpPr>
-          <p:cNvPr id="13" name="直接箭头连接符 12"/>
-          <p:cNvCxnSpPr/>
+          <p:cNvPr id="40" name="直接箭头连接符 39"/>
+          <p:cNvCxnSpPr>
+            <a:stCxn id="4" idx="2"/>
+            <a:endCxn id="10" idx="1"/>
+          </p:cNvCxnSpPr>
           <p:nvPr/>
         </p:nvCxnSpPr>
         <p:spPr>
+          <a:xfrm>
+            <a:off x="4761781" y="750497"/>
+            <a:ext cx="854702" cy="78325"/>
+          </a:xfrm>
+          <a:prstGeom prst="straightConnector1">
+            <a:avLst/>
+          </a:prstGeom>
+          <a:ln>
+            <a:tailEnd type="triangle"/>
+          </a:ln>
+        </p:spPr>
+        <p:style>
+          <a:lnRef idx="1">
+            <a:schemeClr val="accent1"/>
+          </a:lnRef>
+          <a:fillRef idx="0">
+            <a:schemeClr val="accent1"/>
+          </a:fillRef>
+          <a:effectRef idx="0">
+            <a:schemeClr val="accent1"/>
+          </a:effectRef>
+          <a:fontRef idx="minor">
+            <a:schemeClr val="tx1"/>
+          </a:fontRef>
+        </p:style>
+      </p:cxnSp>
+      <p:cxnSp>
+        <p:nvCxnSpPr>
+          <p:cNvPr id="44" name="直接箭头连接符 43"/>
+          <p:cNvCxnSpPr>
+            <a:stCxn id="39" idx="0"/>
+          </p:cNvCxnSpPr>
+          <p:nvPr/>
+        </p:nvCxnSpPr>
+        <p:spPr>
           <a:xfrm flipH="1" flipV="1">
-            <a:off x="10688128" y="1397479"/>
-            <a:ext cx="8627" cy="577970"/>
+            <a:off x="2639684" y="3338423"/>
+            <a:ext cx="185468" cy="785001"/>
           </a:xfrm>
           <a:prstGeom prst="straightConnector1">
             <a:avLst/>
@@ -6450,13 +6502,16 @@
       <p:cxnSp>
         <p:nvCxnSpPr>
           <p:cNvPr id="46" name="直接箭头连接符 45"/>
-          <p:cNvCxnSpPr/>
+          <p:cNvCxnSpPr>
+            <a:stCxn id="39" idx="3"/>
+            <a:endCxn id="27" idx="2"/>
+          </p:cNvCxnSpPr>
           <p:nvPr/>
         </p:nvCxnSpPr>
         <p:spPr>
-          <a:xfrm flipH="1">
-            <a:off x="10101532" y="1397479"/>
-            <a:ext cx="457200" cy="0"/>
+          <a:xfrm>
+            <a:off x="3010620" y="4308892"/>
+            <a:ext cx="474454" cy="219968"/>
           </a:xfrm>
           <a:prstGeom prst="straightConnector1">
             <a:avLst/>
@@ -6483,13 +6538,16 @@
       <p:cxnSp>
         <p:nvCxnSpPr>
           <p:cNvPr id="48" name="直接箭头连接符 47"/>
-          <p:cNvCxnSpPr/>
+          <p:cNvCxnSpPr>
+            <a:stCxn id="38" idx="0"/>
+            <a:endCxn id="24" idx="3"/>
+          </p:cNvCxnSpPr>
           <p:nvPr/>
         </p:nvCxnSpPr>
         <p:spPr>
           <a:xfrm flipV="1">
-            <a:off x="10092906" y="698737"/>
-            <a:ext cx="595222" cy="508961"/>
+            <a:off x="6896817" y="5330432"/>
+            <a:ext cx="229288" cy="345744"/>
           </a:xfrm>
           <a:prstGeom prst="straightConnector1">
             <a:avLst/>
@@ -6513,16 +6571,124 @@
           </a:fontRef>
         </p:style>
       </p:cxnSp>
-      <p:sp>
-        <p:nvSpPr>
-          <p:cNvPr id="49" name="文本框 48"/>
+      <p:cxnSp>
+        <p:nvCxnSpPr>
+          <p:cNvPr id="54" name="直接箭头连接符 53"/>
+          <p:cNvCxnSpPr>
+            <a:stCxn id="38" idx="1"/>
+            <a:endCxn id="25" idx="5"/>
+          </p:cNvCxnSpPr>
+          <p:nvPr/>
+        </p:nvCxnSpPr>
+        <p:spPr>
+          <a:xfrm flipH="1">
+            <a:off x="5994671" y="5861644"/>
+            <a:ext cx="716678" cy="3626"/>
+          </a:xfrm>
+          <a:prstGeom prst="straightConnector1">
+            <a:avLst/>
+          </a:prstGeom>
+          <a:ln>
+            <a:tailEnd type="triangle"/>
+          </a:ln>
+        </p:spPr>
+        <p:style>
+          <a:lnRef idx="1">
+            <a:schemeClr val="accent1"/>
+          </a:lnRef>
+          <a:fillRef idx="0">
+            <a:schemeClr val="accent1"/>
+          </a:fillRef>
+          <a:effectRef idx="0">
+            <a:schemeClr val="accent1"/>
+          </a:effectRef>
+          <a:fontRef idx="minor">
+            <a:schemeClr val="tx1"/>
+          </a:fontRef>
+        </p:style>
+      </p:cxnSp>
+      <p:cxnSp>
+        <p:nvCxnSpPr>
+          <p:cNvPr id="58" name="直接箭头连接符 57"/>
+          <p:cNvCxnSpPr>
+            <a:stCxn id="37" idx="2"/>
+            <a:endCxn id="22" idx="0"/>
+          </p:cNvCxnSpPr>
+          <p:nvPr/>
+        </p:nvCxnSpPr>
+        <p:spPr>
+          <a:xfrm flipH="1">
+            <a:off x="8781689" y="2728107"/>
+            <a:ext cx="81951" cy="325643"/>
+          </a:xfrm>
+          <a:prstGeom prst="straightConnector1">
+            <a:avLst/>
+          </a:prstGeom>
+          <a:ln>
+            <a:tailEnd type="triangle"/>
+          </a:ln>
+        </p:spPr>
+        <p:style>
+          <a:lnRef idx="1">
+            <a:schemeClr val="accent1"/>
+          </a:lnRef>
+          <a:fillRef idx="0">
+            <a:schemeClr val="accent1"/>
+          </a:fillRef>
+          <a:effectRef idx="0">
+            <a:schemeClr val="accent1"/>
+          </a:effectRef>
+          <a:fontRef idx="minor">
+            <a:schemeClr val="tx1"/>
+          </a:fontRef>
+        </p:style>
+      </p:cxnSp>
+      <p:cxnSp>
+        <p:nvCxnSpPr>
+          <p:cNvPr id="60" name="直接箭头连接符 59"/>
+          <p:cNvCxnSpPr>
+            <a:stCxn id="37" idx="1"/>
+            <a:endCxn id="12" idx="6"/>
+          </p:cNvCxnSpPr>
+          <p:nvPr/>
+        </p:nvCxnSpPr>
+        <p:spPr>
+          <a:xfrm flipH="1" flipV="1">
+            <a:off x="8212346" y="2242868"/>
+            <a:ext cx="465826" cy="299771"/>
+          </a:xfrm>
+          <a:prstGeom prst="straightConnector1">
+            <a:avLst/>
+          </a:prstGeom>
+          <a:ln>
+            <a:tailEnd type="triangle"/>
+          </a:ln>
+        </p:spPr>
+        <p:style>
+          <a:lnRef idx="1">
+            <a:schemeClr val="accent1"/>
+          </a:lnRef>
+          <a:fillRef idx="0">
+            <a:schemeClr val="accent1"/>
+          </a:fillRef>
+          <a:effectRef idx="0">
+            <a:schemeClr val="accent1"/>
+          </a:effectRef>
+          <a:fontRef idx="minor">
+            <a:schemeClr val="tx1"/>
+          </a:fontRef>
+        </p:style>
+      </p:cxnSp>
+      <p:sp>
+        <p:nvSpPr>
+          <p:cNvPr id="61" name="文本框 60"/>
           <p:cNvSpPr txBox="1"/>
           <p:nvPr/>
         </p:nvSpPr>
         <p:spPr>
           <a:xfrm>
-            <a:off x="10018714" y="2165230"/>
-            <a:ext cx="1338828" cy="369332"/>
+            <a:off x="1054970" y="729733"/>
+            <a:ext cx="1394934" cy="369332"/>
           </a:xfrm>
           <a:prstGeom prst="rect">
             <a:avLst/>
@@ -6536,47 +6702,21 @@
           <a:lstStyle/>
           <a:p>
             <a:r>
+              <a:rPr lang="en-US" altLang="zh-CN" dirty="0" smtClean="0"/>
+              <a:t>21 </a:t>
+            </a:r>
+            <a:r>
               <a:rPr lang="zh-CN" altLang="en-US" dirty="0" smtClean="0"/>
-              <a:t>木火土金水</a:t>
+              <a:t>地支五行</a:t>
             </a:r>
             <a:endParaRPr lang="zh-CN" altLang="en-US" dirty="0"/>
-          </a:p>
-        </p:txBody>
-      </p:sp>
-      <p:sp>
-        <p:nvSpPr>
-          <p:cNvPr id="50" name="文本框 49"/>
-          <p:cNvSpPr txBox="1"/>
-          <p:nvPr/>
-        </p:nvSpPr>
-        <p:spPr>
-          <a:xfrm>
-            <a:off x="7496355" y="6098875"/>
-            <a:ext cx="4413452" cy="369332"/>
-          </a:xfrm>
-          <a:prstGeom prst="rect">
-            <a:avLst/>
-          </a:prstGeom>
-          <a:noFill/>
-        </p:spPr>
-        <p:txBody>
-          <a:bodyPr wrap="none" rtlCol="0">
-            <a:spAutoFit/>
-          </a:bodyPr>
-          <a:lstStyle/>
-          <a:p>
-            <a:r>
-              <a:rPr lang="en-US" altLang="zh-CN" dirty="0" smtClean="0"/>
-              <a:t>https://www.ximalaya.com/sound/47814446</a:t>
-            </a:r>
-            <a:endParaRPr lang="zh-CN" altLang="en-US" dirty="0" smtClean="0"/>
           </a:p>
         </p:txBody>
       </p:sp>
     </p:spTree>
     <p:extLst>
       <p:ext uri="{BB962C8B-B14F-4D97-AF65-F5344CB8AC3E}">
-        <p14:creationId xmlns:p14="http://schemas.microsoft.com/office/powerpoint/2010/main" val="2710822142"/>
+        <p14:creationId xmlns:p14="http://schemas.microsoft.com/office/powerpoint/2010/main" val="43189565"/>
       </p:ext>
     </p:extLst>
   </p:cSld>
@@ -6605,14 +6745,52 @@
       </p:grpSpPr>
       <p:sp>
         <p:nvSpPr>
-          <p:cNvPr id="2" name="椭圆 1"/>
-          <p:cNvSpPr/>
-          <p:nvPr/>
-        </p:nvSpPr>
-        <p:spPr>
-          <a:xfrm>
-            <a:off x="2930107" y="445614"/>
-            <a:ext cx="534838" cy="534838"/>
+          <p:cNvPr id="2" name="文本框 1"/>
+          <p:cNvSpPr txBox="1"/>
+          <p:nvPr/>
+        </p:nvSpPr>
+        <p:spPr>
+          <a:xfrm>
+            <a:off x="655608" y="940278"/>
+            <a:ext cx="1447832" cy="369332"/>
+          </a:xfrm>
+          <a:prstGeom prst="rect">
+            <a:avLst/>
+          </a:prstGeom>
+          <a:noFill/>
+        </p:spPr>
+        <p:txBody>
+          <a:bodyPr wrap="none" rtlCol="0">
+            <a:spAutoFit/>
+          </a:bodyPr>
+          <a:lstStyle/>
+          <a:p>
+            <a:r>
+              <a:rPr lang="zh-CN" altLang="en-US" dirty="0" smtClean="0"/>
+              <a:t> </a:t>
+            </a:r>
+            <a:r>
+              <a:rPr lang="en-US" altLang="zh-CN" dirty="0" smtClean="0"/>
+              <a:t>21 </a:t>
+            </a:r>
+            <a:r>
+              <a:rPr lang="zh-CN" altLang="en-US" dirty="0" smtClean="0"/>
+              <a:t>天干五行</a:t>
+            </a:r>
+            <a:endParaRPr lang="en-US" altLang="zh-CN" dirty="0" smtClean="0"/>
+          </a:p>
+        </p:txBody>
+      </p:sp>
+      <p:sp>
+        <p:nvSpPr>
+          <p:cNvPr id="3" name="椭圆 2"/>
+          <p:cNvSpPr/>
+          <p:nvPr/>
+        </p:nvSpPr>
+        <p:spPr>
+          <a:xfrm>
+            <a:off x="8082950" y="2967487"/>
+            <a:ext cx="483079" cy="483079"/>
           </a:xfrm>
           <a:prstGeom prst="ellipse">
             <a:avLst/>
@@ -6640,33 +6818,30 @@
           <a:p>
             <a:pPr algn="ctr"/>
             <a:r>
-              <a:rPr lang="zh-CN" altLang="en-US" b="1" dirty="0" smtClean="0">
-                <a:latin typeface="楷体" panose="02010609060101010101" pitchFamily="49" charset="-122"/>
-                <a:ea typeface="楷体" panose="02010609060101010101" pitchFamily="49" charset="-122"/>
-              </a:rPr>
-              <a:t>子</a:t>
-            </a:r>
-            <a:endParaRPr lang="zh-CN" altLang="en-US" b="1" dirty="0">
-              <a:latin typeface="楷体" panose="02010609060101010101" pitchFamily="49" charset="-122"/>
-              <a:ea typeface="楷体" panose="02010609060101010101" pitchFamily="49" charset="-122"/>
-            </a:endParaRPr>
-          </a:p>
-        </p:txBody>
-      </p:sp>
-      <p:sp>
-        <p:nvSpPr>
-          <p:cNvPr id="3" name="椭圆 2"/>
-          <p:cNvSpPr/>
-          <p:nvPr/>
-        </p:nvSpPr>
-        <p:spPr>
-          <a:xfrm>
-            <a:off x="4329739" y="897699"/>
-            <a:ext cx="534838" cy="534838"/>
+              <a:rPr lang="zh-CN" altLang="en-US" dirty="0" smtClean="0"/>
+              <a:t>甲</a:t>
+            </a:r>
+            <a:endParaRPr lang="zh-CN" altLang="en-US" dirty="0"/>
+          </a:p>
+        </p:txBody>
+      </p:sp>
+      <p:sp>
+        <p:nvSpPr>
+          <p:cNvPr id="4" name="椭圆 3"/>
+          <p:cNvSpPr/>
+          <p:nvPr/>
+        </p:nvSpPr>
+        <p:spPr>
+          <a:xfrm>
+            <a:off x="7332452" y="2691442"/>
+            <a:ext cx="552090" cy="552090"/>
           </a:xfrm>
           <a:prstGeom prst="ellipse">
             <a:avLst/>
           </a:prstGeom>
+          <a:solidFill>
+            <a:schemeClr val="accent2"/>
+          </a:solidFill>
         </p:spPr>
         <p:style>
           <a:lnRef idx="2">
@@ -6690,33 +6865,30 @@
           <a:p>
             <a:pPr algn="ctr"/>
             <a:r>
-              <a:rPr lang="zh-CN" altLang="en-US" b="1" dirty="0" smtClean="0">
-                <a:latin typeface="楷体" panose="02010609060101010101" pitchFamily="49" charset="-122"/>
-                <a:ea typeface="楷体" panose="02010609060101010101" pitchFamily="49" charset="-122"/>
-              </a:rPr>
-              <a:t>丑</a:t>
-            </a:r>
-            <a:endParaRPr lang="zh-CN" altLang="en-US" b="1" dirty="0">
-              <a:latin typeface="楷体" panose="02010609060101010101" pitchFamily="49" charset="-122"/>
-              <a:ea typeface="楷体" panose="02010609060101010101" pitchFamily="49" charset="-122"/>
-            </a:endParaRPr>
-          </a:p>
-        </p:txBody>
-      </p:sp>
-      <p:sp>
-        <p:nvSpPr>
-          <p:cNvPr id="4" name="椭圆 3"/>
-          <p:cNvSpPr/>
-          <p:nvPr/>
-        </p:nvSpPr>
-        <p:spPr>
-          <a:xfrm>
-            <a:off x="5336877" y="1873290"/>
-            <a:ext cx="534838" cy="534838"/>
+              <a:rPr lang="zh-CN" altLang="en-US" dirty="0" smtClean="0"/>
+              <a:t>木</a:t>
+            </a:r>
+            <a:endParaRPr lang="zh-CN" altLang="en-US" dirty="0"/>
+          </a:p>
+        </p:txBody>
+      </p:sp>
+      <p:sp>
+        <p:nvSpPr>
+          <p:cNvPr id="32" name="椭圆 31"/>
+          <p:cNvSpPr/>
+          <p:nvPr/>
+        </p:nvSpPr>
+        <p:spPr>
+          <a:xfrm>
+            <a:off x="5365629" y="4313208"/>
+            <a:ext cx="552090" cy="552090"/>
           </a:xfrm>
           <a:prstGeom prst="ellipse">
             <a:avLst/>
           </a:prstGeom>
+          <a:solidFill>
+            <a:schemeClr val="accent2"/>
+          </a:solidFill>
         </p:spPr>
         <p:style>
           <a:lnRef idx="2">
@@ -6740,33 +6912,30 @@
           <a:p>
             <a:pPr algn="ctr"/>
             <a:r>
-              <a:rPr lang="zh-CN" altLang="en-US" b="1" dirty="0" smtClean="0">
-                <a:latin typeface="楷体" panose="02010609060101010101" pitchFamily="49" charset="-122"/>
-                <a:ea typeface="楷体" panose="02010609060101010101" pitchFamily="49" charset="-122"/>
-              </a:rPr>
-              <a:t>寅</a:t>
-            </a:r>
-            <a:endParaRPr lang="zh-CN" altLang="en-US" b="1" dirty="0">
-              <a:latin typeface="楷体" panose="02010609060101010101" pitchFamily="49" charset="-122"/>
-              <a:ea typeface="楷体" panose="02010609060101010101" pitchFamily="49" charset="-122"/>
-            </a:endParaRPr>
-          </a:p>
-        </p:txBody>
-      </p:sp>
-      <p:sp>
-        <p:nvSpPr>
-          <p:cNvPr id="5" name="椭圆 4"/>
-          <p:cNvSpPr/>
-          <p:nvPr/>
-        </p:nvSpPr>
-        <p:spPr>
-          <a:xfrm>
-            <a:off x="5634488" y="3119802"/>
-            <a:ext cx="534838" cy="534838"/>
+              <a:rPr lang="zh-CN" altLang="en-US" dirty="0" smtClean="0"/>
+              <a:t>火</a:t>
+            </a:r>
+            <a:endParaRPr lang="zh-CN" altLang="en-US" dirty="0"/>
+          </a:p>
+        </p:txBody>
+      </p:sp>
+      <p:sp>
+        <p:nvSpPr>
+          <p:cNvPr id="33" name="椭圆 32"/>
+          <p:cNvSpPr/>
+          <p:nvPr/>
+        </p:nvSpPr>
+        <p:spPr>
+          <a:xfrm>
+            <a:off x="3252157" y="2544793"/>
+            <a:ext cx="552090" cy="552090"/>
           </a:xfrm>
           <a:prstGeom prst="ellipse">
             <a:avLst/>
           </a:prstGeom>
+          <a:solidFill>
+            <a:schemeClr val="accent2"/>
+          </a:solidFill>
         </p:spPr>
         <p:style>
           <a:lnRef idx="2">
@@ -6790,33 +6959,30 @@
           <a:p>
             <a:pPr algn="ctr"/>
             <a:r>
-              <a:rPr lang="zh-CN" altLang="en-US" b="1" dirty="0" smtClean="0">
-                <a:latin typeface="楷体" panose="02010609060101010101" pitchFamily="49" charset="-122"/>
-                <a:ea typeface="楷体" panose="02010609060101010101" pitchFamily="49" charset="-122"/>
-              </a:rPr>
-              <a:t>卯</a:t>
-            </a:r>
-            <a:endParaRPr lang="zh-CN" altLang="en-US" b="1" dirty="0">
-              <a:latin typeface="楷体" panose="02010609060101010101" pitchFamily="49" charset="-122"/>
-              <a:ea typeface="楷体" panose="02010609060101010101" pitchFamily="49" charset="-122"/>
-            </a:endParaRPr>
-          </a:p>
-        </p:txBody>
-      </p:sp>
-      <p:sp>
-        <p:nvSpPr>
-          <p:cNvPr id="6" name="椭圆 5"/>
-          <p:cNvSpPr/>
-          <p:nvPr/>
-        </p:nvSpPr>
-        <p:spPr>
-          <a:xfrm>
-            <a:off x="5336877" y="4400826"/>
-            <a:ext cx="534838" cy="534838"/>
+              <a:rPr lang="zh-CN" altLang="en-US" dirty="0" smtClean="0"/>
+              <a:t>金</a:t>
+            </a:r>
+            <a:endParaRPr lang="zh-CN" altLang="en-US" dirty="0"/>
+          </a:p>
+        </p:txBody>
+      </p:sp>
+      <p:sp>
+        <p:nvSpPr>
+          <p:cNvPr id="34" name="椭圆 33"/>
+          <p:cNvSpPr/>
+          <p:nvPr/>
+        </p:nvSpPr>
+        <p:spPr>
+          <a:xfrm>
+            <a:off x="5365629" y="845389"/>
+            <a:ext cx="552090" cy="552090"/>
           </a:xfrm>
           <a:prstGeom prst="ellipse">
             <a:avLst/>
           </a:prstGeom>
+          <a:solidFill>
+            <a:schemeClr val="accent2"/>
+          </a:solidFill>
         </p:spPr>
         <p:style>
           <a:lnRef idx="2">
@@ -6840,29 +7006,23 @@
           <a:p>
             <a:pPr algn="ctr"/>
             <a:r>
-              <a:rPr lang="zh-CN" altLang="en-US" b="1" dirty="0" smtClean="0">
-                <a:latin typeface="楷体" panose="02010609060101010101" pitchFamily="49" charset="-122"/>
-                <a:ea typeface="楷体" panose="02010609060101010101" pitchFamily="49" charset="-122"/>
-              </a:rPr>
-              <a:t>辰</a:t>
-            </a:r>
-            <a:endParaRPr lang="zh-CN" altLang="en-US" b="1" dirty="0">
-              <a:latin typeface="楷体" panose="02010609060101010101" pitchFamily="49" charset="-122"/>
-              <a:ea typeface="楷体" panose="02010609060101010101" pitchFamily="49" charset="-122"/>
-            </a:endParaRPr>
-          </a:p>
-        </p:txBody>
-      </p:sp>
-      <p:sp>
-        <p:nvSpPr>
-          <p:cNvPr id="7" name="椭圆 6"/>
-          <p:cNvSpPr/>
-          <p:nvPr/>
-        </p:nvSpPr>
-        <p:spPr>
-          <a:xfrm>
-            <a:off x="4416007" y="5325999"/>
-            <a:ext cx="534838" cy="534838"/>
+              <a:rPr lang="zh-CN" altLang="en-US" dirty="0" smtClean="0"/>
+              <a:t>水</a:t>
+            </a:r>
+            <a:endParaRPr lang="zh-CN" altLang="en-US" dirty="0"/>
+          </a:p>
+        </p:txBody>
+      </p:sp>
+      <p:sp>
+        <p:nvSpPr>
+          <p:cNvPr id="35" name="椭圆 34"/>
+          <p:cNvSpPr/>
+          <p:nvPr/>
+        </p:nvSpPr>
+        <p:spPr>
+          <a:xfrm>
+            <a:off x="8566029" y="2967487"/>
+            <a:ext cx="483079" cy="483079"/>
           </a:xfrm>
           <a:prstGeom prst="ellipse">
             <a:avLst/>
@@ -6890,29 +7050,23 @@
           <a:p>
             <a:pPr algn="ctr"/>
             <a:r>
-              <a:rPr lang="zh-CN" altLang="en-US" b="1" dirty="0" smtClean="0">
-                <a:latin typeface="楷体" panose="02010609060101010101" pitchFamily="49" charset="-122"/>
-                <a:ea typeface="楷体" panose="02010609060101010101" pitchFamily="49" charset="-122"/>
-              </a:rPr>
-              <a:t>巳</a:t>
-            </a:r>
-            <a:endParaRPr lang="zh-CN" altLang="en-US" b="1" dirty="0">
-              <a:latin typeface="楷体" panose="02010609060101010101" pitchFamily="49" charset="-122"/>
-              <a:ea typeface="楷体" panose="02010609060101010101" pitchFamily="49" charset="-122"/>
-            </a:endParaRPr>
-          </a:p>
-        </p:txBody>
-      </p:sp>
-      <p:sp>
-        <p:nvSpPr>
-          <p:cNvPr id="8" name="椭圆 7"/>
-          <p:cNvSpPr/>
-          <p:nvPr/>
-        </p:nvSpPr>
-        <p:spPr>
-          <a:xfrm>
-            <a:off x="2930107" y="5824183"/>
-            <a:ext cx="534838" cy="534838"/>
+              <a:rPr lang="zh-CN" altLang="en-US" dirty="0" smtClean="0"/>
+              <a:t>乙</a:t>
+            </a:r>
+            <a:endParaRPr lang="zh-CN" altLang="en-US" dirty="0"/>
+          </a:p>
+        </p:txBody>
+      </p:sp>
+      <p:sp>
+        <p:nvSpPr>
+          <p:cNvPr id="36" name="椭圆 35"/>
+          <p:cNvSpPr/>
+          <p:nvPr/>
+        </p:nvSpPr>
+        <p:spPr>
+          <a:xfrm>
+            <a:off x="6055742" y="4779034"/>
+            <a:ext cx="483079" cy="483079"/>
           </a:xfrm>
           <a:prstGeom prst="ellipse">
             <a:avLst/>
@@ -6940,29 +7094,23 @@
           <a:p>
             <a:pPr algn="ctr"/>
             <a:r>
-              <a:rPr lang="zh-CN" altLang="en-US" b="1" dirty="0" smtClean="0">
-                <a:latin typeface="楷体" panose="02010609060101010101" pitchFamily="49" charset="-122"/>
-                <a:ea typeface="楷体" panose="02010609060101010101" pitchFamily="49" charset="-122"/>
-              </a:rPr>
-              <a:t>午</a:t>
-            </a:r>
-            <a:endParaRPr lang="zh-CN" altLang="en-US" b="1" dirty="0">
-              <a:latin typeface="楷体" panose="02010609060101010101" pitchFamily="49" charset="-122"/>
-              <a:ea typeface="楷体" panose="02010609060101010101" pitchFamily="49" charset="-122"/>
-            </a:endParaRPr>
-          </a:p>
-        </p:txBody>
-      </p:sp>
-      <p:sp>
-        <p:nvSpPr>
-          <p:cNvPr id="9" name="椭圆 8"/>
-          <p:cNvSpPr/>
-          <p:nvPr/>
-        </p:nvSpPr>
-        <p:spPr>
-          <a:xfrm>
-            <a:off x="1444208" y="5289345"/>
-            <a:ext cx="534838" cy="534838"/>
+              <a:rPr lang="zh-CN" altLang="en-US" dirty="0" smtClean="0"/>
+              <a:t>丙</a:t>
+            </a:r>
+            <a:endParaRPr lang="zh-CN" altLang="en-US" dirty="0"/>
+          </a:p>
+        </p:txBody>
+      </p:sp>
+      <p:sp>
+        <p:nvSpPr>
+          <p:cNvPr id="37" name="椭圆 36"/>
+          <p:cNvSpPr/>
+          <p:nvPr/>
+        </p:nvSpPr>
+        <p:spPr>
+          <a:xfrm>
+            <a:off x="6538821" y="4779033"/>
+            <a:ext cx="483079" cy="483079"/>
           </a:xfrm>
           <a:prstGeom prst="ellipse">
             <a:avLst/>
@@ -6990,29 +7138,23 @@
           <a:p>
             <a:pPr algn="ctr"/>
             <a:r>
-              <a:rPr lang="zh-CN" altLang="en-US" b="1" dirty="0" smtClean="0">
-                <a:latin typeface="楷体" panose="02010609060101010101" pitchFamily="49" charset="-122"/>
-                <a:ea typeface="楷体" panose="02010609060101010101" pitchFamily="49" charset="-122"/>
-              </a:rPr>
-              <a:t>未</a:t>
-            </a:r>
-            <a:endParaRPr lang="zh-CN" altLang="en-US" b="1" dirty="0">
-              <a:latin typeface="楷体" panose="02010609060101010101" pitchFamily="49" charset="-122"/>
-              <a:ea typeface="楷体" panose="02010609060101010101" pitchFamily="49" charset="-122"/>
-            </a:endParaRPr>
-          </a:p>
-        </p:txBody>
-      </p:sp>
-      <p:sp>
-        <p:nvSpPr>
-          <p:cNvPr id="10" name="椭圆 9"/>
-          <p:cNvSpPr/>
-          <p:nvPr/>
-        </p:nvSpPr>
-        <p:spPr>
-          <a:xfrm>
-            <a:off x="583725" y="4366314"/>
-            <a:ext cx="534838" cy="534838"/>
+              <a:rPr lang="zh-CN" altLang="en-US" smtClean="0"/>
+              <a:t>丁</a:t>
+            </a:r>
+            <a:endParaRPr lang="zh-CN" altLang="en-US" dirty="0"/>
+          </a:p>
+        </p:txBody>
+      </p:sp>
+      <p:sp>
+        <p:nvSpPr>
+          <p:cNvPr id="38" name="椭圆 37"/>
+          <p:cNvSpPr/>
+          <p:nvPr/>
+        </p:nvSpPr>
+        <p:spPr>
+          <a:xfrm>
+            <a:off x="5572663" y="3096881"/>
+            <a:ext cx="483079" cy="483079"/>
           </a:xfrm>
           <a:prstGeom prst="ellipse">
             <a:avLst/>
@@ -7040,29 +7182,23 @@
           <a:p>
             <a:pPr algn="ctr"/>
             <a:r>
-              <a:rPr lang="zh-CN" altLang="en-US" b="1" dirty="0" smtClean="0">
-                <a:latin typeface="楷体" panose="02010609060101010101" pitchFamily="49" charset="-122"/>
-                <a:ea typeface="楷体" panose="02010609060101010101" pitchFamily="49" charset="-122"/>
-              </a:rPr>
-              <a:t>申</a:t>
-            </a:r>
-            <a:endParaRPr lang="zh-CN" altLang="en-US" b="1" dirty="0">
-              <a:latin typeface="楷体" panose="02010609060101010101" pitchFamily="49" charset="-122"/>
-              <a:ea typeface="楷体" panose="02010609060101010101" pitchFamily="49" charset="-122"/>
-            </a:endParaRPr>
-          </a:p>
-        </p:txBody>
-      </p:sp>
-      <p:sp>
-        <p:nvSpPr>
-          <p:cNvPr id="11" name="椭圆 10"/>
-          <p:cNvSpPr/>
-          <p:nvPr/>
-        </p:nvSpPr>
-        <p:spPr>
-          <a:xfrm>
-            <a:off x="225727" y="3119802"/>
-            <a:ext cx="534838" cy="534838"/>
+              <a:rPr lang="zh-CN" altLang="en-US" dirty="0" smtClean="0"/>
+              <a:t>戊</a:t>
+            </a:r>
+            <a:endParaRPr lang="zh-CN" altLang="en-US" dirty="0"/>
+          </a:p>
+        </p:txBody>
+      </p:sp>
+      <p:sp>
+        <p:nvSpPr>
+          <p:cNvPr id="39" name="椭圆 38"/>
+          <p:cNvSpPr/>
+          <p:nvPr/>
+        </p:nvSpPr>
+        <p:spPr>
+          <a:xfrm>
+            <a:off x="6055742" y="3096882"/>
+            <a:ext cx="483079" cy="483079"/>
           </a:xfrm>
           <a:prstGeom prst="ellipse">
             <a:avLst/>
@@ -7090,29 +7226,23 @@
           <a:p>
             <a:pPr algn="ctr"/>
             <a:r>
-              <a:rPr lang="zh-CN" altLang="en-US" b="1" dirty="0" smtClean="0">
-                <a:latin typeface="楷体" panose="02010609060101010101" pitchFamily="49" charset="-122"/>
-                <a:ea typeface="楷体" panose="02010609060101010101" pitchFamily="49" charset="-122"/>
-              </a:rPr>
-              <a:t>酉</a:t>
-            </a:r>
-            <a:endParaRPr lang="zh-CN" altLang="en-US" b="1" dirty="0">
-              <a:latin typeface="楷体" panose="02010609060101010101" pitchFamily="49" charset="-122"/>
-              <a:ea typeface="楷体" panose="02010609060101010101" pitchFamily="49" charset="-122"/>
-            </a:endParaRPr>
-          </a:p>
-        </p:txBody>
-      </p:sp>
-      <p:sp>
-        <p:nvSpPr>
-          <p:cNvPr id="12" name="椭圆 11"/>
-          <p:cNvSpPr/>
-          <p:nvPr/>
-        </p:nvSpPr>
-        <p:spPr>
-          <a:xfrm>
-            <a:off x="583725" y="1873290"/>
-            <a:ext cx="534838" cy="534838"/>
+              <a:rPr lang="zh-CN" altLang="en-US" smtClean="0"/>
+              <a:t>己</a:t>
+            </a:r>
+            <a:endParaRPr lang="zh-CN" altLang="en-US" dirty="0"/>
+          </a:p>
+        </p:txBody>
+      </p:sp>
+      <p:sp>
+        <p:nvSpPr>
+          <p:cNvPr id="40" name="椭圆 39"/>
+          <p:cNvSpPr/>
+          <p:nvPr/>
+        </p:nvSpPr>
+        <p:spPr>
+          <a:xfrm>
+            <a:off x="2428334" y="3096882"/>
+            <a:ext cx="483079" cy="483079"/>
           </a:xfrm>
           <a:prstGeom prst="ellipse">
             <a:avLst/>
@@ -7140,29 +7270,22 @@
           <a:p>
             <a:pPr algn="ctr"/>
             <a:r>
-              <a:rPr lang="zh-CN" altLang="en-US" b="1" dirty="0" smtClean="0">
-                <a:latin typeface="楷体" panose="02010609060101010101" pitchFamily="49" charset="-122"/>
-                <a:ea typeface="楷体" panose="02010609060101010101" pitchFamily="49" charset="-122"/>
-              </a:rPr>
-              <a:t>戌</a:t>
-            </a:r>
-            <a:endParaRPr lang="zh-CN" altLang="en-US" b="1" dirty="0">
-              <a:latin typeface="楷体" panose="02010609060101010101" pitchFamily="49" charset="-122"/>
-              <a:ea typeface="楷体" panose="02010609060101010101" pitchFamily="49" charset="-122"/>
-            </a:endParaRPr>
-          </a:p>
-        </p:txBody>
-      </p:sp>
-      <p:sp>
-        <p:nvSpPr>
-          <p:cNvPr id="13" name="椭圆 12"/>
-          <p:cNvSpPr/>
-          <p:nvPr/>
-        </p:nvSpPr>
-        <p:spPr>
-          <a:xfrm>
-            <a:off x="1489498" y="897699"/>
-            <a:ext cx="534838" cy="534838"/>
+              <a:rPr lang="zh-CN" altLang="en-US" dirty="0"/>
+              <a:t>庚</a:t>
+            </a:r>
+          </a:p>
+        </p:txBody>
+      </p:sp>
+      <p:sp>
+        <p:nvSpPr>
+          <p:cNvPr id="41" name="椭圆 40"/>
+          <p:cNvSpPr/>
+          <p:nvPr/>
+        </p:nvSpPr>
+        <p:spPr>
+          <a:xfrm>
+            <a:off x="2911413" y="3096881"/>
+            <a:ext cx="483079" cy="483079"/>
           </a:xfrm>
           <a:prstGeom prst="ellipse">
             <a:avLst/>
@@ -7190,77 +7313,27 @@
           <a:p>
             <a:pPr algn="ctr"/>
             <a:r>
-              <a:rPr lang="zh-CN" altLang="en-US" b="1" dirty="0" smtClean="0">
-                <a:latin typeface="楷体" panose="02010609060101010101" pitchFamily="49" charset="-122"/>
-                <a:ea typeface="楷体" panose="02010609060101010101" pitchFamily="49" charset="-122"/>
-              </a:rPr>
-              <a:t>亥</a:t>
-            </a:r>
-            <a:endParaRPr lang="zh-CN" altLang="en-US" b="1" dirty="0">
-              <a:latin typeface="楷体" panose="02010609060101010101" pitchFamily="49" charset="-122"/>
-              <a:ea typeface="楷体" panose="02010609060101010101" pitchFamily="49" charset="-122"/>
-            </a:endParaRPr>
-          </a:p>
-        </p:txBody>
-      </p:sp>
-      <p:sp>
-        <p:nvSpPr>
-          <p:cNvPr id="30" name="文本框 29"/>
-          <p:cNvSpPr txBox="1"/>
-          <p:nvPr/>
-        </p:nvSpPr>
-        <p:spPr>
-          <a:xfrm>
-            <a:off x="-18861" y="-28833"/>
-            <a:ext cx="992579" cy="369332"/>
-          </a:xfrm>
-          <a:prstGeom prst="rect">
-            <a:avLst/>
-          </a:prstGeom>
-          <a:noFill/>
-        </p:spPr>
-        <p:txBody>
-          <a:bodyPr wrap="none" rtlCol="0">
-            <a:spAutoFit/>
-          </a:bodyPr>
-          <a:lstStyle/>
-          <a:p>
-            <a:r>
-              <a:rPr lang="en-US" altLang="zh-CN" b="1" dirty="0" smtClean="0">
-                <a:latin typeface="楷体" panose="02010609060101010101" pitchFamily="49" charset="-122"/>
-                <a:ea typeface="楷体" panose="02010609060101010101" pitchFamily="49" charset="-122"/>
-              </a:rPr>
-              <a:t>42 </a:t>
-            </a:r>
-            <a:r>
-              <a:rPr lang="zh-CN" altLang="en-US" b="1" dirty="0" smtClean="0">
-                <a:latin typeface="楷体" panose="02010609060101010101" pitchFamily="49" charset="-122"/>
-                <a:ea typeface="楷体" panose="02010609060101010101" pitchFamily="49" charset="-122"/>
-              </a:rPr>
-              <a:t>六合</a:t>
-            </a:r>
-            <a:endParaRPr lang="zh-CN" altLang="en-US" b="1" dirty="0">
-              <a:latin typeface="楷体" panose="02010609060101010101" pitchFamily="49" charset="-122"/>
-              <a:ea typeface="楷体" panose="02010609060101010101" pitchFamily="49" charset="-122"/>
-            </a:endParaRPr>
-          </a:p>
-        </p:txBody>
-      </p:sp>
-      <p:sp>
-        <p:nvSpPr>
-          <p:cNvPr id="32" name="椭圆 31"/>
-          <p:cNvSpPr/>
-          <p:nvPr/>
-        </p:nvSpPr>
-        <p:spPr>
-          <a:xfrm>
-            <a:off x="493146" y="682841"/>
-            <a:ext cx="5408761" cy="5408761"/>
+              <a:rPr lang="zh-CN" altLang="en-US" dirty="0" smtClean="0"/>
+              <a:t>辛</a:t>
+            </a:r>
+            <a:endParaRPr lang="zh-CN" altLang="en-US" dirty="0"/>
+          </a:p>
+        </p:txBody>
+      </p:sp>
+      <p:sp>
+        <p:nvSpPr>
+          <p:cNvPr id="42" name="椭圆 41"/>
+          <p:cNvSpPr/>
+          <p:nvPr/>
+        </p:nvSpPr>
+        <p:spPr>
+          <a:xfrm>
+            <a:off x="4481421" y="457199"/>
+            <a:ext cx="483079" cy="483079"/>
           </a:xfrm>
           <a:prstGeom prst="ellipse">
             <a:avLst/>
           </a:prstGeom>
-          <a:noFill/>
         </p:spPr>
         <p:style>
           <a:lnRef idx="2">
@@ -7283,37 +7356,231 @@
           <a:lstStyle/>
           <a:p>
             <a:pPr algn="ctr"/>
-            <a:endParaRPr lang="zh-CN" altLang="en-US" b="1">
-              <a:latin typeface="楷体" panose="02010609060101010101" pitchFamily="49" charset="-122"/>
-              <a:ea typeface="楷体" panose="02010609060101010101" pitchFamily="49" charset="-122"/>
-            </a:endParaRPr>
+            <a:r>
+              <a:rPr lang="zh-CN" altLang="en-US" dirty="0" smtClean="0"/>
+              <a:t>壬</a:t>
+            </a:r>
+            <a:endParaRPr lang="zh-CN" altLang="en-US" dirty="0"/>
+          </a:p>
+        </p:txBody>
+      </p:sp>
+      <p:sp>
+        <p:nvSpPr>
+          <p:cNvPr id="43" name="椭圆 42"/>
+          <p:cNvSpPr/>
+          <p:nvPr/>
+        </p:nvSpPr>
+        <p:spPr>
+          <a:xfrm>
+            <a:off x="4964500" y="457198"/>
+            <a:ext cx="483079" cy="483079"/>
+          </a:xfrm>
+          <a:prstGeom prst="ellipse">
+            <a:avLst/>
+          </a:prstGeom>
+        </p:spPr>
+        <p:style>
+          <a:lnRef idx="2">
+            <a:schemeClr val="accent1">
+              <a:shade val="50000"/>
+            </a:schemeClr>
+          </a:lnRef>
+          <a:fillRef idx="1">
+            <a:schemeClr val="accent1"/>
+          </a:fillRef>
+          <a:effectRef idx="0">
+            <a:schemeClr val="accent1"/>
+          </a:effectRef>
+          <a:fontRef idx="minor">
+            <a:schemeClr val="lt1"/>
+          </a:fontRef>
+        </p:style>
+        <p:txBody>
+          <a:bodyPr rtlCol="0" anchor="ctr"/>
+          <a:lstStyle/>
+          <a:p>
+            <a:pPr algn="ctr"/>
+            <a:r>
+              <a:rPr lang="zh-CN" altLang="en-US" dirty="0" smtClean="0"/>
+              <a:t>癸</a:t>
+            </a:r>
+            <a:endParaRPr lang="zh-CN" altLang="en-US" dirty="0"/>
+          </a:p>
+        </p:txBody>
+      </p:sp>
+      <p:sp>
+        <p:nvSpPr>
+          <p:cNvPr id="44" name="椭圆 43"/>
+          <p:cNvSpPr/>
+          <p:nvPr/>
+        </p:nvSpPr>
+        <p:spPr>
+          <a:xfrm>
+            <a:off x="5292304" y="2544791"/>
+            <a:ext cx="552090" cy="552090"/>
+          </a:xfrm>
+          <a:prstGeom prst="ellipse">
+            <a:avLst/>
+          </a:prstGeom>
+          <a:solidFill>
+            <a:schemeClr val="accent2"/>
+          </a:solidFill>
+        </p:spPr>
+        <p:style>
+          <a:lnRef idx="2">
+            <a:schemeClr val="accent1">
+              <a:shade val="50000"/>
+            </a:schemeClr>
+          </a:lnRef>
+          <a:fillRef idx="1">
+            <a:schemeClr val="accent1"/>
+          </a:fillRef>
+          <a:effectRef idx="0">
+            <a:schemeClr val="accent1"/>
+          </a:effectRef>
+          <a:fontRef idx="minor">
+            <a:schemeClr val="lt1"/>
+          </a:fontRef>
+        </p:style>
+        <p:txBody>
+          <a:bodyPr rtlCol="0" anchor="ctr"/>
+          <a:lstStyle/>
+          <a:p>
+            <a:pPr algn="ctr"/>
+            <a:r>
+              <a:rPr lang="zh-CN" altLang="en-US" dirty="0" smtClean="0"/>
+              <a:t>土</a:t>
+            </a:r>
+            <a:endParaRPr lang="zh-CN" altLang="en-US" dirty="0"/>
           </a:p>
         </p:txBody>
       </p:sp>
       <p:cxnSp>
         <p:nvCxnSpPr>
-          <p:cNvPr id="34" name="直接连接符 33"/>
+          <p:cNvPr id="6" name="直接箭头连接符 5"/>
           <p:cNvCxnSpPr/>
           <p:nvPr/>
         </p:nvCxnSpPr>
         <p:spPr>
+          <a:xfrm flipH="1">
+            <a:off x="10834777" y="1397479"/>
+            <a:ext cx="629730" cy="646981"/>
+          </a:xfrm>
+          <a:prstGeom prst="straightConnector1">
+            <a:avLst/>
+          </a:prstGeom>
+          <a:ln>
+            <a:tailEnd type="triangle"/>
+          </a:ln>
+        </p:spPr>
+        <p:style>
+          <a:lnRef idx="1">
+            <a:schemeClr val="accent1"/>
+          </a:lnRef>
+          <a:fillRef idx="0">
+            <a:schemeClr val="accent1"/>
+          </a:fillRef>
+          <a:effectRef idx="0">
+            <a:schemeClr val="accent1"/>
+          </a:effectRef>
+          <a:fontRef idx="minor">
+            <a:schemeClr val="tx1"/>
+          </a:fontRef>
+        </p:style>
+      </p:cxnSp>
+      <p:cxnSp>
+        <p:nvCxnSpPr>
+          <p:cNvPr id="13" name="直接箭头连接符 12"/>
+          <p:cNvCxnSpPr/>
+          <p:nvPr/>
+        </p:nvCxnSpPr>
+        <p:spPr>
+          <a:xfrm flipH="1" flipV="1">
+            <a:off x="10688128" y="1397479"/>
+            <a:ext cx="8627" cy="577970"/>
+          </a:xfrm>
+          <a:prstGeom prst="straightConnector1">
+            <a:avLst/>
+          </a:prstGeom>
+          <a:ln>
+            <a:tailEnd type="triangle"/>
+          </a:ln>
+        </p:spPr>
+        <p:style>
+          <a:lnRef idx="1">
+            <a:schemeClr val="accent1"/>
+          </a:lnRef>
+          <a:fillRef idx="0">
+            <a:schemeClr val="accent1"/>
+          </a:fillRef>
+          <a:effectRef idx="0">
+            <a:schemeClr val="accent1"/>
+          </a:effectRef>
+          <a:fontRef idx="minor">
+            <a:schemeClr val="tx1"/>
+          </a:fontRef>
+        </p:style>
+      </p:cxnSp>
+      <p:cxnSp>
+        <p:nvCxnSpPr>
+          <p:cNvPr id="46" name="直接箭头连接符 45"/>
+          <p:cNvCxnSpPr/>
+          <p:nvPr/>
+        </p:nvCxnSpPr>
+        <p:spPr>
+          <a:xfrm flipH="1">
+            <a:off x="10101532" y="1397479"/>
+            <a:ext cx="457200" cy="0"/>
+          </a:xfrm>
+          <a:prstGeom prst="straightConnector1">
+            <a:avLst/>
+          </a:prstGeom>
+          <a:ln>
+            <a:tailEnd type="triangle"/>
+          </a:ln>
+        </p:spPr>
+        <p:style>
+          <a:lnRef idx="1">
+            <a:schemeClr val="accent1"/>
+          </a:lnRef>
+          <a:fillRef idx="0">
+            <a:schemeClr val="accent1"/>
+          </a:fillRef>
+          <a:effectRef idx="0">
+            <a:schemeClr val="accent1"/>
+          </a:effectRef>
+          <a:fontRef idx="minor">
+            <a:schemeClr val="tx1"/>
+          </a:fontRef>
+        </p:style>
+      </p:cxnSp>
+      <p:cxnSp>
+        <p:nvCxnSpPr>
+          <p:cNvPr id="48" name="直接箭头连接符 47"/>
+          <p:cNvCxnSpPr/>
+          <p:nvPr/>
+        </p:nvCxnSpPr>
+        <p:spPr>
           <a:xfrm flipV="1">
-            <a:off x="2222738" y="445615"/>
-            <a:ext cx="1915069" cy="5883214"/>
-          </a:xfrm>
-          <a:prstGeom prst="line">
-            <a:avLst/>
-          </a:prstGeom>
-        </p:spPr>
-        <p:style>
-          <a:lnRef idx="3">
-            <a:schemeClr val="accent2"/>
+            <a:off x="10092906" y="698737"/>
+            <a:ext cx="595222" cy="508961"/>
+          </a:xfrm>
+          <a:prstGeom prst="straightConnector1">
+            <a:avLst/>
+          </a:prstGeom>
+          <a:ln>
+            <a:tailEnd type="triangle"/>
+          </a:ln>
+        </p:spPr>
+        <p:style>
+          <a:lnRef idx="1">
+            <a:schemeClr val="accent1"/>
           </a:lnRef>
           <a:fillRef idx="0">
-            <a:schemeClr val="accent2"/>
-          </a:fillRef>
-          <a:effectRef idx="2">
-            <a:schemeClr val="accent2"/>
+            <a:schemeClr val="accent1"/>
+          </a:fillRef>
+          <a:effectRef idx="0">
+            <a:schemeClr val="accent1"/>
           </a:effectRef>
           <a:fontRef idx="minor">
             <a:schemeClr val="tx1"/>
@@ -7322,284 +7589,68 @@
       </p:cxnSp>
       <p:sp>
         <p:nvSpPr>
-          <p:cNvPr id="14" name="矩形 13"/>
-          <p:cNvSpPr/>
-          <p:nvPr/>
-        </p:nvSpPr>
-        <p:spPr>
-          <a:xfrm>
-            <a:off x="5901907" y="306390"/>
-            <a:ext cx="5493812" cy="369332"/>
+          <p:cNvPr id="49" name="文本框 48"/>
+          <p:cNvSpPr txBox="1"/>
+          <p:nvPr/>
+        </p:nvSpPr>
+        <p:spPr>
+          <a:xfrm>
+            <a:off x="10018714" y="2165230"/>
+            <a:ext cx="1338828" cy="369332"/>
           </a:xfrm>
           <a:prstGeom prst="rect">
             <a:avLst/>
           </a:prstGeom>
-        </p:spPr>
-        <p:txBody>
-          <a:bodyPr wrap="none">
+          <a:noFill/>
+        </p:spPr>
+        <p:txBody>
+          <a:bodyPr wrap="none" rtlCol="0">
             <a:spAutoFit/>
           </a:bodyPr>
           <a:lstStyle/>
           <a:p>
             <a:r>
-              <a:rPr lang="zh-CN" altLang="en-US" b="1" dirty="0">
-                <a:latin typeface="楷体" panose="02010609060101010101" pitchFamily="49" charset="-122"/>
-                <a:ea typeface="楷体" panose="02010609060101010101" pitchFamily="49" charset="-122"/>
-              </a:rPr>
-              <a:t>子午冲、丑未冲、寅申冲、卯酉冲、辰戌冲、巳亥冲</a:t>
-            </a:r>
-          </a:p>
-        </p:txBody>
-      </p:sp>
-      <p:sp>
-        <p:nvSpPr>
-          <p:cNvPr id="15" name="矩形 14"/>
-          <p:cNvSpPr/>
-          <p:nvPr/>
-        </p:nvSpPr>
-        <p:spPr>
-          <a:xfrm>
-            <a:off x="5901907" y="945451"/>
-            <a:ext cx="6096000" cy="646331"/>
+              <a:rPr lang="zh-CN" altLang="en-US" dirty="0" smtClean="0"/>
+              <a:t>木火土金水</a:t>
+            </a:r>
+            <a:endParaRPr lang="zh-CN" altLang="en-US" dirty="0"/>
+          </a:p>
+        </p:txBody>
+      </p:sp>
+      <p:sp>
+        <p:nvSpPr>
+          <p:cNvPr id="50" name="文本框 49"/>
+          <p:cNvSpPr txBox="1"/>
+          <p:nvPr/>
+        </p:nvSpPr>
+        <p:spPr>
+          <a:xfrm>
+            <a:off x="7496355" y="6098875"/>
+            <a:ext cx="4413452" cy="369332"/>
           </a:xfrm>
           <a:prstGeom prst="rect">
             <a:avLst/>
           </a:prstGeom>
-        </p:spPr>
-        <p:txBody>
-          <a:bodyPr>
+          <a:noFill/>
+        </p:spPr>
+        <p:txBody>
+          <a:bodyPr wrap="none" rtlCol="0">
             <a:spAutoFit/>
           </a:bodyPr>
           <a:lstStyle/>
           <a:p>
             <a:r>
-              <a:rPr lang="zh-CN" altLang="en-US" b="1" dirty="0">
-                <a:latin typeface="楷体" panose="02010609060101010101" pitchFamily="49" charset="-122"/>
-                <a:ea typeface="楷体" panose="02010609060101010101" pitchFamily="49" charset="-122"/>
-              </a:rPr>
-              <a:t>丑子六合土，寅亥 木，卯戌 火，辰酉 金，巳申 水 午未六合</a:t>
-            </a:r>
-            <a:r>
-              <a:rPr lang="zh-CN" altLang="en-US" b="1" dirty="0" smtClean="0">
-                <a:latin typeface="楷体" panose="02010609060101010101" pitchFamily="49" charset="-122"/>
-                <a:ea typeface="楷体" panose="02010609060101010101" pitchFamily="49" charset="-122"/>
-              </a:rPr>
-              <a:t>日月</a:t>
-            </a:r>
-            <a:endParaRPr lang="zh-CN" altLang="en-US" b="1" dirty="0">
-              <a:latin typeface="楷体" panose="02010609060101010101" pitchFamily="49" charset="-122"/>
-              <a:ea typeface="楷体" panose="02010609060101010101" pitchFamily="49" charset="-122"/>
-            </a:endParaRPr>
-          </a:p>
-        </p:txBody>
-      </p:sp>
-      <p:sp>
-        <p:nvSpPr>
-          <p:cNvPr id="17" name="矩形 16"/>
-          <p:cNvSpPr/>
-          <p:nvPr/>
-        </p:nvSpPr>
-        <p:spPr>
-          <a:xfrm>
-            <a:off x="5694868" y="4905661"/>
-            <a:ext cx="6096000" cy="1477328"/>
-          </a:xfrm>
-          <a:prstGeom prst="rect">
-            <a:avLst/>
-          </a:prstGeom>
-        </p:spPr>
-        <p:txBody>
-          <a:bodyPr>
-            <a:spAutoFit/>
-          </a:bodyPr>
-          <a:lstStyle/>
-          <a:p>
-            <a:r>
-              <a:rPr lang="zh-CN" altLang="en-US" b="1" dirty="0">
-                <a:latin typeface="楷体" panose="02010609060101010101" pitchFamily="49" charset="-122"/>
-                <a:ea typeface="楷体" panose="02010609060101010101" pitchFamily="49" charset="-122"/>
-              </a:rPr>
-              <a:t>	长生 	帝旺	墓 </a:t>
-            </a:r>
-          </a:p>
-          <a:p>
-            <a:r>
-              <a:rPr lang="zh-CN" altLang="en-US" b="1" dirty="0">
-                <a:latin typeface="楷体" panose="02010609060101010101" pitchFamily="49" charset="-122"/>
-                <a:ea typeface="楷体" panose="02010609060101010101" pitchFamily="49" charset="-122"/>
-              </a:rPr>
-              <a:t>火	寅	午	戌	</a:t>
-            </a:r>
-            <a:r>
-              <a:rPr lang="zh-CN" altLang="en-US" b="1" dirty="0" smtClean="0">
-                <a:latin typeface="楷体" panose="02010609060101010101" pitchFamily="49" charset="-122"/>
-                <a:ea typeface="楷体" panose="02010609060101010101" pitchFamily="49" charset="-122"/>
-              </a:rPr>
-              <a:t>火</a:t>
-            </a:r>
-            <a:r>
-              <a:rPr lang="zh-CN" altLang="en-US" b="1" dirty="0">
-                <a:latin typeface="楷体" panose="02010609060101010101" pitchFamily="49" charset="-122"/>
-                <a:ea typeface="楷体" panose="02010609060101010101" pitchFamily="49" charset="-122"/>
-              </a:rPr>
-              <a:t>的三合是 寅午戌</a:t>
-            </a:r>
-          </a:p>
-          <a:p>
-            <a:r>
-              <a:rPr lang="zh-CN" altLang="en-US" b="1" dirty="0">
-                <a:latin typeface="楷体" panose="02010609060101010101" pitchFamily="49" charset="-122"/>
-                <a:ea typeface="楷体" panose="02010609060101010101" pitchFamily="49" charset="-122"/>
-              </a:rPr>
-              <a:t>金	巳	酉	丑	</a:t>
-            </a:r>
-            <a:r>
-              <a:rPr lang="zh-CN" altLang="en-US" b="1" dirty="0" smtClean="0">
-                <a:latin typeface="楷体" panose="02010609060101010101" pitchFamily="49" charset="-122"/>
-                <a:ea typeface="楷体" panose="02010609060101010101" pitchFamily="49" charset="-122"/>
-              </a:rPr>
-              <a:t>金</a:t>
-            </a:r>
-            <a:r>
-              <a:rPr lang="zh-CN" altLang="en-US" b="1" dirty="0">
-                <a:latin typeface="楷体" panose="02010609060101010101" pitchFamily="49" charset="-122"/>
-                <a:ea typeface="楷体" panose="02010609060101010101" pitchFamily="49" charset="-122"/>
-              </a:rPr>
-              <a:t>的三合是 巳酉丑</a:t>
-            </a:r>
-          </a:p>
-          <a:p>
-            <a:r>
-              <a:rPr lang="zh-CN" altLang="en-US" b="1" dirty="0">
-                <a:latin typeface="楷体" panose="02010609060101010101" pitchFamily="49" charset="-122"/>
-                <a:ea typeface="楷体" panose="02010609060101010101" pitchFamily="49" charset="-122"/>
-              </a:rPr>
-              <a:t>水	申	子	辰</a:t>
-            </a:r>
-          </a:p>
-          <a:p>
-            <a:r>
-              <a:rPr lang="zh-CN" altLang="en-US" b="1" dirty="0">
-                <a:latin typeface="楷体" panose="02010609060101010101" pitchFamily="49" charset="-122"/>
-                <a:ea typeface="楷体" panose="02010609060101010101" pitchFamily="49" charset="-122"/>
-              </a:rPr>
-              <a:t>木	亥	卯	未</a:t>
-            </a:r>
-          </a:p>
-        </p:txBody>
-      </p:sp>
-      <p:sp>
-        <p:nvSpPr>
-          <p:cNvPr id="16" name="矩形 15"/>
-          <p:cNvSpPr/>
-          <p:nvPr/>
-        </p:nvSpPr>
-        <p:spPr>
-          <a:xfrm>
-            <a:off x="6169326" y="2208558"/>
-            <a:ext cx="6096000" cy="1200329"/>
-          </a:xfrm>
-          <a:prstGeom prst="rect">
-            <a:avLst/>
-          </a:prstGeom>
-        </p:spPr>
-        <p:txBody>
-          <a:bodyPr>
-            <a:spAutoFit/>
-          </a:bodyPr>
-          <a:lstStyle/>
-          <a:p>
-            <a:r>
-              <a:rPr lang="zh-CN" altLang="en-US" b="1" dirty="0">
-                <a:latin typeface="楷体" panose="02010609060101010101" pitchFamily="49" charset="-122"/>
-                <a:ea typeface="楷体" panose="02010609060101010101" pitchFamily="49" charset="-122"/>
-              </a:rPr>
-              <a:t>进神：亥化子，寅化卯，巳化午，申化酉，丑化辰</a:t>
-            </a:r>
-            <a:r>
-              <a:rPr lang="zh-CN" altLang="en-US" b="1" dirty="0" smtClean="0">
-                <a:latin typeface="楷体" panose="02010609060101010101" pitchFamily="49" charset="-122"/>
-                <a:ea typeface="楷体" panose="02010609060101010101" pitchFamily="49" charset="-122"/>
-              </a:rPr>
-              <a:t>，</a:t>
-            </a:r>
-            <a:endParaRPr lang="en-US" altLang="zh-CN" b="1" dirty="0" smtClean="0">
-              <a:latin typeface="楷体" panose="02010609060101010101" pitchFamily="49" charset="-122"/>
-              <a:ea typeface="楷体" panose="02010609060101010101" pitchFamily="49" charset="-122"/>
-            </a:endParaRPr>
-          </a:p>
-          <a:p>
-            <a:r>
-              <a:rPr lang="en-US" altLang="zh-CN" b="1" dirty="0" smtClean="0">
-                <a:latin typeface="楷体" panose="02010609060101010101" pitchFamily="49" charset="-122"/>
-                <a:ea typeface="楷体" panose="02010609060101010101" pitchFamily="49" charset="-122"/>
-              </a:rPr>
-              <a:t>	</a:t>
-            </a:r>
-            <a:r>
-              <a:rPr lang="zh-CN" altLang="en-US" b="1" dirty="0" smtClean="0">
-                <a:latin typeface="楷体" panose="02010609060101010101" pitchFamily="49" charset="-122"/>
-                <a:ea typeface="楷体" panose="02010609060101010101" pitchFamily="49" charset="-122"/>
-              </a:rPr>
-              <a:t>辰化未</a:t>
-            </a:r>
-            <a:r>
-              <a:rPr lang="zh-CN" altLang="en-US" b="1" dirty="0">
-                <a:latin typeface="楷体" panose="02010609060101010101" pitchFamily="49" charset="-122"/>
-                <a:ea typeface="楷体" panose="02010609060101010101" pitchFamily="49" charset="-122"/>
-              </a:rPr>
-              <a:t>，未化戌。</a:t>
-            </a:r>
-          </a:p>
-          <a:p>
-            <a:r>
-              <a:rPr lang="zh-CN" altLang="en-US" b="1" dirty="0">
-                <a:latin typeface="楷体" panose="02010609060101010101" pitchFamily="49" charset="-122"/>
-                <a:ea typeface="楷体" panose="02010609060101010101" pitchFamily="49" charset="-122"/>
-              </a:rPr>
-              <a:t>退神：子化亥，卯化寅，午化巳，酉化申，辰化丑</a:t>
-            </a:r>
-            <a:r>
-              <a:rPr lang="zh-CN" altLang="en-US" b="1" dirty="0" smtClean="0">
-                <a:latin typeface="楷体" panose="02010609060101010101" pitchFamily="49" charset="-122"/>
-                <a:ea typeface="楷体" panose="02010609060101010101" pitchFamily="49" charset="-122"/>
-              </a:rPr>
-              <a:t>，</a:t>
-            </a:r>
-            <a:endParaRPr lang="en-US" altLang="zh-CN" b="1" dirty="0" smtClean="0">
-              <a:latin typeface="楷体" panose="02010609060101010101" pitchFamily="49" charset="-122"/>
-              <a:ea typeface="楷体" panose="02010609060101010101" pitchFamily="49" charset="-122"/>
-            </a:endParaRPr>
-          </a:p>
-          <a:p>
-            <a:r>
-              <a:rPr lang="en-US" altLang="zh-CN" b="1" dirty="0">
-                <a:latin typeface="楷体" panose="02010609060101010101" pitchFamily="49" charset="-122"/>
-                <a:ea typeface="楷体" panose="02010609060101010101" pitchFamily="49" charset="-122"/>
-              </a:rPr>
-              <a:t>	</a:t>
-            </a:r>
-            <a:r>
-              <a:rPr lang="zh-CN" altLang="en-US" b="1" dirty="0" smtClean="0">
-                <a:latin typeface="楷体" panose="02010609060101010101" pitchFamily="49" charset="-122"/>
-                <a:ea typeface="楷体" panose="02010609060101010101" pitchFamily="49" charset="-122"/>
-              </a:rPr>
-              <a:t>未</a:t>
-            </a:r>
-            <a:r>
-              <a:rPr lang="zh-CN" altLang="en-US" b="1" dirty="0">
-                <a:latin typeface="楷体" panose="02010609060101010101" pitchFamily="49" charset="-122"/>
-                <a:ea typeface="楷体" panose="02010609060101010101" pitchFamily="49" charset="-122"/>
-              </a:rPr>
-              <a:t>化辰，戌化未。</a:t>
-            </a:r>
+              <a:rPr lang="en-US" altLang="zh-CN" dirty="0" smtClean="0"/>
+              <a:t>https://www.ximalaya.com/sound/47814446</a:t>
+            </a:r>
+            <a:endParaRPr lang="zh-CN" altLang="en-US" dirty="0" smtClean="0"/>
           </a:p>
         </p:txBody>
       </p:sp>
     </p:spTree>
     <p:extLst>
       <p:ext uri="{BB962C8B-B14F-4D97-AF65-F5344CB8AC3E}">
-        <p14:creationId xmlns:p14="http://schemas.microsoft.com/office/powerpoint/2010/main" val="2434019445"/>
+        <p14:creationId xmlns:p14="http://schemas.microsoft.com/office/powerpoint/2010/main" val="2710822142"/>
       </p:ext>
     </p:extLst>
   </p:cSld>

--- a/prophecy/学魔法.pptx
+++ b/prophecy/学魔法.pptx
@@ -248,7 +248,7 @@
           <a:p>
             <a:fld id="{D158A3A6-BB24-48D8-87E0-EE8C50041EAA}" type="datetimeFigureOut">
               <a:rPr lang="zh-CN" altLang="en-US" smtClean="0"/>
-              <a:t>2022/11/25</a:t>
+              <a:t>2022/11/29</a:t>
             </a:fld>
             <a:endParaRPr lang="zh-CN" altLang="en-US"/>
           </a:p>
@@ -418,7 +418,7 @@
           <a:p>
             <a:fld id="{D158A3A6-BB24-48D8-87E0-EE8C50041EAA}" type="datetimeFigureOut">
               <a:rPr lang="zh-CN" altLang="en-US" smtClean="0"/>
-              <a:t>2022/11/25</a:t>
+              <a:t>2022/11/29</a:t>
             </a:fld>
             <a:endParaRPr lang="zh-CN" altLang="en-US"/>
           </a:p>
@@ -598,7 +598,7 @@
           <a:p>
             <a:fld id="{D158A3A6-BB24-48D8-87E0-EE8C50041EAA}" type="datetimeFigureOut">
               <a:rPr lang="zh-CN" altLang="en-US" smtClean="0"/>
-              <a:t>2022/11/25</a:t>
+              <a:t>2022/11/29</a:t>
             </a:fld>
             <a:endParaRPr lang="zh-CN" altLang="en-US"/>
           </a:p>
@@ -768,7 +768,7 @@
           <a:p>
             <a:fld id="{D158A3A6-BB24-48D8-87E0-EE8C50041EAA}" type="datetimeFigureOut">
               <a:rPr lang="zh-CN" altLang="en-US" smtClean="0"/>
-              <a:t>2022/11/25</a:t>
+              <a:t>2022/11/29</a:t>
             </a:fld>
             <a:endParaRPr lang="zh-CN" altLang="en-US"/>
           </a:p>
@@ -1014,7 +1014,7 @@
           <a:p>
             <a:fld id="{D158A3A6-BB24-48D8-87E0-EE8C50041EAA}" type="datetimeFigureOut">
               <a:rPr lang="zh-CN" altLang="en-US" smtClean="0"/>
-              <a:t>2022/11/25</a:t>
+              <a:t>2022/11/29</a:t>
             </a:fld>
             <a:endParaRPr lang="zh-CN" altLang="en-US"/>
           </a:p>
@@ -1246,7 +1246,7 @@
           <a:p>
             <a:fld id="{D158A3A6-BB24-48D8-87E0-EE8C50041EAA}" type="datetimeFigureOut">
               <a:rPr lang="zh-CN" altLang="en-US" smtClean="0"/>
-              <a:t>2022/11/25</a:t>
+              <a:t>2022/11/29</a:t>
             </a:fld>
             <a:endParaRPr lang="zh-CN" altLang="en-US"/>
           </a:p>
@@ -1613,7 +1613,7 @@
           <a:p>
             <a:fld id="{D158A3A6-BB24-48D8-87E0-EE8C50041EAA}" type="datetimeFigureOut">
               <a:rPr lang="zh-CN" altLang="en-US" smtClean="0"/>
-              <a:t>2022/11/25</a:t>
+              <a:t>2022/11/29</a:t>
             </a:fld>
             <a:endParaRPr lang="zh-CN" altLang="en-US"/>
           </a:p>
@@ -1731,7 +1731,7 @@
           <a:p>
             <a:fld id="{D158A3A6-BB24-48D8-87E0-EE8C50041EAA}" type="datetimeFigureOut">
               <a:rPr lang="zh-CN" altLang="en-US" smtClean="0"/>
-              <a:t>2022/11/25</a:t>
+              <a:t>2022/11/29</a:t>
             </a:fld>
             <a:endParaRPr lang="zh-CN" altLang="en-US"/>
           </a:p>
@@ -1826,7 +1826,7 @@
           <a:p>
             <a:fld id="{D158A3A6-BB24-48D8-87E0-EE8C50041EAA}" type="datetimeFigureOut">
               <a:rPr lang="zh-CN" altLang="en-US" smtClean="0"/>
-              <a:t>2022/11/25</a:t>
+              <a:t>2022/11/29</a:t>
             </a:fld>
             <a:endParaRPr lang="zh-CN" altLang="en-US"/>
           </a:p>
@@ -2103,7 +2103,7 @@
           <a:p>
             <a:fld id="{D158A3A6-BB24-48D8-87E0-EE8C50041EAA}" type="datetimeFigureOut">
               <a:rPr lang="zh-CN" altLang="en-US" smtClean="0"/>
-              <a:t>2022/11/25</a:t>
+              <a:t>2022/11/29</a:t>
             </a:fld>
             <a:endParaRPr lang="zh-CN" altLang="en-US"/>
           </a:p>
@@ -2356,7 +2356,7 @@
           <a:p>
             <a:fld id="{D158A3A6-BB24-48D8-87E0-EE8C50041EAA}" type="datetimeFigureOut">
               <a:rPr lang="zh-CN" altLang="en-US" smtClean="0"/>
-              <a:t>2022/11/25</a:t>
+              <a:t>2022/11/29</a:t>
             </a:fld>
             <a:endParaRPr lang="zh-CN" altLang="en-US"/>
           </a:p>
@@ -2569,7 +2569,7 @@
           <a:p>
             <a:fld id="{D158A3A6-BB24-48D8-87E0-EE8C50041EAA}" type="datetimeFigureOut">
               <a:rPr lang="zh-CN" altLang="en-US" smtClean="0"/>
-              <a:t>2022/11/25</a:t>
+              <a:t>2022/11/29</a:t>
             </a:fld>
             <a:endParaRPr lang="zh-CN" altLang="en-US"/>
           </a:p>
@@ -3598,6 +3598,9 @@
           <a:p>
             <a:r>
               <a:rPr lang="en-US" altLang="zh-CN" b="1" dirty="0" smtClean="0">
+                <a:solidFill>
+                  <a:schemeClr val="bg1"/>
+                </a:solidFill>
                 <a:latin typeface="楷体" panose="02010609060101010101" pitchFamily="49" charset="-122"/>
                 <a:ea typeface="楷体" panose="02010609060101010101" pitchFamily="49" charset="-122"/>
               </a:rPr>
@@ -3605,12 +3608,18 @@
             </a:r>
             <a:r>
               <a:rPr lang="zh-CN" altLang="en-US" b="1" dirty="0" smtClean="0">
+                <a:solidFill>
+                  <a:schemeClr val="bg1"/>
+                </a:solidFill>
                 <a:latin typeface="楷体" panose="02010609060101010101" pitchFamily="49" charset="-122"/>
                 <a:ea typeface="楷体" panose="02010609060101010101" pitchFamily="49" charset="-122"/>
               </a:rPr>
               <a:t>六合</a:t>
             </a:r>
             <a:endParaRPr lang="zh-CN" altLang="en-US" b="1" dirty="0">
+              <a:solidFill>
+                <a:schemeClr val="bg1"/>
+              </a:solidFill>
               <a:latin typeface="楷体" panose="02010609060101010101" pitchFamily="49" charset="-122"/>
               <a:ea typeface="楷体" panose="02010609060101010101" pitchFamily="49" charset="-122"/>
             </a:endParaRPr>
@@ -3700,7 +3709,7 @@
         <p:spPr>
           <a:xfrm>
             <a:off x="5901907" y="306390"/>
-            <a:ext cx="5493812" cy="369332"/>
+            <a:ext cx="6120586" cy="400110"/>
           </a:xfrm>
           <a:prstGeom prst="rect">
             <a:avLst/>
@@ -3713,7 +3722,7 @@
           <a:lstStyle/>
           <a:p>
             <a:r>
-              <a:rPr lang="zh-CN" altLang="en-US" b="1" dirty="0">
+              <a:rPr lang="zh-CN" altLang="en-US" sz="2000" b="1" dirty="0">
                 <a:latin typeface="楷体" panose="02010609060101010101" pitchFamily="49" charset="-122"/>
                 <a:ea typeface="楷体" panose="02010609060101010101" pitchFamily="49" charset="-122"/>
               </a:rPr>
@@ -3731,7 +3740,7 @@
         <p:spPr>
           <a:xfrm>
             <a:off x="5901907" y="945451"/>
-            <a:ext cx="6096000" cy="646331"/>
+            <a:ext cx="6096000" cy="707886"/>
           </a:xfrm>
           <a:prstGeom prst="rect">
             <a:avLst/>
@@ -3744,40 +3753,40 @@
           <a:lstStyle/>
           <a:p>
             <a:r>
-              <a:rPr lang="zh-CN" altLang="en-US" b="1" dirty="0">
+              <a:rPr lang="zh-CN" altLang="en-US" sz="2000" b="1" dirty="0">
                 <a:latin typeface="楷体" panose="02010609060101010101" pitchFamily="49" charset="-122"/>
                 <a:ea typeface="楷体" panose="02010609060101010101" pitchFamily="49" charset="-122"/>
               </a:rPr>
               <a:t>丑子六合土，寅亥 木，卯戌 火，辰酉 金，巳申 水 </a:t>
             </a:r>
-            <a:endParaRPr lang="en-US" altLang="zh-CN" b="1" dirty="0" smtClean="0">
+            <a:endParaRPr lang="en-US" altLang="zh-CN" sz="2000" b="1" dirty="0" smtClean="0">
               <a:latin typeface="楷体" panose="02010609060101010101" pitchFamily="49" charset="-122"/>
               <a:ea typeface="楷体" panose="02010609060101010101" pitchFamily="49" charset="-122"/>
             </a:endParaRPr>
           </a:p>
           <a:p>
             <a:r>
-              <a:rPr lang="zh-CN" altLang="en-US" b="1" dirty="0" smtClean="0">
+              <a:rPr lang="zh-CN" altLang="en-US" sz="2000" b="1" dirty="0" smtClean="0">
                 <a:latin typeface="楷体" panose="02010609060101010101" pitchFamily="49" charset="-122"/>
                 <a:ea typeface="楷体" panose="02010609060101010101" pitchFamily="49" charset="-122"/>
               </a:rPr>
               <a:t>午</a:t>
             </a:r>
             <a:r>
-              <a:rPr lang="zh-CN" altLang="en-US" b="1" dirty="0">
+              <a:rPr lang="zh-CN" altLang="en-US" sz="2000" b="1" dirty="0">
                 <a:latin typeface="楷体" panose="02010609060101010101" pitchFamily="49" charset="-122"/>
                 <a:ea typeface="楷体" panose="02010609060101010101" pitchFamily="49" charset="-122"/>
               </a:rPr>
               <a:t>未六合</a:t>
             </a:r>
             <a:r>
-              <a:rPr lang="zh-CN" altLang="en-US" b="1" dirty="0" smtClean="0">
+              <a:rPr lang="zh-CN" altLang="en-US" sz="2000" b="1" dirty="0" smtClean="0">
                 <a:latin typeface="楷体" panose="02010609060101010101" pitchFamily="49" charset="-122"/>
                 <a:ea typeface="楷体" panose="02010609060101010101" pitchFamily="49" charset="-122"/>
               </a:rPr>
               <a:t>日月</a:t>
             </a:r>
-            <a:endParaRPr lang="zh-CN" altLang="en-US" b="1" dirty="0">
+            <a:endParaRPr lang="zh-CN" altLang="en-US" sz="2000" b="1" dirty="0">
               <a:latin typeface="楷体" panose="02010609060101010101" pitchFamily="49" charset="-122"/>
               <a:ea typeface="楷体" panose="02010609060101010101" pitchFamily="49" charset="-122"/>
             </a:endParaRPr>
@@ -3793,7 +3802,7 @@
         <p:spPr>
           <a:xfrm>
             <a:off x="5694868" y="4905661"/>
-            <a:ext cx="6096000" cy="1477328"/>
+            <a:ext cx="6096000" cy="1631216"/>
           </a:xfrm>
           <a:prstGeom prst="rect">
             <a:avLst/>
@@ -3806,7 +3815,7 @@
           <a:lstStyle/>
           <a:p>
             <a:r>
-              <a:rPr lang="zh-CN" altLang="en-US" b="1" dirty="0">
+              <a:rPr lang="zh-CN" altLang="en-US" sz="2000" b="1" dirty="0">
                 <a:latin typeface="楷体" panose="02010609060101010101" pitchFamily="49" charset="-122"/>
                 <a:ea typeface="楷体" panose="02010609060101010101" pitchFamily="49" charset="-122"/>
               </a:rPr>
@@ -3815,21 +3824,21 @@
           </a:p>
           <a:p>
             <a:r>
-              <a:rPr lang="zh-CN" altLang="en-US" b="1" dirty="0">
+              <a:rPr lang="zh-CN" altLang="en-US" sz="2000" b="1" dirty="0">
                 <a:latin typeface="楷体" panose="02010609060101010101" pitchFamily="49" charset="-122"/>
                 <a:ea typeface="楷体" panose="02010609060101010101" pitchFamily="49" charset="-122"/>
               </a:rPr>
               <a:t>火	寅	午	戌	</a:t>
             </a:r>
             <a:r>
-              <a:rPr lang="zh-CN" altLang="en-US" b="1" dirty="0" smtClean="0">
+              <a:rPr lang="zh-CN" altLang="en-US" sz="2000" b="1" dirty="0" smtClean="0">
                 <a:latin typeface="楷体" panose="02010609060101010101" pitchFamily="49" charset="-122"/>
                 <a:ea typeface="楷体" panose="02010609060101010101" pitchFamily="49" charset="-122"/>
               </a:rPr>
               <a:t>火</a:t>
             </a:r>
             <a:r>
-              <a:rPr lang="zh-CN" altLang="en-US" b="1" dirty="0">
+              <a:rPr lang="zh-CN" altLang="en-US" sz="2000" b="1" dirty="0">
                 <a:latin typeface="楷体" panose="02010609060101010101" pitchFamily="49" charset="-122"/>
                 <a:ea typeface="楷体" panose="02010609060101010101" pitchFamily="49" charset="-122"/>
               </a:rPr>
@@ -3838,21 +3847,21 @@
           </a:p>
           <a:p>
             <a:r>
-              <a:rPr lang="zh-CN" altLang="en-US" b="1" dirty="0">
+              <a:rPr lang="zh-CN" altLang="en-US" sz="2000" b="1" dirty="0">
                 <a:latin typeface="楷体" panose="02010609060101010101" pitchFamily="49" charset="-122"/>
                 <a:ea typeface="楷体" panose="02010609060101010101" pitchFamily="49" charset="-122"/>
               </a:rPr>
               <a:t>金	巳	酉	丑	</a:t>
             </a:r>
             <a:r>
-              <a:rPr lang="zh-CN" altLang="en-US" b="1" dirty="0" smtClean="0">
+              <a:rPr lang="zh-CN" altLang="en-US" sz="2000" b="1" dirty="0" smtClean="0">
                 <a:latin typeface="楷体" panose="02010609060101010101" pitchFamily="49" charset="-122"/>
                 <a:ea typeface="楷体" panose="02010609060101010101" pitchFamily="49" charset="-122"/>
               </a:rPr>
               <a:t>金</a:t>
             </a:r>
             <a:r>
-              <a:rPr lang="zh-CN" altLang="en-US" b="1" dirty="0">
+              <a:rPr lang="zh-CN" altLang="en-US" sz="2000" b="1" dirty="0">
                 <a:latin typeface="楷体" panose="02010609060101010101" pitchFamily="49" charset="-122"/>
                 <a:ea typeface="楷体" panose="02010609060101010101" pitchFamily="49" charset="-122"/>
               </a:rPr>
@@ -3861,7 +3870,7 @@
           </a:p>
           <a:p>
             <a:r>
-              <a:rPr lang="zh-CN" altLang="en-US" b="1" dirty="0">
+              <a:rPr lang="zh-CN" altLang="en-US" sz="2000" b="1" dirty="0">
                 <a:latin typeface="楷体" panose="02010609060101010101" pitchFamily="49" charset="-122"/>
                 <a:ea typeface="楷体" panose="02010609060101010101" pitchFamily="49" charset="-122"/>
               </a:rPr>
@@ -3870,7 +3879,7 @@
           </a:p>
           <a:p>
             <a:r>
-              <a:rPr lang="zh-CN" altLang="en-US" b="1" dirty="0">
+              <a:rPr lang="zh-CN" altLang="en-US" sz="2000" b="1" dirty="0">
                 <a:latin typeface="楷体" panose="02010609060101010101" pitchFamily="49" charset="-122"/>
                 <a:ea typeface="楷体" panose="02010609060101010101" pitchFamily="49" charset="-122"/>
               </a:rPr>
@@ -3888,7 +3897,7 @@
         <p:spPr>
           <a:xfrm>
             <a:off x="6169326" y="2208558"/>
-            <a:ext cx="6096000" cy="1200329"/>
+            <a:ext cx="6096000" cy="1323439"/>
           </a:xfrm>
           <a:prstGeom prst="rect">
             <a:avLst/>
@@ -3901,41 +3910,41 @@
           <a:lstStyle/>
           <a:p>
             <a:r>
-              <a:rPr lang="zh-CN" altLang="en-US" b="1" dirty="0">
+              <a:rPr lang="zh-CN" altLang="en-US" sz="2000" b="1" dirty="0">
                 <a:latin typeface="楷体" panose="02010609060101010101" pitchFamily="49" charset="-122"/>
                 <a:ea typeface="楷体" panose="02010609060101010101" pitchFamily="49" charset="-122"/>
               </a:rPr>
               <a:t>进神：亥化子，寅化卯，巳化午，申化酉，丑化辰</a:t>
             </a:r>
             <a:r>
-              <a:rPr lang="zh-CN" altLang="en-US" b="1" dirty="0" smtClean="0">
+              <a:rPr lang="zh-CN" altLang="en-US" sz="2000" b="1" dirty="0" smtClean="0">
                 <a:latin typeface="楷体" panose="02010609060101010101" pitchFamily="49" charset="-122"/>
                 <a:ea typeface="楷体" panose="02010609060101010101" pitchFamily="49" charset="-122"/>
               </a:rPr>
               <a:t>，</a:t>
             </a:r>
-            <a:endParaRPr lang="en-US" altLang="zh-CN" b="1" dirty="0" smtClean="0">
+            <a:endParaRPr lang="en-US" altLang="zh-CN" sz="2000" b="1" dirty="0" smtClean="0">
               <a:latin typeface="楷体" panose="02010609060101010101" pitchFamily="49" charset="-122"/>
               <a:ea typeface="楷体" panose="02010609060101010101" pitchFamily="49" charset="-122"/>
             </a:endParaRPr>
           </a:p>
           <a:p>
             <a:r>
-              <a:rPr lang="en-US" altLang="zh-CN" b="1" dirty="0" smtClean="0">
+              <a:rPr lang="en-US" altLang="zh-CN" sz="2000" b="1" dirty="0" smtClean="0">
                 <a:latin typeface="楷体" panose="02010609060101010101" pitchFamily="49" charset="-122"/>
                 <a:ea typeface="楷体" panose="02010609060101010101" pitchFamily="49" charset="-122"/>
               </a:rPr>
               <a:t>	</a:t>
             </a:r>
             <a:r>
-              <a:rPr lang="zh-CN" altLang="en-US" b="1" dirty="0" smtClean="0">
+              <a:rPr lang="zh-CN" altLang="en-US" sz="2000" b="1" dirty="0" smtClean="0">
                 <a:latin typeface="楷体" panose="02010609060101010101" pitchFamily="49" charset="-122"/>
                 <a:ea typeface="楷体" panose="02010609060101010101" pitchFamily="49" charset="-122"/>
               </a:rPr>
               <a:t>辰化未</a:t>
             </a:r>
             <a:r>
-              <a:rPr lang="zh-CN" altLang="en-US" b="1" dirty="0">
+              <a:rPr lang="zh-CN" altLang="en-US" sz="2000" b="1" dirty="0">
                 <a:latin typeface="楷体" panose="02010609060101010101" pitchFamily="49" charset="-122"/>
                 <a:ea typeface="楷体" panose="02010609060101010101" pitchFamily="49" charset="-122"/>
               </a:rPr>
@@ -3944,41 +3953,41 @@
           </a:p>
           <a:p>
             <a:r>
-              <a:rPr lang="zh-CN" altLang="en-US" b="1" dirty="0">
+              <a:rPr lang="zh-CN" altLang="en-US" sz="2000" b="1" dirty="0">
                 <a:latin typeface="楷体" panose="02010609060101010101" pitchFamily="49" charset="-122"/>
                 <a:ea typeface="楷体" panose="02010609060101010101" pitchFamily="49" charset="-122"/>
               </a:rPr>
               <a:t>退神：子化亥，卯化寅，午化巳，酉化申，辰化丑</a:t>
             </a:r>
             <a:r>
-              <a:rPr lang="zh-CN" altLang="en-US" b="1" dirty="0" smtClean="0">
+              <a:rPr lang="zh-CN" altLang="en-US" sz="2000" b="1" dirty="0" smtClean="0">
                 <a:latin typeface="楷体" panose="02010609060101010101" pitchFamily="49" charset="-122"/>
                 <a:ea typeface="楷体" panose="02010609060101010101" pitchFamily="49" charset="-122"/>
               </a:rPr>
               <a:t>，</a:t>
             </a:r>
-            <a:endParaRPr lang="en-US" altLang="zh-CN" b="1" dirty="0" smtClean="0">
+            <a:endParaRPr lang="en-US" altLang="zh-CN" sz="2000" b="1" dirty="0" smtClean="0">
               <a:latin typeface="楷体" panose="02010609060101010101" pitchFamily="49" charset="-122"/>
               <a:ea typeface="楷体" panose="02010609060101010101" pitchFamily="49" charset="-122"/>
             </a:endParaRPr>
           </a:p>
           <a:p>
             <a:r>
-              <a:rPr lang="en-US" altLang="zh-CN" b="1" dirty="0">
+              <a:rPr lang="en-US" altLang="zh-CN" sz="2000" b="1" dirty="0">
                 <a:latin typeface="楷体" panose="02010609060101010101" pitchFamily="49" charset="-122"/>
                 <a:ea typeface="楷体" panose="02010609060101010101" pitchFamily="49" charset="-122"/>
               </a:rPr>
               <a:t>	</a:t>
             </a:r>
             <a:r>
-              <a:rPr lang="zh-CN" altLang="en-US" b="1" dirty="0" smtClean="0">
+              <a:rPr lang="zh-CN" altLang="en-US" sz="2000" b="1" dirty="0" smtClean="0">
                 <a:latin typeface="楷体" panose="02010609060101010101" pitchFamily="49" charset="-122"/>
                 <a:ea typeface="楷体" panose="02010609060101010101" pitchFamily="49" charset="-122"/>
               </a:rPr>
               <a:t>未</a:t>
             </a:r>
             <a:r>
-              <a:rPr lang="zh-CN" altLang="en-US" b="1" dirty="0">
+              <a:rPr lang="zh-CN" altLang="en-US" sz="2000" b="1" dirty="0">
                 <a:latin typeface="楷体" panose="02010609060101010101" pitchFamily="49" charset="-122"/>
                 <a:ea typeface="楷体" panose="02010609060101010101" pitchFamily="49" charset="-122"/>
               </a:rPr>
@@ -3996,7 +4005,7 @@
         <p:spPr>
           <a:xfrm>
             <a:off x="6411502" y="3876256"/>
-            <a:ext cx="3323346" cy="369332"/>
+            <a:ext cx="3669594" cy="400110"/>
           </a:xfrm>
           <a:prstGeom prst="rect">
             <a:avLst/>
@@ -4009,7 +4018,7 @@
           <a:lstStyle/>
           <a:p>
             <a:r>
-              <a:rPr lang="zh-CN" altLang="en-US" b="1" dirty="0">
+              <a:rPr lang="zh-CN" altLang="en-US" sz="2000" b="1" dirty="0">
                 <a:latin typeface="楷体" panose="02010609060101010101" pitchFamily="49" charset="-122"/>
                 <a:ea typeface="楷体" panose="02010609060101010101" pitchFamily="49" charset="-122"/>
               </a:rPr>

--- a/prophecy/学魔法.pptx
+++ b/prophecy/学魔法.pptx
@@ -11,6 +11,8 @@
     <p:sldId id="258" r:id="rId5"/>
     <p:sldId id="259" r:id="rId6"/>
     <p:sldId id="261" r:id="rId7"/>
+    <p:sldId id="262" r:id="rId8"/>
+    <p:sldId id="263" r:id="rId9"/>
   </p:sldIdLst>
   <p:sldSz cx="12192000" cy="6858000"/>
   <p:notesSz cx="6858000" cy="9144000"/>
@@ -248,7 +250,7 @@
           <a:p>
             <a:fld id="{D158A3A6-BB24-48D8-87E0-EE8C50041EAA}" type="datetimeFigureOut">
               <a:rPr lang="zh-CN" altLang="en-US" smtClean="0"/>
-              <a:t>2022/11/29</a:t>
+              <a:t>2022/12/11</a:t>
             </a:fld>
             <a:endParaRPr lang="zh-CN" altLang="en-US"/>
           </a:p>
@@ -418,7 +420,7 @@
           <a:p>
             <a:fld id="{D158A3A6-BB24-48D8-87E0-EE8C50041EAA}" type="datetimeFigureOut">
               <a:rPr lang="zh-CN" altLang="en-US" smtClean="0"/>
-              <a:t>2022/11/29</a:t>
+              <a:t>2022/12/11</a:t>
             </a:fld>
             <a:endParaRPr lang="zh-CN" altLang="en-US"/>
           </a:p>
@@ -598,7 +600,7 @@
           <a:p>
             <a:fld id="{D158A3A6-BB24-48D8-87E0-EE8C50041EAA}" type="datetimeFigureOut">
               <a:rPr lang="zh-CN" altLang="en-US" smtClean="0"/>
-              <a:t>2022/11/29</a:t>
+              <a:t>2022/12/11</a:t>
             </a:fld>
             <a:endParaRPr lang="zh-CN" altLang="en-US"/>
           </a:p>
@@ -768,7 +770,7 @@
           <a:p>
             <a:fld id="{D158A3A6-BB24-48D8-87E0-EE8C50041EAA}" type="datetimeFigureOut">
               <a:rPr lang="zh-CN" altLang="en-US" smtClean="0"/>
-              <a:t>2022/11/29</a:t>
+              <a:t>2022/12/11</a:t>
             </a:fld>
             <a:endParaRPr lang="zh-CN" altLang="en-US"/>
           </a:p>
@@ -1014,7 +1016,7 @@
           <a:p>
             <a:fld id="{D158A3A6-BB24-48D8-87E0-EE8C50041EAA}" type="datetimeFigureOut">
               <a:rPr lang="zh-CN" altLang="en-US" smtClean="0"/>
-              <a:t>2022/11/29</a:t>
+              <a:t>2022/12/11</a:t>
             </a:fld>
             <a:endParaRPr lang="zh-CN" altLang="en-US"/>
           </a:p>
@@ -1246,7 +1248,7 @@
           <a:p>
             <a:fld id="{D158A3A6-BB24-48D8-87E0-EE8C50041EAA}" type="datetimeFigureOut">
               <a:rPr lang="zh-CN" altLang="en-US" smtClean="0"/>
-              <a:t>2022/11/29</a:t>
+              <a:t>2022/12/11</a:t>
             </a:fld>
             <a:endParaRPr lang="zh-CN" altLang="en-US"/>
           </a:p>
@@ -1613,7 +1615,7 @@
           <a:p>
             <a:fld id="{D158A3A6-BB24-48D8-87E0-EE8C50041EAA}" type="datetimeFigureOut">
               <a:rPr lang="zh-CN" altLang="en-US" smtClean="0"/>
-              <a:t>2022/11/29</a:t>
+              <a:t>2022/12/11</a:t>
             </a:fld>
             <a:endParaRPr lang="zh-CN" altLang="en-US"/>
           </a:p>
@@ -1731,7 +1733,7 @@
           <a:p>
             <a:fld id="{D158A3A6-BB24-48D8-87E0-EE8C50041EAA}" type="datetimeFigureOut">
               <a:rPr lang="zh-CN" altLang="en-US" smtClean="0"/>
-              <a:t>2022/11/29</a:t>
+              <a:t>2022/12/11</a:t>
             </a:fld>
             <a:endParaRPr lang="zh-CN" altLang="en-US"/>
           </a:p>
@@ -1826,7 +1828,7 @@
           <a:p>
             <a:fld id="{D158A3A6-BB24-48D8-87E0-EE8C50041EAA}" type="datetimeFigureOut">
               <a:rPr lang="zh-CN" altLang="en-US" smtClean="0"/>
-              <a:t>2022/11/29</a:t>
+              <a:t>2022/12/11</a:t>
             </a:fld>
             <a:endParaRPr lang="zh-CN" altLang="en-US"/>
           </a:p>
@@ -2103,7 +2105,7 @@
           <a:p>
             <a:fld id="{D158A3A6-BB24-48D8-87E0-EE8C50041EAA}" type="datetimeFigureOut">
               <a:rPr lang="zh-CN" altLang="en-US" smtClean="0"/>
-              <a:t>2022/11/29</a:t>
+              <a:t>2022/12/11</a:t>
             </a:fld>
             <a:endParaRPr lang="zh-CN" altLang="en-US"/>
           </a:p>
@@ -2356,7 +2358,7 @@
           <a:p>
             <a:fld id="{D158A3A6-BB24-48D8-87E0-EE8C50041EAA}" type="datetimeFigureOut">
               <a:rPr lang="zh-CN" altLang="en-US" smtClean="0"/>
-              <a:t>2022/11/29</a:t>
+              <a:t>2022/12/11</a:t>
             </a:fld>
             <a:endParaRPr lang="zh-CN" altLang="en-US"/>
           </a:p>
@@ -2569,7 +2571,7 @@
           <a:p>
             <a:fld id="{D158A3A6-BB24-48D8-87E0-EE8C50041EAA}" type="datetimeFigureOut">
               <a:rPr lang="zh-CN" altLang="en-US" smtClean="0"/>
-              <a:t>2022/11/29</a:t>
+              <a:t>2022/12/11</a:t>
             </a:fld>
             <a:endParaRPr lang="zh-CN" altLang="en-US"/>
           </a:p>
@@ -3582,7 +3584,7 @@
         </p:nvSpPr>
         <p:spPr>
           <a:xfrm>
-            <a:off x="-18861" y="-28833"/>
+            <a:off x="2968655" y="1749567"/>
             <a:ext cx="992579" cy="369332"/>
           </a:xfrm>
           <a:prstGeom prst="rect">
@@ -8610,6 +8612,2724 @@
     <p:extLst>
       <p:ext uri="{BB962C8B-B14F-4D97-AF65-F5344CB8AC3E}">
         <p14:creationId xmlns:p14="http://schemas.microsoft.com/office/powerpoint/2010/main" val="2236229099"/>
+      </p:ext>
+    </p:extLst>
+  </p:cSld>
+  <p:clrMapOvr>
+    <a:masterClrMapping/>
+  </p:clrMapOvr>
+</p:sld>
+</file>
+
+<file path=ppt/slides/slide7.xml><?xml version="1.0" encoding="utf-8"?>
+<p:sld xmlns:a="http://schemas.openxmlformats.org/drawingml/2006/main" xmlns:r="http://schemas.openxmlformats.org/officeDocument/2006/relationships" xmlns:p="http://schemas.openxmlformats.org/presentationml/2006/main">
+  <p:cSld>
+    <p:spTree>
+      <p:nvGrpSpPr>
+        <p:cNvPr id="1" name=""/>
+        <p:cNvGrpSpPr/>
+        <p:nvPr/>
+      </p:nvGrpSpPr>
+      <p:grpSpPr>
+        <a:xfrm>
+          <a:off x="0" y="0"/>
+          <a:ext cx="0" cy="0"/>
+          <a:chOff x="0" y="0"/>
+          <a:chExt cx="0" cy="0"/>
+        </a:xfrm>
+      </p:grpSpPr>
+      <p:sp>
+        <p:nvSpPr>
+          <p:cNvPr id="27" name="椭圆 26"/>
+          <p:cNvSpPr/>
+          <p:nvPr/>
+        </p:nvSpPr>
+        <p:spPr>
+          <a:xfrm>
+            <a:off x="5164349" y="307591"/>
+            <a:ext cx="534838" cy="534838"/>
+          </a:xfrm>
+          <a:prstGeom prst="ellipse">
+            <a:avLst/>
+          </a:prstGeom>
+        </p:spPr>
+        <p:style>
+          <a:lnRef idx="2">
+            <a:schemeClr val="accent1">
+              <a:shade val="50000"/>
+            </a:schemeClr>
+          </a:lnRef>
+          <a:fillRef idx="1">
+            <a:schemeClr val="accent1"/>
+          </a:fillRef>
+          <a:effectRef idx="0">
+            <a:schemeClr val="accent1"/>
+          </a:effectRef>
+          <a:fontRef idx="minor">
+            <a:schemeClr val="lt1"/>
+          </a:fontRef>
+        </p:style>
+        <p:txBody>
+          <a:bodyPr rtlCol="0" anchor="ctr"/>
+          <a:lstStyle/>
+          <a:p>
+            <a:pPr algn="ctr"/>
+            <a:r>
+              <a:rPr lang="zh-CN" altLang="en-US" b="1" dirty="0" smtClean="0">
+                <a:latin typeface="楷体" panose="02010609060101010101" pitchFamily="49" charset="-122"/>
+                <a:ea typeface="楷体" panose="02010609060101010101" pitchFamily="49" charset="-122"/>
+              </a:rPr>
+              <a:t>子</a:t>
+            </a:r>
+            <a:endParaRPr lang="zh-CN" altLang="en-US" b="1" dirty="0">
+              <a:latin typeface="楷体" panose="02010609060101010101" pitchFamily="49" charset="-122"/>
+              <a:ea typeface="楷体" panose="02010609060101010101" pitchFamily="49" charset="-122"/>
+            </a:endParaRPr>
+          </a:p>
+        </p:txBody>
+      </p:sp>
+      <p:sp>
+        <p:nvSpPr>
+          <p:cNvPr id="28" name="椭圆 27"/>
+          <p:cNvSpPr/>
+          <p:nvPr/>
+        </p:nvSpPr>
+        <p:spPr>
+          <a:xfrm>
+            <a:off x="6563981" y="759676"/>
+            <a:ext cx="534838" cy="534838"/>
+          </a:xfrm>
+          <a:prstGeom prst="ellipse">
+            <a:avLst/>
+          </a:prstGeom>
+        </p:spPr>
+        <p:style>
+          <a:lnRef idx="2">
+            <a:schemeClr val="accent1">
+              <a:shade val="50000"/>
+            </a:schemeClr>
+          </a:lnRef>
+          <a:fillRef idx="1">
+            <a:schemeClr val="accent1"/>
+          </a:fillRef>
+          <a:effectRef idx="0">
+            <a:schemeClr val="accent1"/>
+          </a:effectRef>
+          <a:fontRef idx="minor">
+            <a:schemeClr val="lt1"/>
+          </a:fontRef>
+        </p:style>
+        <p:txBody>
+          <a:bodyPr rtlCol="0" anchor="ctr"/>
+          <a:lstStyle/>
+          <a:p>
+            <a:pPr algn="ctr"/>
+            <a:r>
+              <a:rPr lang="zh-CN" altLang="en-US" b="1" dirty="0" smtClean="0">
+                <a:latin typeface="楷体" panose="02010609060101010101" pitchFamily="49" charset="-122"/>
+                <a:ea typeface="楷体" panose="02010609060101010101" pitchFamily="49" charset="-122"/>
+              </a:rPr>
+              <a:t>丑</a:t>
+            </a:r>
+            <a:endParaRPr lang="zh-CN" altLang="en-US" b="1" dirty="0">
+              <a:latin typeface="楷体" panose="02010609060101010101" pitchFamily="49" charset="-122"/>
+              <a:ea typeface="楷体" panose="02010609060101010101" pitchFamily="49" charset="-122"/>
+            </a:endParaRPr>
+          </a:p>
+        </p:txBody>
+      </p:sp>
+      <p:sp>
+        <p:nvSpPr>
+          <p:cNvPr id="29" name="椭圆 28"/>
+          <p:cNvSpPr/>
+          <p:nvPr/>
+        </p:nvSpPr>
+        <p:spPr>
+          <a:xfrm>
+            <a:off x="7571119" y="1735267"/>
+            <a:ext cx="534838" cy="534838"/>
+          </a:xfrm>
+          <a:prstGeom prst="ellipse">
+            <a:avLst/>
+          </a:prstGeom>
+        </p:spPr>
+        <p:style>
+          <a:lnRef idx="2">
+            <a:schemeClr val="accent1">
+              <a:shade val="50000"/>
+            </a:schemeClr>
+          </a:lnRef>
+          <a:fillRef idx="1">
+            <a:schemeClr val="accent1"/>
+          </a:fillRef>
+          <a:effectRef idx="0">
+            <a:schemeClr val="accent1"/>
+          </a:effectRef>
+          <a:fontRef idx="minor">
+            <a:schemeClr val="lt1"/>
+          </a:fontRef>
+        </p:style>
+        <p:txBody>
+          <a:bodyPr rtlCol="0" anchor="ctr"/>
+          <a:lstStyle/>
+          <a:p>
+            <a:pPr algn="ctr"/>
+            <a:r>
+              <a:rPr lang="zh-CN" altLang="en-US" b="1" dirty="0" smtClean="0">
+                <a:latin typeface="楷体" panose="02010609060101010101" pitchFamily="49" charset="-122"/>
+                <a:ea typeface="楷体" panose="02010609060101010101" pitchFamily="49" charset="-122"/>
+              </a:rPr>
+              <a:t>寅</a:t>
+            </a:r>
+            <a:endParaRPr lang="zh-CN" altLang="en-US" b="1" dirty="0">
+              <a:latin typeface="楷体" panose="02010609060101010101" pitchFamily="49" charset="-122"/>
+              <a:ea typeface="楷体" panose="02010609060101010101" pitchFamily="49" charset="-122"/>
+            </a:endParaRPr>
+          </a:p>
+        </p:txBody>
+      </p:sp>
+      <p:sp>
+        <p:nvSpPr>
+          <p:cNvPr id="30" name="椭圆 29"/>
+          <p:cNvSpPr/>
+          <p:nvPr/>
+        </p:nvSpPr>
+        <p:spPr>
+          <a:xfrm>
+            <a:off x="7868730" y="2981779"/>
+            <a:ext cx="534838" cy="534838"/>
+          </a:xfrm>
+          <a:prstGeom prst="ellipse">
+            <a:avLst/>
+          </a:prstGeom>
+        </p:spPr>
+        <p:style>
+          <a:lnRef idx="2">
+            <a:schemeClr val="accent1">
+              <a:shade val="50000"/>
+            </a:schemeClr>
+          </a:lnRef>
+          <a:fillRef idx="1">
+            <a:schemeClr val="accent1"/>
+          </a:fillRef>
+          <a:effectRef idx="0">
+            <a:schemeClr val="accent1"/>
+          </a:effectRef>
+          <a:fontRef idx="minor">
+            <a:schemeClr val="lt1"/>
+          </a:fontRef>
+        </p:style>
+        <p:txBody>
+          <a:bodyPr rtlCol="0" anchor="ctr"/>
+          <a:lstStyle/>
+          <a:p>
+            <a:pPr algn="ctr"/>
+            <a:r>
+              <a:rPr lang="zh-CN" altLang="en-US" b="1" dirty="0" smtClean="0">
+                <a:latin typeface="楷体" panose="02010609060101010101" pitchFamily="49" charset="-122"/>
+                <a:ea typeface="楷体" panose="02010609060101010101" pitchFamily="49" charset="-122"/>
+              </a:rPr>
+              <a:t>卯</a:t>
+            </a:r>
+            <a:endParaRPr lang="zh-CN" altLang="en-US" b="1" dirty="0">
+              <a:latin typeface="楷体" panose="02010609060101010101" pitchFamily="49" charset="-122"/>
+              <a:ea typeface="楷体" panose="02010609060101010101" pitchFamily="49" charset="-122"/>
+            </a:endParaRPr>
+          </a:p>
+        </p:txBody>
+      </p:sp>
+      <p:sp>
+        <p:nvSpPr>
+          <p:cNvPr id="31" name="椭圆 30"/>
+          <p:cNvSpPr/>
+          <p:nvPr/>
+        </p:nvSpPr>
+        <p:spPr>
+          <a:xfrm>
+            <a:off x="7571119" y="4262803"/>
+            <a:ext cx="534838" cy="534838"/>
+          </a:xfrm>
+          <a:prstGeom prst="ellipse">
+            <a:avLst/>
+          </a:prstGeom>
+        </p:spPr>
+        <p:style>
+          <a:lnRef idx="2">
+            <a:schemeClr val="accent1">
+              <a:shade val="50000"/>
+            </a:schemeClr>
+          </a:lnRef>
+          <a:fillRef idx="1">
+            <a:schemeClr val="accent1"/>
+          </a:fillRef>
+          <a:effectRef idx="0">
+            <a:schemeClr val="accent1"/>
+          </a:effectRef>
+          <a:fontRef idx="minor">
+            <a:schemeClr val="lt1"/>
+          </a:fontRef>
+        </p:style>
+        <p:txBody>
+          <a:bodyPr rtlCol="0" anchor="ctr"/>
+          <a:lstStyle/>
+          <a:p>
+            <a:pPr algn="ctr"/>
+            <a:r>
+              <a:rPr lang="zh-CN" altLang="en-US" b="1" dirty="0" smtClean="0">
+                <a:latin typeface="楷体" panose="02010609060101010101" pitchFamily="49" charset="-122"/>
+                <a:ea typeface="楷体" panose="02010609060101010101" pitchFamily="49" charset="-122"/>
+              </a:rPr>
+              <a:t>辰</a:t>
+            </a:r>
+            <a:endParaRPr lang="zh-CN" altLang="en-US" b="1" dirty="0">
+              <a:latin typeface="楷体" panose="02010609060101010101" pitchFamily="49" charset="-122"/>
+              <a:ea typeface="楷体" panose="02010609060101010101" pitchFamily="49" charset="-122"/>
+            </a:endParaRPr>
+          </a:p>
+        </p:txBody>
+      </p:sp>
+      <p:sp>
+        <p:nvSpPr>
+          <p:cNvPr id="32" name="椭圆 31"/>
+          <p:cNvSpPr/>
+          <p:nvPr/>
+        </p:nvSpPr>
+        <p:spPr>
+          <a:xfrm>
+            <a:off x="6650249" y="5187976"/>
+            <a:ext cx="534838" cy="534838"/>
+          </a:xfrm>
+          <a:prstGeom prst="ellipse">
+            <a:avLst/>
+          </a:prstGeom>
+        </p:spPr>
+        <p:style>
+          <a:lnRef idx="2">
+            <a:schemeClr val="accent1">
+              <a:shade val="50000"/>
+            </a:schemeClr>
+          </a:lnRef>
+          <a:fillRef idx="1">
+            <a:schemeClr val="accent1"/>
+          </a:fillRef>
+          <a:effectRef idx="0">
+            <a:schemeClr val="accent1"/>
+          </a:effectRef>
+          <a:fontRef idx="minor">
+            <a:schemeClr val="lt1"/>
+          </a:fontRef>
+        </p:style>
+        <p:txBody>
+          <a:bodyPr rtlCol="0" anchor="ctr"/>
+          <a:lstStyle/>
+          <a:p>
+            <a:pPr algn="ctr"/>
+            <a:r>
+              <a:rPr lang="zh-CN" altLang="en-US" b="1" dirty="0" smtClean="0">
+                <a:latin typeface="楷体" panose="02010609060101010101" pitchFamily="49" charset="-122"/>
+                <a:ea typeface="楷体" panose="02010609060101010101" pitchFamily="49" charset="-122"/>
+              </a:rPr>
+              <a:t>巳</a:t>
+            </a:r>
+            <a:endParaRPr lang="zh-CN" altLang="en-US" b="1" dirty="0">
+              <a:latin typeface="楷体" panose="02010609060101010101" pitchFamily="49" charset="-122"/>
+              <a:ea typeface="楷体" panose="02010609060101010101" pitchFamily="49" charset="-122"/>
+            </a:endParaRPr>
+          </a:p>
+        </p:txBody>
+      </p:sp>
+      <p:sp>
+        <p:nvSpPr>
+          <p:cNvPr id="33" name="椭圆 32"/>
+          <p:cNvSpPr/>
+          <p:nvPr/>
+        </p:nvSpPr>
+        <p:spPr>
+          <a:xfrm>
+            <a:off x="5164349" y="5774580"/>
+            <a:ext cx="534838" cy="534838"/>
+          </a:xfrm>
+          <a:prstGeom prst="ellipse">
+            <a:avLst/>
+          </a:prstGeom>
+        </p:spPr>
+        <p:style>
+          <a:lnRef idx="2">
+            <a:schemeClr val="accent1">
+              <a:shade val="50000"/>
+            </a:schemeClr>
+          </a:lnRef>
+          <a:fillRef idx="1">
+            <a:schemeClr val="accent1"/>
+          </a:fillRef>
+          <a:effectRef idx="0">
+            <a:schemeClr val="accent1"/>
+          </a:effectRef>
+          <a:fontRef idx="minor">
+            <a:schemeClr val="lt1"/>
+          </a:fontRef>
+        </p:style>
+        <p:txBody>
+          <a:bodyPr rtlCol="0" anchor="ctr"/>
+          <a:lstStyle/>
+          <a:p>
+            <a:pPr algn="ctr"/>
+            <a:r>
+              <a:rPr lang="zh-CN" altLang="en-US" b="1" dirty="0" smtClean="0">
+                <a:latin typeface="楷体" panose="02010609060101010101" pitchFamily="49" charset="-122"/>
+                <a:ea typeface="楷体" panose="02010609060101010101" pitchFamily="49" charset="-122"/>
+              </a:rPr>
+              <a:t>午</a:t>
+            </a:r>
+            <a:endParaRPr lang="zh-CN" altLang="en-US" b="1" dirty="0">
+              <a:latin typeface="楷体" panose="02010609060101010101" pitchFamily="49" charset="-122"/>
+              <a:ea typeface="楷体" panose="02010609060101010101" pitchFamily="49" charset="-122"/>
+            </a:endParaRPr>
+          </a:p>
+        </p:txBody>
+      </p:sp>
+      <p:sp>
+        <p:nvSpPr>
+          <p:cNvPr id="34" name="椭圆 33"/>
+          <p:cNvSpPr/>
+          <p:nvPr/>
+        </p:nvSpPr>
+        <p:spPr>
+          <a:xfrm>
+            <a:off x="3678450" y="5151322"/>
+            <a:ext cx="534838" cy="534838"/>
+          </a:xfrm>
+          <a:prstGeom prst="ellipse">
+            <a:avLst/>
+          </a:prstGeom>
+        </p:spPr>
+        <p:style>
+          <a:lnRef idx="2">
+            <a:schemeClr val="accent1">
+              <a:shade val="50000"/>
+            </a:schemeClr>
+          </a:lnRef>
+          <a:fillRef idx="1">
+            <a:schemeClr val="accent1"/>
+          </a:fillRef>
+          <a:effectRef idx="0">
+            <a:schemeClr val="accent1"/>
+          </a:effectRef>
+          <a:fontRef idx="minor">
+            <a:schemeClr val="lt1"/>
+          </a:fontRef>
+        </p:style>
+        <p:txBody>
+          <a:bodyPr rtlCol="0" anchor="ctr"/>
+          <a:lstStyle/>
+          <a:p>
+            <a:pPr algn="ctr"/>
+            <a:r>
+              <a:rPr lang="zh-CN" altLang="en-US" b="1" dirty="0" smtClean="0">
+                <a:latin typeface="楷体" panose="02010609060101010101" pitchFamily="49" charset="-122"/>
+                <a:ea typeface="楷体" panose="02010609060101010101" pitchFamily="49" charset="-122"/>
+              </a:rPr>
+              <a:t>未</a:t>
+            </a:r>
+            <a:endParaRPr lang="zh-CN" altLang="en-US" b="1" dirty="0">
+              <a:latin typeface="楷体" panose="02010609060101010101" pitchFamily="49" charset="-122"/>
+              <a:ea typeface="楷体" panose="02010609060101010101" pitchFamily="49" charset="-122"/>
+            </a:endParaRPr>
+          </a:p>
+        </p:txBody>
+      </p:sp>
+      <p:sp>
+        <p:nvSpPr>
+          <p:cNvPr id="35" name="椭圆 34"/>
+          <p:cNvSpPr/>
+          <p:nvPr/>
+        </p:nvSpPr>
+        <p:spPr>
+          <a:xfrm>
+            <a:off x="2817967" y="4228291"/>
+            <a:ext cx="534838" cy="534838"/>
+          </a:xfrm>
+          <a:prstGeom prst="ellipse">
+            <a:avLst/>
+          </a:prstGeom>
+        </p:spPr>
+        <p:style>
+          <a:lnRef idx="2">
+            <a:schemeClr val="accent1">
+              <a:shade val="50000"/>
+            </a:schemeClr>
+          </a:lnRef>
+          <a:fillRef idx="1">
+            <a:schemeClr val="accent1"/>
+          </a:fillRef>
+          <a:effectRef idx="0">
+            <a:schemeClr val="accent1"/>
+          </a:effectRef>
+          <a:fontRef idx="minor">
+            <a:schemeClr val="lt1"/>
+          </a:fontRef>
+        </p:style>
+        <p:txBody>
+          <a:bodyPr rtlCol="0" anchor="ctr"/>
+          <a:lstStyle/>
+          <a:p>
+            <a:pPr algn="ctr"/>
+            <a:r>
+              <a:rPr lang="zh-CN" altLang="en-US" b="1" dirty="0" smtClean="0">
+                <a:latin typeface="楷体" panose="02010609060101010101" pitchFamily="49" charset="-122"/>
+                <a:ea typeface="楷体" panose="02010609060101010101" pitchFamily="49" charset="-122"/>
+              </a:rPr>
+              <a:t>申</a:t>
+            </a:r>
+            <a:endParaRPr lang="zh-CN" altLang="en-US" b="1" dirty="0">
+              <a:latin typeface="楷体" panose="02010609060101010101" pitchFamily="49" charset="-122"/>
+              <a:ea typeface="楷体" panose="02010609060101010101" pitchFamily="49" charset="-122"/>
+            </a:endParaRPr>
+          </a:p>
+        </p:txBody>
+      </p:sp>
+      <p:sp>
+        <p:nvSpPr>
+          <p:cNvPr id="36" name="椭圆 35"/>
+          <p:cNvSpPr/>
+          <p:nvPr/>
+        </p:nvSpPr>
+        <p:spPr>
+          <a:xfrm>
+            <a:off x="2459969" y="2981779"/>
+            <a:ext cx="534838" cy="534838"/>
+          </a:xfrm>
+          <a:prstGeom prst="ellipse">
+            <a:avLst/>
+          </a:prstGeom>
+        </p:spPr>
+        <p:style>
+          <a:lnRef idx="2">
+            <a:schemeClr val="accent1">
+              <a:shade val="50000"/>
+            </a:schemeClr>
+          </a:lnRef>
+          <a:fillRef idx="1">
+            <a:schemeClr val="accent1"/>
+          </a:fillRef>
+          <a:effectRef idx="0">
+            <a:schemeClr val="accent1"/>
+          </a:effectRef>
+          <a:fontRef idx="minor">
+            <a:schemeClr val="lt1"/>
+          </a:fontRef>
+        </p:style>
+        <p:txBody>
+          <a:bodyPr rtlCol="0" anchor="ctr"/>
+          <a:lstStyle/>
+          <a:p>
+            <a:pPr algn="ctr"/>
+            <a:r>
+              <a:rPr lang="zh-CN" altLang="en-US" b="1" dirty="0" smtClean="0">
+                <a:latin typeface="楷体" panose="02010609060101010101" pitchFamily="49" charset="-122"/>
+                <a:ea typeface="楷体" panose="02010609060101010101" pitchFamily="49" charset="-122"/>
+              </a:rPr>
+              <a:t>酉</a:t>
+            </a:r>
+            <a:endParaRPr lang="zh-CN" altLang="en-US" b="1" dirty="0">
+              <a:latin typeface="楷体" panose="02010609060101010101" pitchFamily="49" charset="-122"/>
+              <a:ea typeface="楷体" panose="02010609060101010101" pitchFamily="49" charset="-122"/>
+            </a:endParaRPr>
+          </a:p>
+        </p:txBody>
+      </p:sp>
+      <p:sp>
+        <p:nvSpPr>
+          <p:cNvPr id="37" name="椭圆 36"/>
+          <p:cNvSpPr/>
+          <p:nvPr/>
+        </p:nvSpPr>
+        <p:spPr>
+          <a:xfrm>
+            <a:off x="2817967" y="1735267"/>
+            <a:ext cx="534838" cy="534838"/>
+          </a:xfrm>
+          <a:prstGeom prst="ellipse">
+            <a:avLst/>
+          </a:prstGeom>
+        </p:spPr>
+        <p:style>
+          <a:lnRef idx="2">
+            <a:schemeClr val="accent1">
+              <a:shade val="50000"/>
+            </a:schemeClr>
+          </a:lnRef>
+          <a:fillRef idx="1">
+            <a:schemeClr val="accent1"/>
+          </a:fillRef>
+          <a:effectRef idx="0">
+            <a:schemeClr val="accent1"/>
+          </a:effectRef>
+          <a:fontRef idx="minor">
+            <a:schemeClr val="lt1"/>
+          </a:fontRef>
+        </p:style>
+        <p:txBody>
+          <a:bodyPr rtlCol="0" anchor="ctr"/>
+          <a:lstStyle/>
+          <a:p>
+            <a:pPr algn="ctr"/>
+            <a:r>
+              <a:rPr lang="zh-CN" altLang="en-US" b="1" dirty="0" smtClean="0">
+                <a:latin typeface="楷体" panose="02010609060101010101" pitchFamily="49" charset="-122"/>
+                <a:ea typeface="楷体" panose="02010609060101010101" pitchFamily="49" charset="-122"/>
+              </a:rPr>
+              <a:t>戌</a:t>
+            </a:r>
+            <a:endParaRPr lang="zh-CN" altLang="en-US" b="1" dirty="0">
+              <a:latin typeface="楷体" panose="02010609060101010101" pitchFamily="49" charset="-122"/>
+              <a:ea typeface="楷体" panose="02010609060101010101" pitchFamily="49" charset="-122"/>
+            </a:endParaRPr>
+          </a:p>
+        </p:txBody>
+      </p:sp>
+      <p:sp>
+        <p:nvSpPr>
+          <p:cNvPr id="38" name="椭圆 37"/>
+          <p:cNvSpPr/>
+          <p:nvPr/>
+        </p:nvSpPr>
+        <p:spPr>
+          <a:xfrm>
+            <a:off x="3723740" y="759676"/>
+            <a:ext cx="534838" cy="534838"/>
+          </a:xfrm>
+          <a:prstGeom prst="ellipse">
+            <a:avLst/>
+          </a:prstGeom>
+        </p:spPr>
+        <p:style>
+          <a:lnRef idx="2">
+            <a:schemeClr val="accent1">
+              <a:shade val="50000"/>
+            </a:schemeClr>
+          </a:lnRef>
+          <a:fillRef idx="1">
+            <a:schemeClr val="accent1"/>
+          </a:fillRef>
+          <a:effectRef idx="0">
+            <a:schemeClr val="accent1"/>
+          </a:effectRef>
+          <a:fontRef idx="minor">
+            <a:schemeClr val="lt1"/>
+          </a:fontRef>
+        </p:style>
+        <p:txBody>
+          <a:bodyPr rtlCol="0" anchor="ctr"/>
+          <a:lstStyle/>
+          <a:p>
+            <a:pPr algn="ctr"/>
+            <a:r>
+              <a:rPr lang="zh-CN" altLang="en-US" b="1" dirty="0" smtClean="0">
+                <a:latin typeface="楷体" panose="02010609060101010101" pitchFamily="49" charset="-122"/>
+                <a:ea typeface="楷体" panose="02010609060101010101" pitchFamily="49" charset="-122"/>
+              </a:rPr>
+              <a:t>亥</a:t>
+            </a:r>
+            <a:endParaRPr lang="zh-CN" altLang="en-US" b="1" dirty="0">
+              <a:latin typeface="楷体" panose="02010609060101010101" pitchFamily="49" charset="-122"/>
+              <a:ea typeface="楷体" panose="02010609060101010101" pitchFamily="49" charset="-122"/>
+            </a:endParaRPr>
+          </a:p>
+        </p:txBody>
+      </p:sp>
+      <p:sp>
+        <p:nvSpPr>
+          <p:cNvPr id="39" name="文本框 38"/>
+          <p:cNvSpPr txBox="1"/>
+          <p:nvPr/>
+        </p:nvSpPr>
+        <p:spPr>
+          <a:xfrm>
+            <a:off x="5202897" y="1611544"/>
+            <a:ext cx="992579" cy="369332"/>
+          </a:xfrm>
+          <a:prstGeom prst="rect">
+            <a:avLst/>
+          </a:prstGeom>
+          <a:noFill/>
+        </p:spPr>
+        <p:txBody>
+          <a:bodyPr wrap="none" rtlCol="0">
+            <a:spAutoFit/>
+          </a:bodyPr>
+          <a:lstStyle/>
+          <a:p>
+            <a:r>
+              <a:rPr lang="en-US" altLang="zh-CN" b="1" dirty="0" smtClean="0">
+                <a:solidFill>
+                  <a:schemeClr val="bg1"/>
+                </a:solidFill>
+                <a:latin typeface="楷体" panose="02010609060101010101" pitchFamily="49" charset="-122"/>
+                <a:ea typeface="楷体" panose="02010609060101010101" pitchFamily="49" charset="-122"/>
+              </a:rPr>
+              <a:t>42 </a:t>
+            </a:r>
+            <a:r>
+              <a:rPr lang="zh-CN" altLang="en-US" b="1" dirty="0" smtClean="0">
+                <a:solidFill>
+                  <a:schemeClr val="bg1"/>
+                </a:solidFill>
+                <a:latin typeface="楷体" panose="02010609060101010101" pitchFamily="49" charset="-122"/>
+                <a:ea typeface="楷体" panose="02010609060101010101" pitchFamily="49" charset="-122"/>
+              </a:rPr>
+              <a:t>六合</a:t>
+            </a:r>
+            <a:endParaRPr lang="zh-CN" altLang="en-US" b="1" dirty="0">
+              <a:solidFill>
+                <a:schemeClr val="bg1"/>
+              </a:solidFill>
+              <a:latin typeface="楷体" panose="02010609060101010101" pitchFamily="49" charset="-122"/>
+              <a:ea typeface="楷体" panose="02010609060101010101" pitchFamily="49" charset="-122"/>
+            </a:endParaRPr>
+          </a:p>
+        </p:txBody>
+      </p:sp>
+      <p:sp>
+        <p:nvSpPr>
+          <p:cNvPr id="40" name="椭圆 39"/>
+          <p:cNvSpPr/>
+          <p:nvPr/>
+        </p:nvSpPr>
+        <p:spPr>
+          <a:xfrm>
+            <a:off x="2727388" y="544818"/>
+            <a:ext cx="5408761" cy="5408761"/>
+          </a:xfrm>
+          <a:prstGeom prst="ellipse">
+            <a:avLst/>
+          </a:prstGeom>
+          <a:noFill/>
+        </p:spPr>
+        <p:style>
+          <a:lnRef idx="2">
+            <a:schemeClr val="accent1">
+              <a:shade val="50000"/>
+            </a:schemeClr>
+          </a:lnRef>
+          <a:fillRef idx="1">
+            <a:schemeClr val="accent1"/>
+          </a:fillRef>
+          <a:effectRef idx="0">
+            <a:schemeClr val="accent1"/>
+          </a:effectRef>
+          <a:fontRef idx="minor">
+            <a:schemeClr val="lt1"/>
+          </a:fontRef>
+        </p:style>
+        <p:txBody>
+          <a:bodyPr rtlCol="0" anchor="ctr"/>
+          <a:lstStyle/>
+          <a:p>
+            <a:pPr algn="ctr"/>
+            <a:endParaRPr lang="zh-CN" altLang="en-US" b="1">
+              <a:latin typeface="楷体" panose="02010609060101010101" pitchFamily="49" charset="-122"/>
+              <a:ea typeface="楷体" panose="02010609060101010101" pitchFamily="49" charset="-122"/>
+            </a:endParaRPr>
+          </a:p>
+        </p:txBody>
+      </p:sp>
+      <p:cxnSp>
+        <p:nvCxnSpPr>
+          <p:cNvPr id="41" name="直接连接符 40"/>
+          <p:cNvCxnSpPr/>
+          <p:nvPr/>
+        </p:nvCxnSpPr>
+        <p:spPr>
+          <a:xfrm flipV="1">
+            <a:off x="4446193" y="307591"/>
+            <a:ext cx="1915069" cy="5883214"/>
+          </a:xfrm>
+          <a:prstGeom prst="line">
+            <a:avLst/>
+          </a:prstGeom>
+        </p:spPr>
+        <p:style>
+          <a:lnRef idx="3">
+            <a:schemeClr val="accent2"/>
+          </a:lnRef>
+          <a:fillRef idx="0">
+            <a:schemeClr val="accent2"/>
+          </a:fillRef>
+          <a:effectRef idx="2">
+            <a:schemeClr val="accent2"/>
+          </a:effectRef>
+          <a:fontRef idx="minor">
+            <a:schemeClr val="tx1"/>
+          </a:fontRef>
+        </p:style>
+      </p:cxnSp>
+      <p:sp>
+        <p:nvSpPr>
+          <p:cNvPr id="42" name="矩形 41"/>
+          <p:cNvSpPr/>
+          <p:nvPr/>
+        </p:nvSpPr>
+        <p:spPr>
+          <a:xfrm>
+            <a:off x="1918626" y="1578633"/>
+            <a:ext cx="869149" cy="369332"/>
+          </a:xfrm>
+          <a:prstGeom prst="rect">
+            <a:avLst/>
+          </a:prstGeom>
+        </p:spPr>
+        <p:txBody>
+          <a:bodyPr wrap="none">
+            <a:spAutoFit/>
+          </a:bodyPr>
+          <a:lstStyle/>
+          <a:p>
+            <a:r>
+              <a:rPr lang="zh-CN" altLang="en-US" dirty="0">
+                <a:solidFill>
+                  <a:schemeClr val="tx2"/>
+                </a:solidFill>
+                <a:latin typeface="Helvetica Neue"/>
+              </a:rPr>
+              <a:t>白</a:t>
+            </a:r>
+            <a:r>
+              <a:rPr lang="zh-CN" altLang="en-US" dirty="0" smtClean="0">
+                <a:solidFill>
+                  <a:schemeClr val="tx2"/>
+                </a:solidFill>
+                <a:latin typeface="Helvetica Neue"/>
+              </a:rPr>
+              <a:t>羊♈</a:t>
+            </a:r>
+            <a:endParaRPr lang="zh-CN" altLang="en-US" dirty="0">
+              <a:solidFill>
+                <a:schemeClr val="tx2"/>
+              </a:solidFill>
+            </a:endParaRPr>
+          </a:p>
+        </p:txBody>
+      </p:sp>
+      <p:sp>
+        <p:nvSpPr>
+          <p:cNvPr id="44" name="矩形 43"/>
+          <p:cNvSpPr/>
+          <p:nvPr/>
+        </p:nvSpPr>
+        <p:spPr>
+          <a:xfrm>
+            <a:off x="1589218" y="3064532"/>
+            <a:ext cx="870751" cy="369332"/>
+          </a:xfrm>
+          <a:prstGeom prst="rect">
+            <a:avLst/>
+          </a:prstGeom>
+        </p:spPr>
+        <p:txBody>
+          <a:bodyPr wrap="none">
+            <a:spAutoFit/>
+          </a:bodyPr>
+          <a:lstStyle/>
+          <a:p>
+            <a:r>
+              <a:rPr lang="zh-CN" altLang="en-US" u="sng" dirty="0">
+                <a:solidFill>
+                  <a:schemeClr val="tx2"/>
+                </a:solidFill>
+                <a:latin typeface="Helvetica Neue"/>
+              </a:rPr>
+              <a:t>金</a:t>
+            </a:r>
+            <a:r>
+              <a:rPr lang="zh-CN" altLang="en-US" u="sng" dirty="0" smtClean="0">
+                <a:solidFill>
+                  <a:schemeClr val="tx2"/>
+                </a:solidFill>
+                <a:latin typeface="Helvetica Neue"/>
+              </a:rPr>
+              <a:t>牛</a:t>
+            </a:r>
+            <a:r>
+              <a:rPr lang="zh-CN" altLang="en-US" dirty="0" smtClean="0">
+                <a:solidFill>
+                  <a:schemeClr val="tx2"/>
+                </a:solidFill>
+                <a:latin typeface="Helvetica Neue"/>
+              </a:rPr>
+              <a:t>♉</a:t>
+            </a:r>
+            <a:endParaRPr lang="zh-CN" altLang="en-US" dirty="0">
+              <a:solidFill>
+                <a:schemeClr val="tx2"/>
+              </a:solidFill>
+            </a:endParaRPr>
+          </a:p>
+        </p:txBody>
+      </p:sp>
+      <p:sp>
+        <p:nvSpPr>
+          <p:cNvPr id="45" name="矩形 44"/>
+          <p:cNvSpPr/>
+          <p:nvPr/>
+        </p:nvSpPr>
+        <p:spPr>
+          <a:xfrm>
+            <a:off x="2036961" y="4641008"/>
+            <a:ext cx="845103" cy="369332"/>
+          </a:xfrm>
+          <a:prstGeom prst="rect">
+            <a:avLst/>
+          </a:prstGeom>
+        </p:spPr>
+        <p:txBody>
+          <a:bodyPr wrap="none">
+            <a:spAutoFit/>
+          </a:bodyPr>
+          <a:lstStyle/>
+          <a:p>
+            <a:r>
+              <a:rPr lang="zh-CN" altLang="en-US" u="sng" dirty="0">
+                <a:solidFill>
+                  <a:schemeClr val="tx2"/>
+                </a:solidFill>
+                <a:latin typeface="Helvetica Neue"/>
+                <a:hlinkClick r:id="rId2"/>
+              </a:rPr>
+              <a:t>双</a:t>
+            </a:r>
+            <a:r>
+              <a:rPr lang="zh-CN" altLang="en-US" u="sng" dirty="0" smtClean="0">
+                <a:solidFill>
+                  <a:schemeClr val="tx2"/>
+                </a:solidFill>
+                <a:latin typeface="Helvetica Neue"/>
+                <a:hlinkClick r:id="rId2"/>
+              </a:rPr>
+              <a:t>子</a:t>
+            </a:r>
+            <a:r>
+              <a:rPr lang="zh-CN" altLang="en-US" dirty="0" smtClean="0">
+                <a:solidFill>
+                  <a:schemeClr val="tx2"/>
+                </a:solidFill>
+                <a:latin typeface="Helvetica Neue"/>
+              </a:rPr>
+              <a:t>♊</a:t>
+            </a:r>
+            <a:endParaRPr lang="zh-CN" altLang="en-US" dirty="0">
+              <a:solidFill>
+                <a:schemeClr val="tx2"/>
+              </a:solidFill>
+            </a:endParaRPr>
+          </a:p>
+        </p:txBody>
+      </p:sp>
+      <p:sp>
+        <p:nvSpPr>
+          <p:cNvPr id="46" name="矩形 45"/>
+          <p:cNvSpPr/>
+          <p:nvPr/>
+        </p:nvSpPr>
+        <p:spPr>
+          <a:xfrm>
+            <a:off x="2983863" y="5686160"/>
+            <a:ext cx="870751" cy="369332"/>
+          </a:xfrm>
+          <a:prstGeom prst="rect">
+            <a:avLst/>
+          </a:prstGeom>
+        </p:spPr>
+        <p:txBody>
+          <a:bodyPr wrap="none">
+            <a:spAutoFit/>
+          </a:bodyPr>
+          <a:lstStyle/>
+          <a:p>
+            <a:r>
+              <a:rPr lang="zh-CN" altLang="en-US" u="sng" dirty="0">
+                <a:solidFill>
+                  <a:schemeClr val="tx2"/>
+                </a:solidFill>
+                <a:latin typeface="Helvetica Neue"/>
+                <a:hlinkClick r:id="rId3"/>
+              </a:rPr>
+              <a:t>巨</a:t>
+            </a:r>
+            <a:r>
+              <a:rPr lang="zh-CN" altLang="en-US" u="sng" dirty="0" smtClean="0">
+                <a:solidFill>
+                  <a:schemeClr val="tx2"/>
+                </a:solidFill>
+                <a:latin typeface="Helvetica Neue"/>
+                <a:hlinkClick r:id="rId3"/>
+              </a:rPr>
+              <a:t>蟹</a:t>
+            </a:r>
+            <a:r>
+              <a:rPr lang="zh-CN" altLang="en-US" dirty="0" smtClean="0">
+                <a:solidFill>
+                  <a:schemeClr val="tx2"/>
+                </a:solidFill>
+                <a:latin typeface="Helvetica Neue"/>
+              </a:rPr>
+              <a:t>♋</a:t>
+            </a:r>
+            <a:endParaRPr lang="zh-CN" altLang="en-US" dirty="0">
+              <a:solidFill>
+                <a:schemeClr val="tx2"/>
+              </a:solidFill>
+            </a:endParaRPr>
+          </a:p>
+        </p:txBody>
+      </p:sp>
+      <p:sp>
+        <p:nvSpPr>
+          <p:cNvPr id="47" name="矩形 46"/>
+          <p:cNvSpPr/>
+          <p:nvPr/>
+        </p:nvSpPr>
+        <p:spPr>
+          <a:xfrm>
+            <a:off x="5202897" y="6309418"/>
+            <a:ext cx="830677" cy="369332"/>
+          </a:xfrm>
+          <a:prstGeom prst="rect">
+            <a:avLst/>
+          </a:prstGeom>
+        </p:spPr>
+        <p:txBody>
+          <a:bodyPr wrap="none">
+            <a:spAutoFit/>
+          </a:bodyPr>
+          <a:lstStyle/>
+          <a:p>
+            <a:r>
+              <a:rPr lang="zh-CN" altLang="en-US" u="sng" dirty="0" smtClean="0">
+                <a:solidFill>
+                  <a:schemeClr val="tx2"/>
+                </a:solidFill>
+                <a:latin typeface="Helvetica Neue"/>
+                <a:hlinkClick r:id="rId4"/>
+              </a:rPr>
+              <a:t>狮子</a:t>
+            </a:r>
+            <a:r>
+              <a:rPr lang="zh-CN" altLang="en-US" dirty="0" smtClean="0">
+                <a:solidFill>
+                  <a:schemeClr val="tx2"/>
+                </a:solidFill>
+                <a:latin typeface="Helvetica Neue"/>
+              </a:rPr>
+              <a:t>♌</a:t>
+            </a:r>
+            <a:endParaRPr lang="zh-CN" altLang="en-US" dirty="0">
+              <a:solidFill>
+                <a:schemeClr val="tx2"/>
+              </a:solidFill>
+            </a:endParaRPr>
+          </a:p>
+        </p:txBody>
+      </p:sp>
+      <p:sp>
+        <p:nvSpPr>
+          <p:cNvPr id="48" name="矩形 47"/>
+          <p:cNvSpPr/>
+          <p:nvPr/>
+        </p:nvSpPr>
+        <p:spPr>
+          <a:xfrm>
+            <a:off x="6902515" y="5699630"/>
+            <a:ext cx="869149" cy="369332"/>
+          </a:xfrm>
+          <a:prstGeom prst="rect">
+            <a:avLst/>
+          </a:prstGeom>
+        </p:spPr>
+        <p:txBody>
+          <a:bodyPr wrap="none">
+            <a:spAutoFit/>
+          </a:bodyPr>
+          <a:lstStyle/>
+          <a:p>
+            <a:r>
+              <a:rPr lang="zh-CN" altLang="en-US" u="sng" dirty="0" smtClean="0">
+                <a:solidFill>
+                  <a:schemeClr val="tx2"/>
+                </a:solidFill>
+                <a:latin typeface="Helvetica Neue"/>
+                <a:hlinkClick r:id="rId5"/>
+              </a:rPr>
+              <a:t>处女</a:t>
+            </a:r>
+            <a:r>
+              <a:rPr lang="zh-CN" altLang="en-US" dirty="0" smtClean="0">
+                <a:solidFill>
+                  <a:schemeClr val="tx2"/>
+                </a:solidFill>
+                <a:latin typeface="Helvetica Neue"/>
+              </a:rPr>
+              <a:t>♍</a:t>
+            </a:r>
+            <a:endParaRPr lang="zh-CN" altLang="en-US" dirty="0">
+              <a:solidFill>
+                <a:schemeClr val="tx2"/>
+              </a:solidFill>
+            </a:endParaRPr>
+          </a:p>
+        </p:txBody>
+      </p:sp>
+      <p:sp>
+        <p:nvSpPr>
+          <p:cNvPr id="49" name="矩形 48"/>
+          <p:cNvSpPr/>
+          <p:nvPr/>
+        </p:nvSpPr>
+        <p:spPr>
+          <a:xfrm>
+            <a:off x="8002496" y="4670667"/>
+            <a:ext cx="854721" cy="369332"/>
+          </a:xfrm>
+          <a:prstGeom prst="rect">
+            <a:avLst/>
+          </a:prstGeom>
+        </p:spPr>
+        <p:txBody>
+          <a:bodyPr wrap="none">
+            <a:spAutoFit/>
+          </a:bodyPr>
+          <a:lstStyle/>
+          <a:p>
+            <a:r>
+              <a:rPr lang="zh-CN" altLang="en-US" u="sng" dirty="0">
+                <a:solidFill>
+                  <a:schemeClr val="tx2"/>
+                </a:solidFill>
+                <a:latin typeface="Helvetica Neue"/>
+                <a:hlinkClick r:id="rId6"/>
+              </a:rPr>
+              <a:t>天</a:t>
+            </a:r>
+            <a:r>
+              <a:rPr lang="zh-CN" altLang="en-US" u="sng" dirty="0" smtClean="0">
+                <a:solidFill>
+                  <a:schemeClr val="tx2"/>
+                </a:solidFill>
+                <a:latin typeface="Helvetica Neue"/>
+                <a:hlinkClick r:id="rId6"/>
+              </a:rPr>
+              <a:t>秤</a:t>
+            </a:r>
+            <a:r>
+              <a:rPr lang="zh-CN" altLang="en-US" dirty="0" smtClean="0">
+                <a:solidFill>
+                  <a:schemeClr val="tx2"/>
+                </a:solidFill>
+                <a:latin typeface="Helvetica Neue"/>
+              </a:rPr>
+              <a:t>♎</a:t>
+            </a:r>
+            <a:endParaRPr lang="zh-CN" altLang="en-US" dirty="0">
+              <a:solidFill>
+                <a:schemeClr val="tx2"/>
+              </a:solidFill>
+            </a:endParaRPr>
+          </a:p>
+        </p:txBody>
+      </p:sp>
+      <p:sp>
+        <p:nvSpPr>
+          <p:cNvPr id="50" name="矩形 49"/>
+          <p:cNvSpPr/>
+          <p:nvPr/>
+        </p:nvSpPr>
+        <p:spPr>
+          <a:xfrm>
+            <a:off x="8431076" y="3064532"/>
+            <a:ext cx="867545" cy="369332"/>
+          </a:xfrm>
+          <a:prstGeom prst="rect">
+            <a:avLst/>
+          </a:prstGeom>
+        </p:spPr>
+        <p:txBody>
+          <a:bodyPr wrap="none">
+            <a:spAutoFit/>
+          </a:bodyPr>
+          <a:lstStyle/>
+          <a:p>
+            <a:r>
+              <a:rPr lang="zh-CN" altLang="en-US" u="sng" dirty="0">
+                <a:solidFill>
+                  <a:schemeClr val="tx2"/>
+                </a:solidFill>
+                <a:latin typeface="Helvetica Neue"/>
+                <a:hlinkClick r:id="rId7"/>
+              </a:rPr>
+              <a:t>天</a:t>
+            </a:r>
+            <a:r>
+              <a:rPr lang="zh-CN" altLang="en-US" u="sng" dirty="0" smtClean="0">
+                <a:solidFill>
+                  <a:schemeClr val="tx2"/>
+                </a:solidFill>
+                <a:latin typeface="Helvetica Neue"/>
+                <a:hlinkClick r:id="rId7"/>
+              </a:rPr>
+              <a:t>蝎</a:t>
+            </a:r>
+            <a:r>
+              <a:rPr lang="zh-CN" altLang="en-US" dirty="0" smtClean="0">
+                <a:solidFill>
+                  <a:schemeClr val="tx2"/>
+                </a:solidFill>
+                <a:latin typeface="Helvetica Neue"/>
+              </a:rPr>
+              <a:t>♏</a:t>
+            </a:r>
+            <a:endParaRPr lang="zh-CN" altLang="en-US" dirty="0">
+              <a:solidFill>
+                <a:schemeClr val="tx2"/>
+              </a:solidFill>
+            </a:endParaRPr>
+          </a:p>
+        </p:txBody>
+      </p:sp>
+      <p:sp>
+        <p:nvSpPr>
+          <p:cNvPr id="51" name="矩形 50"/>
+          <p:cNvSpPr/>
+          <p:nvPr/>
+        </p:nvSpPr>
+        <p:spPr>
+          <a:xfrm>
+            <a:off x="8086791" y="1778660"/>
+            <a:ext cx="840295" cy="369332"/>
+          </a:xfrm>
+          <a:prstGeom prst="rect">
+            <a:avLst/>
+          </a:prstGeom>
+        </p:spPr>
+        <p:txBody>
+          <a:bodyPr wrap="none">
+            <a:spAutoFit/>
+          </a:bodyPr>
+          <a:lstStyle/>
+          <a:p>
+            <a:r>
+              <a:rPr lang="zh-CN" altLang="en-US" dirty="0" smtClean="0">
+                <a:solidFill>
+                  <a:schemeClr val="tx2"/>
+                </a:solidFill>
+                <a:latin typeface="Helvetica Neue"/>
+                <a:hlinkClick r:id="rId8"/>
+              </a:rPr>
+              <a:t>射手</a:t>
+            </a:r>
+            <a:r>
+              <a:rPr lang="zh-CN" altLang="en-US" dirty="0" smtClean="0">
+                <a:solidFill>
+                  <a:schemeClr val="tx2"/>
+                </a:solidFill>
+                <a:latin typeface="Helvetica Neue"/>
+              </a:rPr>
+              <a:t>♐</a:t>
+            </a:r>
+            <a:endParaRPr lang="zh-CN" altLang="en-US" dirty="0">
+              <a:solidFill>
+                <a:schemeClr val="tx2"/>
+              </a:solidFill>
+            </a:endParaRPr>
+          </a:p>
+        </p:txBody>
+      </p:sp>
+      <p:sp>
+        <p:nvSpPr>
+          <p:cNvPr id="52" name="矩形 51"/>
+          <p:cNvSpPr/>
+          <p:nvPr/>
+        </p:nvSpPr>
+        <p:spPr>
+          <a:xfrm>
+            <a:off x="6974133" y="544818"/>
+            <a:ext cx="901209" cy="369332"/>
+          </a:xfrm>
+          <a:prstGeom prst="rect">
+            <a:avLst/>
+          </a:prstGeom>
+        </p:spPr>
+        <p:txBody>
+          <a:bodyPr wrap="none">
+            <a:spAutoFit/>
+          </a:bodyPr>
+          <a:lstStyle/>
+          <a:p>
+            <a:r>
+              <a:rPr lang="zh-CN" altLang="en-US" dirty="0">
+                <a:solidFill>
+                  <a:schemeClr val="tx2"/>
+                </a:solidFill>
+                <a:latin typeface="Helvetica Neue"/>
+                <a:hlinkClick r:id="rId9"/>
+              </a:rPr>
+              <a:t>摩</a:t>
+            </a:r>
+            <a:r>
+              <a:rPr lang="zh-CN" altLang="en-US" dirty="0" smtClean="0">
+                <a:solidFill>
+                  <a:schemeClr val="tx2"/>
+                </a:solidFill>
+                <a:latin typeface="Helvetica Neue"/>
+                <a:hlinkClick r:id="rId9"/>
+              </a:rPr>
+              <a:t>羯</a:t>
+            </a:r>
+            <a:r>
+              <a:rPr lang="zh-CN" altLang="en-US" dirty="0" smtClean="0">
+                <a:solidFill>
+                  <a:schemeClr val="tx2"/>
+                </a:solidFill>
+                <a:latin typeface="Helvetica Neue"/>
+              </a:rPr>
+              <a:t>♑</a:t>
+            </a:r>
+            <a:endParaRPr lang="zh-CN" altLang="en-US" dirty="0">
+              <a:solidFill>
+                <a:schemeClr val="tx2"/>
+              </a:solidFill>
+            </a:endParaRPr>
+          </a:p>
+        </p:txBody>
+      </p:sp>
+      <p:sp>
+        <p:nvSpPr>
+          <p:cNvPr id="53" name="矩形 52"/>
+          <p:cNvSpPr/>
+          <p:nvPr/>
+        </p:nvSpPr>
+        <p:spPr>
+          <a:xfrm>
+            <a:off x="4766965" y="-20213"/>
+            <a:ext cx="899605" cy="369332"/>
+          </a:xfrm>
+          <a:prstGeom prst="rect">
+            <a:avLst/>
+          </a:prstGeom>
+        </p:spPr>
+        <p:txBody>
+          <a:bodyPr wrap="none">
+            <a:spAutoFit/>
+          </a:bodyPr>
+          <a:lstStyle/>
+          <a:p>
+            <a:r>
+              <a:rPr lang="zh-CN" altLang="en-US" dirty="0">
+                <a:solidFill>
+                  <a:schemeClr val="tx2"/>
+                </a:solidFill>
+                <a:latin typeface="Helvetica Neue"/>
+                <a:hlinkClick r:id="rId10"/>
+              </a:rPr>
+              <a:t>水</a:t>
+            </a:r>
+            <a:r>
+              <a:rPr lang="zh-CN" altLang="en-US" dirty="0" smtClean="0">
+                <a:solidFill>
+                  <a:schemeClr val="tx2"/>
+                </a:solidFill>
+                <a:latin typeface="Helvetica Neue"/>
+                <a:hlinkClick r:id="rId10"/>
+              </a:rPr>
+              <a:t>瓶</a:t>
+            </a:r>
+            <a:r>
+              <a:rPr lang="zh-CN" altLang="en-US" dirty="0" smtClean="0">
+                <a:solidFill>
+                  <a:schemeClr val="tx2"/>
+                </a:solidFill>
+                <a:latin typeface="Helvetica Neue"/>
+              </a:rPr>
+              <a:t>♒</a:t>
+            </a:r>
+            <a:endParaRPr lang="zh-CN" altLang="en-US" dirty="0">
+              <a:solidFill>
+                <a:schemeClr val="tx2"/>
+              </a:solidFill>
+            </a:endParaRPr>
+          </a:p>
+        </p:txBody>
+      </p:sp>
+      <p:sp>
+        <p:nvSpPr>
+          <p:cNvPr id="54" name="矩形 53"/>
+          <p:cNvSpPr/>
+          <p:nvPr/>
+        </p:nvSpPr>
+        <p:spPr>
+          <a:xfrm>
+            <a:off x="3012727" y="544818"/>
+            <a:ext cx="809837" cy="369332"/>
+          </a:xfrm>
+          <a:prstGeom prst="rect">
+            <a:avLst/>
+          </a:prstGeom>
+        </p:spPr>
+        <p:txBody>
+          <a:bodyPr wrap="none">
+            <a:spAutoFit/>
+          </a:bodyPr>
+          <a:lstStyle/>
+          <a:p>
+            <a:r>
+              <a:rPr lang="zh-CN" altLang="en-US" dirty="0">
+                <a:solidFill>
+                  <a:schemeClr val="tx2"/>
+                </a:solidFill>
+                <a:latin typeface="Helvetica Neue"/>
+              </a:rPr>
+              <a:t>双</a:t>
+            </a:r>
+            <a:r>
+              <a:rPr lang="zh-CN" altLang="en-US" dirty="0" smtClean="0">
+                <a:solidFill>
+                  <a:schemeClr val="tx2"/>
+                </a:solidFill>
+                <a:latin typeface="Helvetica Neue"/>
+              </a:rPr>
+              <a:t>鱼♓</a:t>
+            </a:r>
+            <a:endParaRPr lang="zh-CN" altLang="en-US" dirty="0">
+              <a:solidFill>
+                <a:schemeClr val="tx2"/>
+              </a:solidFill>
+            </a:endParaRPr>
+          </a:p>
+        </p:txBody>
+      </p:sp>
+    </p:spTree>
+    <p:extLst>
+      <p:ext uri="{BB962C8B-B14F-4D97-AF65-F5344CB8AC3E}">
+        <p14:creationId xmlns:p14="http://schemas.microsoft.com/office/powerpoint/2010/main" val="2703321747"/>
+      </p:ext>
+    </p:extLst>
+  </p:cSld>
+  <p:clrMapOvr>
+    <a:masterClrMapping/>
+  </p:clrMapOvr>
+</p:sld>
+</file>
+
+<file path=ppt/slides/slide8.xml><?xml version="1.0" encoding="utf-8"?>
+<p:sld xmlns:a="http://schemas.openxmlformats.org/drawingml/2006/main" xmlns:r="http://schemas.openxmlformats.org/officeDocument/2006/relationships" xmlns:p="http://schemas.openxmlformats.org/presentationml/2006/main">
+  <p:cSld>
+    <p:spTree>
+      <p:nvGrpSpPr>
+        <p:cNvPr id="1" name=""/>
+        <p:cNvGrpSpPr/>
+        <p:nvPr/>
+      </p:nvGrpSpPr>
+      <p:grpSpPr>
+        <a:xfrm>
+          <a:off x="0" y="0"/>
+          <a:ext cx="0" cy="0"/>
+          <a:chOff x="0" y="0"/>
+          <a:chExt cx="0" cy="0"/>
+        </a:xfrm>
+      </p:grpSpPr>
+      <p:sp>
+        <p:nvSpPr>
+          <p:cNvPr id="27" name="椭圆 26"/>
+          <p:cNvSpPr/>
+          <p:nvPr/>
+        </p:nvSpPr>
+        <p:spPr>
+          <a:xfrm>
+            <a:off x="5164349" y="307591"/>
+            <a:ext cx="534838" cy="534838"/>
+          </a:xfrm>
+          <a:prstGeom prst="ellipse">
+            <a:avLst/>
+          </a:prstGeom>
+        </p:spPr>
+        <p:style>
+          <a:lnRef idx="2">
+            <a:schemeClr val="accent1">
+              <a:shade val="50000"/>
+            </a:schemeClr>
+          </a:lnRef>
+          <a:fillRef idx="1">
+            <a:schemeClr val="accent1"/>
+          </a:fillRef>
+          <a:effectRef idx="0">
+            <a:schemeClr val="accent1"/>
+          </a:effectRef>
+          <a:fontRef idx="minor">
+            <a:schemeClr val="lt1"/>
+          </a:fontRef>
+        </p:style>
+        <p:txBody>
+          <a:bodyPr rtlCol="0" anchor="ctr"/>
+          <a:lstStyle/>
+          <a:p>
+            <a:pPr algn="ctr"/>
+            <a:r>
+              <a:rPr lang="zh-CN" altLang="en-US" b="1" dirty="0" smtClean="0">
+                <a:latin typeface="楷体" panose="02010609060101010101" pitchFamily="49" charset="-122"/>
+                <a:ea typeface="楷体" panose="02010609060101010101" pitchFamily="49" charset="-122"/>
+              </a:rPr>
+              <a:t>子</a:t>
+            </a:r>
+            <a:endParaRPr lang="zh-CN" altLang="en-US" b="1" dirty="0">
+              <a:latin typeface="楷体" panose="02010609060101010101" pitchFamily="49" charset="-122"/>
+              <a:ea typeface="楷体" panose="02010609060101010101" pitchFamily="49" charset="-122"/>
+            </a:endParaRPr>
+          </a:p>
+        </p:txBody>
+      </p:sp>
+      <p:sp>
+        <p:nvSpPr>
+          <p:cNvPr id="28" name="椭圆 27"/>
+          <p:cNvSpPr/>
+          <p:nvPr/>
+        </p:nvSpPr>
+        <p:spPr>
+          <a:xfrm>
+            <a:off x="6563981" y="759676"/>
+            <a:ext cx="534838" cy="534838"/>
+          </a:xfrm>
+          <a:prstGeom prst="ellipse">
+            <a:avLst/>
+          </a:prstGeom>
+        </p:spPr>
+        <p:style>
+          <a:lnRef idx="2">
+            <a:schemeClr val="accent1">
+              <a:shade val="50000"/>
+            </a:schemeClr>
+          </a:lnRef>
+          <a:fillRef idx="1">
+            <a:schemeClr val="accent1"/>
+          </a:fillRef>
+          <a:effectRef idx="0">
+            <a:schemeClr val="accent1"/>
+          </a:effectRef>
+          <a:fontRef idx="minor">
+            <a:schemeClr val="lt1"/>
+          </a:fontRef>
+        </p:style>
+        <p:txBody>
+          <a:bodyPr rtlCol="0" anchor="ctr"/>
+          <a:lstStyle/>
+          <a:p>
+            <a:pPr algn="ctr"/>
+            <a:r>
+              <a:rPr lang="zh-CN" altLang="en-US" b="1" dirty="0" smtClean="0">
+                <a:latin typeface="楷体" panose="02010609060101010101" pitchFamily="49" charset="-122"/>
+                <a:ea typeface="楷体" panose="02010609060101010101" pitchFamily="49" charset="-122"/>
+              </a:rPr>
+              <a:t>丑</a:t>
+            </a:r>
+            <a:endParaRPr lang="zh-CN" altLang="en-US" b="1" dirty="0">
+              <a:latin typeface="楷体" panose="02010609060101010101" pitchFamily="49" charset="-122"/>
+              <a:ea typeface="楷体" panose="02010609060101010101" pitchFamily="49" charset="-122"/>
+            </a:endParaRPr>
+          </a:p>
+        </p:txBody>
+      </p:sp>
+      <p:sp>
+        <p:nvSpPr>
+          <p:cNvPr id="29" name="椭圆 28"/>
+          <p:cNvSpPr/>
+          <p:nvPr/>
+        </p:nvSpPr>
+        <p:spPr>
+          <a:xfrm>
+            <a:off x="7571119" y="1735267"/>
+            <a:ext cx="534838" cy="534838"/>
+          </a:xfrm>
+          <a:prstGeom prst="ellipse">
+            <a:avLst/>
+          </a:prstGeom>
+        </p:spPr>
+        <p:style>
+          <a:lnRef idx="2">
+            <a:schemeClr val="accent1">
+              <a:shade val="50000"/>
+            </a:schemeClr>
+          </a:lnRef>
+          <a:fillRef idx="1">
+            <a:schemeClr val="accent1"/>
+          </a:fillRef>
+          <a:effectRef idx="0">
+            <a:schemeClr val="accent1"/>
+          </a:effectRef>
+          <a:fontRef idx="minor">
+            <a:schemeClr val="lt1"/>
+          </a:fontRef>
+        </p:style>
+        <p:txBody>
+          <a:bodyPr rtlCol="0" anchor="ctr"/>
+          <a:lstStyle/>
+          <a:p>
+            <a:pPr algn="ctr"/>
+            <a:r>
+              <a:rPr lang="zh-CN" altLang="en-US" b="1" dirty="0" smtClean="0">
+                <a:latin typeface="楷体" panose="02010609060101010101" pitchFamily="49" charset="-122"/>
+                <a:ea typeface="楷体" panose="02010609060101010101" pitchFamily="49" charset="-122"/>
+              </a:rPr>
+              <a:t>寅</a:t>
+            </a:r>
+            <a:endParaRPr lang="zh-CN" altLang="en-US" b="1" dirty="0">
+              <a:latin typeface="楷体" panose="02010609060101010101" pitchFamily="49" charset="-122"/>
+              <a:ea typeface="楷体" panose="02010609060101010101" pitchFamily="49" charset="-122"/>
+            </a:endParaRPr>
+          </a:p>
+        </p:txBody>
+      </p:sp>
+      <p:sp>
+        <p:nvSpPr>
+          <p:cNvPr id="30" name="椭圆 29"/>
+          <p:cNvSpPr/>
+          <p:nvPr/>
+        </p:nvSpPr>
+        <p:spPr>
+          <a:xfrm>
+            <a:off x="7868730" y="2981779"/>
+            <a:ext cx="534838" cy="534838"/>
+          </a:xfrm>
+          <a:prstGeom prst="ellipse">
+            <a:avLst/>
+          </a:prstGeom>
+        </p:spPr>
+        <p:style>
+          <a:lnRef idx="2">
+            <a:schemeClr val="accent1">
+              <a:shade val="50000"/>
+            </a:schemeClr>
+          </a:lnRef>
+          <a:fillRef idx="1">
+            <a:schemeClr val="accent1"/>
+          </a:fillRef>
+          <a:effectRef idx="0">
+            <a:schemeClr val="accent1"/>
+          </a:effectRef>
+          <a:fontRef idx="minor">
+            <a:schemeClr val="lt1"/>
+          </a:fontRef>
+        </p:style>
+        <p:txBody>
+          <a:bodyPr rtlCol="0" anchor="ctr"/>
+          <a:lstStyle/>
+          <a:p>
+            <a:pPr algn="ctr"/>
+            <a:r>
+              <a:rPr lang="zh-CN" altLang="en-US" b="1" dirty="0" smtClean="0">
+                <a:latin typeface="楷体" panose="02010609060101010101" pitchFamily="49" charset="-122"/>
+                <a:ea typeface="楷体" panose="02010609060101010101" pitchFamily="49" charset="-122"/>
+              </a:rPr>
+              <a:t>卯</a:t>
+            </a:r>
+            <a:endParaRPr lang="zh-CN" altLang="en-US" b="1" dirty="0">
+              <a:latin typeface="楷体" panose="02010609060101010101" pitchFamily="49" charset="-122"/>
+              <a:ea typeface="楷体" panose="02010609060101010101" pitchFamily="49" charset="-122"/>
+            </a:endParaRPr>
+          </a:p>
+        </p:txBody>
+      </p:sp>
+      <p:sp>
+        <p:nvSpPr>
+          <p:cNvPr id="31" name="椭圆 30"/>
+          <p:cNvSpPr/>
+          <p:nvPr/>
+        </p:nvSpPr>
+        <p:spPr>
+          <a:xfrm>
+            <a:off x="7571119" y="4262803"/>
+            <a:ext cx="534838" cy="534838"/>
+          </a:xfrm>
+          <a:prstGeom prst="ellipse">
+            <a:avLst/>
+          </a:prstGeom>
+        </p:spPr>
+        <p:style>
+          <a:lnRef idx="2">
+            <a:schemeClr val="accent1">
+              <a:shade val="50000"/>
+            </a:schemeClr>
+          </a:lnRef>
+          <a:fillRef idx="1">
+            <a:schemeClr val="accent1"/>
+          </a:fillRef>
+          <a:effectRef idx="0">
+            <a:schemeClr val="accent1"/>
+          </a:effectRef>
+          <a:fontRef idx="minor">
+            <a:schemeClr val="lt1"/>
+          </a:fontRef>
+        </p:style>
+        <p:txBody>
+          <a:bodyPr rtlCol="0" anchor="ctr"/>
+          <a:lstStyle/>
+          <a:p>
+            <a:pPr algn="ctr"/>
+            <a:r>
+              <a:rPr lang="zh-CN" altLang="en-US" b="1" dirty="0" smtClean="0">
+                <a:latin typeface="楷体" panose="02010609060101010101" pitchFamily="49" charset="-122"/>
+                <a:ea typeface="楷体" panose="02010609060101010101" pitchFamily="49" charset="-122"/>
+              </a:rPr>
+              <a:t>辰</a:t>
+            </a:r>
+            <a:endParaRPr lang="zh-CN" altLang="en-US" b="1" dirty="0">
+              <a:latin typeface="楷体" panose="02010609060101010101" pitchFamily="49" charset="-122"/>
+              <a:ea typeface="楷体" panose="02010609060101010101" pitchFamily="49" charset="-122"/>
+            </a:endParaRPr>
+          </a:p>
+        </p:txBody>
+      </p:sp>
+      <p:sp>
+        <p:nvSpPr>
+          <p:cNvPr id="32" name="椭圆 31"/>
+          <p:cNvSpPr/>
+          <p:nvPr/>
+        </p:nvSpPr>
+        <p:spPr>
+          <a:xfrm>
+            <a:off x="6650249" y="5187976"/>
+            <a:ext cx="534838" cy="534838"/>
+          </a:xfrm>
+          <a:prstGeom prst="ellipse">
+            <a:avLst/>
+          </a:prstGeom>
+        </p:spPr>
+        <p:style>
+          <a:lnRef idx="2">
+            <a:schemeClr val="accent1">
+              <a:shade val="50000"/>
+            </a:schemeClr>
+          </a:lnRef>
+          <a:fillRef idx="1">
+            <a:schemeClr val="accent1"/>
+          </a:fillRef>
+          <a:effectRef idx="0">
+            <a:schemeClr val="accent1"/>
+          </a:effectRef>
+          <a:fontRef idx="minor">
+            <a:schemeClr val="lt1"/>
+          </a:fontRef>
+        </p:style>
+        <p:txBody>
+          <a:bodyPr rtlCol="0" anchor="ctr"/>
+          <a:lstStyle/>
+          <a:p>
+            <a:pPr algn="ctr"/>
+            <a:r>
+              <a:rPr lang="zh-CN" altLang="en-US" b="1" dirty="0" smtClean="0">
+                <a:latin typeface="楷体" panose="02010609060101010101" pitchFamily="49" charset="-122"/>
+                <a:ea typeface="楷体" panose="02010609060101010101" pitchFamily="49" charset="-122"/>
+              </a:rPr>
+              <a:t>巳</a:t>
+            </a:r>
+            <a:endParaRPr lang="zh-CN" altLang="en-US" b="1" dirty="0">
+              <a:latin typeface="楷体" panose="02010609060101010101" pitchFamily="49" charset="-122"/>
+              <a:ea typeface="楷体" panose="02010609060101010101" pitchFamily="49" charset="-122"/>
+            </a:endParaRPr>
+          </a:p>
+        </p:txBody>
+      </p:sp>
+      <p:sp>
+        <p:nvSpPr>
+          <p:cNvPr id="33" name="椭圆 32"/>
+          <p:cNvSpPr/>
+          <p:nvPr/>
+        </p:nvSpPr>
+        <p:spPr>
+          <a:xfrm>
+            <a:off x="5164349" y="5774580"/>
+            <a:ext cx="534838" cy="534838"/>
+          </a:xfrm>
+          <a:prstGeom prst="ellipse">
+            <a:avLst/>
+          </a:prstGeom>
+        </p:spPr>
+        <p:style>
+          <a:lnRef idx="2">
+            <a:schemeClr val="accent1">
+              <a:shade val="50000"/>
+            </a:schemeClr>
+          </a:lnRef>
+          <a:fillRef idx="1">
+            <a:schemeClr val="accent1"/>
+          </a:fillRef>
+          <a:effectRef idx="0">
+            <a:schemeClr val="accent1"/>
+          </a:effectRef>
+          <a:fontRef idx="minor">
+            <a:schemeClr val="lt1"/>
+          </a:fontRef>
+        </p:style>
+        <p:txBody>
+          <a:bodyPr rtlCol="0" anchor="ctr"/>
+          <a:lstStyle/>
+          <a:p>
+            <a:pPr algn="ctr"/>
+            <a:r>
+              <a:rPr lang="zh-CN" altLang="en-US" b="1" dirty="0" smtClean="0">
+                <a:latin typeface="楷体" panose="02010609060101010101" pitchFamily="49" charset="-122"/>
+                <a:ea typeface="楷体" panose="02010609060101010101" pitchFamily="49" charset="-122"/>
+              </a:rPr>
+              <a:t>午</a:t>
+            </a:r>
+            <a:endParaRPr lang="zh-CN" altLang="en-US" b="1" dirty="0">
+              <a:latin typeface="楷体" panose="02010609060101010101" pitchFamily="49" charset="-122"/>
+              <a:ea typeface="楷体" panose="02010609060101010101" pitchFamily="49" charset="-122"/>
+            </a:endParaRPr>
+          </a:p>
+        </p:txBody>
+      </p:sp>
+      <p:sp>
+        <p:nvSpPr>
+          <p:cNvPr id="34" name="椭圆 33"/>
+          <p:cNvSpPr/>
+          <p:nvPr/>
+        </p:nvSpPr>
+        <p:spPr>
+          <a:xfrm>
+            <a:off x="3678450" y="5151322"/>
+            <a:ext cx="534838" cy="534838"/>
+          </a:xfrm>
+          <a:prstGeom prst="ellipse">
+            <a:avLst/>
+          </a:prstGeom>
+        </p:spPr>
+        <p:style>
+          <a:lnRef idx="2">
+            <a:schemeClr val="accent1">
+              <a:shade val="50000"/>
+            </a:schemeClr>
+          </a:lnRef>
+          <a:fillRef idx="1">
+            <a:schemeClr val="accent1"/>
+          </a:fillRef>
+          <a:effectRef idx="0">
+            <a:schemeClr val="accent1"/>
+          </a:effectRef>
+          <a:fontRef idx="minor">
+            <a:schemeClr val="lt1"/>
+          </a:fontRef>
+        </p:style>
+        <p:txBody>
+          <a:bodyPr rtlCol="0" anchor="ctr"/>
+          <a:lstStyle/>
+          <a:p>
+            <a:pPr algn="ctr"/>
+            <a:r>
+              <a:rPr lang="zh-CN" altLang="en-US" b="1" dirty="0" smtClean="0">
+                <a:latin typeface="楷体" panose="02010609060101010101" pitchFamily="49" charset="-122"/>
+                <a:ea typeface="楷体" panose="02010609060101010101" pitchFamily="49" charset="-122"/>
+              </a:rPr>
+              <a:t>未</a:t>
+            </a:r>
+            <a:endParaRPr lang="zh-CN" altLang="en-US" b="1" dirty="0">
+              <a:latin typeface="楷体" panose="02010609060101010101" pitchFamily="49" charset="-122"/>
+              <a:ea typeface="楷体" panose="02010609060101010101" pitchFamily="49" charset="-122"/>
+            </a:endParaRPr>
+          </a:p>
+        </p:txBody>
+      </p:sp>
+      <p:sp>
+        <p:nvSpPr>
+          <p:cNvPr id="35" name="椭圆 34"/>
+          <p:cNvSpPr/>
+          <p:nvPr/>
+        </p:nvSpPr>
+        <p:spPr>
+          <a:xfrm>
+            <a:off x="2817967" y="4228291"/>
+            <a:ext cx="534838" cy="534838"/>
+          </a:xfrm>
+          <a:prstGeom prst="ellipse">
+            <a:avLst/>
+          </a:prstGeom>
+        </p:spPr>
+        <p:style>
+          <a:lnRef idx="2">
+            <a:schemeClr val="accent1">
+              <a:shade val="50000"/>
+            </a:schemeClr>
+          </a:lnRef>
+          <a:fillRef idx="1">
+            <a:schemeClr val="accent1"/>
+          </a:fillRef>
+          <a:effectRef idx="0">
+            <a:schemeClr val="accent1"/>
+          </a:effectRef>
+          <a:fontRef idx="minor">
+            <a:schemeClr val="lt1"/>
+          </a:fontRef>
+        </p:style>
+        <p:txBody>
+          <a:bodyPr rtlCol="0" anchor="ctr"/>
+          <a:lstStyle/>
+          <a:p>
+            <a:pPr algn="ctr"/>
+            <a:r>
+              <a:rPr lang="zh-CN" altLang="en-US" b="1" dirty="0" smtClean="0">
+                <a:latin typeface="楷体" panose="02010609060101010101" pitchFamily="49" charset="-122"/>
+                <a:ea typeface="楷体" panose="02010609060101010101" pitchFamily="49" charset="-122"/>
+              </a:rPr>
+              <a:t>申</a:t>
+            </a:r>
+            <a:endParaRPr lang="zh-CN" altLang="en-US" b="1" dirty="0">
+              <a:latin typeface="楷体" panose="02010609060101010101" pitchFamily="49" charset="-122"/>
+              <a:ea typeface="楷体" panose="02010609060101010101" pitchFamily="49" charset="-122"/>
+            </a:endParaRPr>
+          </a:p>
+        </p:txBody>
+      </p:sp>
+      <p:sp>
+        <p:nvSpPr>
+          <p:cNvPr id="36" name="椭圆 35"/>
+          <p:cNvSpPr/>
+          <p:nvPr/>
+        </p:nvSpPr>
+        <p:spPr>
+          <a:xfrm>
+            <a:off x="2459969" y="2981779"/>
+            <a:ext cx="534838" cy="534838"/>
+          </a:xfrm>
+          <a:prstGeom prst="ellipse">
+            <a:avLst/>
+          </a:prstGeom>
+        </p:spPr>
+        <p:style>
+          <a:lnRef idx="2">
+            <a:schemeClr val="accent1">
+              <a:shade val="50000"/>
+            </a:schemeClr>
+          </a:lnRef>
+          <a:fillRef idx="1">
+            <a:schemeClr val="accent1"/>
+          </a:fillRef>
+          <a:effectRef idx="0">
+            <a:schemeClr val="accent1"/>
+          </a:effectRef>
+          <a:fontRef idx="minor">
+            <a:schemeClr val="lt1"/>
+          </a:fontRef>
+        </p:style>
+        <p:txBody>
+          <a:bodyPr rtlCol="0" anchor="ctr"/>
+          <a:lstStyle/>
+          <a:p>
+            <a:pPr algn="ctr"/>
+            <a:r>
+              <a:rPr lang="zh-CN" altLang="en-US" b="1" dirty="0" smtClean="0">
+                <a:latin typeface="楷体" panose="02010609060101010101" pitchFamily="49" charset="-122"/>
+                <a:ea typeface="楷体" panose="02010609060101010101" pitchFamily="49" charset="-122"/>
+              </a:rPr>
+              <a:t>酉</a:t>
+            </a:r>
+            <a:endParaRPr lang="zh-CN" altLang="en-US" b="1" dirty="0">
+              <a:latin typeface="楷体" panose="02010609060101010101" pitchFamily="49" charset="-122"/>
+              <a:ea typeface="楷体" panose="02010609060101010101" pitchFamily="49" charset="-122"/>
+            </a:endParaRPr>
+          </a:p>
+        </p:txBody>
+      </p:sp>
+      <p:sp>
+        <p:nvSpPr>
+          <p:cNvPr id="37" name="椭圆 36"/>
+          <p:cNvSpPr/>
+          <p:nvPr/>
+        </p:nvSpPr>
+        <p:spPr>
+          <a:xfrm>
+            <a:off x="2817967" y="1735267"/>
+            <a:ext cx="534838" cy="534838"/>
+          </a:xfrm>
+          <a:prstGeom prst="ellipse">
+            <a:avLst/>
+          </a:prstGeom>
+        </p:spPr>
+        <p:style>
+          <a:lnRef idx="2">
+            <a:schemeClr val="accent1">
+              <a:shade val="50000"/>
+            </a:schemeClr>
+          </a:lnRef>
+          <a:fillRef idx="1">
+            <a:schemeClr val="accent1"/>
+          </a:fillRef>
+          <a:effectRef idx="0">
+            <a:schemeClr val="accent1"/>
+          </a:effectRef>
+          <a:fontRef idx="minor">
+            <a:schemeClr val="lt1"/>
+          </a:fontRef>
+        </p:style>
+        <p:txBody>
+          <a:bodyPr rtlCol="0" anchor="ctr"/>
+          <a:lstStyle/>
+          <a:p>
+            <a:pPr algn="ctr"/>
+            <a:r>
+              <a:rPr lang="zh-CN" altLang="en-US" b="1" dirty="0" smtClean="0">
+                <a:latin typeface="楷体" panose="02010609060101010101" pitchFamily="49" charset="-122"/>
+                <a:ea typeface="楷体" panose="02010609060101010101" pitchFamily="49" charset="-122"/>
+              </a:rPr>
+              <a:t>戌</a:t>
+            </a:r>
+            <a:endParaRPr lang="zh-CN" altLang="en-US" b="1" dirty="0">
+              <a:latin typeface="楷体" panose="02010609060101010101" pitchFamily="49" charset="-122"/>
+              <a:ea typeface="楷体" panose="02010609060101010101" pitchFamily="49" charset="-122"/>
+            </a:endParaRPr>
+          </a:p>
+        </p:txBody>
+      </p:sp>
+      <p:sp>
+        <p:nvSpPr>
+          <p:cNvPr id="38" name="椭圆 37"/>
+          <p:cNvSpPr/>
+          <p:nvPr/>
+        </p:nvSpPr>
+        <p:spPr>
+          <a:xfrm>
+            <a:off x="3723740" y="759676"/>
+            <a:ext cx="534838" cy="534838"/>
+          </a:xfrm>
+          <a:prstGeom prst="ellipse">
+            <a:avLst/>
+          </a:prstGeom>
+        </p:spPr>
+        <p:style>
+          <a:lnRef idx="2">
+            <a:schemeClr val="accent1">
+              <a:shade val="50000"/>
+            </a:schemeClr>
+          </a:lnRef>
+          <a:fillRef idx="1">
+            <a:schemeClr val="accent1"/>
+          </a:fillRef>
+          <a:effectRef idx="0">
+            <a:schemeClr val="accent1"/>
+          </a:effectRef>
+          <a:fontRef idx="minor">
+            <a:schemeClr val="lt1"/>
+          </a:fontRef>
+        </p:style>
+        <p:txBody>
+          <a:bodyPr rtlCol="0" anchor="ctr"/>
+          <a:lstStyle/>
+          <a:p>
+            <a:pPr algn="ctr"/>
+            <a:r>
+              <a:rPr lang="zh-CN" altLang="en-US" b="1" dirty="0" smtClean="0">
+                <a:latin typeface="楷体" panose="02010609060101010101" pitchFamily="49" charset="-122"/>
+                <a:ea typeface="楷体" panose="02010609060101010101" pitchFamily="49" charset="-122"/>
+              </a:rPr>
+              <a:t>亥</a:t>
+            </a:r>
+            <a:endParaRPr lang="zh-CN" altLang="en-US" b="1" dirty="0">
+              <a:latin typeface="楷体" panose="02010609060101010101" pitchFamily="49" charset="-122"/>
+              <a:ea typeface="楷体" panose="02010609060101010101" pitchFamily="49" charset="-122"/>
+            </a:endParaRPr>
+          </a:p>
+        </p:txBody>
+      </p:sp>
+      <p:sp>
+        <p:nvSpPr>
+          <p:cNvPr id="39" name="文本框 38"/>
+          <p:cNvSpPr txBox="1"/>
+          <p:nvPr/>
+        </p:nvSpPr>
+        <p:spPr>
+          <a:xfrm>
+            <a:off x="5202897" y="1611544"/>
+            <a:ext cx="992579" cy="369332"/>
+          </a:xfrm>
+          <a:prstGeom prst="rect">
+            <a:avLst/>
+          </a:prstGeom>
+          <a:noFill/>
+        </p:spPr>
+        <p:txBody>
+          <a:bodyPr wrap="none" rtlCol="0">
+            <a:spAutoFit/>
+          </a:bodyPr>
+          <a:lstStyle/>
+          <a:p>
+            <a:r>
+              <a:rPr lang="en-US" altLang="zh-CN" b="1" dirty="0" smtClean="0">
+                <a:solidFill>
+                  <a:schemeClr val="bg1"/>
+                </a:solidFill>
+                <a:latin typeface="楷体" panose="02010609060101010101" pitchFamily="49" charset="-122"/>
+                <a:ea typeface="楷体" panose="02010609060101010101" pitchFamily="49" charset="-122"/>
+              </a:rPr>
+              <a:t>42 </a:t>
+            </a:r>
+            <a:r>
+              <a:rPr lang="zh-CN" altLang="en-US" b="1" dirty="0" smtClean="0">
+                <a:solidFill>
+                  <a:schemeClr val="bg1"/>
+                </a:solidFill>
+                <a:latin typeface="楷体" panose="02010609060101010101" pitchFamily="49" charset="-122"/>
+                <a:ea typeface="楷体" panose="02010609060101010101" pitchFamily="49" charset="-122"/>
+              </a:rPr>
+              <a:t>六合</a:t>
+            </a:r>
+            <a:endParaRPr lang="zh-CN" altLang="en-US" b="1" dirty="0">
+              <a:solidFill>
+                <a:schemeClr val="bg1"/>
+              </a:solidFill>
+              <a:latin typeface="楷体" panose="02010609060101010101" pitchFamily="49" charset="-122"/>
+              <a:ea typeface="楷体" panose="02010609060101010101" pitchFamily="49" charset="-122"/>
+            </a:endParaRPr>
+          </a:p>
+        </p:txBody>
+      </p:sp>
+      <p:sp>
+        <p:nvSpPr>
+          <p:cNvPr id="40" name="椭圆 39"/>
+          <p:cNvSpPr/>
+          <p:nvPr/>
+        </p:nvSpPr>
+        <p:spPr>
+          <a:xfrm>
+            <a:off x="2727388" y="544818"/>
+            <a:ext cx="5408761" cy="5408761"/>
+          </a:xfrm>
+          <a:prstGeom prst="ellipse">
+            <a:avLst/>
+          </a:prstGeom>
+          <a:noFill/>
+        </p:spPr>
+        <p:style>
+          <a:lnRef idx="2">
+            <a:schemeClr val="accent1">
+              <a:shade val="50000"/>
+            </a:schemeClr>
+          </a:lnRef>
+          <a:fillRef idx="1">
+            <a:schemeClr val="accent1"/>
+          </a:fillRef>
+          <a:effectRef idx="0">
+            <a:schemeClr val="accent1"/>
+          </a:effectRef>
+          <a:fontRef idx="minor">
+            <a:schemeClr val="lt1"/>
+          </a:fontRef>
+        </p:style>
+        <p:txBody>
+          <a:bodyPr rtlCol="0" anchor="ctr"/>
+          <a:lstStyle/>
+          <a:p>
+            <a:pPr algn="ctr"/>
+            <a:endParaRPr lang="zh-CN" altLang="en-US" b="1">
+              <a:latin typeface="楷体" panose="02010609060101010101" pitchFamily="49" charset="-122"/>
+              <a:ea typeface="楷体" panose="02010609060101010101" pitchFamily="49" charset="-122"/>
+            </a:endParaRPr>
+          </a:p>
+        </p:txBody>
+      </p:sp>
+      <p:cxnSp>
+        <p:nvCxnSpPr>
+          <p:cNvPr id="41" name="直接连接符 40"/>
+          <p:cNvCxnSpPr/>
+          <p:nvPr/>
+        </p:nvCxnSpPr>
+        <p:spPr>
+          <a:xfrm flipV="1">
+            <a:off x="4446193" y="307591"/>
+            <a:ext cx="1915069" cy="5883214"/>
+          </a:xfrm>
+          <a:prstGeom prst="line">
+            <a:avLst/>
+          </a:prstGeom>
+        </p:spPr>
+        <p:style>
+          <a:lnRef idx="3">
+            <a:schemeClr val="accent2"/>
+          </a:lnRef>
+          <a:fillRef idx="0">
+            <a:schemeClr val="accent2"/>
+          </a:fillRef>
+          <a:effectRef idx="2">
+            <a:schemeClr val="accent2"/>
+          </a:effectRef>
+          <a:fontRef idx="minor">
+            <a:schemeClr val="tx1"/>
+          </a:fontRef>
+        </p:style>
+      </p:cxnSp>
+      <p:sp>
+        <p:nvSpPr>
+          <p:cNvPr id="42" name="矩形 41"/>
+          <p:cNvSpPr/>
+          <p:nvPr/>
+        </p:nvSpPr>
+        <p:spPr>
+          <a:xfrm>
+            <a:off x="1918626" y="1578633"/>
+            <a:ext cx="984565" cy="369332"/>
+          </a:xfrm>
+          <a:prstGeom prst="rect">
+            <a:avLst/>
+          </a:prstGeom>
+        </p:spPr>
+        <p:txBody>
+          <a:bodyPr wrap="none">
+            <a:spAutoFit/>
+          </a:bodyPr>
+          <a:lstStyle/>
+          <a:p>
+            <a:r>
+              <a:rPr lang="en-US" altLang="zh-CN" dirty="0" smtClean="0">
+                <a:solidFill>
+                  <a:schemeClr val="tx2"/>
+                </a:solidFill>
+                <a:latin typeface="Helvetica Neue"/>
+              </a:rPr>
+              <a:t>Aries</a:t>
+            </a:r>
+            <a:r>
+              <a:rPr lang="zh-CN" altLang="en-US" dirty="0" smtClean="0">
+                <a:solidFill>
+                  <a:schemeClr val="tx2"/>
+                </a:solidFill>
+                <a:latin typeface="Helvetica Neue"/>
+              </a:rPr>
+              <a:t>♈</a:t>
+            </a:r>
+            <a:endParaRPr lang="zh-CN" altLang="en-US" dirty="0">
+              <a:solidFill>
+                <a:schemeClr val="tx2"/>
+              </a:solidFill>
+            </a:endParaRPr>
+          </a:p>
+        </p:txBody>
+      </p:sp>
+      <p:sp>
+        <p:nvSpPr>
+          <p:cNvPr id="44" name="矩形 43"/>
+          <p:cNvSpPr/>
+          <p:nvPr/>
+        </p:nvSpPr>
+        <p:spPr>
+          <a:xfrm>
+            <a:off x="1461183" y="3064532"/>
+            <a:ext cx="1101584" cy="369332"/>
+          </a:xfrm>
+          <a:prstGeom prst="rect">
+            <a:avLst/>
+          </a:prstGeom>
+        </p:spPr>
+        <p:txBody>
+          <a:bodyPr wrap="none">
+            <a:spAutoFit/>
+          </a:bodyPr>
+          <a:lstStyle/>
+          <a:p>
+            <a:r>
+              <a:rPr lang="en-US" altLang="zh-CN" u="sng" dirty="0" smtClean="0">
+                <a:solidFill>
+                  <a:schemeClr val="tx2"/>
+                </a:solidFill>
+                <a:latin typeface="Helvetica Neue"/>
+              </a:rPr>
+              <a:t>Taurus</a:t>
+            </a:r>
+            <a:r>
+              <a:rPr lang="zh-CN" altLang="en-US" dirty="0" smtClean="0">
+                <a:solidFill>
+                  <a:schemeClr val="tx2"/>
+                </a:solidFill>
+                <a:latin typeface="Helvetica Neue"/>
+              </a:rPr>
+              <a:t>♉</a:t>
+            </a:r>
+            <a:endParaRPr lang="zh-CN" altLang="en-US" dirty="0">
+              <a:solidFill>
+                <a:schemeClr val="tx2"/>
+              </a:solidFill>
+            </a:endParaRPr>
+          </a:p>
+        </p:txBody>
+      </p:sp>
+      <p:sp>
+        <p:nvSpPr>
+          <p:cNvPr id="45" name="矩形 44"/>
+          <p:cNvSpPr/>
+          <p:nvPr/>
+        </p:nvSpPr>
+        <p:spPr>
+          <a:xfrm>
+            <a:off x="2036961" y="4641008"/>
+            <a:ext cx="1075936" cy="369332"/>
+          </a:xfrm>
+          <a:prstGeom prst="rect">
+            <a:avLst/>
+          </a:prstGeom>
+        </p:spPr>
+        <p:txBody>
+          <a:bodyPr wrap="none">
+            <a:spAutoFit/>
+          </a:bodyPr>
+          <a:lstStyle/>
+          <a:p>
+            <a:r>
+              <a:rPr lang="en-US" altLang="zh-CN" u="sng" dirty="0" smtClean="0">
+                <a:solidFill>
+                  <a:schemeClr val="tx2"/>
+                </a:solidFill>
+                <a:latin typeface="Helvetica Neue"/>
+              </a:rPr>
+              <a:t>Gemini</a:t>
+            </a:r>
+            <a:r>
+              <a:rPr lang="zh-CN" altLang="en-US" dirty="0" smtClean="0">
+                <a:solidFill>
+                  <a:schemeClr val="tx2"/>
+                </a:solidFill>
+                <a:latin typeface="Helvetica Neue"/>
+              </a:rPr>
+              <a:t>♊</a:t>
+            </a:r>
+            <a:endParaRPr lang="zh-CN" altLang="en-US" dirty="0">
+              <a:solidFill>
+                <a:schemeClr val="tx2"/>
+              </a:solidFill>
+            </a:endParaRPr>
+          </a:p>
+        </p:txBody>
+      </p:sp>
+      <p:sp>
+        <p:nvSpPr>
+          <p:cNvPr id="46" name="矩形 45"/>
+          <p:cNvSpPr/>
+          <p:nvPr/>
+        </p:nvSpPr>
+        <p:spPr>
+          <a:xfrm>
+            <a:off x="2983863" y="5686160"/>
+            <a:ext cx="1101584" cy="369332"/>
+          </a:xfrm>
+          <a:prstGeom prst="rect">
+            <a:avLst/>
+          </a:prstGeom>
+        </p:spPr>
+        <p:txBody>
+          <a:bodyPr wrap="none">
+            <a:spAutoFit/>
+          </a:bodyPr>
+          <a:lstStyle/>
+          <a:p>
+            <a:r>
+              <a:rPr lang="en-US" altLang="zh-CN" u="sng" dirty="0" smtClean="0">
+                <a:solidFill>
+                  <a:schemeClr val="tx2"/>
+                </a:solidFill>
+                <a:latin typeface="Helvetica Neue"/>
+              </a:rPr>
+              <a:t>Cancer</a:t>
+            </a:r>
+            <a:r>
+              <a:rPr lang="zh-CN" altLang="en-US" dirty="0" smtClean="0">
+                <a:solidFill>
+                  <a:schemeClr val="tx2"/>
+                </a:solidFill>
+                <a:latin typeface="Helvetica Neue"/>
+              </a:rPr>
+              <a:t>♋</a:t>
+            </a:r>
+            <a:endParaRPr lang="zh-CN" altLang="en-US" dirty="0">
+              <a:solidFill>
+                <a:schemeClr val="tx2"/>
+              </a:solidFill>
+            </a:endParaRPr>
+          </a:p>
+        </p:txBody>
+      </p:sp>
+      <p:sp>
+        <p:nvSpPr>
+          <p:cNvPr id="47" name="矩形 46"/>
+          <p:cNvSpPr/>
+          <p:nvPr/>
+        </p:nvSpPr>
+        <p:spPr>
+          <a:xfrm>
+            <a:off x="5202897" y="6309418"/>
+            <a:ext cx="715260" cy="369332"/>
+          </a:xfrm>
+          <a:prstGeom prst="rect">
+            <a:avLst/>
+          </a:prstGeom>
+        </p:spPr>
+        <p:txBody>
+          <a:bodyPr wrap="none">
+            <a:spAutoFit/>
+          </a:bodyPr>
+          <a:lstStyle/>
+          <a:p>
+            <a:r>
+              <a:rPr lang="en-US" altLang="zh-CN" u="sng" dirty="0" smtClean="0">
+                <a:solidFill>
+                  <a:schemeClr val="tx2"/>
+                </a:solidFill>
+                <a:latin typeface="Helvetica Neue"/>
+              </a:rPr>
+              <a:t>Leo</a:t>
+            </a:r>
+            <a:r>
+              <a:rPr lang="zh-CN" altLang="en-US" dirty="0" smtClean="0">
+                <a:solidFill>
+                  <a:schemeClr val="tx2"/>
+                </a:solidFill>
+                <a:latin typeface="Helvetica Neue"/>
+              </a:rPr>
+              <a:t>♌</a:t>
+            </a:r>
+            <a:endParaRPr lang="zh-CN" altLang="en-US" dirty="0">
+              <a:solidFill>
+                <a:schemeClr val="tx2"/>
+              </a:solidFill>
+            </a:endParaRPr>
+          </a:p>
+        </p:txBody>
+      </p:sp>
+      <p:sp>
+        <p:nvSpPr>
+          <p:cNvPr id="48" name="矩形 47"/>
+          <p:cNvSpPr/>
+          <p:nvPr/>
+        </p:nvSpPr>
+        <p:spPr>
+          <a:xfrm>
+            <a:off x="6902515" y="5699630"/>
+            <a:ext cx="984565" cy="369332"/>
+          </a:xfrm>
+          <a:prstGeom prst="rect">
+            <a:avLst/>
+          </a:prstGeom>
+        </p:spPr>
+        <p:txBody>
+          <a:bodyPr wrap="none">
+            <a:spAutoFit/>
+          </a:bodyPr>
+          <a:lstStyle/>
+          <a:p>
+            <a:r>
+              <a:rPr lang="en-US" altLang="zh-CN" u="sng" dirty="0" smtClean="0">
+                <a:solidFill>
+                  <a:schemeClr val="tx2"/>
+                </a:solidFill>
+                <a:latin typeface="Helvetica Neue"/>
+              </a:rPr>
+              <a:t>Virgo</a:t>
+            </a:r>
+            <a:r>
+              <a:rPr lang="zh-CN" altLang="en-US" dirty="0" smtClean="0">
+                <a:solidFill>
+                  <a:schemeClr val="tx2"/>
+                </a:solidFill>
+                <a:latin typeface="Helvetica Neue"/>
+              </a:rPr>
+              <a:t>♍</a:t>
+            </a:r>
+            <a:endParaRPr lang="zh-CN" altLang="en-US" dirty="0">
+              <a:solidFill>
+                <a:schemeClr val="tx2"/>
+              </a:solidFill>
+            </a:endParaRPr>
+          </a:p>
+        </p:txBody>
+      </p:sp>
+      <p:sp>
+        <p:nvSpPr>
+          <p:cNvPr id="49" name="矩形 48"/>
+          <p:cNvSpPr/>
+          <p:nvPr/>
+        </p:nvSpPr>
+        <p:spPr>
+          <a:xfrm>
+            <a:off x="8002496" y="4670667"/>
+            <a:ext cx="970137" cy="369332"/>
+          </a:xfrm>
+          <a:prstGeom prst="rect">
+            <a:avLst/>
+          </a:prstGeom>
+        </p:spPr>
+        <p:txBody>
+          <a:bodyPr wrap="none">
+            <a:spAutoFit/>
+          </a:bodyPr>
+          <a:lstStyle/>
+          <a:p>
+            <a:r>
+              <a:rPr lang="en-US" altLang="zh-CN" dirty="0" smtClean="0">
+                <a:solidFill>
+                  <a:schemeClr val="tx2"/>
+                </a:solidFill>
+                <a:latin typeface="Helvetica Neue"/>
+              </a:rPr>
+              <a:t>Libra</a:t>
+            </a:r>
+            <a:r>
+              <a:rPr lang="zh-CN" altLang="en-US" dirty="0" smtClean="0">
+                <a:solidFill>
+                  <a:schemeClr val="tx2"/>
+                </a:solidFill>
+                <a:latin typeface="Helvetica Neue"/>
+              </a:rPr>
+              <a:t>♎</a:t>
+            </a:r>
+            <a:endParaRPr lang="zh-CN" altLang="en-US" dirty="0">
+              <a:solidFill>
+                <a:schemeClr val="tx2"/>
+              </a:solidFill>
+            </a:endParaRPr>
+          </a:p>
+        </p:txBody>
+      </p:sp>
+      <p:sp>
+        <p:nvSpPr>
+          <p:cNvPr id="50" name="矩形 49"/>
+          <p:cNvSpPr/>
+          <p:nvPr/>
+        </p:nvSpPr>
+        <p:spPr>
+          <a:xfrm>
+            <a:off x="8431076" y="3064532"/>
+            <a:ext cx="1213794" cy="369332"/>
+          </a:xfrm>
+          <a:prstGeom prst="rect">
+            <a:avLst/>
+          </a:prstGeom>
+        </p:spPr>
+        <p:txBody>
+          <a:bodyPr wrap="none">
+            <a:spAutoFit/>
+          </a:bodyPr>
+          <a:lstStyle/>
+          <a:p>
+            <a:r>
+              <a:rPr lang="en-US" altLang="zh-CN" u="sng" dirty="0" smtClean="0">
+                <a:solidFill>
+                  <a:schemeClr val="tx2"/>
+                </a:solidFill>
+                <a:latin typeface="Helvetica Neue"/>
+              </a:rPr>
+              <a:t>Scorpio</a:t>
+            </a:r>
+            <a:r>
+              <a:rPr lang="zh-CN" altLang="en-US" dirty="0" smtClean="0">
+                <a:solidFill>
+                  <a:schemeClr val="tx2"/>
+                </a:solidFill>
+                <a:latin typeface="Helvetica Neue"/>
+              </a:rPr>
+              <a:t>♏</a:t>
+            </a:r>
+            <a:endParaRPr lang="zh-CN" altLang="en-US" dirty="0">
+              <a:solidFill>
+                <a:schemeClr val="tx2"/>
+              </a:solidFill>
+            </a:endParaRPr>
+          </a:p>
+        </p:txBody>
+      </p:sp>
+      <p:sp>
+        <p:nvSpPr>
+          <p:cNvPr id="51" name="矩形 50"/>
+          <p:cNvSpPr/>
+          <p:nvPr/>
+        </p:nvSpPr>
+        <p:spPr>
+          <a:xfrm>
+            <a:off x="8086791" y="1778660"/>
+            <a:ext cx="1648208" cy="369332"/>
+          </a:xfrm>
+          <a:prstGeom prst="rect">
+            <a:avLst/>
+          </a:prstGeom>
+        </p:spPr>
+        <p:txBody>
+          <a:bodyPr wrap="none">
+            <a:spAutoFit/>
+          </a:bodyPr>
+          <a:lstStyle/>
+          <a:p>
+            <a:r>
+              <a:rPr lang="en-US" altLang="zh-CN" u="sng" dirty="0" smtClean="0">
+                <a:solidFill>
+                  <a:schemeClr val="tx2"/>
+                </a:solidFill>
+                <a:latin typeface="Helvetica Neue"/>
+              </a:rPr>
+              <a:t>Sagittarius</a:t>
+            </a:r>
+            <a:r>
+              <a:rPr lang="zh-CN" altLang="en-US" dirty="0" smtClean="0">
+                <a:solidFill>
+                  <a:schemeClr val="tx2"/>
+                </a:solidFill>
+                <a:latin typeface="Helvetica Neue"/>
+              </a:rPr>
+              <a:t>♐</a:t>
+            </a:r>
+            <a:endParaRPr lang="zh-CN" altLang="en-US" dirty="0">
+              <a:solidFill>
+                <a:schemeClr val="tx2"/>
+              </a:solidFill>
+            </a:endParaRPr>
+          </a:p>
+        </p:txBody>
+      </p:sp>
+      <p:sp>
+        <p:nvSpPr>
+          <p:cNvPr id="52" name="矩形 51"/>
+          <p:cNvSpPr/>
+          <p:nvPr/>
+        </p:nvSpPr>
+        <p:spPr>
+          <a:xfrm>
+            <a:off x="6974133" y="544818"/>
+            <a:ext cx="1478290" cy="369332"/>
+          </a:xfrm>
+          <a:prstGeom prst="rect">
+            <a:avLst/>
+          </a:prstGeom>
+        </p:spPr>
+        <p:txBody>
+          <a:bodyPr wrap="none">
+            <a:spAutoFit/>
+          </a:bodyPr>
+          <a:lstStyle/>
+          <a:p>
+            <a:r>
+              <a:rPr lang="en-US" altLang="zh-CN" dirty="0" smtClean="0">
+                <a:solidFill>
+                  <a:schemeClr val="tx2"/>
+                </a:solidFill>
+                <a:latin typeface="Helvetica Neue"/>
+              </a:rPr>
+              <a:t>Capricorn</a:t>
+            </a:r>
+            <a:r>
+              <a:rPr lang="zh-CN" altLang="en-US" dirty="0" smtClean="0">
+                <a:solidFill>
+                  <a:schemeClr val="tx2"/>
+                </a:solidFill>
+                <a:latin typeface="Helvetica Neue"/>
+              </a:rPr>
+              <a:t>♑</a:t>
+            </a:r>
+            <a:endParaRPr lang="zh-CN" altLang="en-US" dirty="0">
+              <a:solidFill>
+                <a:schemeClr val="tx2"/>
+              </a:solidFill>
+            </a:endParaRPr>
+          </a:p>
+        </p:txBody>
+      </p:sp>
+      <p:sp>
+        <p:nvSpPr>
+          <p:cNvPr id="53" name="矩形 52"/>
+          <p:cNvSpPr/>
+          <p:nvPr/>
+        </p:nvSpPr>
+        <p:spPr>
+          <a:xfrm>
+            <a:off x="4766965" y="-20213"/>
+            <a:ext cx="1361270" cy="369332"/>
+          </a:xfrm>
+          <a:prstGeom prst="rect">
+            <a:avLst/>
+          </a:prstGeom>
+        </p:spPr>
+        <p:txBody>
+          <a:bodyPr wrap="none">
+            <a:spAutoFit/>
+          </a:bodyPr>
+          <a:lstStyle/>
+          <a:p>
+            <a:r>
+              <a:rPr lang="en-US" altLang="zh-CN" dirty="0" smtClean="0">
+                <a:solidFill>
+                  <a:schemeClr val="tx2"/>
+                </a:solidFill>
+                <a:latin typeface="Helvetica Neue"/>
+              </a:rPr>
+              <a:t>Aquarius</a:t>
+            </a:r>
+            <a:r>
+              <a:rPr lang="zh-CN" altLang="en-US" dirty="0" smtClean="0">
+                <a:solidFill>
+                  <a:schemeClr val="tx2"/>
+                </a:solidFill>
+                <a:latin typeface="Helvetica Neue"/>
+              </a:rPr>
+              <a:t>♒</a:t>
+            </a:r>
+            <a:endParaRPr lang="zh-CN" altLang="en-US" dirty="0">
+              <a:solidFill>
+                <a:schemeClr val="tx2"/>
+              </a:solidFill>
+            </a:endParaRPr>
+          </a:p>
+        </p:txBody>
+      </p:sp>
+      <p:sp>
+        <p:nvSpPr>
+          <p:cNvPr id="54" name="矩形 53"/>
+          <p:cNvSpPr/>
+          <p:nvPr/>
+        </p:nvSpPr>
+        <p:spPr>
+          <a:xfrm>
+            <a:off x="2813340" y="544818"/>
+            <a:ext cx="1040670" cy="369332"/>
+          </a:xfrm>
+          <a:prstGeom prst="rect">
+            <a:avLst/>
+          </a:prstGeom>
+        </p:spPr>
+        <p:txBody>
+          <a:bodyPr wrap="none">
+            <a:spAutoFit/>
+          </a:bodyPr>
+          <a:lstStyle/>
+          <a:p>
+            <a:r>
+              <a:rPr lang="en-US" altLang="zh-CN" dirty="0" smtClean="0">
+                <a:solidFill>
+                  <a:schemeClr val="tx2"/>
+                </a:solidFill>
+                <a:latin typeface="Helvetica Neue"/>
+              </a:rPr>
+              <a:t>Pisces</a:t>
+            </a:r>
+            <a:r>
+              <a:rPr lang="zh-CN" altLang="en-US" dirty="0" smtClean="0">
+                <a:solidFill>
+                  <a:schemeClr val="tx2"/>
+                </a:solidFill>
+                <a:latin typeface="Helvetica Neue"/>
+              </a:rPr>
+              <a:t>♓</a:t>
+            </a:r>
+            <a:endParaRPr lang="zh-CN" altLang="en-US" dirty="0">
+              <a:solidFill>
+                <a:schemeClr val="tx2"/>
+              </a:solidFill>
+            </a:endParaRPr>
+          </a:p>
+        </p:txBody>
+      </p:sp>
+    </p:spTree>
+    <p:extLst>
+      <p:ext uri="{BB962C8B-B14F-4D97-AF65-F5344CB8AC3E}">
+        <p14:creationId xmlns:p14="http://schemas.microsoft.com/office/powerpoint/2010/main" val="3634505489"/>
       </p:ext>
     </p:extLst>
   </p:cSld>

--- a/prophecy/学魔法.pptx
+++ b/prophecy/学魔法.pptx
@@ -15,16 +15,17 @@
     <p:sldId id="263" r:id="rId9"/>
     <p:sldId id="264" r:id="rId10"/>
     <p:sldId id="265" r:id="rId11"/>
-    <p:sldId id="266" r:id="rId12"/>
-    <p:sldId id="267" r:id="rId13"/>
-    <p:sldId id="275" r:id="rId14"/>
-    <p:sldId id="268" r:id="rId15"/>
-    <p:sldId id="269" r:id="rId16"/>
-    <p:sldId id="270" r:id="rId17"/>
-    <p:sldId id="271" r:id="rId18"/>
-    <p:sldId id="272" r:id="rId19"/>
-    <p:sldId id="273" r:id="rId20"/>
-    <p:sldId id="274" r:id="rId21"/>
+    <p:sldId id="276" r:id="rId12"/>
+    <p:sldId id="266" r:id="rId13"/>
+    <p:sldId id="267" r:id="rId14"/>
+    <p:sldId id="275" r:id="rId15"/>
+    <p:sldId id="268" r:id="rId16"/>
+    <p:sldId id="269" r:id="rId17"/>
+    <p:sldId id="270" r:id="rId18"/>
+    <p:sldId id="271" r:id="rId19"/>
+    <p:sldId id="272" r:id="rId20"/>
+    <p:sldId id="273" r:id="rId21"/>
+    <p:sldId id="274" r:id="rId22"/>
   </p:sldIdLst>
   <p:sldSz cx="12192000" cy="6858000"/>
   <p:notesSz cx="6858000" cy="9144000"/>
@@ -262,7 +263,7 @@
           <a:p>
             <a:fld id="{D158A3A6-BB24-48D8-87E0-EE8C50041EAA}" type="datetimeFigureOut">
               <a:rPr lang="zh-CN" altLang="en-US" smtClean="0"/>
-              <a:t>2022/12/21</a:t>
+              <a:t>2022/12/22</a:t>
             </a:fld>
             <a:endParaRPr lang="zh-CN" altLang="en-US"/>
           </a:p>
@@ -432,7 +433,7 @@
           <a:p>
             <a:fld id="{D158A3A6-BB24-48D8-87E0-EE8C50041EAA}" type="datetimeFigureOut">
               <a:rPr lang="zh-CN" altLang="en-US" smtClean="0"/>
-              <a:t>2022/12/21</a:t>
+              <a:t>2022/12/22</a:t>
             </a:fld>
             <a:endParaRPr lang="zh-CN" altLang="en-US"/>
           </a:p>
@@ -612,7 +613,7 @@
           <a:p>
             <a:fld id="{D158A3A6-BB24-48D8-87E0-EE8C50041EAA}" type="datetimeFigureOut">
               <a:rPr lang="zh-CN" altLang="en-US" smtClean="0"/>
-              <a:t>2022/12/21</a:t>
+              <a:t>2022/12/22</a:t>
             </a:fld>
             <a:endParaRPr lang="zh-CN" altLang="en-US"/>
           </a:p>
@@ -782,7 +783,7 @@
           <a:p>
             <a:fld id="{D158A3A6-BB24-48D8-87E0-EE8C50041EAA}" type="datetimeFigureOut">
               <a:rPr lang="zh-CN" altLang="en-US" smtClean="0"/>
-              <a:t>2022/12/21</a:t>
+              <a:t>2022/12/22</a:t>
             </a:fld>
             <a:endParaRPr lang="zh-CN" altLang="en-US"/>
           </a:p>
@@ -1028,7 +1029,7 @@
           <a:p>
             <a:fld id="{D158A3A6-BB24-48D8-87E0-EE8C50041EAA}" type="datetimeFigureOut">
               <a:rPr lang="zh-CN" altLang="en-US" smtClean="0"/>
-              <a:t>2022/12/21</a:t>
+              <a:t>2022/12/22</a:t>
             </a:fld>
             <a:endParaRPr lang="zh-CN" altLang="en-US"/>
           </a:p>
@@ -1260,7 +1261,7 @@
           <a:p>
             <a:fld id="{D158A3A6-BB24-48D8-87E0-EE8C50041EAA}" type="datetimeFigureOut">
               <a:rPr lang="zh-CN" altLang="en-US" smtClean="0"/>
-              <a:t>2022/12/21</a:t>
+              <a:t>2022/12/22</a:t>
             </a:fld>
             <a:endParaRPr lang="zh-CN" altLang="en-US"/>
           </a:p>
@@ -1627,7 +1628,7 @@
           <a:p>
             <a:fld id="{D158A3A6-BB24-48D8-87E0-EE8C50041EAA}" type="datetimeFigureOut">
               <a:rPr lang="zh-CN" altLang="en-US" smtClean="0"/>
-              <a:t>2022/12/21</a:t>
+              <a:t>2022/12/22</a:t>
             </a:fld>
             <a:endParaRPr lang="zh-CN" altLang="en-US"/>
           </a:p>
@@ -1745,7 +1746,7 @@
           <a:p>
             <a:fld id="{D158A3A6-BB24-48D8-87E0-EE8C50041EAA}" type="datetimeFigureOut">
               <a:rPr lang="zh-CN" altLang="en-US" smtClean="0"/>
-              <a:t>2022/12/21</a:t>
+              <a:t>2022/12/22</a:t>
             </a:fld>
             <a:endParaRPr lang="zh-CN" altLang="en-US"/>
           </a:p>
@@ -1840,7 +1841,7 @@
           <a:p>
             <a:fld id="{D158A3A6-BB24-48D8-87E0-EE8C50041EAA}" type="datetimeFigureOut">
               <a:rPr lang="zh-CN" altLang="en-US" smtClean="0"/>
-              <a:t>2022/12/21</a:t>
+              <a:t>2022/12/22</a:t>
             </a:fld>
             <a:endParaRPr lang="zh-CN" altLang="en-US"/>
           </a:p>
@@ -2117,7 +2118,7 @@
           <a:p>
             <a:fld id="{D158A3A6-BB24-48D8-87E0-EE8C50041EAA}" type="datetimeFigureOut">
               <a:rPr lang="zh-CN" altLang="en-US" smtClean="0"/>
-              <a:t>2022/12/21</a:t>
+              <a:t>2022/12/22</a:t>
             </a:fld>
             <a:endParaRPr lang="zh-CN" altLang="en-US"/>
           </a:p>
@@ -2370,7 +2371,7 @@
           <a:p>
             <a:fld id="{D158A3A6-BB24-48D8-87E0-EE8C50041EAA}" type="datetimeFigureOut">
               <a:rPr lang="zh-CN" altLang="en-US" smtClean="0"/>
-              <a:t>2022/12/21</a:t>
+              <a:t>2022/12/22</a:t>
             </a:fld>
             <a:endParaRPr lang="zh-CN" altLang="en-US"/>
           </a:p>
@@ -2583,7 +2584,7 @@
           <a:p>
             <a:fld id="{D158A3A6-BB24-48D8-87E0-EE8C50041EAA}" type="datetimeFigureOut">
               <a:rPr lang="zh-CN" altLang="en-US" smtClean="0"/>
-              <a:t>2022/12/21</a:t>
+              <a:t>2022/12/22</a:t>
             </a:fld>
             <a:endParaRPr lang="zh-CN" altLang="en-US"/>
           </a:p>
@@ -5409,8 +5410,8 @@
         </p:nvSpPr>
         <p:spPr>
           <a:xfrm>
-            <a:off x="7127411" y="1098218"/>
-            <a:ext cx="4567471" cy="2585323"/>
+            <a:off x="6938576" y="620637"/>
+            <a:ext cx="4974814" cy="5355312"/>
           </a:xfrm>
           <a:prstGeom prst="rect">
             <a:avLst/>
@@ -5709,6 +5710,115 @@
                 <a:ea typeface="楷体" panose="02010609060101010101" pitchFamily="49" charset="-122"/>
               </a:rPr>
               <a:t>交流</a:t>
+            </a:r>
+            <a:endParaRPr lang="en-US" altLang="zh-CN" b="1" dirty="0" smtClean="0">
+              <a:latin typeface="楷体" panose="02010609060101010101" pitchFamily="49" charset="-122"/>
+              <a:ea typeface="楷体" panose="02010609060101010101" pitchFamily="49" charset="-122"/>
+            </a:endParaRPr>
+          </a:p>
+          <a:p>
+            <a:endParaRPr lang="en-US" altLang="zh-CN" b="1" dirty="0">
+              <a:latin typeface="楷体" panose="02010609060101010101" pitchFamily="49" charset="-122"/>
+              <a:ea typeface="楷体" panose="02010609060101010101" pitchFamily="49" charset="-122"/>
+            </a:endParaRPr>
+          </a:p>
+          <a:p>
+            <a:r>
+              <a:rPr lang="zh-CN" altLang="en-US" b="1" dirty="0" smtClean="0">
+                <a:latin typeface="楷体" panose="02010609060101010101" pitchFamily="49" charset="-122"/>
+                <a:ea typeface="楷体" panose="02010609060101010101" pitchFamily="49" charset="-122"/>
+              </a:rPr>
+              <a:t>黄道丑被赤道寅 克而绝</a:t>
+            </a:r>
+            <a:endParaRPr lang="en-US" altLang="zh-CN" b="1" dirty="0" smtClean="0">
+              <a:latin typeface="楷体" panose="02010609060101010101" pitchFamily="49" charset="-122"/>
+              <a:ea typeface="楷体" panose="02010609060101010101" pitchFamily="49" charset="-122"/>
+            </a:endParaRPr>
+          </a:p>
+          <a:p>
+            <a:r>
+              <a:rPr lang="zh-CN" altLang="en-US" b="1" dirty="0" smtClean="0">
+                <a:latin typeface="楷体" panose="02010609060101010101" pitchFamily="49" charset="-122"/>
+                <a:ea typeface="楷体" panose="02010609060101010101" pitchFamily="49" charset="-122"/>
+              </a:rPr>
+              <a:t>黄道辰被赤道巳 生而长生</a:t>
+            </a:r>
+            <a:endParaRPr lang="en-US" altLang="zh-CN" b="1" dirty="0" smtClean="0">
+              <a:latin typeface="楷体" panose="02010609060101010101" pitchFamily="49" charset="-122"/>
+              <a:ea typeface="楷体" panose="02010609060101010101" pitchFamily="49" charset="-122"/>
+            </a:endParaRPr>
+          </a:p>
+          <a:p>
+            <a:r>
+              <a:rPr lang="zh-CN" altLang="en-US" b="1" dirty="0" smtClean="0">
+                <a:latin typeface="楷体" panose="02010609060101010101" pitchFamily="49" charset="-122"/>
+                <a:ea typeface="楷体" panose="02010609060101010101" pitchFamily="49" charset="-122"/>
+              </a:rPr>
+              <a:t>黄道未生赤道申而临冠</a:t>
+            </a:r>
+            <a:endParaRPr lang="en-US" altLang="zh-CN" b="1" dirty="0">
+              <a:latin typeface="楷体" panose="02010609060101010101" pitchFamily="49" charset="-122"/>
+              <a:ea typeface="楷体" panose="02010609060101010101" pitchFamily="49" charset="-122"/>
+            </a:endParaRPr>
+          </a:p>
+          <a:p>
+            <a:r>
+              <a:rPr lang="zh-CN" altLang="en-US" b="1" dirty="0" smtClean="0">
+                <a:latin typeface="楷体" panose="02010609060101010101" pitchFamily="49" charset="-122"/>
+                <a:ea typeface="楷体" panose="02010609060101010101" pitchFamily="49" charset="-122"/>
+              </a:rPr>
+              <a:t>黄道戌克赤道亥而病</a:t>
+            </a:r>
+            <a:endParaRPr lang="en-US" altLang="zh-CN" b="1" dirty="0" smtClean="0">
+              <a:latin typeface="楷体" panose="02010609060101010101" pitchFamily="49" charset="-122"/>
+              <a:ea typeface="楷体" panose="02010609060101010101" pitchFamily="49" charset="-122"/>
+            </a:endParaRPr>
+          </a:p>
+          <a:p>
+            <a:endParaRPr lang="en-US" altLang="zh-CN" b="1" dirty="0">
+              <a:latin typeface="楷体" panose="02010609060101010101" pitchFamily="49" charset="-122"/>
+              <a:ea typeface="楷体" panose="02010609060101010101" pitchFamily="49" charset="-122"/>
+            </a:endParaRPr>
+          </a:p>
+          <a:p>
+            <a:r>
+              <a:rPr lang="zh-CN" altLang="en-US" b="1" dirty="0" smtClean="0">
+                <a:latin typeface="楷体" panose="02010609060101010101" pitchFamily="49" charset="-122"/>
+                <a:ea typeface="楷体" panose="02010609060101010101" pitchFamily="49" charset="-122"/>
+              </a:rPr>
+              <a:t>子午卯酉在临冠之下</a:t>
+            </a:r>
+            <a:endParaRPr lang="en-US" altLang="zh-CN" b="1" dirty="0" smtClean="0">
+              <a:latin typeface="楷体" panose="02010609060101010101" pitchFamily="49" charset="-122"/>
+              <a:ea typeface="楷体" panose="02010609060101010101" pitchFamily="49" charset="-122"/>
+            </a:endParaRPr>
+          </a:p>
+          <a:p>
+            <a:r>
+              <a:rPr lang="zh-CN" altLang="en-US" b="1" dirty="0" smtClean="0">
+                <a:latin typeface="楷体" panose="02010609060101010101" pitchFamily="49" charset="-122"/>
+                <a:ea typeface="楷体" panose="02010609060101010101" pitchFamily="49" charset="-122"/>
+              </a:rPr>
+              <a:t>寅申巳亥在冠带之下</a:t>
+            </a:r>
+            <a:endParaRPr lang="en-US" altLang="zh-CN" b="1" dirty="0" smtClean="0">
+              <a:latin typeface="楷体" panose="02010609060101010101" pitchFamily="49" charset="-122"/>
+              <a:ea typeface="楷体" panose="02010609060101010101" pitchFamily="49" charset="-122"/>
+            </a:endParaRPr>
+          </a:p>
+          <a:p>
+            <a:endParaRPr lang="en-US" altLang="zh-CN" b="1" dirty="0">
+              <a:latin typeface="楷体" panose="02010609060101010101" pitchFamily="49" charset="-122"/>
+              <a:ea typeface="楷体" panose="02010609060101010101" pitchFamily="49" charset="-122"/>
+            </a:endParaRPr>
+          </a:p>
+          <a:p>
+            <a:r>
+              <a:rPr lang="zh-CN" altLang="en-US" b="1" dirty="0" smtClean="0">
+                <a:latin typeface="楷体" panose="02010609060101010101" pitchFamily="49" charset="-122"/>
+                <a:ea typeface="楷体" panose="02010609060101010101" pitchFamily="49" charset="-122"/>
+              </a:rPr>
+              <a:t>朝气蓬勃，冠带是少年气质，临冠是青年气质</a:t>
             </a:r>
             <a:endParaRPr lang="zh-CN" altLang="en-US" b="1" dirty="0">
               <a:latin typeface="楷体" panose="02010609060101010101" pitchFamily="49" charset="-122"/>
@@ -5792,10 +5902,12 @@
           <a:lstStyle/>
           <a:p>
             <a:pPr algn="ctr"/>
-            <a:endParaRPr lang="zh-CN" altLang="en-US">
+            <a:endParaRPr lang="zh-CN" altLang="en-US" b="1">
               <a:solidFill>
                 <a:schemeClr val="tx1"/>
               </a:solidFill>
+              <a:latin typeface="楷体" panose="02010609060101010101" pitchFamily="49" charset="-122"/>
+              <a:ea typeface="楷体" panose="02010609060101010101" pitchFamily="49" charset="-122"/>
             </a:endParaRPr>
           </a:p>
         </p:txBody>
@@ -5838,10 +5950,12 @@
           <a:lstStyle/>
           <a:p>
             <a:pPr algn="ctr"/>
-            <a:endParaRPr lang="zh-CN" altLang="en-US" dirty="0">
+            <a:endParaRPr lang="zh-CN" altLang="en-US" b="1" dirty="0">
               <a:solidFill>
                 <a:schemeClr val="tx1"/>
               </a:solidFill>
+              <a:latin typeface="楷体" panose="02010609060101010101" pitchFamily="49" charset="-122"/>
+              <a:ea typeface="楷体" panose="02010609060101010101" pitchFamily="49" charset="-122"/>
             </a:endParaRPr>
           </a:p>
         </p:txBody>
@@ -6049,17 +6163,21 @@
           <a:lstStyle/>
           <a:p>
             <a:r>
-              <a:rPr lang="zh-CN" altLang="en-US" dirty="0" smtClean="0">
+              <a:rPr lang="zh-CN" altLang="en-US" b="1" dirty="0" smtClean="0">
                 <a:solidFill>
                   <a:schemeClr val="bg1"/>
                 </a:solidFill>
+                <a:latin typeface="楷体" panose="02010609060101010101" pitchFamily="49" charset="-122"/>
+                <a:ea typeface="楷体" panose="02010609060101010101" pitchFamily="49" charset="-122"/>
               </a:rPr>
               <a:t>子</a:t>
             </a:r>
-            <a:endParaRPr lang="zh-CN" altLang="en-US" dirty="0">
+            <a:endParaRPr lang="zh-CN" altLang="en-US" b="1" dirty="0">
               <a:solidFill>
                 <a:schemeClr val="bg1"/>
               </a:solidFill>
+              <a:latin typeface="楷体" panose="02010609060101010101" pitchFamily="49" charset="-122"/>
+              <a:ea typeface="楷体" panose="02010609060101010101" pitchFamily="49" charset="-122"/>
             </a:endParaRPr>
           </a:p>
         </p:txBody>
@@ -6087,10 +6205,12 @@
           <a:lstStyle/>
           <a:p>
             <a:r>
-              <a:rPr lang="zh-CN" altLang="en-US" dirty="0">
+              <a:rPr lang="zh-CN" altLang="en-US" b="1" dirty="0">
                 <a:solidFill>
                   <a:schemeClr val="bg1"/>
                 </a:solidFill>
+                <a:latin typeface="楷体" panose="02010609060101010101" pitchFamily="49" charset="-122"/>
+                <a:ea typeface="楷体" panose="02010609060101010101" pitchFamily="49" charset="-122"/>
               </a:rPr>
               <a:t>丑</a:t>
             </a:r>
@@ -6120,17 +6240,21 @@
           <a:lstStyle/>
           <a:p>
             <a:r>
-              <a:rPr lang="zh-CN" altLang="en-US" dirty="0" smtClean="0">
+              <a:rPr lang="zh-CN" altLang="en-US" b="1" dirty="0" smtClean="0">
                 <a:solidFill>
                   <a:schemeClr val="bg1"/>
                 </a:solidFill>
+                <a:latin typeface="楷体" panose="02010609060101010101" pitchFamily="49" charset="-122"/>
+                <a:ea typeface="楷体" panose="02010609060101010101" pitchFamily="49" charset="-122"/>
               </a:rPr>
               <a:t>寅</a:t>
             </a:r>
-            <a:endParaRPr lang="zh-CN" altLang="en-US" dirty="0">
+            <a:endParaRPr lang="zh-CN" altLang="en-US" b="1" dirty="0">
               <a:solidFill>
                 <a:schemeClr val="bg1"/>
               </a:solidFill>
+              <a:latin typeface="楷体" panose="02010609060101010101" pitchFamily="49" charset="-122"/>
+              <a:ea typeface="楷体" panose="02010609060101010101" pitchFamily="49" charset="-122"/>
             </a:endParaRPr>
           </a:p>
         </p:txBody>
@@ -6158,17 +6282,21 @@
           <a:lstStyle/>
           <a:p>
             <a:r>
-              <a:rPr lang="zh-CN" altLang="en-US" dirty="0" smtClean="0">
+              <a:rPr lang="zh-CN" altLang="en-US" b="1" dirty="0" smtClean="0">
                 <a:solidFill>
                   <a:schemeClr val="bg1"/>
                 </a:solidFill>
+                <a:latin typeface="楷体" panose="02010609060101010101" pitchFamily="49" charset="-122"/>
+                <a:ea typeface="楷体" panose="02010609060101010101" pitchFamily="49" charset="-122"/>
               </a:rPr>
               <a:t>卯</a:t>
             </a:r>
-            <a:endParaRPr lang="zh-CN" altLang="en-US" dirty="0">
+            <a:endParaRPr lang="zh-CN" altLang="en-US" b="1" dirty="0">
               <a:solidFill>
                 <a:schemeClr val="bg1"/>
               </a:solidFill>
+              <a:latin typeface="楷体" panose="02010609060101010101" pitchFamily="49" charset="-122"/>
+              <a:ea typeface="楷体" panose="02010609060101010101" pitchFamily="49" charset="-122"/>
             </a:endParaRPr>
           </a:p>
         </p:txBody>
@@ -6196,17 +6324,21 @@
           <a:lstStyle/>
           <a:p>
             <a:r>
-              <a:rPr lang="zh-CN" altLang="en-US" dirty="0" smtClean="0">
+              <a:rPr lang="zh-CN" altLang="en-US" b="1" dirty="0" smtClean="0">
                 <a:solidFill>
                   <a:schemeClr val="bg1"/>
                 </a:solidFill>
+                <a:latin typeface="楷体" panose="02010609060101010101" pitchFamily="49" charset="-122"/>
+                <a:ea typeface="楷体" panose="02010609060101010101" pitchFamily="49" charset="-122"/>
               </a:rPr>
               <a:t>辰</a:t>
             </a:r>
-            <a:endParaRPr lang="zh-CN" altLang="en-US" dirty="0">
+            <a:endParaRPr lang="zh-CN" altLang="en-US" b="1" dirty="0">
               <a:solidFill>
                 <a:schemeClr val="bg1"/>
               </a:solidFill>
+              <a:latin typeface="楷体" panose="02010609060101010101" pitchFamily="49" charset="-122"/>
+              <a:ea typeface="楷体" panose="02010609060101010101" pitchFamily="49" charset="-122"/>
             </a:endParaRPr>
           </a:p>
         </p:txBody>
@@ -6234,17 +6366,21 @@
           <a:lstStyle/>
           <a:p>
             <a:r>
-              <a:rPr lang="zh-CN" altLang="en-US" dirty="0" smtClean="0">
+              <a:rPr lang="zh-CN" altLang="en-US" b="1" dirty="0" smtClean="0">
                 <a:solidFill>
                   <a:schemeClr val="bg1"/>
                 </a:solidFill>
+                <a:latin typeface="楷体" panose="02010609060101010101" pitchFamily="49" charset="-122"/>
+                <a:ea typeface="楷体" panose="02010609060101010101" pitchFamily="49" charset="-122"/>
               </a:rPr>
               <a:t>巳</a:t>
             </a:r>
-            <a:endParaRPr lang="zh-CN" altLang="en-US" dirty="0">
+            <a:endParaRPr lang="zh-CN" altLang="en-US" b="1" dirty="0">
               <a:solidFill>
                 <a:schemeClr val="bg1"/>
               </a:solidFill>
+              <a:latin typeface="楷体" panose="02010609060101010101" pitchFamily="49" charset="-122"/>
+              <a:ea typeface="楷体" panose="02010609060101010101" pitchFamily="49" charset="-122"/>
             </a:endParaRPr>
           </a:p>
         </p:txBody>
@@ -6272,17 +6408,21 @@
           <a:lstStyle/>
           <a:p>
             <a:r>
-              <a:rPr lang="zh-CN" altLang="en-US" dirty="0" smtClean="0">
+              <a:rPr lang="zh-CN" altLang="en-US" b="1" dirty="0" smtClean="0">
                 <a:solidFill>
                   <a:schemeClr val="bg1"/>
                 </a:solidFill>
+                <a:latin typeface="楷体" panose="02010609060101010101" pitchFamily="49" charset="-122"/>
+                <a:ea typeface="楷体" panose="02010609060101010101" pitchFamily="49" charset="-122"/>
               </a:rPr>
               <a:t>午</a:t>
             </a:r>
-            <a:endParaRPr lang="zh-CN" altLang="en-US" dirty="0">
+            <a:endParaRPr lang="zh-CN" altLang="en-US" b="1" dirty="0">
               <a:solidFill>
                 <a:schemeClr val="bg1"/>
               </a:solidFill>
+              <a:latin typeface="楷体" panose="02010609060101010101" pitchFamily="49" charset="-122"/>
+              <a:ea typeface="楷体" panose="02010609060101010101" pitchFamily="49" charset="-122"/>
             </a:endParaRPr>
           </a:p>
         </p:txBody>
@@ -6310,17 +6450,21 @@
           <a:lstStyle/>
           <a:p>
             <a:r>
-              <a:rPr lang="zh-CN" altLang="en-US" dirty="0" smtClean="0">
+              <a:rPr lang="zh-CN" altLang="en-US" b="1" dirty="0" smtClean="0">
                 <a:solidFill>
                   <a:schemeClr val="bg1"/>
                 </a:solidFill>
+                <a:latin typeface="楷体" panose="02010609060101010101" pitchFamily="49" charset="-122"/>
+                <a:ea typeface="楷体" panose="02010609060101010101" pitchFamily="49" charset="-122"/>
               </a:rPr>
               <a:t>未</a:t>
             </a:r>
-            <a:endParaRPr lang="zh-CN" altLang="en-US" dirty="0">
+            <a:endParaRPr lang="zh-CN" altLang="en-US" b="1" dirty="0">
               <a:solidFill>
                 <a:schemeClr val="bg1"/>
               </a:solidFill>
+              <a:latin typeface="楷体" panose="02010609060101010101" pitchFamily="49" charset="-122"/>
+              <a:ea typeface="楷体" panose="02010609060101010101" pitchFamily="49" charset="-122"/>
             </a:endParaRPr>
           </a:p>
         </p:txBody>
@@ -6348,17 +6492,21 @@
           <a:lstStyle/>
           <a:p>
             <a:r>
-              <a:rPr lang="zh-CN" altLang="en-US" dirty="0" smtClean="0">
+              <a:rPr lang="zh-CN" altLang="en-US" b="1" dirty="0" smtClean="0">
                 <a:solidFill>
                   <a:schemeClr val="bg1"/>
                 </a:solidFill>
+                <a:latin typeface="楷体" panose="02010609060101010101" pitchFamily="49" charset="-122"/>
+                <a:ea typeface="楷体" panose="02010609060101010101" pitchFamily="49" charset="-122"/>
               </a:rPr>
               <a:t>申</a:t>
             </a:r>
-            <a:endParaRPr lang="zh-CN" altLang="en-US" dirty="0">
+            <a:endParaRPr lang="zh-CN" altLang="en-US" b="1" dirty="0">
               <a:solidFill>
                 <a:schemeClr val="bg1"/>
               </a:solidFill>
+              <a:latin typeface="楷体" panose="02010609060101010101" pitchFamily="49" charset="-122"/>
+              <a:ea typeface="楷体" panose="02010609060101010101" pitchFamily="49" charset="-122"/>
             </a:endParaRPr>
           </a:p>
         </p:txBody>
@@ -6386,17 +6534,21 @@
           <a:lstStyle/>
           <a:p>
             <a:r>
-              <a:rPr lang="zh-CN" altLang="en-US" dirty="0" smtClean="0">
+              <a:rPr lang="zh-CN" altLang="en-US" b="1" dirty="0" smtClean="0">
                 <a:solidFill>
                   <a:schemeClr val="bg1"/>
                 </a:solidFill>
+                <a:latin typeface="楷体" panose="02010609060101010101" pitchFamily="49" charset="-122"/>
+                <a:ea typeface="楷体" panose="02010609060101010101" pitchFamily="49" charset="-122"/>
               </a:rPr>
               <a:t>酉</a:t>
             </a:r>
-            <a:endParaRPr lang="zh-CN" altLang="en-US" dirty="0">
+            <a:endParaRPr lang="zh-CN" altLang="en-US" b="1" dirty="0">
               <a:solidFill>
                 <a:schemeClr val="bg1"/>
               </a:solidFill>
+              <a:latin typeface="楷体" panose="02010609060101010101" pitchFamily="49" charset="-122"/>
+              <a:ea typeface="楷体" panose="02010609060101010101" pitchFamily="49" charset="-122"/>
             </a:endParaRPr>
           </a:p>
         </p:txBody>
@@ -6424,17 +6576,21 @@
           <a:lstStyle/>
           <a:p>
             <a:r>
-              <a:rPr lang="zh-CN" altLang="en-US" dirty="0" smtClean="0">
+              <a:rPr lang="zh-CN" altLang="en-US" b="1" dirty="0" smtClean="0">
                 <a:solidFill>
                   <a:schemeClr val="bg1"/>
                 </a:solidFill>
+                <a:latin typeface="楷体" panose="02010609060101010101" pitchFamily="49" charset="-122"/>
+                <a:ea typeface="楷体" panose="02010609060101010101" pitchFamily="49" charset="-122"/>
               </a:rPr>
               <a:t>戌</a:t>
             </a:r>
-            <a:endParaRPr lang="zh-CN" altLang="en-US" dirty="0">
+            <a:endParaRPr lang="zh-CN" altLang="en-US" b="1" dirty="0">
               <a:solidFill>
                 <a:schemeClr val="bg1"/>
               </a:solidFill>
+              <a:latin typeface="楷体" panose="02010609060101010101" pitchFamily="49" charset="-122"/>
+              <a:ea typeface="楷体" panose="02010609060101010101" pitchFamily="49" charset="-122"/>
             </a:endParaRPr>
           </a:p>
         </p:txBody>
@@ -6462,17 +6618,21 @@
           <a:lstStyle/>
           <a:p>
             <a:r>
-              <a:rPr lang="zh-CN" altLang="en-US" dirty="0" smtClean="0">
+              <a:rPr lang="zh-CN" altLang="en-US" b="1" dirty="0" smtClean="0">
                 <a:solidFill>
                   <a:schemeClr val="bg1"/>
                 </a:solidFill>
+                <a:latin typeface="楷体" panose="02010609060101010101" pitchFamily="49" charset="-122"/>
+                <a:ea typeface="楷体" panose="02010609060101010101" pitchFamily="49" charset="-122"/>
               </a:rPr>
               <a:t>亥</a:t>
             </a:r>
-            <a:endParaRPr lang="zh-CN" altLang="en-US" dirty="0">
+            <a:endParaRPr lang="zh-CN" altLang="en-US" b="1" dirty="0">
               <a:solidFill>
                 <a:schemeClr val="bg1"/>
               </a:solidFill>
+              <a:latin typeface="楷体" panose="02010609060101010101" pitchFamily="49" charset="-122"/>
+              <a:ea typeface="楷体" panose="02010609060101010101" pitchFamily="49" charset="-122"/>
             </a:endParaRPr>
           </a:p>
         </p:txBody>
@@ -6486,7 +6646,7 @@
         <p:spPr>
           <a:xfrm>
             <a:off x="118777" y="96010"/>
-            <a:ext cx="2618024" cy="369332"/>
+            <a:ext cx="2510624" cy="369332"/>
           </a:xfrm>
           <a:prstGeom prst="rect">
             <a:avLst/>
@@ -6499,43 +6659,923 @@
           <a:lstStyle/>
           <a:p>
             <a:r>
-              <a:rPr lang="en-US" altLang="zh-CN" dirty="0" smtClean="0">
+              <a:rPr lang="en-US" altLang="zh-CN" b="1" dirty="0" smtClean="0">
+                <a:latin typeface="楷体" panose="02010609060101010101" pitchFamily="49" charset="-122"/>
+                <a:ea typeface="楷体" panose="02010609060101010101" pitchFamily="49" charset="-122"/>
                 <a:hlinkClick r:id="rId2" tooltip="十二盘式 · 退间传盘——上升摩羯"/>
               </a:rPr>
               <a:t>3 </a:t>
             </a:r>
             <a:r>
-              <a:rPr lang="zh-CN" altLang="en-US" dirty="0" smtClean="0">
+              <a:rPr lang="zh-CN" altLang="en-US" b="1" dirty="0">
+                <a:latin typeface="楷体" panose="02010609060101010101" pitchFamily="49" charset="-122"/>
+                <a:ea typeface="楷体" panose="02010609060101010101" pitchFamily="49" charset="-122"/>
                 <a:hlinkClick r:id="rId2" tooltip="十二盘式 · 退间传盘——上升摩羯"/>
               </a:rPr>
-              <a:t>退</a:t>
-            </a:r>
-            <a:r>
-              <a:rPr lang="zh-CN" altLang="en-US" dirty="0">
+              <a:t>退间传</a:t>
+            </a:r>
+            <a:r>
+              <a:rPr lang="zh-CN" altLang="en-US" b="1" dirty="0" smtClean="0">
+                <a:latin typeface="楷体" panose="02010609060101010101" pitchFamily="49" charset="-122"/>
+                <a:ea typeface="楷体" panose="02010609060101010101" pitchFamily="49" charset="-122"/>
                 <a:hlinkClick r:id="rId2" tooltip="十二盘式 · 退间传盘——上升摩羯"/>
               </a:rPr>
-              <a:t>间传盘</a:t>
-            </a:r>
-            <a:r>
-              <a:rPr lang="en-US" altLang="zh-CN" dirty="0">
+              <a:t>盘</a:t>
+            </a:r>
+            <a:r>
+              <a:rPr lang="en-US" altLang="zh-CN" b="1" dirty="0" smtClean="0">
+                <a:latin typeface="楷体" panose="02010609060101010101" pitchFamily="49" charset="-122"/>
+                <a:ea typeface="楷体" panose="02010609060101010101" pitchFamily="49" charset="-122"/>
                 <a:hlinkClick r:id="rId2" tooltip="十二盘式 · 退间传盘——上升摩羯"/>
               </a:rPr>
-              <a:t>——</a:t>
-            </a:r>
-            <a:r>
-              <a:rPr lang="zh-CN" altLang="en-US" dirty="0">
+              <a:t>—</a:t>
+            </a:r>
+            <a:r>
+              <a:rPr lang="zh-CN" altLang="en-US" b="1" dirty="0">
+                <a:latin typeface="楷体" panose="02010609060101010101" pitchFamily="49" charset="-122"/>
+                <a:ea typeface="楷体" panose="02010609060101010101" pitchFamily="49" charset="-122"/>
                 <a:hlinkClick r:id="rId2" tooltip="十二盘式 · 退间传盘——上升摩羯"/>
               </a:rPr>
-              <a:t>上升摩羯</a:t>
-            </a:r>
-            <a:endParaRPr lang="zh-CN" altLang="en-US" dirty="0"/>
+              <a:t>上升摩</a:t>
+            </a:r>
+            <a:r>
+              <a:rPr lang="zh-CN" altLang="en-US" b="1" dirty="0" smtClean="0">
+                <a:latin typeface="楷体" panose="02010609060101010101" pitchFamily="49" charset="-122"/>
+                <a:ea typeface="楷体" panose="02010609060101010101" pitchFamily="49" charset="-122"/>
+                <a:hlinkClick r:id="rId2" tooltip="十二盘式 · 退间传盘——上升摩羯"/>
+              </a:rPr>
+              <a:t>羯</a:t>
+            </a:r>
+            <a:endParaRPr lang="zh-CN" altLang="en-US" b="1" dirty="0">
+              <a:latin typeface="楷体" panose="02010609060101010101" pitchFamily="49" charset="-122"/>
+              <a:ea typeface="楷体" panose="02010609060101010101" pitchFamily="49" charset="-122"/>
+            </a:endParaRPr>
+          </a:p>
+        </p:txBody>
+      </p:sp>
+      <p:sp>
+        <p:nvSpPr>
+          <p:cNvPr id="23" name="文本框 22"/>
+          <p:cNvSpPr txBox="1"/>
+          <p:nvPr/>
+        </p:nvSpPr>
+        <p:spPr>
+          <a:xfrm>
+            <a:off x="4927836" y="5584915"/>
+            <a:ext cx="415498" cy="369332"/>
+          </a:xfrm>
+          <a:prstGeom prst="rect">
+            <a:avLst/>
+          </a:prstGeom>
+          <a:noFill/>
+        </p:spPr>
+        <p:txBody>
+          <a:bodyPr wrap="none" rtlCol="0">
+            <a:spAutoFit/>
+          </a:bodyPr>
+          <a:lstStyle/>
+          <a:p>
+            <a:r>
+              <a:rPr lang="zh-CN" altLang="en-US" b="1" dirty="0" smtClean="0">
+                <a:solidFill>
+                  <a:schemeClr val="bg1"/>
+                </a:solidFill>
+                <a:latin typeface="楷体" panose="02010609060101010101" pitchFamily="49" charset="-122"/>
+                <a:ea typeface="楷体" panose="02010609060101010101" pitchFamily="49" charset="-122"/>
+              </a:rPr>
+              <a:t>卯</a:t>
+            </a:r>
+            <a:endParaRPr lang="zh-CN" altLang="en-US" b="1" dirty="0">
+              <a:solidFill>
+                <a:schemeClr val="bg1"/>
+              </a:solidFill>
+              <a:latin typeface="楷体" panose="02010609060101010101" pitchFamily="49" charset="-122"/>
+              <a:ea typeface="楷体" panose="02010609060101010101" pitchFamily="49" charset="-122"/>
+            </a:endParaRPr>
+          </a:p>
+        </p:txBody>
+      </p:sp>
+      <p:sp>
+        <p:nvSpPr>
+          <p:cNvPr id="24" name="文本框 23"/>
+          <p:cNvSpPr txBox="1"/>
+          <p:nvPr/>
+        </p:nvSpPr>
+        <p:spPr>
+          <a:xfrm>
+            <a:off x="3432653" y="6047772"/>
+            <a:ext cx="415498" cy="369332"/>
+          </a:xfrm>
+          <a:prstGeom prst="rect">
+            <a:avLst/>
+          </a:prstGeom>
+          <a:noFill/>
+        </p:spPr>
+        <p:txBody>
+          <a:bodyPr wrap="none" rtlCol="0">
+            <a:spAutoFit/>
+          </a:bodyPr>
+          <a:lstStyle/>
+          <a:p>
+            <a:r>
+              <a:rPr lang="zh-CN" altLang="en-US" b="1" dirty="0" smtClean="0">
+                <a:solidFill>
+                  <a:schemeClr val="bg1"/>
+                </a:solidFill>
+                <a:latin typeface="楷体" panose="02010609060101010101" pitchFamily="49" charset="-122"/>
+                <a:ea typeface="楷体" panose="02010609060101010101" pitchFamily="49" charset="-122"/>
+              </a:rPr>
+              <a:t>辰</a:t>
+            </a:r>
+            <a:endParaRPr lang="zh-CN" altLang="en-US" b="1" dirty="0">
+              <a:solidFill>
+                <a:schemeClr val="bg1"/>
+              </a:solidFill>
+              <a:latin typeface="楷体" panose="02010609060101010101" pitchFamily="49" charset="-122"/>
+              <a:ea typeface="楷体" panose="02010609060101010101" pitchFamily="49" charset="-122"/>
+            </a:endParaRPr>
+          </a:p>
+        </p:txBody>
+      </p:sp>
+      <p:sp>
+        <p:nvSpPr>
+          <p:cNvPr id="26" name="文本框 25"/>
+          <p:cNvSpPr txBox="1"/>
+          <p:nvPr/>
+        </p:nvSpPr>
+        <p:spPr>
+          <a:xfrm>
+            <a:off x="1902852" y="5636890"/>
+            <a:ext cx="415498" cy="369332"/>
+          </a:xfrm>
+          <a:prstGeom prst="rect">
+            <a:avLst/>
+          </a:prstGeom>
+          <a:noFill/>
+        </p:spPr>
+        <p:txBody>
+          <a:bodyPr wrap="none" rtlCol="0">
+            <a:spAutoFit/>
+          </a:bodyPr>
+          <a:lstStyle/>
+          <a:p>
+            <a:r>
+              <a:rPr lang="zh-CN" altLang="en-US" b="1" dirty="0" smtClean="0">
+                <a:solidFill>
+                  <a:schemeClr val="bg1"/>
+                </a:solidFill>
+                <a:latin typeface="楷体" panose="02010609060101010101" pitchFamily="49" charset="-122"/>
+                <a:ea typeface="楷体" panose="02010609060101010101" pitchFamily="49" charset="-122"/>
+              </a:rPr>
+              <a:t>巳</a:t>
+            </a:r>
+            <a:endParaRPr lang="zh-CN" altLang="en-US" b="1" dirty="0">
+              <a:solidFill>
+                <a:schemeClr val="bg1"/>
+              </a:solidFill>
+              <a:latin typeface="楷体" panose="02010609060101010101" pitchFamily="49" charset="-122"/>
+              <a:ea typeface="楷体" panose="02010609060101010101" pitchFamily="49" charset="-122"/>
+            </a:endParaRPr>
+          </a:p>
+        </p:txBody>
+      </p:sp>
+      <p:sp>
+        <p:nvSpPr>
+          <p:cNvPr id="27" name="文本框 26"/>
+          <p:cNvSpPr txBox="1"/>
+          <p:nvPr/>
+        </p:nvSpPr>
+        <p:spPr>
+          <a:xfrm>
+            <a:off x="916373" y="4652289"/>
+            <a:ext cx="415498" cy="369332"/>
+          </a:xfrm>
+          <a:prstGeom prst="rect">
+            <a:avLst/>
+          </a:prstGeom>
+          <a:noFill/>
+        </p:spPr>
+        <p:txBody>
+          <a:bodyPr wrap="none" rtlCol="0">
+            <a:spAutoFit/>
+          </a:bodyPr>
+          <a:lstStyle/>
+          <a:p>
+            <a:r>
+              <a:rPr lang="zh-CN" altLang="en-US" b="1" dirty="0" smtClean="0">
+                <a:solidFill>
+                  <a:schemeClr val="bg1"/>
+                </a:solidFill>
+                <a:latin typeface="楷体" panose="02010609060101010101" pitchFamily="49" charset="-122"/>
+                <a:ea typeface="楷体" panose="02010609060101010101" pitchFamily="49" charset="-122"/>
+              </a:rPr>
+              <a:t>午</a:t>
+            </a:r>
+            <a:endParaRPr lang="zh-CN" altLang="en-US" b="1" dirty="0">
+              <a:solidFill>
+                <a:schemeClr val="bg1"/>
+              </a:solidFill>
+              <a:latin typeface="楷体" panose="02010609060101010101" pitchFamily="49" charset="-122"/>
+              <a:ea typeface="楷体" panose="02010609060101010101" pitchFamily="49" charset="-122"/>
+            </a:endParaRPr>
+          </a:p>
+        </p:txBody>
+      </p:sp>
+      <p:sp>
+        <p:nvSpPr>
+          <p:cNvPr id="34" name="文本框 33"/>
+          <p:cNvSpPr txBox="1"/>
+          <p:nvPr/>
+        </p:nvSpPr>
+        <p:spPr>
+          <a:xfrm>
+            <a:off x="539514" y="3200739"/>
+            <a:ext cx="415498" cy="369332"/>
+          </a:xfrm>
+          <a:prstGeom prst="rect">
+            <a:avLst/>
+          </a:prstGeom>
+          <a:noFill/>
+        </p:spPr>
+        <p:txBody>
+          <a:bodyPr wrap="none" rtlCol="0">
+            <a:spAutoFit/>
+          </a:bodyPr>
+          <a:lstStyle/>
+          <a:p>
+            <a:r>
+              <a:rPr lang="zh-CN" altLang="en-US" b="1" dirty="0" smtClean="0">
+                <a:solidFill>
+                  <a:schemeClr val="bg1"/>
+                </a:solidFill>
+                <a:latin typeface="楷体" panose="02010609060101010101" pitchFamily="49" charset="-122"/>
+                <a:ea typeface="楷体" panose="02010609060101010101" pitchFamily="49" charset="-122"/>
+              </a:rPr>
+              <a:t>未</a:t>
+            </a:r>
+            <a:endParaRPr lang="zh-CN" altLang="en-US" b="1" dirty="0">
+              <a:solidFill>
+                <a:schemeClr val="bg1"/>
+              </a:solidFill>
+              <a:latin typeface="楷体" panose="02010609060101010101" pitchFamily="49" charset="-122"/>
+              <a:ea typeface="楷体" panose="02010609060101010101" pitchFamily="49" charset="-122"/>
+            </a:endParaRPr>
+          </a:p>
+        </p:txBody>
+      </p:sp>
+      <p:sp>
+        <p:nvSpPr>
+          <p:cNvPr id="35" name="文本框 34"/>
+          <p:cNvSpPr txBox="1"/>
+          <p:nvPr/>
+        </p:nvSpPr>
+        <p:spPr>
+          <a:xfrm>
+            <a:off x="916373" y="1749189"/>
+            <a:ext cx="415498" cy="369332"/>
+          </a:xfrm>
+          <a:prstGeom prst="rect">
+            <a:avLst/>
+          </a:prstGeom>
+          <a:noFill/>
+        </p:spPr>
+        <p:txBody>
+          <a:bodyPr wrap="none" rtlCol="0">
+            <a:spAutoFit/>
+          </a:bodyPr>
+          <a:lstStyle/>
+          <a:p>
+            <a:r>
+              <a:rPr lang="zh-CN" altLang="en-US" b="1" dirty="0" smtClean="0">
+                <a:solidFill>
+                  <a:schemeClr val="bg1"/>
+                </a:solidFill>
+                <a:latin typeface="楷体" panose="02010609060101010101" pitchFamily="49" charset="-122"/>
+                <a:ea typeface="楷体" panose="02010609060101010101" pitchFamily="49" charset="-122"/>
+              </a:rPr>
+              <a:t>申</a:t>
+            </a:r>
+            <a:endParaRPr lang="zh-CN" altLang="en-US" b="1" dirty="0">
+              <a:solidFill>
+                <a:schemeClr val="bg1"/>
+              </a:solidFill>
+              <a:latin typeface="楷体" panose="02010609060101010101" pitchFamily="49" charset="-122"/>
+              <a:ea typeface="楷体" panose="02010609060101010101" pitchFamily="49" charset="-122"/>
+            </a:endParaRPr>
+          </a:p>
+        </p:txBody>
+      </p:sp>
+      <p:sp>
+        <p:nvSpPr>
+          <p:cNvPr id="36" name="文本框 35"/>
+          <p:cNvSpPr txBox="1"/>
+          <p:nvPr/>
+        </p:nvSpPr>
+        <p:spPr>
+          <a:xfrm>
+            <a:off x="1860239" y="715624"/>
+            <a:ext cx="415498" cy="369332"/>
+          </a:xfrm>
+          <a:prstGeom prst="rect">
+            <a:avLst/>
+          </a:prstGeom>
+          <a:noFill/>
+        </p:spPr>
+        <p:txBody>
+          <a:bodyPr wrap="none" rtlCol="0">
+            <a:spAutoFit/>
+          </a:bodyPr>
+          <a:lstStyle/>
+          <a:p>
+            <a:r>
+              <a:rPr lang="zh-CN" altLang="en-US" b="1" dirty="0" smtClean="0">
+                <a:solidFill>
+                  <a:schemeClr val="bg1"/>
+                </a:solidFill>
+                <a:latin typeface="楷体" panose="02010609060101010101" pitchFamily="49" charset="-122"/>
+                <a:ea typeface="楷体" panose="02010609060101010101" pitchFamily="49" charset="-122"/>
+              </a:rPr>
+              <a:t>酉</a:t>
+            </a:r>
+            <a:endParaRPr lang="zh-CN" altLang="en-US" b="1" dirty="0">
+              <a:solidFill>
+                <a:schemeClr val="bg1"/>
+              </a:solidFill>
+              <a:latin typeface="楷体" panose="02010609060101010101" pitchFamily="49" charset="-122"/>
+              <a:ea typeface="楷体" panose="02010609060101010101" pitchFamily="49" charset="-122"/>
+            </a:endParaRPr>
+          </a:p>
+        </p:txBody>
+      </p:sp>
+      <p:sp>
+        <p:nvSpPr>
+          <p:cNvPr id="48" name="文本框 47"/>
+          <p:cNvSpPr txBox="1"/>
+          <p:nvPr/>
+        </p:nvSpPr>
+        <p:spPr>
+          <a:xfrm>
+            <a:off x="3418549" y="328266"/>
+            <a:ext cx="415498" cy="369332"/>
+          </a:xfrm>
+          <a:prstGeom prst="rect">
+            <a:avLst/>
+          </a:prstGeom>
+          <a:noFill/>
+        </p:spPr>
+        <p:txBody>
+          <a:bodyPr wrap="none" rtlCol="0">
+            <a:spAutoFit/>
+          </a:bodyPr>
+          <a:lstStyle/>
+          <a:p>
+            <a:r>
+              <a:rPr lang="zh-CN" altLang="en-US" b="1" dirty="0" smtClean="0">
+                <a:solidFill>
+                  <a:schemeClr val="bg1"/>
+                </a:solidFill>
+                <a:latin typeface="楷体" panose="02010609060101010101" pitchFamily="49" charset="-122"/>
+                <a:ea typeface="楷体" panose="02010609060101010101" pitchFamily="49" charset="-122"/>
+              </a:rPr>
+              <a:t>戌</a:t>
+            </a:r>
+            <a:endParaRPr lang="zh-CN" altLang="en-US" b="1" dirty="0">
+              <a:solidFill>
+                <a:schemeClr val="bg1"/>
+              </a:solidFill>
+              <a:latin typeface="楷体" panose="02010609060101010101" pitchFamily="49" charset="-122"/>
+              <a:ea typeface="楷体" panose="02010609060101010101" pitchFamily="49" charset="-122"/>
+            </a:endParaRPr>
+          </a:p>
+        </p:txBody>
+      </p:sp>
+      <p:sp>
+        <p:nvSpPr>
+          <p:cNvPr id="50" name="文本框 49"/>
+          <p:cNvSpPr txBox="1"/>
+          <p:nvPr/>
+        </p:nvSpPr>
+        <p:spPr>
+          <a:xfrm>
+            <a:off x="4966075" y="722381"/>
+            <a:ext cx="415498" cy="369332"/>
+          </a:xfrm>
+          <a:prstGeom prst="rect">
+            <a:avLst/>
+          </a:prstGeom>
+          <a:noFill/>
+        </p:spPr>
+        <p:txBody>
+          <a:bodyPr wrap="none" rtlCol="0">
+            <a:spAutoFit/>
+          </a:bodyPr>
+          <a:lstStyle/>
+          <a:p>
+            <a:r>
+              <a:rPr lang="zh-CN" altLang="en-US" b="1" dirty="0" smtClean="0">
+                <a:solidFill>
+                  <a:schemeClr val="bg1"/>
+                </a:solidFill>
+                <a:latin typeface="楷体" panose="02010609060101010101" pitchFamily="49" charset="-122"/>
+                <a:ea typeface="楷体" panose="02010609060101010101" pitchFamily="49" charset="-122"/>
+              </a:rPr>
+              <a:t>亥</a:t>
+            </a:r>
+            <a:endParaRPr lang="zh-CN" altLang="en-US" b="1" dirty="0">
+              <a:solidFill>
+                <a:schemeClr val="bg1"/>
+              </a:solidFill>
+              <a:latin typeface="楷体" panose="02010609060101010101" pitchFamily="49" charset="-122"/>
+              <a:ea typeface="楷体" panose="02010609060101010101" pitchFamily="49" charset="-122"/>
+            </a:endParaRPr>
+          </a:p>
+        </p:txBody>
+      </p:sp>
+      <p:sp>
+        <p:nvSpPr>
+          <p:cNvPr id="51" name="文本框 50"/>
+          <p:cNvSpPr txBox="1"/>
+          <p:nvPr/>
+        </p:nvSpPr>
+        <p:spPr>
+          <a:xfrm>
+            <a:off x="5914186" y="1783887"/>
+            <a:ext cx="415498" cy="369332"/>
+          </a:xfrm>
+          <a:prstGeom prst="rect">
+            <a:avLst/>
+          </a:prstGeom>
+          <a:noFill/>
+        </p:spPr>
+        <p:txBody>
+          <a:bodyPr wrap="none" rtlCol="0">
+            <a:spAutoFit/>
+          </a:bodyPr>
+          <a:lstStyle/>
+          <a:p>
+            <a:r>
+              <a:rPr lang="zh-CN" altLang="en-US" b="1" dirty="0" smtClean="0">
+                <a:solidFill>
+                  <a:schemeClr val="bg1"/>
+                </a:solidFill>
+                <a:latin typeface="楷体" panose="02010609060101010101" pitchFamily="49" charset="-122"/>
+                <a:ea typeface="楷体" panose="02010609060101010101" pitchFamily="49" charset="-122"/>
+              </a:rPr>
+              <a:t>子</a:t>
+            </a:r>
+            <a:endParaRPr lang="zh-CN" altLang="en-US" b="1" dirty="0">
+              <a:solidFill>
+                <a:schemeClr val="bg1"/>
+              </a:solidFill>
+              <a:latin typeface="楷体" panose="02010609060101010101" pitchFamily="49" charset="-122"/>
+              <a:ea typeface="楷体" panose="02010609060101010101" pitchFamily="49" charset="-122"/>
+            </a:endParaRPr>
+          </a:p>
+        </p:txBody>
+      </p:sp>
+      <p:sp>
+        <p:nvSpPr>
+          <p:cNvPr id="52" name="文本框 51"/>
+          <p:cNvSpPr txBox="1"/>
+          <p:nvPr/>
+        </p:nvSpPr>
+        <p:spPr>
+          <a:xfrm>
+            <a:off x="6278416" y="3221482"/>
+            <a:ext cx="415498" cy="369332"/>
+          </a:xfrm>
+          <a:prstGeom prst="rect">
+            <a:avLst/>
+          </a:prstGeom>
+          <a:noFill/>
+        </p:spPr>
+        <p:txBody>
+          <a:bodyPr wrap="none" rtlCol="0">
+            <a:spAutoFit/>
+          </a:bodyPr>
+          <a:lstStyle/>
+          <a:p>
+            <a:r>
+              <a:rPr lang="zh-CN" altLang="en-US" b="1" dirty="0">
+                <a:solidFill>
+                  <a:schemeClr val="bg1"/>
+                </a:solidFill>
+                <a:latin typeface="楷体" panose="02010609060101010101" pitchFamily="49" charset="-122"/>
+                <a:ea typeface="楷体" panose="02010609060101010101" pitchFamily="49" charset="-122"/>
+              </a:rPr>
+              <a:t>丑</a:t>
+            </a:r>
+          </a:p>
+        </p:txBody>
+      </p:sp>
+      <p:sp>
+        <p:nvSpPr>
+          <p:cNvPr id="53" name="文本框 52"/>
+          <p:cNvSpPr txBox="1"/>
+          <p:nvPr/>
+        </p:nvSpPr>
+        <p:spPr>
+          <a:xfrm>
+            <a:off x="5803781" y="4703657"/>
+            <a:ext cx="415498" cy="369332"/>
+          </a:xfrm>
+          <a:prstGeom prst="rect">
+            <a:avLst/>
+          </a:prstGeom>
+          <a:noFill/>
+        </p:spPr>
+        <p:txBody>
+          <a:bodyPr wrap="none" rtlCol="0">
+            <a:spAutoFit/>
+          </a:bodyPr>
+          <a:lstStyle/>
+          <a:p>
+            <a:r>
+              <a:rPr lang="zh-CN" altLang="en-US" b="1" dirty="0" smtClean="0">
+                <a:solidFill>
+                  <a:schemeClr val="bg1"/>
+                </a:solidFill>
+                <a:latin typeface="楷体" panose="02010609060101010101" pitchFamily="49" charset="-122"/>
+                <a:ea typeface="楷体" panose="02010609060101010101" pitchFamily="49" charset="-122"/>
+              </a:rPr>
+              <a:t>寅</a:t>
+            </a:r>
+            <a:endParaRPr lang="zh-CN" altLang="en-US" b="1" dirty="0">
+              <a:solidFill>
+                <a:schemeClr val="bg1"/>
+              </a:solidFill>
+              <a:latin typeface="楷体" panose="02010609060101010101" pitchFamily="49" charset="-122"/>
+              <a:ea typeface="楷体" panose="02010609060101010101" pitchFamily="49" charset="-122"/>
+            </a:endParaRPr>
+          </a:p>
+        </p:txBody>
+      </p:sp>
+      <p:sp>
+        <p:nvSpPr>
+          <p:cNvPr id="2" name="矩形 1"/>
+          <p:cNvSpPr/>
+          <p:nvPr/>
+        </p:nvSpPr>
+        <p:spPr>
+          <a:xfrm>
+            <a:off x="6938576" y="620637"/>
+            <a:ext cx="4974814" cy="5355312"/>
+          </a:xfrm>
+          <a:prstGeom prst="rect">
+            <a:avLst/>
+          </a:prstGeom>
+        </p:spPr>
+        <p:txBody>
+          <a:bodyPr wrap="square">
+            <a:spAutoFit/>
+          </a:bodyPr>
+          <a:lstStyle/>
+          <a:p>
+            <a:r>
+              <a:rPr lang="zh-CN" altLang="en-US" b="1" dirty="0" smtClean="0">
+                <a:latin typeface="楷体" panose="02010609060101010101" pitchFamily="49" charset="-122"/>
+                <a:ea typeface="楷体" panose="02010609060101010101" pitchFamily="49" charset="-122"/>
+              </a:rPr>
+              <a:t>黄道月将卯，赤道时支辰，命宫在射手座</a:t>
+            </a:r>
+            <a:endParaRPr lang="en-US" altLang="zh-CN" b="1" dirty="0" smtClean="0">
+              <a:latin typeface="楷体" panose="02010609060101010101" pitchFamily="49" charset="-122"/>
+              <a:ea typeface="楷体" panose="02010609060101010101" pitchFamily="49" charset="-122"/>
+            </a:endParaRPr>
+          </a:p>
+          <a:p>
+            <a:r>
+              <a:rPr lang="zh-CN" altLang="en-US" b="1" dirty="0" smtClean="0">
+                <a:latin typeface="楷体" panose="02010609060101010101" pitchFamily="49" charset="-122"/>
+                <a:ea typeface="楷体" panose="02010609060101010101" pitchFamily="49" charset="-122"/>
+              </a:rPr>
+              <a:t>黄道卯和赤道辰相害，酉戌相害，字丑六合，午未六合</a:t>
+            </a:r>
+            <a:br>
+              <a:rPr lang="zh-CN" altLang="en-US" b="1" dirty="0" smtClean="0">
+                <a:latin typeface="楷体" panose="02010609060101010101" pitchFamily="49" charset="-122"/>
+                <a:ea typeface="楷体" panose="02010609060101010101" pitchFamily="49" charset="-122"/>
+              </a:rPr>
+            </a:br>
+            <a:r>
+              <a:rPr lang="zh-CN" altLang="en-US" b="1" dirty="0" smtClean="0">
+                <a:latin typeface="楷体" panose="02010609060101010101" pitchFamily="49" charset="-122"/>
+                <a:ea typeface="楷体" panose="02010609060101010101" pitchFamily="49" charset="-122"/>
+              </a:rPr>
+              <a:t>卯</a:t>
+            </a:r>
+            <a:r>
+              <a:rPr lang="en-US" altLang="zh-CN" b="1" dirty="0" smtClean="0">
+                <a:latin typeface="楷体" panose="02010609060101010101" pitchFamily="49" charset="-122"/>
+                <a:ea typeface="楷体" panose="02010609060101010101" pitchFamily="49" charset="-122"/>
+              </a:rPr>
+              <a:t>1</a:t>
+            </a:r>
+            <a:r>
+              <a:rPr lang="zh-CN" altLang="en-US" b="1" dirty="0" smtClean="0">
+                <a:latin typeface="楷体" panose="02010609060101010101" pitchFamily="49" charset="-122"/>
+                <a:ea typeface="楷体" panose="02010609060101010101" pitchFamily="49" charset="-122"/>
+              </a:rPr>
+              <a:t>宫，辰</a:t>
+            </a:r>
+            <a:r>
+              <a:rPr lang="en-US" altLang="zh-CN" b="1" dirty="0" smtClean="0">
+                <a:latin typeface="楷体" panose="02010609060101010101" pitchFamily="49" charset="-122"/>
+                <a:ea typeface="楷体" panose="02010609060101010101" pitchFamily="49" charset="-122"/>
+              </a:rPr>
+              <a:t>12</a:t>
+            </a:r>
+            <a:r>
+              <a:rPr lang="zh-CN" altLang="en-US" b="1" dirty="0" smtClean="0">
+                <a:latin typeface="楷体" panose="02010609060101010101" pitchFamily="49" charset="-122"/>
+                <a:ea typeface="楷体" panose="02010609060101010101" pitchFamily="49" charset="-122"/>
+              </a:rPr>
+              <a:t>宫，戌</a:t>
+            </a:r>
+            <a:r>
+              <a:rPr lang="en-US" altLang="zh-CN" b="1" dirty="0" smtClean="0">
+                <a:latin typeface="楷体" panose="02010609060101010101" pitchFamily="49" charset="-122"/>
+                <a:ea typeface="楷体" panose="02010609060101010101" pitchFamily="49" charset="-122"/>
+              </a:rPr>
+              <a:t>6</a:t>
+            </a:r>
+            <a:r>
+              <a:rPr lang="zh-CN" altLang="en-US" b="1" dirty="0" smtClean="0">
+                <a:latin typeface="楷体" panose="02010609060101010101" pitchFamily="49" charset="-122"/>
+                <a:ea typeface="楷体" panose="02010609060101010101" pitchFamily="49" charset="-122"/>
+              </a:rPr>
+              <a:t>宫，丑</a:t>
+            </a:r>
+            <a:r>
+              <a:rPr lang="en-US" altLang="zh-CN" b="1" dirty="0" smtClean="0">
+                <a:latin typeface="楷体" panose="02010609060101010101" pitchFamily="49" charset="-122"/>
+                <a:ea typeface="楷体" panose="02010609060101010101" pitchFamily="49" charset="-122"/>
+              </a:rPr>
+              <a:t>3</a:t>
+            </a:r>
+            <a:r>
+              <a:rPr lang="zh-CN" altLang="en-US" b="1" dirty="0" smtClean="0">
+                <a:latin typeface="楷体" panose="02010609060101010101" pitchFamily="49" charset="-122"/>
+                <a:ea typeface="楷体" panose="02010609060101010101" pitchFamily="49" charset="-122"/>
+              </a:rPr>
+              <a:t>宫，未</a:t>
+            </a:r>
+            <a:r>
+              <a:rPr lang="en-US" altLang="zh-CN" b="1" dirty="0" smtClean="0">
+                <a:latin typeface="楷体" panose="02010609060101010101" pitchFamily="49" charset="-122"/>
+                <a:ea typeface="楷体" panose="02010609060101010101" pitchFamily="49" charset="-122"/>
+              </a:rPr>
+              <a:t>9</a:t>
+            </a:r>
+            <a:r>
+              <a:rPr lang="zh-CN" altLang="en-US" b="1" dirty="0" smtClean="0">
+                <a:latin typeface="楷体" panose="02010609060101010101" pitchFamily="49" charset="-122"/>
+                <a:ea typeface="楷体" panose="02010609060101010101" pitchFamily="49" charset="-122"/>
+              </a:rPr>
+              <a:t>宫</a:t>
+            </a:r>
+            <a:br>
+              <a:rPr lang="zh-CN" altLang="en-US" b="1" dirty="0" smtClean="0">
+                <a:latin typeface="楷体" panose="02010609060101010101" pitchFamily="49" charset="-122"/>
+                <a:ea typeface="楷体" panose="02010609060101010101" pitchFamily="49" charset="-122"/>
+              </a:rPr>
+            </a:br>
+            <a:r>
+              <a:rPr lang="en-US" altLang="zh-CN" b="1" dirty="0" smtClean="0">
+                <a:latin typeface="楷体" panose="02010609060101010101" pitchFamily="49" charset="-122"/>
+                <a:ea typeface="楷体" panose="02010609060101010101" pitchFamily="49" charset="-122"/>
+              </a:rPr>
+              <a:t>12</a:t>
+            </a:r>
+            <a:r>
+              <a:rPr lang="zh-CN" altLang="en-US" b="1" dirty="0" smtClean="0">
+                <a:latin typeface="楷体" panose="02010609060101010101" pitchFamily="49" charset="-122"/>
+                <a:ea typeface="楷体" panose="02010609060101010101" pitchFamily="49" charset="-122"/>
+              </a:rPr>
+              <a:t>宫和</a:t>
+            </a:r>
+            <a:r>
+              <a:rPr lang="en-US" altLang="zh-CN" b="1" dirty="0" smtClean="0">
+                <a:latin typeface="楷体" panose="02010609060101010101" pitchFamily="49" charset="-122"/>
+                <a:ea typeface="楷体" panose="02010609060101010101" pitchFamily="49" charset="-122"/>
+              </a:rPr>
+              <a:t>6</a:t>
+            </a:r>
+            <a:r>
+              <a:rPr lang="zh-CN" altLang="en-US" b="1" dirty="0" smtClean="0">
+                <a:latin typeface="楷体" panose="02010609060101010101" pitchFamily="49" charset="-122"/>
+                <a:ea typeface="楷体" panose="02010609060101010101" pitchFamily="49" charset="-122"/>
+              </a:rPr>
+              <a:t>宫被穿害，</a:t>
+            </a:r>
+            <a:r>
+              <a:rPr lang="en-US" altLang="zh-CN" b="1" dirty="0" smtClean="0">
+                <a:latin typeface="楷体" panose="02010609060101010101" pitchFamily="49" charset="-122"/>
+                <a:ea typeface="楷体" panose="02010609060101010101" pitchFamily="49" charset="-122"/>
+              </a:rPr>
+              <a:t>9</a:t>
+            </a:r>
+            <a:r>
+              <a:rPr lang="zh-CN" altLang="en-US" b="1" dirty="0" smtClean="0">
+                <a:latin typeface="楷体" panose="02010609060101010101" pitchFamily="49" charset="-122"/>
+                <a:ea typeface="楷体" panose="02010609060101010101" pitchFamily="49" charset="-122"/>
+              </a:rPr>
+              <a:t>和</a:t>
+            </a:r>
+            <a:r>
+              <a:rPr lang="en-US" altLang="zh-CN" b="1" dirty="0" smtClean="0">
+                <a:latin typeface="楷体" panose="02010609060101010101" pitchFamily="49" charset="-122"/>
+                <a:ea typeface="楷体" panose="02010609060101010101" pitchFamily="49" charset="-122"/>
+              </a:rPr>
+              <a:t>3</a:t>
+            </a:r>
+            <a:r>
+              <a:rPr lang="zh-CN" altLang="en-US" b="1" dirty="0" smtClean="0">
+                <a:latin typeface="楷体" panose="02010609060101010101" pitchFamily="49" charset="-122"/>
+                <a:ea typeface="楷体" panose="02010609060101010101" pitchFamily="49" charset="-122"/>
+              </a:rPr>
+              <a:t>宫有六合之力</a:t>
+            </a:r>
+            <a:br>
+              <a:rPr lang="zh-CN" altLang="en-US" b="1" dirty="0" smtClean="0">
+                <a:latin typeface="楷体" panose="02010609060101010101" pitchFamily="49" charset="-122"/>
+                <a:ea typeface="楷体" panose="02010609060101010101" pitchFamily="49" charset="-122"/>
+              </a:rPr>
+            </a:br>
+            <a:r>
+              <a:rPr lang="en-US" altLang="zh-CN" b="1" dirty="0" smtClean="0">
+                <a:latin typeface="楷体" panose="02010609060101010101" pitchFamily="49" charset="-122"/>
+                <a:ea typeface="楷体" panose="02010609060101010101" pitchFamily="49" charset="-122"/>
+              </a:rPr>
+              <a:t>12</a:t>
+            </a:r>
+            <a:r>
+              <a:rPr lang="zh-CN" altLang="en-US" b="1" dirty="0" smtClean="0">
+                <a:latin typeface="楷体" panose="02010609060101010101" pitchFamily="49" charset="-122"/>
+                <a:ea typeface="楷体" panose="02010609060101010101" pitchFamily="49" charset="-122"/>
+              </a:rPr>
+              <a:t>宫代表精神上的先验性，玄学，神秘的东西，先天的精神倾向</a:t>
+            </a:r>
+            <a:br>
+              <a:rPr lang="zh-CN" altLang="en-US" b="1" dirty="0" smtClean="0">
+                <a:latin typeface="楷体" panose="02010609060101010101" pitchFamily="49" charset="-122"/>
+                <a:ea typeface="楷体" panose="02010609060101010101" pitchFamily="49" charset="-122"/>
+              </a:rPr>
+            </a:br>
+            <a:r>
+              <a:rPr lang="en-US" altLang="zh-CN" b="1" dirty="0" smtClean="0">
+                <a:latin typeface="楷体" panose="02010609060101010101" pitchFamily="49" charset="-122"/>
+                <a:ea typeface="楷体" panose="02010609060101010101" pitchFamily="49" charset="-122"/>
+              </a:rPr>
+              <a:t>6</a:t>
+            </a:r>
+            <a:r>
+              <a:rPr lang="zh-CN" altLang="en-US" b="1" dirty="0" smtClean="0">
+                <a:latin typeface="楷体" panose="02010609060101010101" pitchFamily="49" charset="-122"/>
+                <a:ea typeface="楷体" panose="02010609060101010101" pitchFamily="49" charset="-122"/>
+              </a:rPr>
+              <a:t>宫代表琐碎的，重复的工作</a:t>
+            </a:r>
+            <a:br>
+              <a:rPr lang="zh-CN" altLang="en-US" b="1" dirty="0" smtClean="0">
+                <a:latin typeface="楷体" panose="02010609060101010101" pitchFamily="49" charset="-122"/>
+                <a:ea typeface="楷体" panose="02010609060101010101" pitchFamily="49" charset="-122"/>
+              </a:rPr>
+            </a:br>
+            <a:r>
+              <a:rPr lang="en-US" altLang="zh-CN" b="1" dirty="0" smtClean="0">
+                <a:latin typeface="楷体" panose="02010609060101010101" pitchFamily="49" charset="-122"/>
+                <a:ea typeface="楷体" panose="02010609060101010101" pitchFamily="49" charset="-122"/>
+              </a:rPr>
+              <a:t>3</a:t>
+            </a:r>
+            <a:r>
+              <a:rPr lang="zh-CN" altLang="en-US" b="1" dirty="0" smtClean="0">
+                <a:latin typeface="楷体" panose="02010609060101010101" pitchFamily="49" charset="-122"/>
+                <a:ea typeface="楷体" panose="02010609060101010101" pitchFamily="49" charset="-122"/>
+              </a:rPr>
+              <a:t>宫代表旅游，迁移，新知识，交流</a:t>
+            </a:r>
+            <a:endParaRPr lang="en-US" altLang="zh-CN" b="1" dirty="0" smtClean="0">
+              <a:latin typeface="楷体" panose="02010609060101010101" pitchFamily="49" charset="-122"/>
+              <a:ea typeface="楷体" panose="02010609060101010101" pitchFamily="49" charset="-122"/>
+            </a:endParaRPr>
+          </a:p>
+          <a:p>
+            <a:endParaRPr lang="en-US" altLang="zh-CN" b="1" dirty="0" smtClean="0">
+              <a:latin typeface="楷体" panose="02010609060101010101" pitchFamily="49" charset="-122"/>
+              <a:ea typeface="楷体" panose="02010609060101010101" pitchFamily="49" charset="-122"/>
+            </a:endParaRPr>
+          </a:p>
+          <a:p>
+            <a:r>
+              <a:rPr lang="zh-CN" altLang="en-US" b="1" dirty="0" smtClean="0">
+                <a:latin typeface="楷体" panose="02010609060101010101" pitchFamily="49" charset="-122"/>
+                <a:ea typeface="楷体" panose="02010609060101010101" pitchFamily="49" charset="-122"/>
+              </a:rPr>
+              <a:t>黄道丑被赤道寅 克而绝</a:t>
+            </a:r>
+            <a:endParaRPr lang="en-US" altLang="zh-CN" b="1" dirty="0" smtClean="0">
+              <a:latin typeface="楷体" panose="02010609060101010101" pitchFamily="49" charset="-122"/>
+              <a:ea typeface="楷体" panose="02010609060101010101" pitchFamily="49" charset="-122"/>
+            </a:endParaRPr>
+          </a:p>
+          <a:p>
+            <a:r>
+              <a:rPr lang="zh-CN" altLang="en-US" b="1" dirty="0" smtClean="0">
+                <a:latin typeface="楷体" panose="02010609060101010101" pitchFamily="49" charset="-122"/>
+                <a:ea typeface="楷体" panose="02010609060101010101" pitchFamily="49" charset="-122"/>
+              </a:rPr>
+              <a:t>黄道辰被赤道巳 生而长生</a:t>
+            </a:r>
+            <a:endParaRPr lang="en-US" altLang="zh-CN" b="1" dirty="0" smtClean="0">
+              <a:latin typeface="楷体" panose="02010609060101010101" pitchFamily="49" charset="-122"/>
+              <a:ea typeface="楷体" panose="02010609060101010101" pitchFamily="49" charset="-122"/>
+            </a:endParaRPr>
+          </a:p>
+          <a:p>
+            <a:r>
+              <a:rPr lang="zh-CN" altLang="en-US" b="1" dirty="0" smtClean="0">
+                <a:latin typeface="楷体" panose="02010609060101010101" pitchFamily="49" charset="-122"/>
+                <a:ea typeface="楷体" panose="02010609060101010101" pitchFamily="49" charset="-122"/>
+              </a:rPr>
+              <a:t>黄道未生赤道申而临冠</a:t>
+            </a:r>
+            <a:endParaRPr lang="en-US" altLang="zh-CN" b="1" dirty="0" smtClean="0">
+              <a:latin typeface="楷体" panose="02010609060101010101" pitchFamily="49" charset="-122"/>
+              <a:ea typeface="楷体" panose="02010609060101010101" pitchFamily="49" charset="-122"/>
+            </a:endParaRPr>
+          </a:p>
+          <a:p>
+            <a:r>
+              <a:rPr lang="zh-CN" altLang="en-US" b="1" dirty="0" smtClean="0">
+                <a:latin typeface="楷体" panose="02010609060101010101" pitchFamily="49" charset="-122"/>
+                <a:ea typeface="楷体" panose="02010609060101010101" pitchFamily="49" charset="-122"/>
+              </a:rPr>
+              <a:t>黄道戌克赤道亥而病</a:t>
+            </a:r>
+            <a:endParaRPr lang="en-US" altLang="zh-CN" b="1" dirty="0" smtClean="0">
+              <a:latin typeface="楷体" panose="02010609060101010101" pitchFamily="49" charset="-122"/>
+              <a:ea typeface="楷体" panose="02010609060101010101" pitchFamily="49" charset="-122"/>
+            </a:endParaRPr>
+          </a:p>
+          <a:p>
+            <a:endParaRPr lang="en-US" altLang="zh-CN" b="1" dirty="0" smtClean="0">
+              <a:latin typeface="楷体" panose="02010609060101010101" pitchFamily="49" charset="-122"/>
+              <a:ea typeface="楷体" panose="02010609060101010101" pitchFamily="49" charset="-122"/>
+            </a:endParaRPr>
+          </a:p>
+          <a:p>
+            <a:r>
+              <a:rPr lang="zh-CN" altLang="en-US" b="1" dirty="0" smtClean="0">
+                <a:latin typeface="楷体" panose="02010609060101010101" pitchFamily="49" charset="-122"/>
+                <a:ea typeface="楷体" panose="02010609060101010101" pitchFamily="49" charset="-122"/>
+              </a:rPr>
+              <a:t>子午卯酉在临冠之下</a:t>
+            </a:r>
+            <a:endParaRPr lang="en-US" altLang="zh-CN" b="1" dirty="0" smtClean="0">
+              <a:latin typeface="楷体" panose="02010609060101010101" pitchFamily="49" charset="-122"/>
+              <a:ea typeface="楷体" panose="02010609060101010101" pitchFamily="49" charset="-122"/>
+            </a:endParaRPr>
+          </a:p>
+          <a:p>
+            <a:r>
+              <a:rPr lang="zh-CN" altLang="en-US" b="1" dirty="0" smtClean="0">
+                <a:latin typeface="楷体" panose="02010609060101010101" pitchFamily="49" charset="-122"/>
+                <a:ea typeface="楷体" panose="02010609060101010101" pitchFamily="49" charset="-122"/>
+              </a:rPr>
+              <a:t>寅申巳亥在冠带之下</a:t>
+            </a:r>
+            <a:endParaRPr lang="en-US" altLang="zh-CN" b="1" dirty="0" smtClean="0">
+              <a:latin typeface="楷体" panose="02010609060101010101" pitchFamily="49" charset="-122"/>
+              <a:ea typeface="楷体" panose="02010609060101010101" pitchFamily="49" charset="-122"/>
+            </a:endParaRPr>
+          </a:p>
+          <a:p>
+            <a:endParaRPr lang="en-US" altLang="zh-CN" b="1" dirty="0" smtClean="0">
+              <a:latin typeface="楷体" panose="02010609060101010101" pitchFamily="49" charset="-122"/>
+              <a:ea typeface="楷体" panose="02010609060101010101" pitchFamily="49" charset="-122"/>
+            </a:endParaRPr>
+          </a:p>
+          <a:p>
+            <a:r>
+              <a:rPr lang="zh-CN" altLang="en-US" b="1" dirty="0" smtClean="0">
+                <a:latin typeface="楷体" panose="02010609060101010101" pitchFamily="49" charset="-122"/>
+                <a:ea typeface="楷体" panose="02010609060101010101" pitchFamily="49" charset="-122"/>
+              </a:rPr>
+              <a:t>朝气蓬勃，冠带是少年气质，临冠是青年气质</a:t>
+            </a:r>
+            <a:endParaRPr lang="zh-CN" altLang="en-US" b="1" dirty="0">
+              <a:latin typeface="楷体" panose="02010609060101010101" pitchFamily="49" charset="-122"/>
+              <a:ea typeface="楷体" panose="02010609060101010101" pitchFamily="49" charset="-122"/>
+            </a:endParaRPr>
           </a:p>
         </p:txBody>
       </p:sp>
     </p:spTree>
     <p:extLst>
       <p:ext uri="{BB962C8B-B14F-4D97-AF65-F5344CB8AC3E}">
-        <p14:creationId xmlns:p14="http://schemas.microsoft.com/office/powerpoint/2010/main" val="2983110358"/>
+        <p14:creationId xmlns:p14="http://schemas.microsoft.com/office/powerpoint/2010/main" val="3940486396"/>
       </p:ext>
     </p:extLst>
   </p:cSld>
@@ -7301,7 +8341,7 @@
         <p:spPr>
           <a:xfrm>
             <a:off x="118777" y="96010"/>
-            <a:ext cx="2387192" cy="369332"/>
+            <a:ext cx="2618024" cy="369332"/>
           </a:xfrm>
           <a:prstGeom prst="rect">
             <a:avLst/>
@@ -7315,33 +8355,33 @@
           <a:p>
             <a:r>
               <a:rPr lang="en-US" altLang="zh-CN" dirty="0" smtClean="0">
-                <a:hlinkClick r:id="rId2" tooltip="十二盘式 · 病胎盘——上升水瓶"/>
-              </a:rPr>
-              <a:t>4 </a:t>
+                <a:hlinkClick r:id="rId2" tooltip="十二盘式 · 退间传盘——上升摩羯"/>
+              </a:rPr>
+              <a:t>3 </a:t>
             </a:r>
             <a:r>
               <a:rPr lang="zh-CN" altLang="en-US" dirty="0" smtClean="0">
-                <a:hlinkClick r:id="rId2" tooltip="十二盘式 · 病胎盘——上升水瓶"/>
-              </a:rPr>
-              <a:t>病</a:t>
+                <a:hlinkClick r:id="rId2" tooltip="十二盘式 · 退间传盘——上升摩羯"/>
+              </a:rPr>
+              <a:t>退</a:t>
             </a:r>
             <a:r>
               <a:rPr lang="zh-CN" altLang="en-US" dirty="0">
-                <a:hlinkClick r:id="rId2" tooltip="十二盘式 · 病胎盘——上升水瓶"/>
-              </a:rPr>
-              <a:t>胎盘</a:t>
+                <a:hlinkClick r:id="rId2" tooltip="十二盘式 · 退间传盘——上升摩羯"/>
+              </a:rPr>
+              <a:t>间传盘</a:t>
             </a:r>
             <a:r>
               <a:rPr lang="en-US" altLang="zh-CN" dirty="0">
-                <a:hlinkClick r:id="rId2" tooltip="十二盘式 · 病胎盘——上升水瓶"/>
+                <a:hlinkClick r:id="rId2" tooltip="十二盘式 · 退间传盘——上升摩羯"/>
               </a:rPr>
               <a:t>——</a:t>
             </a:r>
             <a:r>
               <a:rPr lang="zh-CN" altLang="en-US" dirty="0">
-                <a:hlinkClick r:id="rId2" tooltip="十二盘式 · 病胎盘——上升水瓶"/>
-              </a:rPr>
-              <a:t>上升水瓶</a:t>
+                <a:hlinkClick r:id="rId2" tooltip="十二盘式 · 退间传盘——上升摩羯"/>
+              </a:rPr>
+              <a:t>上升摩羯</a:t>
             </a:r>
             <a:endParaRPr lang="zh-CN" altLang="en-US" dirty="0"/>
           </a:p>
@@ -7350,7 +8390,7 @@
     </p:spTree>
     <p:extLst>
       <p:ext uri="{BB962C8B-B14F-4D97-AF65-F5344CB8AC3E}">
-        <p14:creationId xmlns:p14="http://schemas.microsoft.com/office/powerpoint/2010/main" val="2603274353"/>
+        <p14:creationId xmlns:p14="http://schemas.microsoft.com/office/powerpoint/2010/main" val="2983110358"/>
       </p:ext>
     </p:extLst>
   </p:cSld>
@@ -8116,7 +9156,7 @@
         <p:spPr>
           <a:xfrm>
             <a:off x="118777" y="96010"/>
-            <a:ext cx="2610010" cy="369332"/>
+            <a:ext cx="2387192" cy="369332"/>
           </a:xfrm>
           <a:prstGeom prst="rect">
             <a:avLst/>
@@ -8129,32 +9169,34 @@
           <a:lstStyle/>
           <a:p>
             <a:r>
-              <a:rPr lang="en-US" altLang="zh-CN" dirty="0" smtClean="0"/>
-              <a:t>5 </a:t>
+              <a:rPr lang="en-US" altLang="zh-CN" dirty="0" smtClean="0">
+                <a:hlinkClick r:id="rId2" tooltip="十二盘式 · 病胎盘——上升水瓶"/>
+              </a:rPr>
+              <a:t>4 </a:t>
             </a:r>
             <a:r>
               <a:rPr lang="zh-CN" altLang="en-US" dirty="0" smtClean="0">
-                <a:hlinkClick r:id="rId2" tooltip="十二盘式 · 逆三合盘——上升双鱼"/>
-              </a:rPr>
-              <a:t>逆</a:t>
+                <a:hlinkClick r:id="rId2" tooltip="十二盘式 · 病胎盘——上升水瓶"/>
+              </a:rPr>
+              <a:t>病</a:t>
             </a:r>
             <a:r>
               <a:rPr lang="zh-CN" altLang="en-US" dirty="0">
-                <a:hlinkClick r:id="rId2" tooltip="十二盘式 · 逆三合盘——上升双鱼"/>
-              </a:rPr>
-              <a:t>三合盘</a:t>
+                <a:hlinkClick r:id="rId2" tooltip="十二盘式 · 病胎盘——上升水瓶"/>
+              </a:rPr>
+              <a:t>胎盘</a:t>
             </a:r>
             <a:r>
               <a:rPr lang="en-US" altLang="zh-CN" dirty="0">
-                <a:hlinkClick r:id="rId2" tooltip="十二盘式 · 逆三合盘——上升双鱼"/>
+                <a:hlinkClick r:id="rId2" tooltip="十二盘式 · 病胎盘——上升水瓶"/>
               </a:rPr>
               <a:t>——</a:t>
             </a:r>
             <a:r>
               <a:rPr lang="zh-CN" altLang="en-US" dirty="0">
-                <a:hlinkClick r:id="rId2" tooltip="十二盘式 · 逆三合盘——上升双鱼"/>
-              </a:rPr>
-              <a:t>上升双鱼</a:t>
+                <a:hlinkClick r:id="rId2" tooltip="十二盘式 · 病胎盘——上升水瓶"/>
+              </a:rPr>
+              <a:t>上升水瓶</a:t>
             </a:r>
             <a:endParaRPr lang="zh-CN" altLang="en-US" dirty="0"/>
           </a:p>
@@ -8163,7 +9205,7 @@
     </p:spTree>
     <p:extLst>
       <p:ext uri="{BB962C8B-B14F-4D97-AF65-F5344CB8AC3E}">
-        <p14:creationId xmlns:p14="http://schemas.microsoft.com/office/powerpoint/2010/main" val="2203519812"/>
+        <p14:creationId xmlns:p14="http://schemas.microsoft.com/office/powerpoint/2010/main" val="2603274353"/>
       </p:ext>
     </p:extLst>
   </p:cSld>
@@ -8929,7 +9971,7 @@
         <p:spPr>
           <a:xfrm>
             <a:off x="118777" y="96010"/>
-            <a:ext cx="2618024" cy="369332"/>
+            <a:ext cx="2610010" cy="369332"/>
           </a:xfrm>
           <a:prstGeom prst="rect">
             <a:avLst/>
@@ -8942,34 +9984,32 @@
           <a:lstStyle/>
           <a:p>
             <a:r>
-              <a:rPr lang="en-US" altLang="zh-CN" dirty="0" smtClean="0">
-                <a:hlinkClick r:id="rId2" tooltip="十二盘式 · 四绝体盘——上升白羊"/>
-              </a:rPr>
-              <a:t>6 </a:t>
+              <a:rPr lang="en-US" altLang="zh-CN" dirty="0" smtClean="0"/>
+              <a:t>5 </a:t>
             </a:r>
             <a:r>
               <a:rPr lang="zh-CN" altLang="en-US" dirty="0" smtClean="0">
-                <a:hlinkClick r:id="rId2" tooltip="十二盘式 · 四绝体盘——上升白羊"/>
-              </a:rPr>
-              <a:t>四</a:t>
+                <a:hlinkClick r:id="rId2" tooltip="十二盘式 · 逆三合盘——上升双鱼"/>
+              </a:rPr>
+              <a:t>逆</a:t>
             </a:r>
             <a:r>
               <a:rPr lang="zh-CN" altLang="en-US" dirty="0">
-                <a:hlinkClick r:id="rId2" tooltip="十二盘式 · 四绝体盘——上升白羊"/>
-              </a:rPr>
-              <a:t>绝体盘</a:t>
+                <a:hlinkClick r:id="rId2" tooltip="十二盘式 · 逆三合盘——上升双鱼"/>
+              </a:rPr>
+              <a:t>三合盘</a:t>
             </a:r>
             <a:r>
               <a:rPr lang="en-US" altLang="zh-CN" dirty="0">
-                <a:hlinkClick r:id="rId2" tooltip="十二盘式 · 四绝体盘——上升白羊"/>
+                <a:hlinkClick r:id="rId2" tooltip="十二盘式 · 逆三合盘——上升双鱼"/>
               </a:rPr>
               <a:t>——</a:t>
             </a:r>
             <a:r>
               <a:rPr lang="zh-CN" altLang="en-US" dirty="0">
-                <a:hlinkClick r:id="rId2" tooltip="十二盘式 · 四绝体盘——上升白羊"/>
-              </a:rPr>
-              <a:t>上升白羊</a:t>
+                <a:hlinkClick r:id="rId2" tooltip="十二盘式 · 逆三合盘——上升双鱼"/>
+              </a:rPr>
+              <a:t>上升双鱼</a:t>
             </a:r>
             <a:endParaRPr lang="zh-CN" altLang="en-US" dirty="0"/>
           </a:p>
@@ -8978,7 +10018,7 @@
     </p:spTree>
     <p:extLst>
       <p:ext uri="{BB962C8B-B14F-4D97-AF65-F5344CB8AC3E}">
-        <p14:creationId xmlns:p14="http://schemas.microsoft.com/office/powerpoint/2010/main" val="1973817055"/>
+        <p14:creationId xmlns:p14="http://schemas.microsoft.com/office/powerpoint/2010/main" val="2203519812"/>
       </p:ext>
     </p:extLst>
   </p:cSld>
@@ -9744,7 +10784,7 @@
         <p:spPr>
           <a:xfrm>
             <a:off x="118777" y="96010"/>
-            <a:ext cx="1717137" cy="369332"/>
+            <a:ext cx="2618024" cy="369332"/>
           </a:xfrm>
           <a:prstGeom prst="rect">
             <a:avLst/>
@@ -9758,39 +10798,33 @@
           <a:p>
             <a:r>
               <a:rPr lang="en-US" altLang="zh-CN" dirty="0" smtClean="0">
-                <a:hlinkClick r:id="rId2" tooltip="十二盘式 · 反吟盘与四墓覆生盘——升牛与升双"/>
-              </a:rPr>
-              <a:t>7 </a:t>
+                <a:hlinkClick r:id="rId2" tooltip="十二盘式 · 四绝体盘——上升白羊"/>
+              </a:rPr>
+              <a:t>6 </a:t>
             </a:r>
             <a:r>
               <a:rPr lang="zh-CN" altLang="en-US" dirty="0" smtClean="0">
-                <a:hlinkClick r:id="rId2" tooltip="十二盘式 · 反吟盘与四墓覆生盘——升牛与升双"/>
-              </a:rPr>
-              <a:t>反</a:t>
+                <a:hlinkClick r:id="rId2" tooltip="十二盘式 · 四绝体盘——上升白羊"/>
+              </a:rPr>
+              <a:t>四</a:t>
             </a:r>
             <a:r>
               <a:rPr lang="zh-CN" altLang="en-US" dirty="0">
-                <a:hlinkClick r:id="rId2" tooltip="十二盘式 · 反吟盘与四墓覆生盘——升牛与升双"/>
-              </a:rPr>
-              <a:t>吟</a:t>
-            </a:r>
-            <a:r>
-              <a:rPr lang="zh-CN" altLang="en-US" dirty="0" smtClean="0">
-                <a:hlinkClick r:id="rId2" tooltip="十二盘式 · 反吟盘与四墓覆生盘——升牛与升双"/>
-              </a:rPr>
-              <a:t>盘</a:t>
-            </a:r>
-            <a:r>
-              <a:rPr lang="en-US" altLang="zh-CN" dirty="0" smtClean="0">
-                <a:hlinkClick r:id="rId2" tooltip="十二盘式 · 反吟盘与四墓覆生盘——升牛与升双"/>
-              </a:rPr>
-              <a:t>—</a:t>
-            </a:r>
-            <a:r>
-              <a:rPr lang="zh-CN" altLang="en-US" dirty="0" smtClean="0">
-                <a:hlinkClick r:id="rId2" tooltip="十二盘式 · 反吟盘与四墓覆生盘——升牛与升双"/>
-              </a:rPr>
-              <a:t>升牛</a:t>
+                <a:hlinkClick r:id="rId2" tooltip="十二盘式 · 四绝体盘——上升白羊"/>
+              </a:rPr>
+              <a:t>绝体盘</a:t>
+            </a:r>
+            <a:r>
+              <a:rPr lang="en-US" altLang="zh-CN" dirty="0">
+                <a:hlinkClick r:id="rId2" tooltip="十二盘式 · 四绝体盘——上升白羊"/>
+              </a:rPr>
+              <a:t>——</a:t>
+            </a:r>
+            <a:r>
+              <a:rPr lang="zh-CN" altLang="en-US" dirty="0">
+                <a:hlinkClick r:id="rId2" tooltip="十二盘式 · 四绝体盘——上升白羊"/>
+              </a:rPr>
+              <a:t>上升白羊</a:t>
             </a:r>
             <a:endParaRPr lang="zh-CN" altLang="en-US" dirty="0"/>
           </a:p>
@@ -9799,7 +10833,7 @@
     </p:spTree>
     <p:extLst>
       <p:ext uri="{BB962C8B-B14F-4D97-AF65-F5344CB8AC3E}">
-        <p14:creationId xmlns:p14="http://schemas.microsoft.com/office/powerpoint/2010/main" val="2182477252"/>
+        <p14:creationId xmlns:p14="http://schemas.microsoft.com/office/powerpoint/2010/main" val="1973817055"/>
       </p:ext>
     </p:extLst>
   </p:cSld>
@@ -10565,7 +11599,7 @@
         <p:spPr>
           <a:xfrm>
             <a:off x="118777" y="96010"/>
-            <a:ext cx="2387192" cy="369332"/>
+            <a:ext cx="1717137" cy="369332"/>
           </a:xfrm>
           <a:prstGeom prst="rect">
             <a:avLst/>
@@ -10581,37 +11615,37 @@
               <a:rPr lang="en-US" altLang="zh-CN" dirty="0" smtClean="0">
                 <a:hlinkClick r:id="rId2" tooltip="十二盘式 · 反吟盘与四墓覆生盘——升牛与升双"/>
               </a:rPr>
-              <a:t>8 </a:t>
+              <a:t>7 </a:t>
             </a:r>
             <a:r>
               <a:rPr lang="zh-CN" altLang="en-US" dirty="0" smtClean="0">
                 <a:hlinkClick r:id="rId2" tooltip="十二盘式 · 反吟盘与四墓覆生盘——升牛与升双"/>
               </a:rPr>
-              <a:t>四</a:t>
+              <a:t>反</a:t>
             </a:r>
             <a:r>
               <a:rPr lang="zh-CN" altLang="en-US" dirty="0">
                 <a:hlinkClick r:id="rId2" tooltip="十二盘式 · 反吟盘与四墓覆生盘——升牛与升双"/>
               </a:rPr>
-              <a:t>墓覆生盘</a:t>
+              <a:t>吟</a:t>
+            </a:r>
+            <a:r>
+              <a:rPr lang="zh-CN" altLang="en-US" dirty="0" smtClean="0">
+                <a:hlinkClick r:id="rId2" tooltip="十二盘式 · 反吟盘与四墓覆生盘——升牛与升双"/>
+              </a:rPr>
+              <a:t>盘</a:t>
             </a:r>
             <a:r>
               <a:rPr lang="en-US" altLang="zh-CN" dirty="0" smtClean="0">
                 <a:hlinkClick r:id="rId2" tooltip="十二盘式 · 反吟盘与四墓覆生盘——升牛与升双"/>
               </a:rPr>
-              <a:t>——</a:t>
+              <a:t>—</a:t>
             </a:r>
             <a:r>
               <a:rPr lang="zh-CN" altLang="en-US" dirty="0" smtClean="0">
                 <a:hlinkClick r:id="rId2" tooltip="十二盘式 · 反吟盘与四墓覆生盘——升牛与升双"/>
               </a:rPr>
-              <a:t>升</a:t>
-            </a:r>
-            <a:r>
-              <a:rPr lang="zh-CN" altLang="en-US" dirty="0">
-                <a:hlinkClick r:id="rId2" tooltip="十二盘式 · 反吟盘与四墓覆生盘——升牛与升双"/>
-              </a:rPr>
-              <a:t>双</a:t>
+              <a:t>升牛</a:t>
             </a:r>
             <a:endParaRPr lang="zh-CN" altLang="en-US" dirty="0"/>
           </a:p>
@@ -10620,7 +11654,7 @@
     </p:spTree>
     <p:extLst>
       <p:ext uri="{BB962C8B-B14F-4D97-AF65-F5344CB8AC3E}">
-        <p14:creationId xmlns:p14="http://schemas.microsoft.com/office/powerpoint/2010/main" val="1366293781"/>
+        <p14:creationId xmlns:p14="http://schemas.microsoft.com/office/powerpoint/2010/main" val="2182477252"/>
       </p:ext>
     </p:extLst>
   </p:cSld>
@@ -11386,7 +12420,7 @@
         <p:spPr>
           <a:xfrm>
             <a:off x="118777" y="96010"/>
-            <a:ext cx="2156360" cy="369332"/>
+            <a:ext cx="2387192" cy="369332"/>
           </a:xfrm>
           <a:prstGeom prst="rect">
             <a:avLst/>
@@ -11400,45 +12434,39 @@
           <a:p>
             <a:r>
               <a:rPr lang="en-US" altLang="zh-CN" dirty="0" smtClean="0">
-                <a:hlinkClick r:id="rId2" tooltip="十二盘式 · 顺三合盘与生胎盘——升蟹与升狮"/>
-              </a:rPr>
-              <a:t>9 </a:t>
+                <a:hlinkClick r:id="rId2" tooltip="十二盘式 · 反吟盘与四墓覆生盘——升牛与升双"/>
+              </a:rPr>
+              <a:t>8 </a:t>
             </a:r>
             <a:r>
               <a:rPr lang="zh-CN" altLang="en-US" dirty="0" smtClean="0">
-                <a:hlinkClick r:id="rId2" tooltip="十二盘式 · 顺三合盘与生胎盘——升蟹与升狮"/>
-              </a:rPr>
-              <a:t>顺</a:t>
+                <a:hlinkClick r:id="rId2" tooltip="十二盘式 · 反吟盘与四墓覆生盘——升牛与升双"/>
+              </a:rPr>
+              <a:t>四</a:t>
             </a:r>
             <a:r>
               <a:rPr lang="zh-CN" altLang="en-US" dirty="0">
-                <a:hlinkClick r:id="rId2" tooltip="十二盘式 · 顺三合盘与生胎盘——升蟹与升狮"/>
-              </a:rPr>
-              <a:t>三合</a:t>
+                <a:hlinkClick r:id="rId2" tooltip="十二盘式 · 反吟盘与四墓覆生盘——升牛与升双"/>
+              </a:rPr>
+              <a:t>墓覆生盘</a:t>
+            </a:r>
+            <a:r>
+              <a:rPr lang="en-US" altLang="zh-CN" dirty="0" smtClean="0">
+                <a:hlinkClick r:id="rId2" tooltip="十二盘式 · 反吟盘与四墓覆生盘——升牛与升双"/>
+              </a:rPr>
+              <a:t>——</a:t>
             </a:r>
             <a:r>
               <a:rPr lang="zh-CN" altLang="en-US" dirty="0" smtClean="0">
-                <a:hlinkClick r:id="rId2" tooltip="十二盘式 · 顺三合盘与生胎盘——升蟹与升狮"/>
-              </a:rPr>
-              <a:t>盘</a:t>
-            </a:r>
-            <a:r>
-              <a:rPr lang="en-US" altLang="zh-CN" dirty="0" smtClean="0">
-                <a:hlinkClick r:id="rId2" tooltip="十二盘式 · 顺三合盘与生胎盘——升蟹与升狮"/>
-              </a:rPr>
-              <a:t>——</a:t>
+                <a:hlinkClick r:id="rId2" tooltip="十二盘式 · 反吟盘与四墓覆生盘——升牛与升双"/>
+              </a:rPr>
+              <a:t>升</a:t>
             </a:r>
             <a:r>
               <a:rPr lang="zh-CN" altLang="en-US" dirty="0">
-                <a:hlinkClick r:id="rId2" tooltip="十二盘式 · 顺三合盘与生胎盘——升蟹与升狮"/>
-              </a:rPr>
-              <a:t>升</a:t>
-            </a:r>
-            <a:r>
-              <a:rPr lang="zh-CN" altLang="en-US" dirty="0" smtClean="0">
-                <a:hlinkClick r:id="rId2" tooltip="十二盘式 · 顺三合盘与生胎盘——升蟹与升狮"/>
-              </a:rPr>
-              <a:t>蟹</a:t>
+                <a:hlinkClick r:id="rId2" tooltip="十二盘式 · 反吟盘与四墓覆生盘——升牛与升双"/>
+              </a:rPr>
+              <a:t>双</a:t>
             </a:r>
             <a:endParaRPr lang="zh-CN" altLang="en-US" dirty="0"/>
           </a:p>
@@ -11447,7 +12475,7 @@
     </p:spTree>
     <p:extLst>
       <p:ext uri="{BB962C8B-B14F-4D97-AF65-F5344CB8AC3E}">
-        <p14:creationId xmlns:p14="http://schemas.microsoft.com/office/powerpoint/2010/main" val="1719104411"/>
+        <p14:creationId xmlns:p14="http://schemas.microsoft.com/office/powerpoint/2010/main" val="1366293781"/>
       </p:ext>
     </p:extLst>
   </p:cSld>
@@ -12213,7 +13241,7 @@
         <p:spPr>
           <a:xfrm>
             <a:off x="118777" y="96010"/>
-            <a:ext cx="2042547" cy="369332"/>
+            <a:ext cx="2156360" cy="369332"/>
           </a:xfrm>
           <a:prstGeom prst="rect">
             <a:avLst/>
@@ -12229,19 +13257,25 @@
               <a:rPr lang="en-US" altLang="zh-CN" dirty="0" smtClean="0">
                 <a:hlinkClick r:id="rId2" tooltip="十二盘式 · 顺三合盘与生胎盘——升蟹与升狮"/>
               </a:rPr>
-              <a:t>10 </a:t>
+              <a:t>9 </a:t>
             </a:r>
             <a:r>
               <a:rPr lang="zh-CN" altLang="en-US" dirty="0" smtClean="0">
                 <a:hlinkClick r:id="rId2" tooltip="十二盘式 · 顺三合盘与生胎盘——升蟹与升狮"/>
               </a:rPr>
-              <a:t>生</a:t>
+              <a:t>顺</a:t>
             </a:r>
             <a:r>
               <a:rPr lang="zh-CN" altLang="en-US" dirty="0">
                 <a:hlinkClick r:id="rId2" tooltip="十二盘式 · 顺三合盘与生胎盘——升蟹与升狮"/>
               </a:rPr>
-              <a:t>胎盘</a:t>
+              <a:t>三合</a:t>
+            </a:r>
+            <a:r>
+              <a:rPr lang="zh-CN" altLang="en-US" dirty="0" smtClean="0">
+                <a:hlinkClick r:id="rId2" tooltip="十二盘式 · 顺三合盘与生胎盘——升蟹与升狮"/>
+              </a:rPr>
+              <a:t>盘</a:t>
             </a:r>
             <a:r>
               <a:rPr lang="en-US" altLang="zh-CN" dirty="0" smtClean="0">
@@ -12250,16 +13284,16 @@
               <a:t>——</a:t>
             </a:r>
             <a:r>
+              <a:rPr lang="zh-CN" altLang="en-US" dirty="0">
+                <a:hlinkClick r:id="rId2" tooltip="十二盘式 · 顺三合盘与生胎盘——升蟹与升狮"/>
+              </a:rPr>
+              <a:t>升</a:t>
+            </a:r>
+            <a:r>
               <a:rPr lang="zh-CN" altLang="en-US" dirty="0" smtClean="0">
                 <a:hlinkClick r:id="rId2" tooltip="十二盘式 · 顺三合盘与生胎盘——升蟹与升狮"/>
               </a:rPr>
-              <a:t>升</a:t>
-            </a:r>
-            <a:r>
-              <a:rPr lang="zh-CN" altLang="en-US" dirty="0">
-                <a:hlinkClick r:id="rId2" tooltip="十二盘式 · 顺三合盘与生胎盘——升蟹与升狮"/>
-              </a:rPr>
-              <a:t>狮</a:t>
+              <a:t>蟹</a:t>
             </a:r>
             <a:endParaRPr lang="zh-CN" altLang="en-US" dirty="0"/>
           </a:p>
@@ -12268,7 +13302,7 @@
     </p:spTree>
     <p:extLst>
       <p:ext uri="{BB962C8B-B14F-4D97-AF65-F5344CB8AC3E}">
-        <p14:creationId xmlns:p14="http://schemas.microsoft.com/office/powerpoint/2010/main" val="2384479584"/>
+        <p14:creationId xmlns:p14="http://schemas.microsoft.com/office/powerpoint/2010/main" val="1719104411"/>
       </p:ext>
     </p:extLst>
   </p:cSld>
@@ -13034,7 +14068,7 @@
         <p:spPr>
           <a:xfrm>
             <a:off x="118777" y="96010"/>
-            <a:ext cx="2273379" cy="369332"/>
+            <a:ext cx="2042547" cy="369332"/>
           </a:xfrm>
           <a:prstGeom prst="rect">
             <a:avLst/>
@@ -13048,45 +14082,39 @@
           <a:p>
             <a:r>
               <a:rPr lang="en-US" altLang="zh-CN" dirty="0" smtClean="0">
-                <a:hlinkClick r:id="rId2" tooltip="十二盘式 · 进间传盘与进连茹盘——升处与升秤"/>
-              </a:rPr>
-              <a:t>11 </a:t>
+                <a:hlinkClick r:id="rId2" tooltip="十二盘式 · 顺三合盘与生胎盘——升蟹与升狮"/>
+              </a:rPr>
+              <a:t>10 </a:t>
             </a:r>
             <a:r>
               <a:rPr lang="zh-CN" altLang="en-US" dirty="0" smtClean="0">
-                <a:hlinkClick r:id="rId2" tooltip="十二盘式 · 进间传盘与进连茹盘——升处与升秤"/>
-              </a:rPr>
-              <a:t>进</a:t>
+                <a:hlinkClick r:id="rId2" tooltip="十二盘式 · 顺三合盘与生胎盘——升蟹与升狮"/>
+              </a:rPr>
+              <a:t>生</a:t>
             </a:r>
             <a:r>
               <a:rPr lang="zh-CN" altLang="en-US" dirty="0">
-                <a:hlinkClick r:id="rId2" tooltip="十二盘式 · 进间传盘与进连茹盘——升处与升秤"/>
-              </a:rPr>
-              <a:t>间传</a:t>
+                <a:hlinkClick r:id="rId2" tooltip="十二盘式 · 顺三合盘与生胎盘——升蟹与升狮"/>
+              </a:rPr>
+              <a:t>胎盘</a:t>
+            </a:r>
+            <a:r>
+              <a:rPr lang="en-US" altLang="zh-CN" dirty="0" smtClean="0">
+                <a:hlinkClick r:id="rId2" tooltip="十二盘式 · 顺三合盘与生胎盘——升蟹与升狮"/>
+              </a:rPr>
+              <a:t>——</a:t>
             </a:r>
             <a:r>
               <a:rPr lang="zh-CN" altLang="en-US" dirty="0" smtClean="0">
-                <a:hlinkClick r:id="rId2" tooltip="十二盘式 · 进间传盘与进连茹盘——升处与升秤"/>
-              </a:rPr>
-              <a:t>盘</a:t>
-            </a:r>
-            <a:r>
-              <a:rPr lang="en-US" altLang="zh-CN" dirty="0" smtClean="0">
-                <a:hlinkClick r:id="rId2" tooltip="十二盘式 · 进间传盘与进连茹盘——升处与升秤"/>
-              </a:rPr>
-              <a:t>——</a:t>
+                <a:hlinkClick r:id="rId2" tooltip="十二盘式 · 顺三合盘与生胎盘——升蟹与升狮"/>
+              </a:rPr>
+              <a:t>升</a:t>
             </a:r>
             <a:r>
               <a:rPr lang="zh-CN" altLang="en-US" dirty="0">
-                <a:hlinkClick r:id="rId2" tooltip="十二盘式 · 进间传盘与进连茹盘——升处与升秤"/>
-              </a:rPr>
-              <a:t>升</a:t>
-            </a:r>
-            <a:r>
-              <a:rPr lang="zh-CN" altLang="en-US" dirty="0" smtClean="0">
-                <a:hlinkClick r:id="rId2" tooltip="十二盘式 · 进间传盘与进连茹盘——升处与升秤"/>
-              </a:rPr>
-              <a:t>处</a:t>
+                <a:hlinkClick r:id="rId2" tooltip="十二盘式 · 顺三合盘与生胎盘——升蟹与升狮"/>
+              </a:rPr>
+              <a:t>狮</a:t>
             </a:r>
             <a:endParaRPr lang="zh-CN" altLang="en-US" dirty="0"/>
           </a:p>
@@ -13095,7 +14123,7 @@
     </p:spTree>
     <p:extLst>
       <p:ext uri="{BB962C8B-B14F-4D97-AF65-F5344CB8AC3E}">
-        <p14:creationId xmlns:p14="http://schemas.microsoft.com/office/powerpoint/2010/main" val="1649503513"/>
+        <p14:creationId xmlns:p14="http://schemas.microsoft.com/office/powerpoint/2010/main" val="2384479584"/>
       </p:ext>
     </p:extLst>
   </p:cSld>
@@ -13616,6 +14644,833 @@
 </file>
 
 <file path=ppt/slides/slide20.xml><?xml version="1.0" encoding="utf-8"?>
+<p:sld xmlns:a="http://schemas.openxmlformats.org/drawingml/2006/main" xmlns:r="http://schemas.openxmlformats.org/officeDocument/2006/relationships" xmlns:p="http://schemas.openxmlformats.org/presentationml/2006/main">
+  <p:cSld>
+    <p:spTree>
+      <p:nvGrpSpPr>
+        <p:cNvPr id="1" name=""/>
+        <p:cNvGrpSpPr/>
+        <p:nvPr/>
+      </p:nvGrpSpPr>
+      <p:grpSpPr>
+        <a:xfrm>
+          <a:off x="0" y="0"/>
+          <a:ext cx="0" cy="0"/>
+          <a:chOff x="0" y="0"/>
+          <a:chExt cx="0" cy="0"/>
+        </a:xfrm>
+      </p:grpSpPr>
+      <p:sp>
+        <p:nvSpPr>
+          <p:cNvPr id="4" name="同心圆 3"/>
+          <p:cNvSpPr/>
+          <p:nvPr/>
+        </p:nvSpPr>
+        <p:spPr>
+          <a:xfrm>
+            <a:off x="483079" y="224287"/>
+            <a:ext cx="6280030" cy="6280030"/>
+          </a:xfrm>
+          <a:prstGeom prst="donut">
+            <a:avLst>
+              <a:gd name="adj" fmla="val 8347"/>
+            </a:avLst>
+          </a:prstGeom>
+        </p:spPr>
+        <p:style>
+          <a:lnRef idx="2">
+            <a:schemeClr val="accent4">
+              <a:shade val="50000"/>
+            </a:schemeClr>
+          </a:lnRef>
+          <a:fillRef idx="1">
+            <a:schemeClr val="accent4"/>
+          </a:fillRef>
+          <a:effectRef idx="0">
+            <a:schemeClr val="accent4"/>
+          </a:effectRef>
+          <a:fontRef idx="minor">
+            <a:schemeClr val="lt1"/>
+          </a:fontRef>
+        </p:style>
+        <p:txBody>
+          <a:bodyPr rtlCol="0" anchor="ctr"/>
+          <a:lstStyle/>
+          <a:p>
+            <a:pPr algn="ctr"/>
+            <a:endParaRPr lang="zh-CN" altLang="en-US">
+              <a:solidFill>
+                <a:schemeClr val="tx1"/>
+              </a:solidFill>
+            </a:endParaRPr>
+          </a:p>
+        </p:txBody>
+      </p:sp>
+      <p:sp>
+        <p:nvSpPr>
+          <p:cNvPr id="5" name="同心圆 4"/>
+          <p:cNvSpPr/>
+          <p:nvPr/>
+        </p:nvSpPr>
+        <p:spPr>
+          <a:xfrm>
+            <a:off x="1011446" y="752654"/>
+            <a:ext cx="5223295" cy="5223295"/>
+          </a:xfrm>
+          <a:prstGeom prst="donut">
+            <a:avLst>
+              <a:gd name="adj" fmla="val 10554"/>
+            </a:avLst>
+          </a:prstGeom>
+        </p:spPr>
+        <p:style>
+          <a:lnRef idx="2">
+            <a:schemeClr val="accent2">
+              <a:shade val="50000"/>
+            </a:schemeClr>
+          </a:lnRef>
+          <a:fillRef idx="1">
+            <a:schemeClr val="accent2"/>
+          </a:fillRef>
+          <a:effectRef idx="0">
+            <a:schemeClr val="accent2"/>
+          </a:effectRef>
+          <a:fontRef idx="minor">
+            <a:schemeClr val="lt1"/>
+          </a:fontRef>
+        </p:style>
+        <p:txBody>
+          <a:bodyPr rtlCol="0" anchor="ctr"/>
+          <a:lstStyle/>
+          <a:p>
+            <a:pPr algn="ctr"/>
+            <a:endParaRPr lang="zh-CN" altLang="en-US" dirty="0">
+              <a:solidFill>
+                <a:schemeClr val="tx1"/>
+              </a:solidFill>
+            </a:endParaRPr>
+          </a:p>
+        </p:txBody>
+      </p:sp>
+      <p:cxnSp>
+        <p:nvCxnSpPr>
+          <p:cNvPr id="25" name="直接连接符 24"/>
+          <p:cNvCxnSpPr/>
+          <p:nvPr/>
+        </p:nvCxnSpPr>
+        <p:spPr>
+          <a:xfrm>
+            <a:off x="3640402" y="1311473"/>
+            <a:ext cx="0" cy="4105656"/>
+          </a:xfrm>
+          <a:prstGeom prst="line">
+            <a:avLst/>
+          </a:prstGeom>
+        </p:spPr>
+        <p:style>
+          <a:lnRef idx="1">
+            <a:schemeClr val="accent1"/>
+          </a:lnRef>
+          <a:fillRef idx="0">
+            <a:schemeClr val="accent1"/>
+          </a:fillRef>
+          <a:effectRef idx="0">
+            <a:schemeClr val="accent1"/>
+          </a:effectRef>
+          <a:fontRef idx="minor">
+            <a:schemeClr val="tx1"/>
+          </a:fontRef>
+        </p:style>
+      </p:cxnSp>
+      <p:cxnSp>
+        <p:nvCxnSpPr>
+          <p:cNvPr id="28" name="直接连接符 27"/>
+          <p:cNvCxnSpPr/>
+          <p:nvPr/>
+        </p:nvCxnSpPr>
+        <p:spPr>
+          <a:xfrm rot="9000000">
+            <a:off x="3640402" y="1311473"/>
+            <a:ext cx="0" cy="4105656"/>
+          </a:xfrm>
+          <a:prstGeom prst="line">
+            <a:avLst/>
+          </a:prstGeom>
+        </p:spPr>
+        <p:style>
+          <a:lnRef idx="1">
+            <a:schemeClr val="accent1"/>
+          </a:lnRef>
+          <a:fillRef idx="0">
+            <a:schemeClr val="accent1"/>
+          </a:fillRef>
+          <a:effectRef idx="0">
+            <a:schemeClr val="accent1"/>
+          </a:effectRef>
+          <a:fontRef idx="minor">
+            <a:schemeClr val="tx1"/>
+          </a:fontRef>
+        </p:style>
+      </p:cxnSp>
+      <p:cxnSp>
+        <p:nvCxnSpPr>
+          <p:cNvPr id="29" name="直接连接符 28"/>
+          <p:cNvCxnSpPr/>
+          <p:nvPr/>
+        </p:nvCxnSpPr>
+        <p:spPr>
+          <a:xfrm rot="7200000">
+            <a:off x="3640402" y="1311473"/>
+            <a:ext cx="0" cy="4105656"/>
+          </a:xfrm>
+          <a:prstGeom prst="line">
+            <a:avLst/>
+          </a:prstGeom>
+        </p:spPr>
+        <p:style>
+          <a:lnRef idx="1">
+            <a:schemeClr val="accent1"/>
+          </a:lnRef>
+          <a:fillRef idx="0">
+            <a:schemeClr val="accent1"/>
+          </a:fillRef>
+          <a:effectRef idx="0">
+            <a:schemeClr val="accent1"/>
+          </a:effectRef>
+          <a:fontRef idx="minor">
+            <a:schemeClr val="tx1"/>
+          </a:fontRef>
+        </p:style>
+      </p:cxnSp>
+      <p:cxnSp>
+        <p:nvCxnSpPr>
+          <p:cNvPr id="30" name="直接连接符 29"/>
+          <p:cNvCxnSpPr/>
+          <p:nvPr/>
+        </p:nvCxnSpPr>
+        <p:spPr>
+          <a:xfrm rot="3600000">
+            <a:off x="3640402" y="1311473"/>
+            <a:ext cx="0" cy="4105656"/>
+          </a:xfrm>
+          <a:prstGeom prst="line">
+            <a:avLst/>
+          </a:prstGeom>
+        </p:spPr>
+        <p:style>
+          <a:lnRef idx="1">
+            <a:schemeClr val="accent1"/>
+          </a:lnRef>
+          <a:fillRef idx="0">
+            <a:schemeClr val="accent1"/>
+          </a:fillRef>
+          <a:effectRef idx="0">
+            <a:schemeClr val="accent1"/>
+          </a:effectRef>
+          <a:fontRef idx="minor">
+            <a:schemeClr val="tx1"/>
+          </a:fontRef>
+        </p:style>
+      </p:cxnSp>
+      <p:cxnSp>
+        <p:nvCxnSpPr>
+          <p:cNvPr id="31" name="直接连接符 30"/>
+          <p:cNvCxnSpPr/>
+          <p:nvPr/>
+        </p:nvCxnSpPr>
+        <p:spPr>
+          <a:xfrm rot="1800000">
+            <a:off x="3640402" y="1311473"/>
+            <a:ext cx="0" cy="4105656"/>
+          </a:xfrm>
+          <a:prstGeom prst="line">
+            <a:avLst/>
+          </a:prstGeom>
+        </p:spPr>
+        <p:style>
+          <a:lnRef idx="1">
+            <a:schemeClr val="accent1"/>
+          </a:lnRef>
+          <a:fillRef idx="0">
+            <a:schemeClr val="accent1"/>
+          </a:fillRef>
+          <a:effectRef idx="0">
+            <a:schemeClr val="accent1"/>
+          </a:effectRef>
+          <a:fontRef idx="minor">
+            <a:schemeClr val="tx1"/>
+          </a:fontRef>
+        </p:style>
+      </p:cxnSp>
+      <p:cxnSp>
+        <p:nvCxnSpPr>
+          <p:cNvPr id="32" name="直接连接符 31"/>
+          <p:cNvCxnSpPr/>
+          <p:nvPr/>
+        </p:nvCxnSpPr>
+        <p:spPr>
+          <a:xfrm rot="5400000">
+            <a:off x="3640402" y="1311473"/>
+            <a:ext cx="0" cy="4105656"/>
+          </a:xfrm>
+          <a:prstGeom prst="line">
+            <a:avLst/>
+          </a:prstGeom>
+        </p:spPr>
+        <p:style>
+          <a:lnRef idx="1">
+            <a:schemeClr val="accent1"/>
+          </a:lnRef>
+          <a:fillRef idx="0">
+            <a:schemeClr val="accent1"/>
+          </a:fillRef>
+          <a:effectRef idx="0">
+            <a:schemeClr val="accent1"/>
+          </a:effectRef>
+          <a:fontRef idx="minor">
+            <a:schemeClr val="tx1"/>
+          </a:fontRef>
+        </p:style>
+      </p:cxnSp>
+      <p:sp>
+        <p:nvSpPr>
+          <p:cNvPr id="33" name="文本框 32"/>
+          <p:cNvSpPr txBox="1"/>
+          <p:nvPr/>
+        </p:nvSpPr>
+        <p:spPr>
+          <a:xfrm>
+            <a:off x="3415344" y="835111"/>
+            <a:ext cx="415498" cy="369332"/>
+          </a:xfrm>
+          <a:prstGeom prst="rect">
+            <a:avLst/>
+          </a:prstGeom>
+          <a:noFill/>
+        </p:spPr>
+        <p:txBody>
+          <a:bodyPr wrap="none" rtlCol="0">
+            <a:spAutoFit/>
+          </a:bodyPr>
+          <a:lstStyle/>
+          <a:p>
+            <a:r>
+              <a:rPr lang="zh-CN" altLang="en-US" dirty="0" smtClean="0">
+                <a:solidFill>
+                  <a:schemeClr val="bg1"/>
+                </a:solidFill>
+              </a:rPr>
+              <a:t>子</a:t>
+            </a:r>
+            <a:endParaRPr lang="zh-CN" altLang="en-US" dirty="0">
+              <a:solidFill>
+                <a:schemeClr val="bg1"/>
+              </a:solidFill>
+            </a:endParaRPr>
+          </a:p>
+        </p:txBody>
+      </p:sp>
+      <p:sp>
+        <p:nvSpPr>
+          <p:cNvPr id="37" name="文本框 36"/>
+          <p:cNvSpPr txBox="1"/>
+          <p:nvPr/>
+        </p:nvSpPr>
+        <p:spPr>
+          <a:xfrm>
+            <a:off x="4617293" y="1198743"/>
+            <a:ext cx="415498" cy="369332"/>
+          </a:xfrm>
+          <a:prstGeom prst="rect">
+            <a:avLst/>
+          </a:prstGeom>
+          <a:noFill/>
+        </p:spPr>
+        <p:txBody>
+          <a:bodyPr wrap="none" rtlCol="0">
+            <a:spAutoFit/>
+          </a:bodyPr>
+          <a:lstStyle/>
+          <a:p>
+            <a:r>
+              <a:rPr lang="zh-CN" altLang="en-US" dirty="0">
+                <a:solidFill>
+                  <a:schemeClr val="bg1"/>
+                </a:solidFill>
+              </a:rPr>
+              <a:t>丑</a:t>
+            </a:r>
+          </a:p>
+        </p:txBody>
+      </p:sp>
+      <p:sp>
+        <p:nvSpPr>
+          <p:cNvPr id="38" name="文本框 37"/>
+          <p:cNvSpPr txBox="1"/>
+          <p:nvPr/>
+        </p:nvSpPr>
+        <p:spPr>
+          <a:xfrm>
+            <a:off x="5420565" y="1968553"/>
+            <a:ext cx="415498" cy="369332"/>
+          </a:xfrm>
+          <a:prstGeom prst="rect">
+            <a:avLst/>
+          </a:prstGeom>
+          <a:noFill/>
+        </p:spPr>
+        <p:txBody>
+          <a:bodyPr wrap="none" rtlCol="0">
+            <a:spAutoFit/>
+          </a:bodyPr>
+          <a:lstStyle/>
+          <a:p>
+            <a:r>
+              <a:rPr lang="zh-CN" altLang="en-US" dirty="0" smtClean="0">
+                <a:solidFill>
+                  <a:schemeClr val="bg1"/>
+                </a:solidFill>
+              </a:rPr>
+              <a:t>寅</a:t>
+            </a:r>
+            <a:endParaRPr lang="zh-CN" altLang="en-US" dirty="0">
+              <a:solidFill>
+                <a:schemeClr val="bg1"/>
+              </a:solidFill>
+            </a:endParaRPr>
+          </a:p>
+        </p:txBody>
+      </p:sp>
+      <p:sp>
+        <p:nvSpPr>
+          <p:cNvPr id="39" name="文本框 38"/>
+          <p:cNvSpPr txBox="1"/>
+          <p:nvPr/>
+        </p:nvSpPr>
+        <p:spPr>
+          <a:xfrm>
+            <a:off x="5738822" y="3179634"/>
+            <a:ext cx="415498" cy="369332"/>
+          </a:xfrm>
+          <a:prstGeom prst="rect">
+            <a:avLst/>
+          </a:prstGeom>
+          <a:noFill/>
+        </p:spPr>
+        <p:txBody>
+          <a:bodyPr wrap="none" rtlCol="0">
+            <a:spAutoFit/>
+          </a:bodyPr>
+          <a:lstStyle/>
+          <a:p>
+            <a:r>
+              <a:rPr lang="zh-CN" altLang="en-US" dirty="0" smtClean="0">
+                <a:solidFill>
+                  <a:schemeClr val="bg1"/>
+                </a:solidFill>
+              </a:rPr>
+              <a:t>卯</a:t>
+            </a:r>
+            <a:endParaRPr lang="zh-CN" altLang="en-US" dirty="0">
+              <a:solidFill>
+                <a:schemeClr val="bg1"/>
+              </a:solidFill>
+            </a:endParaRPr>
+          </a:p>
+        </p:txBody>
+      </p:sp>
+      <p:sp>
+        <p:nvSpPr>
+          <p:cNvPr id="40" name="文本框 39"/>
+          <p:cNvSpPr txBox="1"/>
+          <p:nvPr/>
+        </p:nvSpPr>
+        <p:spPr>
+          <a:xfrm>
+            <a:off x="5420565" y="4390714"/>
+            <a:ext cx="415498" cy="369332"/>
+          </a:xfrm>
+          <a:prstGeom prst="rect">
+            <a:avLst/>
+          </a:prstGeom>
+          <a:noFill/>
+        </p:spPr>
+        <p:txBody>
+          <a:bodyPr wrap="none" rtlCol="0">
+            <a:spAutoFit/>
+          </a:bodyPr>
+          <a:lstStyle/>
+          <a:p>
+            <a:r>
+              <a:rPr lang="zh-CN" altLang="en-US" dirty="0" smtClean="0">
+                <a:solidFill>
+                  <a:schemeClr val="bg1"/>
+                </a:solidFill>
+              </a:rPr>
+              <a:t>辰</a:t>
+            </a:r>
+            <a:endParaRPr lang="zh-CN" altLang="en-US" dirty="0">
+              <a:solidFill>
+                <a:schemeClr val="bg1"/>
+              </a:solidFill>
+            </a:endParaRPr>
+          </a:p>
+        </p:txBody>
+      </p:sp>
+      <p:sp>
+        <p:nvSpPr>
+          <p:cNvPr id="41" name="文本框 40"/>
+          <p:cNvSpPr txBox="1"/>
+          <p:nvPr/>
+        </p:nvSpPr>
+        <p:spPr>
+          <a:xfrm>
+            <a:off x="4666816" y="5160527"/>
+            <a:ext cx="415498" cy="369332"/>
+          </a:xfrm>
+          <a:prstGeom prst="rect">
+            <a:avLst/>
+          </a:prstGeom>
+          <a:noFill/>
+        </p:spPr>
+        <p:txBody>
+          <a:bodyPr wrap="none" rtlCol="0">
+            <a:spAutoFit/>
+          </a:bodyPr>
+          <a:lstStyle/>
+          <a:p>
+            <a:r>
+              <a:rPr lang="zh-CN" altLang="en-US" dirty="0" smtClean="0">
+                <a:solidFill>
+                  <a:schemeClr val="bg1"/>
+                </a:solidFill>
+              </a:rPr>
+              <a:t>巳</a:t>
+            </a:r>
+            <a:endParaRPr lang="zh-CN" altLang="en-US" dirty="0">
+              <a:solidFill>
+                <a:schemeClr val="bg1"/>
+              </a:solidFill>
+            </a:endParaRPr>
+          </a:p>
+        </p:txBody>
+      </p:sp>
+      <p:sp>
+        <p:nvSpPr>
+          <p:cNvPr id="42" name="文本框 41"/>
+          <p:cNvSpPr txBox="1"/>
+          <p:nvPr/>
+        </p:nvSpPr>
+        <p:spPr>
+          <a:xfrm>
+            <a:off x="3415344" y="5485804"/>
+            <a:ext cx="415498" cy="369332"/>
+          </a:xfrm>
+          <a:prstGeom prst="rect">
+            <a:avLst/>
+          </a:prstGeom>
+          <a:noFill/>
+        </p:spPr>
+        <p:txBody>
+          <a:bodyPr wrap="none" rtlCol="0">
+            <a:spAutoFit/>
+          </a:bodyPr>
+          <a:lstStyle/>
+          <a:p>
+            <a:r>
+              <a:rPr lang="zh-CN" altLang="en-US" dirty="0" smtClean="0">
+                <a:solidFill>
+                  <a:schemeClr val="bg1"/>
+                </a:solidFill>
+              </a:rPr>
+              <a:t>午</a:t>
+            </a:r>
+            <a:endParaRPr lang="zh-CN" altLang="en-US" dirty="0">
+              <a:solidFill>
+                <a:schemeClr val="bg1"/>
+              </a:solidFill>
+            </a:endParaRPr>
+          </a:p>
+        </p:txBody>
+      </p:sp>
+      <p:sp>
+        <p:nvSpPr>
+          <p:cNvPr id="43" name="文本框 42"/>
+          <p:cNvSpPr txBox="1"/>
+          <p:nvPr/>
+        </p:nvSpPr>
+        <p:spPr>
+          <a:xfrm>
+            <a:off x="2198490" y="5160637"/>
+            <a:ext cx="415498" cy="369332"/>
+          </a:xfrm>
+          <a:prstGeom prst="rect">
+            <a:avLst/>
+          </a:prstGeom>
+          <a:noFill/>
+        </p:spPr>
+        <p:txBody>
+          <a:bodyPr wrap="none" rtlCol="0">
+            <a:spAutoFit/>
+          </a:bodyPr>
+          <a:lstStyle/>
+          <a:p>
+            <a:r>
+              <a:rPr lang="zh-CN" altLang="en-US" dirty="0" smtClean="0">
+                <a:solidFill>
+                  <a:schemeClr val="bg1"/>
+                </a:solidFill>
+              </a:rPr>
+              <a:t>未</a:t>
+            </a:r>
+            <a:endParaRPr lang="zh-CN" altLang="en-US" dirty="0">
+              <a:solidFill>
+                <a:schemeClr val="bg1"/>
+              </a:solidFill>
+            </a:endParaRPr>
+          </a:p>
+        </p:txBody>
+      </p:sp>
+      <p:sp>
+        <p:nvSpPr>
+          <p:cNvPr id="44" name="文本框 43"/>
+          <p:cNvSpPr txBox="1"/>
+          <p:nvPr/>
+        </p:nvSpPr>
+        <p:spPr>
+          <a:xfrm>
+            <a:off x="1444741" y="4390714"/>
+            <a:ext cx="415498" cy="369332"/>
+          </a:xfrm>
+          <a:prstGeom prst="rect">
+            <a:avLst/>
+          </a:prstGeom>
+          <a:noFill/>
+        </p:spPr>
+        <p:txBody>
+          <a:bodyPr wrap="none" rtlCol="0">
+            <a:spAutoFit/>
+          </a:bodyPr>
+          <a:lstStyle/>
+          <a:p>
+            <a:r>
+              <a:rPr lang="zh-CN" altLang="en-US" dirty="0" smtClean="0">
+                <a:solidFill>
+                  <a:schemeClr val="bg1"/>
+                </a:solidFill>
+              </a:rPr>
+              <a:t>申</a:t>
+            </a:r>
+            <a:endParaRPr lang="zh-CN" altLang="en-US" dirty="0">
+              <a:solidFill>
+                <a:schemeClr val="bg1"/>
+              </a:solidFill>
+            </a:endParaRPr>
+          </a:p>
+        </p:txBody>
+      </p:sp>
+      <p:sp>
+        <p:nvSpPr>
+          <p:cNvPr id="45" name="文本框 44"/>
+          <p:cNvSpPr txBox="1"/>
+          <p:nvPr/>
+        </p:nvSpPr>
+        <p:spPr>
+          <a:xfrm>
+            <a:off x="1089434" y="3221482"/>
+            <a:ext cx="415498" cy="369332"/>
+          </a:xfrm>
+          <a:prstGeom prst="rect">
+            <a:avLst/>
+          </a:prstGeom>
+          <a:noFill/>
+        </p:spPr>
+        <p:txBody>
+          <a:bodyPr wrap="none" rtlCol="0">
+            <a:spAutoFit/>
+          </a:bodyPr>
+          <a:lstStyle/>
+          <a:p>
+            <a:r>
+              <a:rPr lang="zh-CN" altLang="en-US" dirty="0" smtClean="0">
+                <a:solidFill>
+                  <a:schemeClr val="bg1"/>
+                </a:solidFill>
+              </a:rPr>
+              <a:t>酉</a:t>
+            </a:r>
+            <a:endParaRPr lang="zh-CN" altLang="en-US" dirty="0">
+              <a:solidFill>
+                <a:schemeClr val="bg1"/>
+              </a:solidFill>
+            </a:endParaRPr>
+          </a:p>
+        </p:txBody>
+      </p:sp>
+      <p:sp>
+        <p:nvSpPr>
+          <p:cNvPr id="46" name="文本框 45"/>
+          <p:cNvSpPr txBox="1"/>
+          <p:nvPr/>
+        </p:nvSpPr>
+        <p:spPr>
+          <a:xfrm>
+            <a:off x="1444741" y="1968553"/>
+            <a:ext cx="415498" cy="369332"/>
+          </a:xfrm>
+          <a:prstGeom prst="rect">
+            <a:avLst/>
+          </a:prstGeom>
+          <a:noFill/>
+        </p:spPr>
+        <p:txBody>
+          <a:bodyPr wrap="none" rtlCol="0">
+            <a:spAutoFit/>
+          </a:bodyPr>
+          <a:lstStyle/>
+          <a:p>
+            <a:r>
+              <a:rPr lang="zh-CN" altLang="en-US" dirty="0" smtClean="0">
+                <a:solidFill>
+                  <a:schemeClr val="bg1"/>
+                </a:solidFill>
+              </a:rPr>
+              <a:t>戌</a:t>
+            </a:r>
+            <a:endParaRPr lang="zh-CN" altLang="en-US" dirty="0">
+              <a:solidFill>
+                <a:schemeClr val="bg1"/>
+              </a:solidFill>
+            </a:endParaRPr>
+          </a:p>
+        </p:txBody>
+      </p:sp>
+      <p:sp>
+        <p:nvSpPr>
+          <p:cNvPr id="47" name="文本框 46"/>
+          <p:cNvSpPr txBox="1"/>
+          <p:nvPr/>
+        </p:nvSpPr>
+        <p:spPr>
+          <a:xfrm>
+            <a:off x="2196269" y="1198743"/>
+            <a:ext cx="415498" cy="369332"/>
+          </a:xfrm>
+          <a:prstGeom prst="rect">
+            <a:avLst/>
+          </a:prstGeom>
+          <a:noFill/>
+        </p:spPr>
+        <p:txBody>
+          <a:bodyPr wrap="none" rtlCol="0">
+            <a:spAutoFit/>
+          </a:bodyPr>
+          <a:lstStyle/>
+          <a:p>
+            <a:r>
+              <a:rPr lang="zh-CN" altLang="en-US" dirty="0" smtClean="0">
+                <a:solidFill>
+                  <a:schemeClr val="bg1"/>
+                </a:solidFill>
+              </a:rPr>
+              <a:t>亥</a:t>
+            </a:r>
+            <a:endParaRPr lang="zh-CN" altLang="en-US" dirty="0">
+              <a:solidFill>
+                <a:schemeClr val="bg1"/>
+              </a:solidFill>
+            </a:endParaRPr>
+          </a:p>
+        </p:txBody>
+      </p:sp>
+      <p:sp>
+        <p:nvSpPr>
+          <p:cNvPr id="49" name="矩形 48"/>
+          <p:cNvSpPr/>
+          <p:nvPr/>
+        </p:nvSpPr>
+        <p:spPr>
+          <a:xfrm>
+            <a:off x="118777" y="96010"/>
+            <a:ext cx="2273379" cy="369332"/>
+          </a:xfrm>
+          <a:prstGeom prst="rect">
+            <a:avLst/>
+          </a:prstGeom>
+        </p:spPr>
+        <p:txBody>
+          <a:bodyPr wrap="none">
+            <a:spAutoFit/>
+          </a:bodyPr>
+          <a:lstStyle/>
+          <a:p>
+            <a:r>
+              <a:rPr lang="en-US" altLang="zh-CN" dirty="0" smtClean="0">
+                <a:hlinkClick r:id="rId2" tooltip="十二盘式 · 进间传盘与进连茹盘——升处与升秤"/>
+              </a:rPr>
+              <a:t>11 </a:t>
+            </a:r>
+            <a:r>
+              <a:rPr lang="zh-CN" altLang="en-US" dirty="0" smtClean="0">
+                <a:hlinkClick r:id="rId2" tooltip="十二盘式 · 进间传盘与进连茹盘——升处与升秤"/>
+              </a:rPr>
+              <a:t>进</a:t>
+            </a:r>
+            <a:r>
+              <a:rPr lang="zh-CN" altLang="en-US" dirty="0">
+                <a:hlinkClick r:id="rId2" tooltip="十二盘式 · 进间传盘与进连茹盘——升处与升秤"/>
+              </a:rPr>
+              <a:t>间传</a:t>
+            </a:r>
+            <a:r>
+              <a:rPr lang="zh-CN" altLang="en-US" dirty="0" smtClean="0">
+                <a:hlinkClick r:id="rId2" tooltip="十二盘式 · 进间传盘与进连茹盘——升处与升秤"/>
+              </a:rPr>
+              <a:t>盘</a:t>
+            </a:r>
+            <a:r>
+              <a:rPr lang="en-US" altLang="zh-CN" dirty="0" smtClean="0">
+                <a:hlinkClick r:id="rId2" tooltip="十二盘式 · 进间传盘与进连茹盘——升处与升秤"/>
+              </a:rPr>
+              <a:t>——</a:t>
+            </a:r>
+            <a:r>
+              <a:rPr lang="zh-CN" altLang="en-US" dirty="0">
+                <a:hlinkClick r:id="rId2" tooltip="十二盘式 · 进间传盘与进连茹盘——升处与升秤"/>
+              </a:rPr>
+              <a:t>升</a:t>
+            </a:r>
+            <a:r>
+              <a:rPr lang="zh-CN" altLang="en-US" dirty="0" smtClean="0">
+                <a:hlinkClick r:id="rId2" tooltip="十二盘式 · 进间传盘与进连茹盘——升处与升秤"/>
+              </a:rPr>
+              <a:t>处</a:t>
+            </a:r>
+            <a:endParaRPr lang="zh-CN" altLang="en-US" dirty="0"/>
+          </a:p>
+        </p:txBody>
+      </p:sp>
+    </p:spTree>
+    <p:extLst>
+      <p:ext uri="{BB962C8B-B14F-4D97-AF65-F5344CB8AC3E}">
+        <p14:creationId xmlns:p14="http://schemas.microsoft.com/office/powerpoint/2010/main" val="1649503513"/>
+      </p:ext>
+    </p:extLst>
+  </p:cSld>
+  <p:clrMapOvr>
+    <a:masterClrMapping/>
+  </p:clrMapOvr>
+  <p:timing>
+    <p:tnLst>
+      <p:par>
+        <p:cTn id="1" dur="indefinite" restart="never" nodeType="tmRoot"/>
+      </p:par>
+    </p:tnLst>
+  </p:timing>
+</p:sld>
+</file>
+
+<file path=ppt/slides/slide21.xml><?xml version="1.0" encoding="utf-8"?>
 <p:sld xmlns:a="http://schemas.openxmlformats.org/drawingml/2006/main" xmlns:r="http://schemas.openxmlformats.org/officeDocument/2006/relationships" xmlns:p="http://schemas.openxmlformats.org/presentationml/2006/main">
   <p:cSld>
     <p:spTree>

--- a/prophecy/学魔法.pptx
+++ b/prophecy/学魔法.pptx
@@ -263,7 +263,7 @@
           <a:p>
             <a:fld id="{D158A3A6-BB24-48D8-87E0-EE8C50041EAA}" type="datetimeFigureOut">
               <a:rPr lang="zh-CN" altLang="en-US" smtClean="0"/>
-              <a:t>2022/12/22</a:t>
+              <a:t>2022/12/24</a:t>
             </a:fld>
             <a:endParaRPr lang="zh-CN" altLang="en-US"/>
           </a:p>
@@ -433,7 +433,7 @@
           <a:p>
             <a:fld id="{D158A3A6-BB24-48D8-87E0-EE8C50041EAA}" type="datetimeFigureOut">
               <a:rPr lang="zh-CN" altLang="en-US" smtClean="0"/>
-              <a:t>2022/12/22</a:t>
+              <a:t>2022/12/24</a:t>
             </a:fld>
             <a:endParaRPr lang="zh-CN" altLang="en-US"/>
           </a:p>
@@ -613,7 +613,7 @@
           <a:p>
             <a:fld id="{D158A3A6-BB24-48D8-87E0-EE8C50041EAA}" type="datetimeFigureOut">
               <a:rPr lang="zh-CN" altLang="en-US" smtClean="0"/>
-              <a:t>2022/12/22</a:t>
+              <a:t>2022/12/24</a:t>
             </a:fld>
             <a:endParaRPr lang="zh-CN" altLang="en-US"/>
           </a:p>
@@ -783,7 +783,7 @@
           <a:p>
             <a:fld id="{D158A3A6-BB24-48D8-87E0-EE8C50041EAA}" type="datetimeFigureOut">
               <a:rPr lang="zh-CN" altLang="en-US" smtClean="0"/>
-              <a:t>2022/12/22</a:t>
+              <a:t>2022/12/24</a:t>
             </a:fld>
             <a:endParaRPr lang="zh-CN" altLang="en-US"/>
           </a:p>
@@ -1029,7 +1029,7 @@
           <a:p>
             <a:fld id="{D158A3A6-BB24-48D8-87E0-EE8C50041EAA}" type="datetimeFigureOut">
               <a:rPr lang="zh-CN" altLang="en-US" smtClean="0"/>
-              <a:t>2022/12/22</a:t>
+              <a:t>2022/12/24</a:t>
             </a:fld>
             <a:endParaRPr lang="zh-CN" altLang="en-US"/>
           </a:p>
@@ -1261,7 +1261,7 @@
           <a:p>
             <a:fld id="{D158A3A6-BB24-48D8-87E0-EE8C50041EAA}" type="datetimeFigureOut">
               <a:rPr lang="zh-CN" altLang="en-US" smtClean="0"/>
-              <a:t>2022/12/22</a:t>
+              <a:t>2022/12/24</a:t>
             </a:fld>
             <a:endParaRPr lang="zh-CN" altLang="en-US"/>
           </a:p>
@@ -1628,7 +1628,7 @@
           <a:p>
             <a:fld id="{D158A3A6-BB24-48D8-87E0-EE8C50041EAA}" type="datetimeFigureOut">
               <a:rPr lang="zh-CN" altLang="en-US" smtClean="0"/>
-              <a:t>2022/12/22</a:t>
+              <a:t>2022/12/24</a:t>
             </a:fld>
             <a:endParaRPr lang="zh-CN" altLang="en-US"/>
           </a:p>
@@ -1746,7 +1746,7 @@
           <a:p>
             <a:fld id="{D158A3A6-BB24-48D8-87E0-EE8C50041EAA}" type="datetimeFigureOut">
               <a:rPr lang="zh-CN" altLang="en-US" smtClean="0"/>
-              <a:t>2022/12/22</a:t>
+              <a:t>2022/12/24</a:t>
             </a:fld>
             <a:endParaRPr lang="zh-CN" altLang="en-US"/>
           </a:p>
@@ -1841,7 +1841,7 @@
           <a:p>
             <a:fld id="{D158A3A6-BB24-48D8-87E0-EE8C50041EAA}" type="datetimeFigureOut">
               <a:rPr lang="zh-CN" altLang="en-US" smtClean="0"/>
-              <a:t>2022/12/22</a:t>
+              <a:t>2022/12/24</a:t>
             </a:fld>
             <a:endParaRPr lang="zh-CN" altLang="en-US"/>
           </a:p>
@@ -2118,7 +2118,7 @@
           <a:p>
             <a:fld id="{D158A3A6-BB24-48D8-87E0-EE8C50041EAA}" type="datetimeFigureOut">
               <a:rPr lang="zh-CN" altLang="en-US" smtClean="0"/>
-              <a:t>2022/12/22</a:t>
+              <a:t>2022/12/24</a:t>
             </a:fld>
             <a:endParaRPr lang="zh-CN" altLang="en-US"/>
           </a:p>
@@ -2371,7 +2371,7 @@
           <a:p>
             <a:fld id="{D158A3A6-BB24-48D8-87E0-EE8C50041EAA}" type="datetimeFigureOut">
               <a:rPr lang="zh-CN" altLang="en-US" smtClean="0"/>
-              <a:t>2022/12/22</a:t>
+              <a:t>2022/12/24</a:t>
             </a:fld>
             <a:endParaRPr lang="zh-CN" altLang="en-US"/>
           </a:p>
@@ -2584,7 +2584,7 @@
           <a:p>
             <a:fld id="{D158A3A6-BB24-48D8-87E0-EE8C50041EAA}" type="datetimeFigureOut">
               <a:rPr lang="zh-CN" altLang="en-US" smtClean="0"/>
-              <a:t>2022/12/22</a:t>
+              <a:t>2022/12/24</a:t>
             </a:fld>
             <a:endParaRPr lang="zh-CN" altLang="en-US"/>
           </a:p>
@@ -5786,7 +5786,14 @@
                 <a:latin typeface="楷体" panose="02010609060101010101" pitchFamily="49" charset="-122"/>
                 <a:ea typeface="楷体" panose="02010609060101010101" pitchFamily="49" charset="-122"/>
               </a:rPr>
-              <a:t>子午卯酉在临冠之下</a:t>
+              <a:t>命盘里 子午卯酉</a:t>
+            </a:r>
+            <a:r>
+              <a:rPr lang="zh-CN" altLang="en-US" b="1" dirty="0" smtClean="0">
+                <a:latin typeface="楷体" panose="02010609060101010101" pitchFamily="49" charset="-122"/>
+                <a:ea typeface="楷体" panose="02010609060101010101" pitchFamily="49" charset="-122"/>
+              </a:rPr>
+              <a:t>在临冠之下</a:t>
             </a:r>
             <a:endParaRPr lang="en-US" altLang="zh-CN" b="1" dirty="0" smtClean="0">
               <a:latin typeface="楷体" panose="02010609060101010101" pitchFamily="49" charset="-122"/>
@@ -5799,7 +5806,14 @@
                 <a:latin typeface="楷体" panose="02010609060101010101" pitchFamily="49" charset="-122"/>
                 <a:ea typeface="楷体" panose="02010609060101010101" pitchFamily="49" charset="-122"/>
               </a:rPr>
-              <a:t>寅申巳亥在冠带之下</a:t>
+              <a:t>命盘里 寅</a:t>
+            </a:r>
+            <a:r>
+              <a:rPr lang="zh-CN" altLang="en-US" b="1" dirty="0" smtClean="0">
+                <a:latin typeface="楷体" panose="02010609060101010101" pitchFamily="49" charset="-122"/>
+                <a:ea typeface="楷体" panose="02010609060101010101" pitchFamily="49" charset="-122"/>
+              </a:rPr>
+              <a:t>申巳亥在冠带之下</a:t>
             </a:r>
             <a:endParaRPr lang="en-US" altLang="zh-CN" b="1" dirty="0" smtClean="0">
               <a:latin typeface="楷体" panose="02010609060101010101" pitchFamily="49" charset="-122"/>
@@ -7141,7 +7155,7 @@
         </p:nvSpPr>
         <p:spPr>
           <a:xfrm>
-            <a:off x="6278416" y="3221482"/>
+            <a:off x="6269358" y="3179634"/>
             <a:ext cx="415498" cy="369332"/>
           </a:xfrm>
           <a:prstGeom prst="rect">
@@ -7219,7 +7233,7 @@
         <p:spPr>
           <a:xfrm>
             <a:off x="6938576" y="620637"/>
-            <a:ext cx="4974814" cy="5355312"/>
+            <a:ext cx="4974814" cy="4247317"/>
           </a:xfrm>
           <a:prstGeom prst="rect">
             <a:avLst/>
@@ -7231,12 +7245,19 @@
           </a:bodyPr>
           <a:lstStyle/>
           <a:p>
+            <a:r>
+              <a:rPr lang="en-US" altLang="zh-CN" b="1" dirty="0" smtClean="0">
+                <a:latin typeface="楷体" panose="02010609060101010101" pitchFamily="49" charset="-122"/>
+                <a:ea typeface="楷体" panose="02010609060101010101" pitchFamily="49" charset="-122"/>
+              </a:rPr>
+              <a:t>60</a:t>
+            </a:r>
             <a:r>
               <a:rPr lang="zh-CN" altLang="en-US" b="1" dirty="0" smtClean="0">
                 <a:latin typeface="楷体" panose="02010609060101010101" pitchFamily="49" charset="-122"/>
                 <a:ea typeface="楷体" panose="02010609060101010101" pitchFamily="49" charset="-122"/>
               </a:rPr>
-              <a:t>黄道月将卯，赤道时支辰，命宫在射手座</a:t>
+              <a:t>度，半三合，力量不强</a:t>
             </a:r>
             <a:endParaRPr lang="en-US" altLang="zh-CN" b="1" dirty="0" smtClean="0">
               <a:latin typeface="楷体" panose="02010609060101010101" pitchFamily="49" charset="-122"/>
@@ -7249,323 +7270,227 @@
                 <a:latin typeface="楷体" panose="02010609060101010101" pitchFamily="49" charset="-122"/>
                 <a:ea typeface="楷体" panose="02010609060101010101" pitchFamily="49" charset="-122"/>
               </a:rPr>
-              <a:t>黄道卯和赤道辰相害，酉戌相害，字丑六合，午未六合</a:t>
-            </a:r>
-            <a:br>
+              <a:t>被外界的压力推着去合，去  前进</a:t>
+            </a:r>
+            <a:endParaRPr lang="en-US" altLang="zh-CN" b="1" dirty="0" smtClean="0">
+              <a:latin typeface="楷体" panose="02010609060101010101" pitchFamily="49" charset="-122"/>
+              <a:ea typeface="楷体" panose="02010609060101010101" pitchFamily="49" charset="-122"/>
+            </a:endParaRPr>
+          </a:p>
+          <a:p>
+            <a:endParaRPr lang="en-US" altLang="zh-CN" b="1" dirty="0" smtClean="0">
+              <a:latin typeface="楷体" panose="02010609060101010101" pitchFamily="49" charset="-122"/>
+              <a:ea typeface="楷体" panose="02010609060101010101" pitchFamily="49" charset="-122"/>
+            </a:endParaRPr>
+          </a:p>
+          <a:p>
+            <a:r>
               <a:rPr lang="zh-CN" altLang="en-US" b="1" dirty="0" smtClean="0">
                 <a:latin typeface="楷体" panose="02010609060101010101" pitchFamily="49" charset="-122"/>
                 <a:ea typeface="楷体" panose="02010609060101010101" pitchFamily="49" charset="-122"/>
               </a:rPr>
-            </a:br>
+              <a:t>黄</a:t>
+            </a:r>
             <a:r>
               <a:rPr lang="zh-CN" altLang="en-US" b="1" dirty="0" smtClean="0">
                 <a:latin typeface="楷体" panose="02010609060101010101" pitchFamily="49" charset="-122"/>
                 <a:ea typeface="楷体" panose="02010609060101010101" pitchFamily="49" charset="-122"/>
               </a:rPr>
-              <a:t>卯</a:t>
-            </a:r>
+              <a:t>道</a:t>
+            </a:r>
+            <a:r>
+              <a:rPr lang="zh-CN" altLang="en-US" b="1" dirty="0" smtClean="0">
+                <a:latin typeface="楷体" panose="02010609060101010101" pitchFamily="49" charset="-122"/>
+                <a:ea typeface="楷体" panose="02010609060101010101" pitchFamily="49" charset="-122"/>
+              </a:rPr>
+              <a:t>的孟宫 寅</a:t>
+            </a:r>
+            <a:r>
+              <a:rPr lang="zh-CN" altLang="en-US" b="1" dirty="0" smtClean="0">
+                <a:latin typeface="楷体" panose="02010609060101010101" pitchFamily="49" charset="-122"/>
+                <a:ea typeface="楷体" panose="02010609060101010101" pitchFamily="49" charset="-122"/>
+              </a:rPr>
+              <a:t>申巳亥</a:t>
+            </a:r>
+            <a:r>
+              <a:rPr lang="zh-CN" altLang="en-US" b="1" dirty="0" smtClean="0">
+                <a:latin typeface="楷体" panose="02010609060101010101" pitchFamily="49" charset="-122"/>
+                <a:ea typeface="楷体" panose="02010609060101010101" pitchFamily="49" charset="-122"/>
+              </a:rPr>
+              <a:t>在衰上</a:t>
+            </a:r>
+            <a:endParaRPr lang="en-US" altLang="zh-CN" b="1" dirty="0" smtClean="0">
+              <a:latin typeface="楷体" panose="02010609060101010101" pitchFamily="49" charset="-122"/>
+              <a:ea typeface="楷体" panose="02010609060101010101" pitchFamily="49" charset="-122"/>
+            </a:endParaRPr>
+          </a:p>
+          <a:p>
+            <a:r>
+              <a:rPr lang="zh-CN" altLang="en-US" b="1" smtClean="0">
+                <a:latin typeface="楷体" panose="02010609060101010101" pitchFamily="49" charset="-122"/>
+                <a:ea typeface="楷体" panose="02010609060101010101" pitchFamily="49" charset="-122"/>
+              </a:rPr>
+              <a:t>赤道（命宫）的 </a:t>
+            </a:r>
+            <a:r>
+              <a:rPr lang="zh-CN" altLang="en-US" b="1" dirty="0" smtClean="0">
+                <a:latin typeface="楷体" panose="02010609060101010101" pitchFamily="49" charset="-122"/>
+                <a:ea typeface="楷体" panose="02010609060101010101" pitchFamily="49" charset="-122"/>
+              </a:rPr>
+              <a:t>寅</a:t>
+            </a:r>
+            <a:r>
+              <a:rPr lang="zh-CN" altLang="en-US" b="1" dirty="0">
+                <a:latin typeface="楷体" panose="02010609060101010101" pitchFamily="49" charset="-122"/>
+                <a:ea typeface="楷体" panose="02010609060101010101" pitchFamily="49" charset="-122"/>
+              </a:rPr>
+              <a:t>申巳</a:t>
+            </a:r>
+            <a:r>
+              <a:rPr lang="zh-CN" altLang="en-US" b="1" dirty="0" smtClean="0">
+                <a:latin typeface="楷体" panose="02010609060101010101" pitchFamily="49" charset="-122"/>
+                <a:ea typeface="楷体" panose="02010609060101010101" pitchFamily="49" charset="-122"/>
+              </a:rPr>
+              <a:t>亥在沐浴下</a:t>
+            </a:r>
+            <a:endParaRPr lang="en-US" altLang="zh-CN" b="1" dirty="0" smtClean="0">
+              <a:latin typeface="楷体" panose="02010609060101010101" pitchFamily="49" charset="-122"/>
+              <a:ea typeface="楷体" panose="02010609060101010101" pitchFamily="49" charset="-122"/>
+            </a:endParaRPr>
+          </a:p>
+          <a:p>
+            <a:endParaRPr lang="en-US" altLang="zh-CN" b="1" dirty="0">
+              <a:latin typeface="楷体" panose="02010609060101010101" pitchFamily="49" charset="-122"/>
+              <a:ea typeface="楷体" panose="02010609060101010101" pitchFamily="49" charset="-122"/>
+            </a:endParaRPr>
+          </a:p>
+          <a:p>
+            <a:r>
+              <a:rPr lang="zh-CN" altLang="en-US" b="1" dirty="0" smtClean="0">
+                <a:latin typeface="楷体" panose="02010609060101010101" pitchFamily="49" charset="-122"/>
+                <a:ea typeface="楷体" panose="02010609060101010101" pitchFamily="49" charset="-122"/>
+              </a:rPr>
+              <a:t>黄道占病，会衰弱，不见好转</a:t>
+            </a:r>
+            <a:endParaRPr lang="en-US" altLang="zh-CN" b="1" dirty="0" smtClean="0">
+              <a:latin typeface="楷体" panose="02010609060101010101" pitchFamily="49" charset="-122"/>
+              <a:ea typeface="楷体" panose="02010609060101010101" pitchFamily="49" charset="-122"/>
+            </a:endParaRPr>
+          </a:p>
+          <a:p>
+            <a:r>
+              <a:rPr lang="zh-CN" altLang="en-US" b="1" dirty="0" smtClean="0">
+                <a:latin typeface="楷体" panose="02010609060101010101" pitchFamily="49" charset="-122"/>
+                <a:ea typeface="楷体" panose="02010609060101010101" pitchFamily="49" charset="-122"/>
+              </a:rPr>
+              <a:t>占人，精神和肉体消沉，衰退</a:t>
+            </a:r>
+            <a:endParaRPr lang="en-US" altLang="zh-CN" b="1" dirty="0" smtClean="0">
+              <a:latin typeface="楷体" panose="02010609060101010101" pitchFamily="49" charset="-122"/>
+              <a:ea typeface="楷体" panose="02010609060101010101" pitchFamily="49" charset="-122"/>
+            </a:endParaRPr>
+          </a:p>
+          <a:p>
+            <a:endParaRPr lang="en-US" altLang="zh-CN" b="1" dirty="0">
+              <a:latin typeface="楷体" panose="02010609060101010101" pitchFamily="49" charset="-122"/>
+              <a:ea typeface="楷体" panose="02010609060101010101" pitchFamily="49" charset="-122"/>
+            </a:endParaRPr>
+          </a:p>
+          <a:p>
             <a:r>
               <a:rPr lang="en-US" altLang="zh-CN" b="1" dirty="0" smtClean="0">
                 <a:latin typeface="楷体" panose="02010609060101010101" pitchFamily="49" charset="-122"/>
                 <a:ea typeface="楷体" panose="02010609060101010101" pitchFamily="49" charset="-122"/>
               </a:rPr>
-              <a:t>1</a:t>
+              <a:t>2</a:t>
             </a:r>
             <a:r>
               <a:rPr lang="zh-CN" altLang="en-US" b="1" dirty="0" smtClean="0">
                 <a:latin typeface="楷体" panose="02010609060101010101" pitchFamily="49" charset="-122"/>
                 <a:ea typeface="楷体" panose="02010609060101010101" pitchFamily="49" charset="-122"/>
               </a:rPr>
-              <a:t>宫，辰</a:t>
-            </a:r>
+              <a:t>宫：自己的财产</a:t>
+            </a:r>
+            <a:endParaRPr lang="en-US" altLang="zh-CN" b="1" dirty="0" smtClean="0">
+              <a:latin typeface="楷体" panose="02010609060101010101" pitchFamily="49" charset="-122"/>
+              <a:ea typeface="楷体" panose="02010609060101010101" pitchFamily="49" charset="-122"/>
+            </a:endParaRPr>
+          </a:p>
+          <a:p>
             <a:r>
               <a:rPr lang="en-US" altLang="zh-CN" b="1" dirty="0" smtClean="0">
                 <a:latin typeface="楷体" panose="02010609060101010101" pitchFamily="49" charset="-122"/>
                 <a:ea typeface="楷体" panose="02010609060101010101" pitchFamily="49" charset="-122"/>
               </a:rPr>
-              <a:t>12</a:t>
+              <a:t>5</a:t>
             </a:r>
             <a:r>
               <a:rPr lang="zh-CN" altLang="en-US" b="1" dirty="0" smtClean="0">
                 <a:latin typeface="楷体" panose="02010609060101010101" pitchFamily="49" charset="-122"/>
                 <a:ea typeface="楷体" panose="02010609060101010101" pitchFamily="49" charset="-122"/>
               </a:rPr>
-              <a:t>宫，戌</a:t>
-            </a:r>
+              <a:t>宫：恋爱，感情，子孙后代</a:t>
+            </a:r>
+            <a:endParaRPr lang="en-US" altLang="zh-CN" b="1" dirty="0" smtClean="0">
+              <a:latin typeface="楷体" panose="02010609060101010101" pitchFamily="49" charset="-122"/>
+              <a:ea typeface="楷体" panose="02010609060101010101" pitchFamily="49" charset="-122"/>
+            </a:endParaRPr>
+          </a:p>
+          <a:p>
             <a:r>
               <a:rPr lang="en-US" altLang="zh-CN" b="1" dirty="0" smtClean="0">
                 <a:latin typeface="楷体" panose="02010609060101010101" pitchFamily="49" charset="-122"/>
                 <a:ea typeface="楷体" panose="02010609060101010101" pitchFamily="49" charset="-122"/>
               </a:rPr>
-              <a:t>6</a:t>
+              <a:t>8</a:t>
             </a:r>
             <a:r>
               <a:rPr lang="zh-CN" altLang="en-US" b="1" dirty="0" smtClean="0">
                 <a:latin typeface="楷体" panose="02010609060101010101" pitchFamily="49" charset="-122"/>
                 <a:ea typeface="楷体" panose="02010609060101010101" pitchFamily="49" charset="-122"/>
               </a:rPr>
-              <a:t>宫，丑</a:t>
-            </a:r>
+              <a:t>宫：别人的财产</a:t>
+            </a:r>
+            <a:endParaRPr lang="en-US" altLang="zh-CN" b="1" dirty="0" smtClean="0">
+              <a:latin typeface="楷体" panose="02010609060101010101" pitchFamily="49" charset="-122"/>
+              <a:ea typeface="楷体" panose="02010609060101010101" pitchFamily="49" charset="-122"/>
+            </a:endParaRPr>
+          </a:p>
+          <a:p>
             <a:r>
               <a:rPr lang="en-US" altLang="zh-CN" b="1" dirty="0" smtClean="0">
                 <a:latin typeface="楷体" panose="02010609060101010101" pitchFamily="49" charset="-122"/>
                 <a:ea typeface="楷体" panose="02010609060101010101" pitchFamily="49" charset="-122"/>
               </a:rPr>
-              <a:t>3</a:t>
+              <a:t>11</a:t>
             </a:r>
             <a:r>
               <a:rPr lang="zh-CN" altLang="en-US" b="1" dirty="0" smtClean="0">
                 <a:latin typeface="楷体" panose="02010609060101010101" pitchFamily="49" charset="-122"/>
                 <a:ea typeface="楷体" panose="02010609060101010101" pitchFamily="49" charset="-122"/>
               </a:rPr>
-              <a:t>宫，未</a:t>
-            </a:r>
-            <a:r>
-              <a:rPr lang="en-US" altLang="zh-CN" b="1" dirty="0" smtClean="0">
-                <a:latin typeface="楷体" panose="02010609060101010101" pitchFamily="49" charset="-122"/>
-                <a:ea typeface="楷体" panose="02010609060101010101" pitchFamily="49" charset="-122"/>
-              </a:rPr>
-              <a:t>9</a:t>
-            </a:r>
+              <a:t>宫：社会性，广泛性的交友</a:t>
+            </a:r>
+            <a:endParaRPr lang="en-US" altLang="zh-CN" b="1" dirty="0" smtClean="0">
+              <a:latin typeface="楷体" panose="02010609060101010101" pitchFamily="49" charset="-122"/>
+              <a:ea typeface="楷体" panose="02010609060101010101" pitchFamily="49" charset="-122"/>
+            </a:endParaRPr>
+          </a:p>
+          <a:p>
+            <a:endParaRPr lang="en-US" altLang="zh-CN" b="1" dirty="0">
+              <a:latin typeface="楷体" panose="02010609060101010101" pitchFamily="49" charset="-122"/>
+              <a:ea typeface="楷体" panose="02010609060101010101" pitchFamily="49" charset="-122"/>
+            </a:endParaRPr>
+          </a:p>
+          <a:p>
             <a:r>
               <a:rPr lang="zh-CN" altLang="en-US" b="1" dirty="0" smtClean="0">
                 <a:latin typeface="楷体" panose="02010609060101010101" pitchFamily="49" charset="-122"/>
                 <a:ea typeface="楷体" panose="02010609060101010101" pitchFamily="49" charset="-122"/>
               </a:rPr>
-              <a:t>宫</a:t>
-            </a:r>
-            <a:br>
-              <a:rPr lang="zh-CN" altLang="en-US" b="1" dirty="0" smtClean="0">
-                <a:latin typeface="楷体" panose="02010609060101010101" pitchFamily="49" charset="-122"/>
-                <a:ea typeface="楷体" panose="02010609060101010101" pitchFamily="49" charset="-122"/>
-              </a:rPr>
-            </a:br>
-            <a:r>
-              <a:rPr lang="en-US" altLang="zh-CN" b="1" dirty="0" smtClean="0">
-                <a:latin typeface="楷体" panose="02010609060101010101" pitchFamily="49" charset="-122"/>
-                <a:ea typeface="楷体" panose="02010609060101010101" pitchFamily="49" charset="-122"/>
-              </a:rPr>
-              <a:t>12</a:t>
-            </a:r>
-            <a:r>
-              <a:rPr lang="zh-CN" altLang="en-US" b="1" dirty="0" smtClean="0">
-                <a:latin typeface="楷体" panose="02010609060101010101" pitchFamily="49" charset="-122"/>
-                <a:ea typeface="楷体" panose="02010609060101010101" pitchFamily="49" charset="-122"/>
-              </a:rPr>
-              <a:t>宫和</a:t>
-            </a:r>
-            <a:r>
-              <a:rPr lang="en-US" altLang="zh-CN" b="1" dirty="0" smtClean="0">
-                <a:latin typeface="楷体" panose="02010609060101010101" pitchFamily="49" charset="-122"/>
-                <a:ea typeface="楷体" panose="02010609060101010101" pitchFamily="49" charset="-122"/>
-              </a:rPr>
-              <a:t>6</a:t>
-            </a:r>
-            <a:r>
-              <a:rPr lang="zh-CN" altLang="en-US" b="1" dirty="0" smtClean="0">
-                <a:latin typeface="楷体" panose="02010609060101010101" pitchFamily="49" charset="-122"/>
-                <a:ea typeface="楷体" panose="02010609060101010101" pitchFamily="49" charset="-122"/>
-              </a:rPr>
-              <a:t>宫被穿害，</a:t>
-            </a:r>
-            <a:r>
-              <a:rPr lang="en-US" altLang="zh-CN" b="1" dirty="0" smtClean="0">
-                <a:latin typeface="楷体" panose="02010609060101010101" pitchFamily="49" charset="-122"/>
-                <a:ea typeface="楷体" panose="02010609060101010101" pitchFamily="49" charset="-122"/>
-              </a:rPr>
-              <a:t>9</a:t>
-            </a:r>
-            <a:r>
-              <a:rPr lang="zh-CN" altLang="en-US" b="1" dirty="0" smtClean="0">
-                <a:latin typeface="楷体" panose="02010609060101010101" pitchFamily="49" charset="-122"/>
-                <a:ea typeface="楷体" panose="02010609060101010101" pitchFamily="49" charset="-122"/>
-              </a:rPr>
-              <a:t>和</a:t>
-            </a:r>
-            <a:r>
-              <a:rPr lang="en-US" altLang="zh-CN" b="1" dirty="0" smtClean="0">
-                <a:latin typeface="楷体" panose="02010609060101010101" pitchFamily="49" charset="-122"/>
-                <a:ea typeface="楷体" panose="02010609060101010101" pitchFamily="49" charset="-122"/>
-              </a:rPr>
-              <a:t>3</a:t>
-            </a:r>
-            <a:r>
-              <a:rPr lang="zh-CN" altLang="en-US" b="1" dirty="0" smtClean="0">
-                <a:latin typeface="楷体" panose="02010609060101010101" pitchFamily="49" charset="-122"/>
-                <a:ea typeface="楷体" panose="02010609060101010101" pitchFamily="49" charset="-122"/>
-              </a:rPr>
-              <a:t>宫有六合之力</a:t>
-            </a:r>
-            <a:br>
-              <a:rPr lang="zh-CN" altLang="en-US" b="1" dirty="0" smtClean="0">
-                <a:latin typeface="楷体" panose="02010609060101010101" pitchFamily="49" charset="-122"/>
-                <a:ea typeface="楷体" panose="02010609060101010101" pitchFamily="49" charset="-122"/>
-              </a:rPr>
-            </a:br>
-            <a:r>
-              <a:rPr lang="en-US" altLang="zh-CN" b="1" dirty="0" smtClean="0">
-                <a:latin typeface="楷体" panose="02010609060101010101" pitchFamily="49" charset="-122"/>
-                <a:ea typeface="楷体" panose="02010609060101010101" pitchFamily="49" charset="-122"/>
-              </a:rPr>
-              <a:t>12</a:t>
-            </a:r>
-            <a:r>
-              <a:rPr lang="zh-CN" altLang="en-US" b="1" dirty="0" smtClean="0">
-                <a:latin typeface="楷体" panose="02010609060101010101" pitchFamily="49" charset="-122"/>
-                <a:ea typeface="楷体" panose="02010609060101010101" pitchFamily="49" charset="-122"/>
-              </a:rPr>
-              <a:t>宫代表精神上的先验性，玄学，神秘的东西，先天的精神倾向</a:t>
-            </a:r>
-            <a:br>
-              <a:rPr lang="zh-CN" altLang="en-US" b="1" dirty="0" smtClean="0">
-                <a:latin typeface="楷体" panose="02010609060101010101" pitchFamily="49" charset="-122"/>
-                <a:ea typeface="楷体" panose="02010609060101010101" pitchFamily="49" charset="-122"/>
-              </a:rPr>
-            </a:br>
-            <a:r>
-              <a:rPr lang="en-US" altLang="zh-CN" b="1" dirty="0" smtClean="0">
-                <a:latin typeface="楷体" panose="02010609060101010101" pitchFamily="49" charset="-122"/>
-                <a:ea typeface="楷体" panose="02010609060101010101" pitchFamily="49" charset="-122"/>
-              </a:rPr>
-              <a:t>6</a:t>
-            </a:r>
-            <a:r>
-              <a:rPr lang="zh-CN" altLang="en-US" b="1" dirty="0" smtClean="0">
-                <a:latin typeface="楷体" panose="02010609060101010101" pitchFamily="49" charset="-122"/>
-                <a:ea typeface="楷体" panose="02010609060101010101" pitchFamily="49" charset="-122"/>
-              </a:rPr>
-              <a:t>宫代表琐碎的，重复的工作</a:t>
-            </a:r>
-            <a:br>
-              <a:rPr lang="zh-CN" altLang="en-US" b="1" dirty="0" smtClean="0">
-                <a:latin typeface="楷体" panose="02010609060101010101" pitchFamily="49" charset="-122"/>
-                <a:ea typeface="楷体" panose="02010609060101010101" pitchFamily="49" charset="-122"/>
-              </a:rPr>
-            </a:br>
-            <a:r>
-              <a:rPr lang="en-US" altLang="zh-CN" b="1" dirty="0" smtClean="0">
-                <a:latin typeface="楷体" panose="02010609060101010101" pitchFamily="49" charset="-122"/>
-                <a:ea typeface="楷体" panose="02010609060101010101" pitchFamily="49" charset="-122"/>
-              </a:rPr>
-              <a:t>3</a:t>
-            </a:r>
-            <a:r>
-              <a:rPr lang="zh-CN" altLang="en-US" b="1" dirty="0" smtClean="0">
-                <a:latin typeface="楷体" panose="02010609060101010101" pitchFamily="49" charset="-122"/>
-                <a:ea typeface="楷体" panose="02010609060101010101" pitchFamily="49" charset="-122"/>
-              </a:rPr>
-              <a:t>宫代表旅游，迁移，新知识，交流</a:t>
+              <a:t>黄道的仲宫 子午卯酉 在病上</a:t>
             </a:r>
             <a:endParaRPr lang="en-US" altLang="zh-CN" b="1" dirty="0" smtClean="0">
-              <a:latin typeface="楷体" panose="02010609060101010101" pitchFamily="49" charset="-122"/>
-              <a:ea typeface="楷体" panose="02010609060101010101" pitchFamily="49" charset="-122"/>
-            </a:endParaRPr>
-          </a:p>
-          <a:p>
-            <a:endParaRPr lang="en-US" altLang="zh-CN" b="1" dirty="0" smtClean="0">
-              <a:latin typeface="楷体" panose="02010609060101010101" pitchFamily="49" charset="-122"/>
-              <a:ea typeface="楷体" panose="02010609060101010101" pitchFamily="49" charset="-122"/>
-            </a:endParaRPr>
-          </a:p>
-          <a:p>
-            <a:r>
-              <a:rPr lang="zh-CN" altLang="en-US" b="1" dirty="0" smtClean="0">
-                <a:latin typeface="楷体" panose="02010609060101010101" pitchFamily="49" charset="-122"/>
-                <a:ea typeface="楷体" panose="02010609060101010101" pitchFamily="49" charset="-122"/>
-              </a:rPr>
-              <a:t>黄道丑被赤道寅 克而绝</a:t>
-            </a:r>
-            <a:endParaRPr lang="en-US" altLang="zh-CN" b="1" dirty="0" smtClean="0">
-              <a:latin typeface="楷体" panose="02010609060101010101" pitchFamily="49" charset="-122"/>
-              <a:ea typeface="楷体" panose="02010609060101010101" pitchFamily="49" charset="-122"/>
-            </a:endParaRPr>
-          </a:p>
-          <a:p>
-            <a:r>
-              <a:rPr lang="zh-CN" altLang="en-US" b="1" dirty="0" smtClean="0">
-                <a:latin typeface="楷体" panose="02010609060101010101" pitchFamily="49" charset="-122"/>
-                <a:ea typeface="楷体" panose="02010609060101010101" pitchFamily="49" charset="-122"/>
-              </a:rPr>
-              <a:t>黄道辰被赤道巳 生而长生</a:t>
-            </a:r>
-            <a:endParaRPr lang="en-US" altLang="zh-CN" b="1" dirty="0" smtClean="0">
-              <a:latin typeface="楷体" panose="02010609060101010101" pitchFamily="49" charset="-122"/>
-              <a:ea typeface="楷体" panose="02010609060101010101" pitchFamily="49" charset="-122"/>
-            </a:endParaRPr>
-          </a:p>
-          <a:p>
-            <a:r>
-              <a:rPr lang="zh-CN" altLang="en-US" b="1" dirty="0" smtClean="0">
-                <a:latin typeface="楷体" panose="02010609060101010101" pitchFamily="49" charset="-122"/>
-                <a:ea typeface="楷体" panose="02010609060101010101" pitchFamily="49" charset="-122"/>
-              </a:rPr>
-              <a:t>黄道未生赤道申而临冠</a:t>
-            </a:r>
-            <a:endParaRPr lang="en-US" altLang="zh-CN" b="1" dirty="0" smtClean="0">
-              <a:latin typeface="楷体" panose="02010609060101010101" pitchFamily="49" charset="-122"/>
-              <a:ea typeface="楷体" panose="02010609060101010101" pitchFamily="49" charset="-122"/>
-            </a:endParaRPr>
-          </a:p>
-          <a:p>
-            <a:r>
-              <a:rPr lang="zh-CN" altLang="en-US" b="1" dirty="0" smtClean="0">
-                <a:latin typeface="楷体" panose="02010609060101010101" pitchFamily="49" charset="-122"/>
-                <a:ea typeface="楷体" panose="02010609060101010101" pitchFamily="49" charset="-122"/>
-              </a:rPr>
-              <a:t>黄道戌克赤道亥而病</a:t>
-            </a:r>
-            <a:endParaRPr lang="en-US" altLang="zh-CN" b="1" dirty="0" smtClean="0">
-              <a:latin typeface="楷体" panose="02010609060101010101" pitchFamily="49" charset="-122"/>
-              <a:ea typeface="楷体" panose="02010609060101010101" pitchFamily="49" charset="-122"/>
-            </a:endParaRPr>
-          </a:p>
-          <a:p>
-            <a:endParaRPr lang="en-US" altLang="zh-CN" b="1" dirty="0" smtClean="0">
-              <a:latin typeface="楷体" panose="02010609060101010101" pitchFamily="49" charset="-122"/>
-              <a:ea typeface="楷体" panose="02010609060101010101" pitchFamily="49" charset="-122"/>
-            </a:endParaRPr>
-          </a:p>
-          <a:p>
-            <a:r>
-              <a:rPr lang="zh-CN" altLang="en-US" b="1" dirty="0" smtClean="0">
-                <a:latin typeface="楷体" panose="02010609060101010101" pitchFamily="49" charset="-122"/>
-                <a:ea typeface="楷体" panose="02010609060101010101" pitchFamily="49" charset="-122"/>
-              </a:rPr>
-              <a:t>子午卯酉在临冠之下</a:t>
-            </a:r>
-            <a:endParaRPr lang="en-US" altLang="zh-CN" b="1" dirty="0" smtClean="0">
-              <a:latin typeface="楷体" panose="02010609060101010101" pitchFamily="49" charset="-122"/>
-              <a:ea typeface="楷体" panose="02010609060101010101" pitchFamily="49" charset="-122"/>
-            </a:endParaRPr>
-          </a:p>
-          <a:p>
-            <a:r>
-              <a:rPr lang="zh-CN" altLang="en-US" b="1" dirty="0" smtClean="0">
-                <a:latin typeface="楷体" panose="02010609060101010101" pitchFamily="49" charset="-122"/>
-                <a:ea typeface="楷体" panose="02010609060101010101" pitchFamily="49" charset="-122"/>
-              </a:rPr>
-              <a:t>寅申巳亥在冠带之下</a:t>
-            </a:r>
-            <a:endParaRPr lang="en-US" altLang="zh-CN" b="1" dirty="0" smtClean="0">
-              <a:latin typeface="楷体" panose="02010609060101010101" pitchFamily="49" charset="-122"/>
-              <a:ea typeface="楷体" panose="02010609060101010101" pitchFamily="49" charset="-122"/>
-            </a:endParaRPr>
-          </a:p>
-          <a:p>
-            <a:endParaRPr lang="en-US" altLang="zh-CN" b="1" dirty="0" smtClean="0">
-              <a:latin typeface="楷体" panose="02010609060101010101" pitchFamily="49" charset="-122"/>
-              <a:ea typeface="楷体" panose="02010609060101010101" pitchFamily="49" charset="-122"/>
-            </a:endParaRPr>
-          </a:p>
-          <a:p>
-            <a:r>
-              <a:rPr lang="zh-CN" altLang="en-US" b="1" dirty="0" smtClean="0">
-                <a:latin typeface="楷体" panose="02010609060101010101" pitchFamily="49" charset="-122"/>
-                <a:ea typeface="楷体" panose="02010609060101010101" pitchFamily="49" charset="-122"/>
-              </a:rPr>
-              <a:t>朝气蓬勃，冠带是少年气质，临冠是青年气质</a:t>
-            </a:r>
-            <a:endParaRPr lang="zh-CN" altLang="en-US" b="1" dirty="0">
               <a:latin typeface="楷体" panose="02010609060101010101" pitchFamily="49" charset="-122"/>
               <a:ea typeface="楷体" panose="02010609060101010101" pitchFamily="49" charset="-122"/>
             </a:endParaRPr>

--- a/prophecy/学魔法.pptx
+++ b/prophecy/学魔法.pptx
@@ -263,7 +263,7 @@
           <a:p>
             <a:fld id="{D158A3A6-BB24-48D8-87E0-EE8C50041EAA}" type="datetimeFigureOut">
               <a:rPr lang="zh-CN" altLang="en-US" smtClean="0"/>
-              <a:t>2022/12/24</a:t>
+              <a:t>2023/1/9</a:t>
             </a:fld>
             <a:endParaRPr lang="zh-CN" altLang="en-US"/>
           </a:p>
@@ -433,7 +433,7 @@
           <a:p>
             <a:fld id="{D158A3A6-BB24-48D8-87E0-EE8C50041EAA}" type="datetimeFigureOut">
               <a:rPr lang="zh-CN" altLang="en-US" smtClean="0"/>
-              <a:t>2022/12/24</a:t>
+              <a:t>2023/1/9</a:t>
             </a:fld>
             <a:endParaRPr lang="zh-CN" altLang="en-US"/>
           </a:p>
@@ -613,7 +613,7 @@
           <a:p>
             <a:fld id="{D158A3A6-BB24-48D8-87E0-EE8C50041EAA}" type="datetimeFigureOut">
               <a:rPr lang="zh-CN" altLang="en-US" smtClean="0"/>
-              <a:t>2022/12/24</a:t>
+              <a:t>2023/1/9</a:t>
             </a:fld>
             <a:endParaRPr lang="zh-CN" altLang="en-US"/>
           </a:p>
@@ -783,7 +783,7 @@
           <a:p>
             <a:fld id="{D158A3A6-BB24-48D8-87E0-EE8C50041EAA}" type="datetimeFigureOut">
               <a:rPr lang="zh-CN" altLang="en-US" smtClean="0"/>
-              <a:t>2022/12/24</a:t>
+              <a:t>2023/1/9</a:t>
             </a:fld>
             <a:endParaRPr lang="zh-CN" altLang="en-US"/>
           </a:p>
@@ -1029,7 +1029,7 @@
           <a:p>
             <a:fld id="{D158A3A6-BB24-48D8-87E0-EE8C50041EAA}" type="datetimeFigureOut">
               <a:rPr lang="zh-CN" altLang="en-US" smtClean="0"/>
-              <a:t>2022/12/24</a:t>
+              <a:t>2023/1/9</a:t>
             </a:fld>
             <a:endParaRPr lang="zh-CN" altLang="en-US"/>
           </a:p>
@@ -1261,7 +1261,7 @@
           <a:p>
             <a:fld id="{D158A3A6-BB24-48D8-87E0-EE8C50041EAA}" type="datetimeFigureOut">
               <a:rPr lang="zh-CN" altLang="en-US" smtClean="0"/>
-              <a:t>2022/12/24</a:t>
+              <a:t>2023/1/9</a:t>
             </a:fld>
             <a:endParaRPr lang="zh-CN" altLang="en-US"/>
           </a:p>
@@ -1628,7 +1628,7 @@
           <a:p>
             <a:fld id="{D158A3A6-BB24-48D8-87E0-EE8C50041EAA}" type="datetimeFigureOut">
               <a:rPr lang="zh-CN" altLang="en-US" smtClean="0"/>
-              <a:t>2022/12/24</a:t>
+              <a:t>2023/1/9</a:t>
             </a:fld>
             <a:endParaRPr lang="zh-CN" altLang="en-US"/>
           </a:p>
@@ -1746,7 +1746,7 @@
           <a:p>
             <a:fld id="{D158A3A6-BB24-48D8-87E0-EE8C50041EAA}" type="datetimeFigureOut">
               <a:rPr lang="zh-CN" altLang="en-US" smtClean="0"/>
-              <a:t>2022/12/24</a:t>
+              <a:t>2023/1/9</a:t>
             </a:fld>
             <a:endParaRPr lang="zh-CN" altLang="en-US"/>
           </a:p>
@@ -1841,7 +1841,7 @@
           <a:p>
             <a:fld id="{D158A3A6-BB24-48D8-87E0-EE8C50041EAA}" type="datetimeFigureOut">
               <a:rPr lang="zh-CN" altLang="en-US" smtClean="0"/>
-              <a:t>2022/12/24</a:t>
+              <a:t>2023/1/9</a:t>
             </a:fld>
             <a:endParaRPr lang="zh-CN" altLang="en-US"/>
           </a:p>
@@ -2118,7 +2118,7 @@
           <a:p>
             <a:fld id="{D158A3A6-BB24-48D8-87E0-EE8C50041EAA}" type="datetimeFigureOut">
               <a:rPr lang="zh-CN" altLang="en-US" smtClean="0"/>
-              <a:t>2022/12/24</a:t>
+              <a:t>2023/1/9</a:t>
             </a:fld>
             <a:endParaRPr lang="zh-CN" altLang="en-US"/>
           </a:p>
@@ -2371,7 +2371,7 @@
           <a:p>
             <a:fld id="{D158A3A6-BB24-48D8-87E0-EE8C50041EAA}" type="datetimeFigureOut">
               <a:rPr lang="zh-CN" altLang="en-US" smtClean="0"/>
-              <a:t>2022/12/24</a:t>
+              <a:t>2023/1/9</a:t>
             </a:fld>
             <a:endParaRPr lang="zh-CN" altLang="en-US"/>
           </a:p>
@@ -2584,7 +2584,7 @@
           <a:p>
             <a:fld id="{D158A3A6-BB24-48D8-87E0-EE8C50041EAA}" type="datetimeFigureOut">
               <a:rPr lang="zh-CN" altLang="en-US" smtClean="0"/>
-              <a:t>2022/12/24</a:t>
+              <a:t>2023/1/9</a:t>
             </a:fld>
             <a:endParaRPr lang="zh-CN" altLang="en-US"/>
           </a:p>
@@ -2997,7 +2997,7 @@
         </p:nvSpPr>
         <p:spPr>
           <a:xfrm>
-            <a:off x="2930107" y="445614"/>
+            <a:off x="2930107" y="399968"/>
             <a:ext cx="534838" cy="534838"/>
           </a:xfrm>
           <a:prstGeom prst="ellipse">
@@ -3047,7 +3047,7 @@
         </p:nvSpPr>
         <p:spPr>
           <a:xfrm>
-            <a:off x="4329739" y="897699"/>
+            <a:off x="4433978" y="897699"/>
             <a:ext cx="534838" cy="534838"/>
           </a:xfrm>
           <a:prstGeom prst="ellipse">
@@ -3197,7 +3197,7 @@
         </p:nvSpPr>
         <p:spPr>
           <a:xfrm>
-            <a:off x="5336877" y="4400826"/>
+            <a:off x="5332561" y="4366314"/>
             <a:ext cx="534838" cy="534838"/>
           </a:xfrm>
           <a:prstGeom prst="ellipse">
@@ -3247,7 +3247,7 @@
         </p:nvSpPr>
         <p:spPr>
           <a:xfrm>
-            <a:off x="4416007" y="5325999"/>
+            <a:off x="4433978" y="5325999"/>
             <a:ext cx="534838" cy="534838"/>
           </a:xfrm>
           <a:prstGeom prst="ellipse">
@@ -3347,7 +3347,7 @@
         </p:nvSpPr>
         <p:spPr>
           <a:xfrm>
-            <a:off x="1444208" y="5289345"/>
+            <a:off x="1391729" y="5325999"/>
             <a:ext cx="534838" cy="534838"/>
           </a:xfrm>
           <a:prstGeom prst="ellipse">
@@ -3397,7 +3397,7 @@
         </p:nvSpPr>
         <p:spPr>
           <a:xfrm>
-            <a:off x="583725" y="4366314"/>
+            <a:off x="555685" y="4366314"/>
             <a:ext cx="534838" cy="534838"/>
           </a:xfrm>
           <a:prstGeom prst="ellipse">
@@ -3497,7 +3497,7 @@
         </p:nvSpPr>
         <p:spPr>
           <a:xfrm>
-            <a:off x="583725" y="1873290"/>
+            <a:off x="555685" y="1873290"/>
             <a:ext cx="534838" cy="534838"/>
           </a:xfrm>
           <a:prstGeom prst="ellipse">
@@ -3547,7 +3547,7 @@
         </p:nvSpPr>
         <p:spPr>
           <a:xfrm>
-            <a:off x="1489498" y="897699"/>
+            <a:off x="1391729" y="897699"/>
             <a:ext cx="534838" cy="534838"/>
           </a:xfrm>
           <a:prstGeom prst="ellipse">
@@ -3583,58 +3583,6 @@
               <a:t>亥</a:t>
             </a:r>
             <a:endParaRPr lang="zh-CN" altLang="en-US" b="1" dirty="0">
-              <a:latin typeface="楷体" panose="02010609060101010101" pitchFamily="49" charset="-122"/>
-              <a:ea typeface="楷体" panose="02010609060101010101" pitchFamily="49" charset="-122"/>
-            </a:endParaRPr>
-          </a:p>
-        </p:txBody>
-      </p:sp>
-      <p:sp>
-        <p:nvSpPr>
-          <p:cNvPr id="30" name="文本框 29"/>
-          <p:cNvSpPr txBox="1"/>
-          <p:nvPr/>
-        </p:nvSpPr>
-        <p:spPr>
-          <a:xfrm>
-            <a:off x="2968655" y="1749567"/>
-            <a:ext cx="992579" cy="369332"/>
-          </a:xfrm>
-          <a:prstGeom prst="rect">
-            <a:avLst/>
-          </a:prstGeom>
-          <a:noFill/>
-        </p:spPr>
-        <p:txBody>
-          <a:bodyPr wrap="none" rtlCol="0">
-            <a:spAutoFit/>
-          </a:bodyPr>
-          <a:lstStyle/>
-          <a:p>
-            <a:r>
-              <a:rPr lang="en-US" altLang="zh-CN" b="1" dirty="0" smtClean="0">
-                <a:solidFill>
-                  <a:schemeClr val="bg1"/>
-                </a:solidFill>
-                <a:latin typeface="楷体" panose="02010609060101010101" pitchFamily="49" charset="-122"/>
-                <a:ea typeface="楷体" panose="02010609060101010101" pitchFamily="49" charset="-122"/>
-              </a:rPr>
-              <a:t>42 </a:t>
-            </a:r>
-            <a:r>
-              <a:rPr lang="zh-CN" altLang="en-US" b="1" dirty="0" smtClean="0">
-                <a:solidFill>
-                  <a:schemeClr val="bg1"/>
-                </a:solidFill>
-                <a:latin typeface="楷体" panose="02010609060101010101" pitchFamily="49" charset="-122"/>
-                <a:ea typeface="楷体" panose="02010609060101010101" pitchFamily="49" charset="-122"/>
-              </a:rPr>
-              <a:t>六合</a:t>
-            </a:r>
-            <a:endParaRPr lang="zh-CN" altLang="en-US" b="1" dirty="0">
-              <a:solidFill>
-                <a:schemeClr val="bg1"/>
-              </a:solidFill>
               <a:latin typeface="楷体" panose="02010609060101010101" pitchFamily="49" charset="-122"/>
               <a:ea typeface="楷体" panose="02010609060101010101" pitchFamily="49" charset="-122"/>
             </a:endParaRPr>
@@ -5786,34 +5734,20 @@
                 <a:latin typeface="楷体" panose="02010609060101010101" pitchFamily="49" charset="-122"/>
                 <a:ea typeface="楷体" panose="02010609060101010101" pitchFamily="49" charset="-122"/>
               </a:rPr>
-              <a:t>命盘里 子午卯酉</a:t>
-            </a:r>
+              <a:t>命盘里 子午卯酉在临冠之下</a:t>
+            </a:r>
+            <a:endParaRPr lang="en-US" altLang="zh-CN" b="1" dirty="0" smtClean="0">
+              <a:latin typeface="楷体" panose="02010609060101010101" pitchFamily="49" charset="-122"/>
+              <a:ea typeface="楷体" panose="02010609060101010101" pitchFamily="49" charset="-122"/>
+            </a:endParaRPr>
+          </a:p>
+          <a:p>
             <a:r>
               <a:rPr lang="zh-CN" altLang="en-US" b="1" dirty="0" smtClean="0">
                 <a:latin typeface="楷体" panose="02010609060101010101" pitchFamily="49" charset="-122"/>
                 <a:ea typeface="楷体" panose="02010609060101010101" pitchFamily="49" charset="-122"/>
               </a:rPr>
-              <a:t>在临冠之下</a:t>
-            </a:r>
-            <a:endParaRPr lang="en-US" altLang="zh-CN" b="1" dirty="0" smtClean="0">
-              <a:latin typeface="楷体" panose="02010609060101010101" pitchFamily="49" charset="-122"/>
-              <a:ea typeface="楷体" panose="02010609060101010101" pitchFamily="49" charset="-122"/>
-            </a:endParaRPr>
-          </a:p>
-          <a:p>
-            <a:r>
-              <a:rPr lang="zh-CN" altLang="en-US" b="1" dirty="0" smtClean="0">
-                <a:latin typeface="楷体" panose="02010609060101010101" pitchFamily="49" charset="-122"/>
-                <a:ea typeface="楷体" panose="02010609060101010101" pitchFamily="49" charset="-122"/>
-              </a:rPr>
-              <a:t>命盘里 寅</a:t>
-            </a:r>
-            <a:r>
-              <a:rPr lang="zh-CN" altLang="en-US" b="1" dirty="0" smtClean="0">
-                <a:latin typeface="楷体" panose="02010609060101010101" pitchFamily="49" charset="-122"/>
-                <a:ea typeface="楷体" panose="02010609060101010101" pitchFamily="49" charset="-122"/>
-              </a:rPr>
-              <a:t>申巳亥在冠带之下</a:t>
+              <a:t>命盘里 寅申巳亥在冠带之下</a:t>
             </a:r>
             <a:endParaRPr lang="en-US" altLang="zh-CN" b="1" dirty="0" smtClean="0">
               <a:latin typeface="楷体" panose="02010609060101010101" pitchFamily="49" charset="-122"/>
@@ -7289,35 +7223,7 @@
                 <a:latin typeface="楷体" panose="02010609060101010101" pitchFamily="49" charset="-122"/>
                 <a:ea typeface="楷体" panose="02010609060101010101" pitchFamily="49" charset="-122"/>
               </a:rPr>
-              <a:t>黄</a:t>
-            </a:r>
-            <a:r>
-              <a:rPr lang="zh-CN" altLang="en-US" b="1" dirty="0" smtClean="0">
-                <a:latin typeface="楷体" panose="02010609060101010101" pitchFamily="49" charset="-122"/>
-                <a:ea typeface="楷体" panose="02010609060101010101" pitchFamily="49" charset="-122"/>
-              </a:rPr>
-              <a:t>道</a:t>
-            </a:r>
-            <a:r>
-              <a:rPr lang="zh-CN" altLang="en-US" b="1" dirty="0" smtClean="0">
-                <a:latin typeface="楷体" panose="02010609060101010101" pitchFamily="49" charset="-122"/>
-                <a:ea typeface="楷体" panose="02010609060101010101" pitchFamily="49" charset="-122"/>
-              </a:rPr>
-              <a:t>的孟宫 寅</a:t>
-            </a:r>
-            <a:r>
-              <a:rPr lang="zh-CN" altLang="en-US" b="1" dirty="0" smtClean="0">
-                <a:latin typeface="楷体" panose="02010609060101010101" pitchFamily="49" charset="-122"/>
-                <a:ea typeface="楷体" panose="02010609060101010101" pitchFamily="49" charset="-122"/>
-              </a:rPr>
-              <a:t>申巳亥</a:t>
-            </a:r>
-            <a:r>
-              <a:rPr lang="zh-CN" altLang="en-US" b="1" dirty="0" smtClean="0">
-                <a:latin typeface="楷体" panose="02010609060101010101" pitchFamily="49" charset="-122"/>
-                <a:ea typeface="楷体" panose="02010609060101010101" pitchFamily="49" charset="-122"/>
-              </a:rPr>
-              <a:t>在衰上</a:t>
+              <a:t>黄道的孟宫 寅申巳亥在衰上</a:t>
             </a:r>
             <a:endParaRPr lang="en-US" altLang="zh-CN" b="1" dirty="0" smtClean="0">
               <a:latin typeface="楷体" panose="02010609060101010101" pitchFamily="49" charset="-122"/>
@@ -20911,58 +20817,6 @@
       </p:sp>
       <p:sp>
         <p:nvSpPr>
-          <p:cNvPr id="39" name="文本框 38"/>
-          <p:cNvSpPr txBox="1"/>
-          <p:nvPr/>
-        </p:nvSpPr>
-        <p:spPr>
-          <a:xfrm>
-            <a:off x="5202897" y="1611544"/>
-            <a:ext cx="992579" cy="369332"/>
-          </a:xfrm>
-          <a:prstGeom prst="rect">
-            <a:avLst/>
-          </a:prstGeom>
-          <a:noFill/>
-        </p:spPr>
-        <p:txBody>
-          <a:bodyPr wrap="none" rtlCol="0">
-            <a:spAutoFit/>
-          </a:bodyPr>
-          <a:lstStyle/>
-          <a:p>
-            <a:r>
-              <a:rPr lang="en-US" altLang="zh-CN" b="1" dirty="0" smtClean="0">
-                <a:solidFill>
-                  <a:schemeClr val="bg1"/>
-                </a:solidFill>
-                <a:latin typeface="楷体" panose="02010609060101010101" pitchFamily="49" charset="-122"/>
-                <a:ea typeface="楷体" panose="02010609060101010101" pitchFamily="49" charset="-122"/>
-              </a:rPr>
-              <a:t>42 </a:t>
-            </a:r>
-            <a:r>
-              <a:rPr lang="zh-CN" altLang="en-US" b="1" dirty="0" smtClean="0">
-                <a:solidFill>
-                  <a:schemeClr val="bg1"/>
-                </a:solidFill>
-                <a:latin typeface="楷体" panose="02010609060101010101" pitchFamily="49" charset="-122"/>
-                <a:ea typeface="楷体" panose="02010609060101010101" pitchFamily="49" charset="-122"/>
-              </a:rPr>
-              <a:t>六合</a:t>
-            </a:r>
-            <a:endParaRPr lang="zh-CN" altLang="en-US" b="1" dirty="0">
-              <a:solidFill>
-                <a:schemeClr val="bg1"/>
-              </a:solidFill>
-              <a:latin typeface="楷体" panose="02010609060101010101" pitchFamily="49" charset="-122"/>
-              <a:ea typeface="楷体" panose="02010609060101010101" pitchFamily="49" charset="-122"/>
-            </a:endParaRPr>
-          </a:p>
-        </p:txBody>
-      </p:sp>
-      <p:sp>
-        <p:nvSpPr>
           <p:cNvPr id="40" name="椭圆 39"/>
           <p:cNvSpPr/>
           <p:nvPr/>
@@ -21715,7 +21569,7 @@
         </p:nvSpPr>
         <p:spPr>
           <a:xfrm>
-            <a:off x="5164349" y="307591"/>
+            <a:off x="5118647" y="277399"/>
             <a:ext cx="534838" cy="534838"/>
           </a:xfrm>
           <a:prstGeom prst="ellipse">
@@ -21765,7 +21619,7 @@
         </p:nvSpPr>
         <p:spPr>
           <a:xfrm>
-            <a:off x="6563981" y="759676"/>
+            <a:off x="6686026" y="759676"/>
             <a:ext cx="534838" cy="534838"/>
           </a:xfrm>
           <a:prstGeom prst="ellipse">
@@ -21915,7 +21769,7 @@
         </p:nvSpPr>
         <p:spPr>
           <a:xfrm>
-            <a:off x="7571119" y="4262803"/>
+            <a:off x="7568246" y="4259290"/>
             <a:ext cx="534838" cy="534838"/>
           </a:xfrm>
           <a:prstGeom prst="ellipse">
@@ -21965,7 +21819,7 @@
         </p:nvSpPr>
         <p:spPr>
           <a:xfrm>
-            <a:off x="6650249" y="5187976"/>
+            <a:off x="6686026" y="5230863"/>
             <a:ext cx="534838" cy="534838"/>
           </a:xfrm>
           <a:prstGeom prst="ellipse">
@@ -22015,7 +21869,7 @@
         </p:nvSpPr>
         <p:spPr>
           <a:xfrm>
-            <a:off x="5164349" y="5774580"/>
+            <a:off x="5142965" y="5686160"/>
             <a:ext cx="534838" cy="534838"/>
           </a:xfrm>
           <a:prstGeom prst="ellipse">
@@ -22065,7 +21919,7 @@
         </p:nvSpPr>
         <p:spPr>
           <a:xfrm>
-            <a:off x="3678450" y="5151322"/>
+            <a:off x="3748973" y="5269935"/>
             <a:ext cx="534838" cy="534838"/>
           </a:xfrm>
           <a:prstGeom prst="ellipse">
@@ -22265,7 +22119,7 @@
         </p:nvSpPr>
         <p:spPr>
           <a:xfrm>
-            <a:off x="3723740" y="759676"/>
+            <a:off x="3715230" y="711553"/>
             <a:ext cx="534838" cy="534838"/>
           </a:xfrm>
           <a:prstGeom prst="ellipse">
@@ -22309,58 +22163,6 @@
       </p:sp>
       <p:sp>
         <p:nvSpPr>
-          <p:cNvPr id="39" name="文本框 38"/>
-          <p:cNvSpPr txBox="1"/>
-          <p:nvPr/>
-        </p:nvSpPr>
-        <p:spPr>
-          <a:xfrm>
-            <a:off x="5202897" y="1611544"/>
-            <a:ext cx="992579" cy="369332"/>
-          </a:xfrm>
-          <a:prstGeom prst="rect">
-            <a:avLst/>
-          </a:prstGeom>
-          <a:noFill/>
-        </p:spPr>
-        <p:txBody>
-          <a:bodyPr wrap="none" rtlCol="0">
-            <a:spAutoFit/>
-          </a:bodyPr>
-          <a:lstStyle/>
-          <a:p>
-            <a:r>
-              <a:rPr lang="en-US" altLang="zh-CN" b="1" dirty="0" smtClean="0">
-                <a:solidFill>
-                  <a:schemeClr val="bg1"/>
-                </a:solidFill>
-                <a:latin typeface="楷体" panose="02010609060101010101" pitchFamily="49" charset="-122"/>
-                <a:ea typeface="楷体" panose="02010609060101010101" pitchFamily="49" charset="-122"/>
-              </a:rPr>
-              <a:t>42 </a:t>
-            </a:r>
-            <a:r>
-              <a:rPr lang="zh-CN" altLang="en-US" b="1" dirty="0" smtClean="0">
-                <a:solidFill>
-                  <a:schemeClr val="bg1"/>
-                </a:solidFill>
-                <a:latin typeface="楷体" panose="02010609060101010101" pitchFamily="49" charset="-122"/>
-                <a:ea typeface="楷体" panose="02010609060101010101" pitchFamily="49" charset="-122"/>
-              </a:rPr>
-              <a:t>六合</a:t>
-            </a:r>
-            <a:endParaRPr lang="zh-CN" altLang="en-US" b="1" dirty="0">
-              <a:solidFill>
-                <a:schemeClr val="bg1"/>
-              </a:solidFill>
-              <a:latin typeface="楷体" panose="02010609060101010101" pitchFamily="49" charset="-122"/>
-              <a:ea typeface="楷体" panose="02010609060101010101" pitchFamily="49" charset="-122"/>
-            </a:endParaRPr>
-          </a:p>
-        </p:txBody>
-      </p:sp>
-      <p:sp>
-        <p:nvSpPr>
           <p:cNvPr id="40" name="椭圆 39"/>
           <p:cNvSpPr/>
           <p:nvPr/>
@@ -22411,7 +22213,7 @@
         </p:nvCxnSpPr>
         <p:spPr>
           <a:xfrm flipV="1">
-            <a:off x="4446193" y="307591"/>
+            <a:off x="4513121" y="307591"/>
             <a:ext cx="1915069" cy="5883214"/>
           </a:xfrm>
           <a:prstGeom prst="line">
@@ -22441,7 +22243,7 @@
         </p:nvSpPr>
         <p:spPr>
           <a:xfrm>
-            <a:off x="1918626" y="1578633"/>
+            <a:off x="1963412" y="1578633"/>
             <a:ext cx="984565" cy="369332"/>
           </a:xfrm>
           <a:prstGeom prst="rect">
@@ -22535,7 +22337,7 @@
         </p:nvSpPr>
         <p:spPr>
           <a:xfrm>
-            <a:off x="2036961" y="4641008"/>
+            <a:off x="1963725" y="4633184"/>
             <a:ext cx="1075936" cy="369332"/>
           </a:xfrm>
           <a:prstGeom prst="rect">
@@ -22582,7 +22384,7 @@
         </p:nvSpPr>
         <p:spPr>
           <a:xfrm>
-            <a:off x="2983863" y="5686160"/>
+            <a:off x="2881065" y="5694510"/>
             <a:ext cx="1101584" cy="369332"/>
           </a:xfrm>
           <a:prstGeom prst="rect">
@@ -22629,7 +22431,7 @@
         </p:nvSpPr>
         <p:spPr>
           <a:xfrm>
-            <a:off x="5202897" y="6309418"/>
+            <a:off x="5142965" y="6211015"/>
             <a:ext cx="715260" cy="369332"/>
           </a:xfrm>
           <a:prstGeom prst="rect">
@@ -24428,7 +24230,7 @@
         <a:sysClr val="windowText" lastClr="000000"/>
       </a:dk1>
       <a:lt1>
-        <a:sysClr val="window" lastClr="C8EBCD"/>
+        <a:sysClr val="window" lastClr="CDEBC8"/>
       </a:lt1>
       <a:dk2>
         <a:srgbClr val="44546A"/>

--- a/prophecy/学魔法.pptx
+++ b/prophecy/学魔法.pptx
@@ -16,7 +16,7 @@
     <p:sldId id="264" r:id="rId10"/>
     <p:sldId id="265" r:id="rId11"/>
     <p:sldId id="276" r:id="rId12"/>
-    <p:sldId id="266" r:id="rId13"/>
+    <p:sldId id="277" r:id="rId13"/>
     <p:sldId id="267" r:id="rId14"/>
     <p:sldId id="275" r:id="rId15"/>
     <p:sldId id="268" r:id="rId16"/>
@@ -263,7 +263,7 @@
           <a:p>
             <a:fld id="{D158A3A6-BB24-48D8-87E0-EE8C50041EAA}" type="datetimeFigureOut">
               <a:rPr lang="zh-CN" altLang="en-US" smtClean="0"/>
-              <a:t>2023/1/9</a:t>
+              <a:t>2023/1/11</a:t>
             </a:fld>
             <a:endParaRPr lang="zh-CN" altLang="en-US"/>
           </a:p>
@@ -433,7 +433,7 @@
           <a:p>
             <a:fld id="{D158A3A6-BB24-48D8-87E0-EE8C50041EAA}" type="datetimeFigureOut">
               <a:rPr lang="zh-CN" altLang="en-US" smtClean="0"/>
-              <a:t>2023/1/9</a:t>
+              <a:t>2023/1/11</a:t>
             </a:fld>
             <a:endParaRPr lang="zh-CN" altLang="en-US"/>
           </a:p>
@@ -613,7 +613,7 @@
           <a:p>
             <a:fld id="{D158A3A6-BB24-48D8-87E0-EE8C50041EAA}" type="datetimeFigureOut">
               <a:rPr lang="zh-CN" altLang="en-US" smtClean="0"/>
-              <a:t>2023/1/9</a:t>
+              <a:t>2023/1/11</a:t>
             </a:fld>
             <a:endParaRPr lang="zh-CN" altLang="en-US"/>
           </a:p>
@@ -783,7 +783,7 @@
           <a:p>
             <a:fld id="{D158A3A6-BB24-48D8-87E0-EE8C50041EAA}" type="datetimeFigureOut">
               <a:rPr lang="zh-CN" altLang="en-US" smtClean="0"/>
-              <a:t>2023/1/9</a:t>
+              <a:t>2023/1/11</a:t>
             </a:fld>
             <a:endParaRPr lang="zh-CN" altLang="en-US"/>
           </a:p>
@@ -1029,7 +1029,7 @@
           <a:p>
             <a:fld id="{D158A3A6-BB24-48D8-87E0-EE8C50041EAA}" type="datetimeFigureOut">
               <a:rPr lang="zh-CN" altLang="en-US" smtClean="0"/>
-              <a:t>2023/1/9</a:t>
+              <a:t>2023/1/11</a:t>
             </a:fld>
             <a:endParaRPr lang="zh-CN" altLang="en-US"/>
           </a:p>
@@ -1261,7 +1261,7 @@
           <a:p>
             <a:fld id="{D158A3A6-BB24-48D8-87E0-EE8C50041EAA}" type="datetimeFigureOut">
               <a:rPr lang="zh-CN" altLang="en-US" smtClean="0"/>
-              <a:t>2023/1/9</a:t>
+              <a:t>2023/1/11</a:t>
             </a:fld>
             <a:endParaRPr lang="zh-CN" altLang="en-US"/>
           </a:p>
@@ -1628,7 +1628,7 @@
           <a:p>
             <a:fld id="{D158A3A6-BB24-48D8-87E0-EE8C50041EAA}" type="datetimeFigureOut">
               <a:rPr lang="zh-CN" altLang="en-US" smtClean="0"/>
-              <a:t>2023/1/9</a:t>
+              <a:t>2023/1/11</a:t>
             </a:fld>
             <a:endParaRPr lang="zh-CN" altLang="en-US"/>
           </a:p>
@@ -1746,7 +1746,7 @@
           <a:p>
             <a:fld id="{D158A3A6-BB24-48D8-87E0-EE8C50041EAA}" type="datetimeFigureOut">
               <a:rPr lang="zh-CN" altLang="en-US" smtClean="0"/>
-              <a:t>2023/1/9</a:t>
+              <a:t>2023/1/11</a:t>
             </a:fld>
             <a:endParaRPr lang="zh-CN" altLang="en-US"/>
           </a:p>
@@ -1841,7 +1841,7 @@
           <a:p>
             <a:fld id="{D158A3A6-BB24-48D8-87E0-EE8C50041EAA}" type="datetimeFigureOut">
               <a:rPr lang="zh-CN" altLang="en-US" smtClean="0"/>
-              <a:t>2023/1/9</a:t>
+              <a:t>2023/1/11</a:t>
             </a:fld>
             <a:endParaRPr lang="zh-CN" altLang="en-US"/>
           </a:p>
@@ -2118,7 +2118,7 @@
           <a:p>
             <a:fld id="{D158A3A6-BB24-48D8-87E0-EE8C50041EAA}" type="datetimeFigureOut">
               <a:rPr lang="zh-CN" altLang="en-US" smtClean="0"/>
-              <a:t>2023/1/9</a:t>
+              <a:t>2023/1/11</a:t>
             </a:fld>
             <a:endParaRPr lang="zh-CN" altLang="en-US"/>
           </a:p>
@@ -2371,7 +2371,7 @@
           <a:p>
             <a:fld id="{D158A3A6-BB24-48D8-87E0-EE8C50041EAA}" type="datetimeFigureOut">
               <a:rPr lang="zh-CN" altLang="en-US" smtClean="0"/>
-              <a:t>2023/1/9</a:t>
+              <a:t>2023/1/11</a:t>
             </a:fld>
             <a:endParaRPr lang="zh-CN" altLang="en-US"/>
           </a:p>
@@ -2584,7 +2584,7 @@
           <a:p>
             <a:fld id="{D158A3A6-BB24-48D8-87E0-EE8C50041EAA}" type="datetimeFigureOut">
               <a:rPr lang="zh-CN" altLang="en-US" smtClean="0"/>
-              <a:t>2023/1/9</a:t>
+              <a:t>2023/1/11</a:t>
             </a:fld>
             <a:endParaRPr lang="zh-CN" altLang="en-US"/>
           </a:p>
@@ -7478,10 +7478,12 @@
           <a:lstStyle/>
           <a:p>
             <a:pPr algn="ctr"/>
-            <a:endParaRPr lang="zh-CN" altLang="en-US">
+            <a:endParaRPr lang="zh-CN" altLang="en-US" b="1">
               <a:solidFill>
                 <a:schemeClr val="tx1"/>
               </a:solidFill>
+              <a:latin typeface="楷体" panose="02010609060101010101" pitchFamily="49" charset="-122"/>
+              <a:ea typeface="楷体" panose="02010609060101010101" pitchFamily="49" charset="-122"/>
             </a:endParaRPr>
           </a:p>
         </p:txBody>
@@ -7524,10 +7526,12 @@
           <a:lstStyle/>
           <a:p>
             <a:pPr algn="ctr"/>
-            <a:endParaRPr lang="zh-CN" altLang="en-US" dirty="0">
+            <a:endParaRPr lang="zh-CN" altLang="en-US" b="1" dirty="0">
               <a:solidFill>
                 <a:schemeClr val="tx1"/>
               </a:solidFill>
+              <a:latin typeface="楷体" panose="02010609060101010101" pitchFamily="49" charset="-122"/>
+              <a:ea typeface="楷体" panose="02010609060101010101" pitchFamily="49" charset="-122"/>
             </a:endParaRPr>
           </a:p>
         </p:txBody>
@@ -7735,17 +7739,21 @@
           <a:lstStyle/>
           <a:p>
             <a:r>
-              <a:rPr lang="zh-CN" altLang="en-US" dirty="0" smtClean="0">
+              <a:rPr lang="zh-CN" altLang="en-US" b="1" dirty="0" smtClean="0">
                 <a:solidFill>
                   <a:schemeClr val="bg1"/>
                 </a:solidFill>
+                <a:latin typeface="楷体" panose="02010609060101010101" pitchFamily="49" charset="-122"/>
+                <a:ea typeface="楷体" panose="02010609060101010101" pitchFamily="49" charset="-122"/>
               </a:rPr>
               <a:t>子</a:t>
             </a:r>
-            <a:endParaRPr lang="zh-CN" altLang="en-US" dirty="0">
+            <a:endParaRPr lang="zh-CN" altLang="en-US" b="1" dirty="0">
               <a:solidFill>
                 <a:schemeClr val="bg1"/>
               </a:solidFill>
+              <a:latin typeface="楷体" panose="02010609060101010101" pitchFamily="49" charset="-122"/>
+              <a:ea typeface="楷体" panose="02010609060101010101" pitchFamily="49" charset="-122"/>
             </a:endParaRPr>
           </a:p>
         </p:txBody>
@@ -7773,10 +7781,12 @@
           <a:lstStyle/>
           <a:p>
             <a:r>
-              <a:rPr lang="zh-CN" altLang="en-US" dirty="0">
+              <a:rPr lang="zh-CN" altLang="en-US" b="1" dirty="0">
                 <a:solidFill>
                   <a:schemeClr val="bg1"/>
                 </a:solidFill>
+                <a:latin typeface="楷体" panose="02010609060101010101" pitchFamily="49" charset="-122"/>
+                <a:ea typeface="楷体" panose="02010609060101010101" pitchFamily="49" charset="-122"/>
               </a:rPr>
               <a:t>丑</a:t>
             </a:r>
@@ -7806,17 +7816,21 @@
           <a:lstStyle/>
           <a:p>
             <a:r>
-              <a:rPr lang="zh-CN" altLang="en-US" dirty="0" smtClean="0">
+              <a:rPr lang="zh-CN" altLang="en-US" b="1" dirty="0" smtClean="0">
                 <a:solidFill>
                   <a:schemeClr val="bg1"/>
                 </a:solidFill>
+                <a:latin typeface="楷体" panose="02010609060101010101" pitchFamily="49" charset="-122"/>
+                <a:ea typeface="楷体" panose="02010609060101010101" pitchFamily="49" charset="-122"/>
               </a:rPr>
               <a:t>寅</a:t>
             </a:r>
-            <a:endParaRPr lang="zh-CN" altLang="en-US" dirty="0">
+            <a:endParaRPr lang="zh-CN" altLang="en-US" b="1" dirty="0">
               <a:solidFill>
                 <a:schemeClr val="bg1"/>
               </a:solidFill>
+              <a:latin typeface="楷体" panose="02010609060101010101" pitchFamily="49" charset="-122"/>
+              <a:ea typeface="楷体" panose="02010609060101010101" pitchFamily="49" charset="-122"/>
             </a:endParaRPr>
           </a:p>
         </p:txBody>
@@ -7844,17 +7858,21 @@
           <a:lstStyle/>
           <a:p>
             <a:r>
-              <a:rPr lang="zh-CN" altLang="en-US" dirty="0" smtClean="0">
+              <a:rPr lang="zh-CN" altLang="en-US" b="1" dirty="0" smtClean="0">
                 <a:solidFill>
                   <a:schemeClr val="bg1"/>
                 </a:solidFill>
+                <a:latin typeface="楷体" panose="02010609060101010101" pitchFamily="49" charset="-122"/>
+                <a:ea typeface="楷体" panose="02010609060101010101" pitchFamily="49" charset="-122"/>
               </a:rPr>
               <a:t>卯</a:t>
             </a:r>
-            <a:endParaRPr lang="zh-CN" altLang="en-US" dirty="0">
+            <a:endParaRPr lang="zh-CN" altLang="en-US" b="1" dirty="0">
               <a:solidFill>
                 <a:schemeClr val="bg1"/>
               </a:solidFill>
+              <a:latin typeface="楷体" panose="02010609060101010101" pitchFamily="49" charset="-122"/>
+              <a:ea typeface="楷体" panose="02010609060101010101" pitchFamily="49" charset="-122"/>
             </a:endParaRPr>
           </a:p>
         </p:txBody>
@@ -7867,7 +7885,7 @@
         </p:nvSpPr>
         <p:spPr>
           <a:xfrm>
-            <a:off x="5420565" y="4390714"/>
+            <a:off x="5422982" y="4337948"/>
             <a:ext cx="415498" cy="369332"/>
           </a:xfrm>
           <a:prstGeom prst="rect">
@@ -7882,17 +7900,21 @@
           <a:lstStyle/>
           <a:p>
             <a:r>
-              <a:rPr lang="zh-CN" altLang="en-US" dirty="0" smtClean="0">
+              <a:rPr lang="zh-CN" altLang="en-US" b="1" dirty="0" smtClean="0">
                 <a:solidFill>
                   <a:schemeClr val="bg1"/>
                 </a:solidFill>
+                <a:latin typeface="楷体" panose="02010609060101010101" pitchFamily="49" charset="-122"/>
+                <a:ea typeface="楷体" panose="02010609060101010101" pitchFamily="49" charset="-122"/>
               </a:rPr>
               <a:t>辰</a:t>
             </a:r>
-            <a:endParaRPr lang="zh-CN" altLang="en-US" dirty="0">
+            <a:endParaRPr lang="zh-CN" altLang="en-US" b="1" dirty="0">
               <a:solidFill>
                 <a:schemeClr val="bg1"/>
               </a:solidFill>
+              <a:latin typeface="楷体" panose="02010609060101010101" pitchFamily="49" charset="-122"/>
+              <a:ea typeface="楷体" panose="02010609060101010101" pitchFamily="49" charset="-122"/>
             </a:endParaRPr>
           </a:p>
         </p:txBody>
@@ -7920,17 +7942,21 @@
           <a:lstStyle/>
           <a:p>
             <a:r>
-              <a:rPr lang="zh-CN" altLang="en-US" dirty="0" smtClean="0">
+              <a:rPr lang="zh-CN" altLang="en-US" b="1" dirty="0" smtClean="0">
                 <a:solidFill>
                   <a:schemeClr val="bg1"/>
                 </a:solidFill>
+                <a:latin typeface="楷体" panose="02010609060101010101" pitchFamily="49" charset="-122"/>
+                <a:ea typeface="楷体" panose="02010609060101010101" pitchFamily="49" charset="-122"/>
               </a:rPr>
               <a:t>巳</a:t>
             </a:r>
-            <a:endParaRPr lang="zh-CN" altLang="en-US" dirty="0">
+            <a:endParaRPr lang="zh-CN" altLang="en-US" b="1" dirty="0">
               <a:solidFill>
                 <a:schemeClr val="bg1"/>
               </a:solidFill>
+              <a:latin typeface="楷体" panose="02010609060101010101" pitchFamily="49" charset="-122"/>
+              <a:ea typeface="楷体" panose="02010609060101010101" pitchFamily="49" charset="-122"/>
             </a:endParaRPr>
           </a:p>
         </p:txBody>
@@ -7958,17 +7984,21 @@
           <a:lstStyle/>
           <a:p>
             <a:r>
-              <a:rPr lang="zh-CN" altLang="en-US" dirty="0" smtClean="0">
+              <a:rPr lang="zh-CN" altLang="en-US" b="1" dirty="0" smtClean="0">
                 <a:solidFill>
                   <a:schemeClr val="bg1"/>
                 </a:solidFill>
+                <a:latin typeface="楷体" panose="02010609060101010101" pitchFamily="49" charset="-122"/>
+                <a:ea typeface="楷体" panose="02010609060101010101" pitchFamily="49" charset="-122"/>
               </a:rPr>
               <a:t>午</a:t>
             </a:r>
-            <a:endParaRPr lang="zh-CN" altLang="en-US" dirty="0">
+            <a:endParaRPr lang="zh-CN" altLang="en-US" b="1" dirty="0">
               <a:solidFill>
                 <a:schemeClr val="bg1"/>
               </a:solidFill>
+              <a:latin typeface="楷体" panose="02010609060101010101" pitchFamily="49" charset="-122"/>
+              <a:ea typeface="楷体" panose="02010609060101010101" pitchFamily="49" charset="-122"/>
             </a:endParaRPr>
           </a:p>
         </p:txBody>
@@ -7996,17 +8026,21 @@
           <a:lstStyle/>
           <a:p>
             <a:r>
-              <a:rPr lang="zh-CN" altLang="en-US" dirty="0" smtClean="0">
+              <a:rPr lang="zh-CN" altLang="en-US" b="1" dirty="0" smtClean="0">
                 <a:solidFill>
                   <a:schemeClr val="bg1"/>
                 </a:solidFill>
+                <a:latin typeface="楷体" panose="02010609060101010101" pitchFamily="49" charset="-122"/>
+                <a:ea typeface="楷体" panose="02010609060101010101" pitchFamily="49" charset="-122"/>
               </a:rPr>
               <a:t>未</a:t>
             </a:r>
-            <a:endParaRPr lang="zh-CN" altLang="en-US" dirty="0">
+            <a:endParaRPr lang="zh-CN" altLang="en-US" b="1" dirty="0">
               <a:solidFill>
                 <a:schemeClr val="bg1"/>
               </a:solidFill>
+              <a:latin typeface="楷体" panose="02010609060101010101" pitchFamily="49" charset="-122"/>
+              <a:ea typeface="楷体" panose="02010609060101010101" pitchFamily="49" charset="-122"/>
             </a:endParaRPr>
           </a:p>
         </p:txBody>
@@ -8019,7 +8053,7 @@
         </p:nvSpPr>
         <p:spPr>
           <a:xfrm>
-            <a:off x="1444741" y="4390714"/>
+            <a:off x="1388806" y="4384483"/>
             <a:ext cx="415498" cy="369332"/>
           </a:xfrm>
           <a:prstGeom prst="rect">
@@ -8034,17 +8068,21 @@
           <a:lstStyle/>
           <a:p>
             <a:r>
-              <a:rPr lang="zh-CN" altLang="en-US" dirty="0" smtClean="0">
+              <a:rPr lang="zh-CN" altLang="en-US" b="1" dirty="0" smtClean="0">
                 <a:solidFill>
                   <a:schemeClr val="bg1"/>
                 </a:solidFill>
+                <a:latin typeface="楷体" panose="02010609060101010101" pitchFamily="49" charset="-122"/>
+                <a:ea typeface="楷体" panose="02010609060101010101" pitchFamily="49" charset="-122"/>
               </a:rPr>
               <a:t>申</a:t>
             </a:r>
-            <a:endParaRPr lang="zh-CN" altLang="en-US" dirty="0">
+            <a:endParaRPr lang="zh-CN" altLang="en-US" b="1" dirty="0">
               <a:solidFill>
                 <a:schemeClr val="bg1"/>
               </a:solidFill>
+              <a:latin typeface="楷体" panose="02010609060101010101" pitchFamily="49" charset="-122"/>
+              <a:ea typeface="楷体" panose="02010609060101010101" pitchFamily="49" charset="-122"/>
             </a:endParaRPr>
           </a:p>
         </p:txBody>
@@ -8072,17 +8110,21 @@
           <a:lstStyle/>
           <a:p>
             <a:r>
-              <a:rPr lang="zh-CN" altLang="en-US" dirty="0" smtClean="0">
+              <a:rPr lang="zh-CN" altLang="en-US" b="1" dirty="0" smtClean="0">
                 <a:solidFill>
                   <a:schemeClr val="bg1"/>
                 </a:solidFill>
+                <a:latin typeface="楷体" panose="02010609060101010101" pitchFamily="49" charset="-122"/>
+                <a:ea typeface="楷体" panose="02010609060101010101" pitchFamily="49" charset="-122"/>
               </a:rPr>
               <a:t>酉</a:t>
             </a:r>
-            <a:endParaRPr lang="zh-CN" altLang="en-US" dirty="0">
+            <a:endParaRPr lang="zh-CN" altLang="en-US" b="1" dirty="0">
               <a:solidFill>
                 <a:schemeClr val="bg1"/>
               </a:solidFill>
+              <a:latin typeface="楷体" panose="02010609060101010101" pitchFamily="49" charset="-122"/>
+              <a:ea typeface="楷体" panose="02010609060101010101" pitchFamily="49" charset="-122"/>
             </a:endParaRPr>
           </a:p>
         </p:txBody>
@@ -8110,17 +8152,21 @@
           <a:lstStyle/>
           <a:p>
             <a:r>
-              <a:rPr lang="zh-CN" altLang="en-US" dirty="0" smtClean="0">
+              <a:rPr lang="zh-CN" altLang="en-US" b="1" dirty="0" smtClean="0">
                 <a:solidFill>
                   <a:schemeClr val="bg1"/>
                 </a:solidFill>
+                <a:latin typeface="楷体" panose="02010609060101010101" pitchFamily="49" charset="-122"/>
+                <a:ea typeface="楷体" panose="02010609060101010101" pitchFamily="49" charset="-122"/>
               </a:rPr>
               <a:t>戌</a:t>
             </a:r>
-            <a:endParaRPr lang="zh-CN" altLang="en-US" dirty="0">
+            <a:endParaRPr lang="zh-CN" altLang="en-US" b="1" dirty="0">
               <a:solidFill>
                 <a:schemeClr val="bg1"/>
               </a:solidFill>
+              <a:latin typeface="楷体" panose="02010609060101010101" pitchFamily="49" charset="-122"/>
+              <a:ea typeface="楷体" panose="02010609060101010101" pitchFamily="49" charset="-122"/>
             </a:endParaRPr>
           </a:p>
         </p:txBody>
@@ -8148,17 +8194,21 @@
           <a:lstStyle/>
           <a:p>
             <a:r>
-              <a:rPr lang="zh-CN" altLang="en-US" dirty="0" smtClean="0">
+              <a:rPr lang="zh-CN" altLang="en-US" b="1" dirty="0" smtClean="0">
                 <a:solidFill>
                   <a:schemeClr val="bg1"/>
                 </a:solidFill>
+                <a:latin typeface="楷体" panose="02010609060101010101" pitchFamily="49" charset="-122"/>
+                <a:ea typeface="楷体" panose="02010609060101010101" pitchFamily="49" charset="-122"/>
               </a:rPr>
               <a:t>亥</a:t>
             </a:r>
-            <a:endParaRPr lang="zh-CN" altLang="en-US" dirty="0">
+            <a:endParaRPr lang="zh-CN" altLang="en-US" b="1" dirty="0">
               <a:solidFill>
                 <a:schemeClr val="bg1"/>
               </a:solidFill>
+              <a:latin typeface="楷体" panose="02010609060101010101" pitchFamily="49" charset="-122"/>
+              <a:ea typeface="楷体" panose="02010609060101010101" pitchFamily="49" charset="-122"/>
             </a:endParaRPr>
           </a:p>
         </p:txBody>
@@ -8172,7 +8222,7 @@
         <p:spPr>
           <a:xfrm>
             <a:off x="118777" y="96010"/>
-            <a:ext cx="2618024" cy="369332"/>
+            <a:ext cx="2510624" cy="369332"/>
           </a:xfrm>
           <a:prstGeom prst="rect">
             <a:avLst/>
@@ -8185,43 +8235,717 @@
           <a:lstStyle/>
           <a:p>
             <a:r>
-              <a:rPr lang="en-US" altLang="zh-CN" dirty="0" smtClean="0">
-                <a:hlinkClick r:id="rId2" tooltip="十二盘式 · 退间传盘——上升摩羯"/>
-              </a:rPr>
-              <a:t>3 </a:t>
-            </a:r>
-            <a:r>
-              <a:rPr lang="zh-CN" altLang="en-US" dirty="0" smtClean="0">
-                <a:hlinkClick r:id="rId2" tooltip="十二盘式 · 退间传盘——上升摩羯"/>
-              </a:rPr>
-              <a:t>退</a:t>
-            </a:r>
-            <a:r>
-              <a:rPr lang="zh-CN" altLang="en-US" dirty="0">
-                <a:hlinkClick r:id="rId2" tooltip="十二盘式 · 退间传盘——上升摩羯"/>
-              </a:rPr>
-              <a:t>间传盘</a:t>
-            </a:r>
-            <a:r>
-              <a:rPr lang="en-US" altLang="zh-CN" dirty="0">
-                <a:hlinkClick r:id="rId2" tooltip="十二盘式 · 退间传盘——上升摩羯"/>
+              <a:rPr lang="en-US" altLang="zh-CN" b="1" dirty="0" smtClean="0">
+                <a:latin typeface="楷体" panose="02010609060101010101" pitchFamily="49" charset="-122"/>
+                <a:ea typeface="楷体" panose="02010609060101010101" pitchFamily="49" charset="-122"/>
+                <a:hlinkClick r:id="rId2" tooltip="十二盘式 · 病胎盘——上升水瓶"/>
+              </a:rPr>
+              <a:t>4 </a:t>
+            </a:r>
+            <a:r>
+              <a:rPr lang="zh-CN" altLang="en-US" b="1" dirty="0">
+                <a:latin typeface="楷体" panose="02010609060101010101" pitchFamily="49" charset="-122"/>
+                <a:ea typeface="楷体" panose="02010609060101010101" pitchFamily="49" charset="-122"/>
+                <a:hlinkClick r:id="rId2" tooltip="十二盘式 · 病胎盘——上升水瓶"/>
+              </a:rPr>
+              <a:t>病胎盘</a:t>
+            </a:r>
+            <a:r>
+              <a:rPr lang="en-US" altLang="zh-CN" b="1" dirty="0">
+                <a:latin typeface="楷体" panose="02010609060101010101" pitchFamily="49" charset="-122"/>
+                <a:ea typeface="楷体" panose="02010609060101010101" pitchFamily="49" charset="-122"/>
+                <a:hlinkClick r:id="rId2" tooltip="十二盘式 · 病胎盘——上升水瓶"/>
               </a:rPr>
               <a:t>——</a:t>
             </a:r>
             <a:r>
-              <a:rPr lang="zh-CN" altLang="en-US" dirty="0">
-                <a:hlinkClick r:id="rId2" tooltip="十二盘式 · 退间传盘——上升摩羯"/>
-              </a:rPr>
-              <a:t>上升摩羯</a:t>
-            </a:r>
-            <a:endParaRPr lang="zh-CN" altLang="en-US" dirty="0"/>
+              <a:rPr lang="zh-CN" altLang="en-US" b="1" dirty="0">
+                <a:latin typeface="楷体" panose="02010609060101010101" pitchFamily="49" charset="-122"/>
+                <a:ea typeface="楷体" panose="02010609060101010101" pitchFamily="49" charset="-122"/>
+                <a:hlinkClick r:id="rId2" tooltip="十二盘式 · 病胎盘——上升水瓶"/>
+              </a:rPr>
+              <a:t>上升</a:t>
+            </a:r>
+            <a:r>
+              <a:rPr lang="zh-CN" altLang="en-US" b="1" dirty="0">
+                <a:latin typeface="楷体" panose="02010609060101010101" pitchFamily="49" charset="-122"/>
+                <a:ea typeface="楷体" panose="02010609060101010101" pitchFamily="49" charset="-122"/>
+                <a:hlinkClick r:id="rId2" tooltip="十二盘式 · 病胎盘——上升水瓶"/>
+              </a:rPr>
+              <a:t>水</a:t>
+            </a:r>
+            <a:r>
+              <a:rPr lang="zh-CN" altLang="en-US" b="1" dirty="0" smtClean="0">
+                <a:latin typeface="楷体" panose="02010609060101010101" pitchFamily="49" charset="-122"/>
+                <a:ea typeface="楷体" panose="02010609060101010101" pitchFamily="49" charset="-122"/>
+                <a:hlinkClick r:id="rId2" tooltip="十二盘式 · 病胎盘——上升水瓶"/>
+              </a:rPr>
+              <a:t>瓶</a:t>
+            </a:r>
+            <a:endParaRPr lang="zh-CN" altLang="en-US" b="1" dirty="0">
+              <a:latin typeface="楷体" panose="02010609060101010101" pitchFamily="49" charset="-122"/>
+              <a:ea typeface="楷体" panose="02010609060101010101" pitchFamily="49" charset="-122"/>
+            </a:endParaRPr>
+          </a:p>
+        </p:txBody>
+      </p:sp>
+      <p:sp>
+        <p:nvSpPr>
+          <p:cNvPr id="23" name="文本框 22"/>
+          <p:cNvSpPr txBox="1"/>
+          <p:nvPr/>
+        </p:nvSpPr>
+        <p:spPr>
+          <a:xfrm>
+            <a:off x="4927836" y="5584915"/>
+            <a:ext cx="417102" cy="369332"/>
+          </a:xfrm>
+          <a:prstGeom prst="rect">
+            <a:avLst/>
+          </a:prstGeom>
+          <a:noFill/>
+        </p:spPr>
+        <p:txBody>
+          <a:bodyPr wrap="none" rtlCol="0">
+            <a:spAutoFit/>
+          </a:bodyPr>
+          <a:lstStyle/>
+          <a:p>
+            <a:r>
+              <a:rPr lang="zh-CN" altLang="en-US" b="1" dirty="0" smtClean="0">
+                <a:solidFill>
+                  <a:schemeClr val="bg1"/>
+                </a:solidFill>
+                <a:latin typeface="楷体" panose="02010609060101010101" pitchFamily="49" charset="-122"/>
+                <a:ea typeface="楷体" panose="02010609060101010101" pitchFamily="49" charset="-122"/>
+              </a:rPr>
+              <a:t>寅</a:t>
+            </a:r>
+            <a:endParaRPr lang="zh-CN" altLang="en-US" b="1" dirty="0">
+              <a:solidFill>
+                <a:schemeClr val="bg1"/>
+              </a:solidFill>
+              <a:latin typeface="楷体" panose="02010609060101010101" pitchFamily="49" charset="-122"/>
+              <a:ea typeface="楷体" panose="02010609060101010101" pitchFamily="49" charset="-122"/>
+            </a:endParaRPr>
+          </a:p>
+        </p:txBody>
+      </p:sp>
+      <p:sp>
+        <p:nvSpPr>
+          <p:cNvPr id="24" name="文本框 23"/>
+          <p:cNvSpPr txBox="1"/>
+          <p:nvPr/>
+        </p:nvSpPr>
+        <p:spPr>
+          <a:xfrm>
+            <a:off x="3432653" y="6047772"/>
+            <a:ext cx="417102" cy="369332"/>
+          </a:xfrm>
+          <a:prstGeom prst="rect">
+            <a:avLst/>
+          </a:prstGeom>
+          <a:noFill/>
+        </p:spPr>
+        <p:txBody>
+          <a:bodyPr wrap="none" rtlCol="0">
+            <a:spAutoFit/>
+          </a:bodyPr>
+          <a:lstStyle/>
+          <a:p>
+            <a:r>
+              <a:rPr lang="zh-CN" altLang="en-US" b="1" dirty="0">
+                <a:solidFill>
+                  <a:schemeClr val="bg1"/>
+                </a:solidFill>
+                <a:latin typeface="楷体" panose="02010609060101010101" pitchFamily="49" charset="-122"/>
+                <a:ea typeface="楷体" panose="02010609060101010101" pitchFamily="49" charset="-122"/>
+              </a:rPr>
+              <a:t>卯</a:t>
+            </a:r>
+            <a:endParaRPr lang="zh-CN" altLang="en-US" b="1" dirty="0">
+              <a:solidFill>
+                <a:schemeClr val="bg1"/>
+              </a:solidFill>
+              <a:latin typeface="楷体" panose="02010609060101010101" pitchFamily="49" charset="-122"/>
+              <a:ea typeface="楷体" panose="02010609060101010101" pitchFamily="49" charset="-122"/>
+            </a:endParaRPr>
+          </a:p>
+        </p:txBody>
+      </p:sp>
+      <p:sp>
+        <p:nvSpPr>
+          <p:cNvPr id="26" name="文本框 25"/>
+          <p:cNvSpPr txBox="1"/>
+          <p:nvPr/>
+        </p:nvSpPr>
+        <p:spPr>
+          <a:xfrm>
+            <a:off x="1902852" y="5636890"/>
+            <a:ext cx="417102" cy="369332"/>
+          </a:xfrm>
+          <a:prstGeom prst="rect">
+            <a:avLst/>
+          </a:prstGeom>
+          <a:noFill/>
+        </p:spPr>
+        <p:txBody>
+          <a:bodyPr wrap="none" rtlCol="0">
+            <a:spAutoFit/>
+          </a:bodyPr>
+          <a:lstStyle/>
+          <a:p>
+            <a:r>
+              <a:rPr lang="zh-CN" altLang="en-US" b="1" dirty="0" smtClean="0">
+                <a:solidFill>
+                  <a:schemeClr val="bg1"/>
+                </a:solidFill>
+                <a:latin typeface="楷体" panose="02010609060101010101" pitchFamily="49" charset="-122"/>
+                <a:ea typeface="楷体" panose="02010609060101010101" pitchFamily="49" charset="-122"/>
+              </a:rPr>
+              <a:t>辰</a:t>
+            </a:r>
+            <a:endParaRPr lang="zh-CN" altLang="en-US" b="1" dirty="0">
+              <a:solidFill>
+                <a:schemeClr val="bg1"/>
+              </a:solidFill>
+              <a:latin typeface="楷体" panose="02010609060101010101" pitchFamily="49" charset="-122"/>
+              <a:ea typeface="楷体" panose="02010609060101010101" pitchFamily="49" charset="-122"/>
+            </a:endParaRPr>
+          </a:p>
+        </p:txBody>
+      </p:sp>
+      <p:sp>
+        <p:nvSpPr>
+          <p:cNvPr id="27" name="文本框 26"/>
+          <p:cNvSpPr txBox="1"/>
+          <p:nvPr/>
+        </p:nvSpPr>
+        <p:spPr>
+          <a:xfrm>
+            <a:off x="915572" y="4652289"/>
+            <a:ext cx="418704" cy="369332"/>
+          </a:xfrm>
+          <a:prstGeom prst="rect">
+            <a:avLst/>
+          </a:prstGeom>
+          <a:noFill/>
+        </p:spPr>
+        <p:txBody>
+          <a:bodyPr wrap="none" rtlCol="0">
+            <a:spAutoFit/>
+          </a:bodyPr>
+          <a:lstStyle/>
+          <a:p>
+            <a:r>
+              <a:rPr lang="zh-CN" altLang="en-US" b="1" dirty="0" smtClean="0">
+                <a:solidFill>
+                  <a:schemeClr val="bg1"/>
+                </a:solidFill>
+                <a:latin typeface="楷体" panose="02010609060101010101" pitchFamily="49" charset="-122"/>
+                <a:ea typeface="楷体" panose="02010609060101010101" pitchFamily="49" charset="-122"/>
+              </a:rPr>
+              <a:t>巳</a:t>
+            </a:r>
+            <a:endParaRPr lang="zh-CN" altLang="en-US" b="1" dirty="0">
+              <a:solidFill>
+                <a:schemeClr val="bg1"/>
+              </a:solidFill>
+              <a:latin typeface="楷体" panose="02010609060101010101" pitchFamily="49" charset="-122"/>
+              <a:ea typeface="楷体" panose="02010609060101010101" pitchFamily="49" charset="-122"/>
+            </a:endParaRPr>
+          </a:p>
+        </p:txBody>
+      </p:sp>
+      <p:sp>
+        <p:nvSpPr>
+          <p:cNvPr id="34" name="文本框 33"/>
+          <p:cNvSpPr txBox="1"/>
+          <p:nvPr/>
+        </p:nvSpPr>
+        <p:spPr>
+          <a:xfrm>
+            <a:off x="539514" y="3200739"/>
+            <a:ext cx="418704" cy="369332"/>
+          </a:xfrm>
+          <a:prstGeom prst="rect">
+            <a:avLst/>
+          </a:prstGeom>
+          <a:noFill/>
+        </p:spPr>
+        <p:txBody>
+          <a:bodyPr wrap="none" rtlCol="0">
+            <a:spAutoFit/>
+          </a:bodyPr>
+          <a:lstStyle/>
+          <a:p>
+            <a:r>
+              <a:rPr lang="zh-CN" altLang="en-US" b="1" dirty="0" smtClean="0">
+                <a:solidFill>
+                  <a:schemeClr val="bg1"/>
+                </a:solidFill>
+                <a:latin typeface="楷体" panose="02010609060101010101" pitchFamily="49" charset="-122"/>
+                <a:ea typeface="楷体" panose="02010609060101010101" pitchFamily="49" charset="-122"/>
+              </a:rPr>
+              <a:t>午</a:t>
+            </a:r>
+            <a:endParaRPr lang="zh-CN" altLang="en-US" b="1" dirty="0">
+              <a:solidFill>
+                <a:schemeClr val="bg1"/>
+              </a:solidFill>
+              <a:latin typeface="楷体" panose="02010609060101010101" pitchFamily="49" charset="-122"/>
+              <a:ea typeface="楷体" panose="02010609060101010101" pitchFamily="49" charset="-122"/>
+            </a:endParaRPr>
+          </a:p>
+        </p:txBody>
+      </p:sp>
+      <p:sp>
+        <p:nvSpPr>
+          <p:cNvPr id="35" name="文本框 34"/>
+          <p:cNvSpPr txBox="1"/>
+          <p:nvPr/>
+        </p:nvSpPr>
+        <p:spPr>
+          <a:xfrm>
+            <a:off x="916373" y="1749189"/>
+            <a:ext cx="417102" cy="369332"/>
+          </a:xfrm>
+          <a:prstGeom prst="rect">
+            <a:avLst/>
+          </a:prstGeom>
+          <a:noFill/>
+        </p:spPr>
+        <p:txBody>
+          <a:bodyPr wrap="none" rtlCol="0">
+            <a:spAutoFit/>
+          </a:bodyPr>
+          <a:lstStyle/>
+          <a:p>
+            <a:r>
+              <a:rPr lang="zh-CN" altLang="en-US" b="1" dirty="0" smtClean="0">
+                <a:solidFill>
+                  <a:schemeClr val="bg1"/>
+                </a:solidFill>
+                <a:latin typeface="楷体" panose="02010609060101010101" pitchFamily="49" charset="-122"/>
+                <a:ea typeface="楷体" panose="02010609060101010101" pitchFamily="49" charset="-122"/>
+              </a:rPr>
+              <a:t>未</a:t>
+            </a:r>
+            <a:endParaRPr lang="zh-CN" altLang="en-US" b="1" dirty="0">
+              <a:solidFill>
+                <a:schemeClr val="bg1"/>
+              </a:solidFill>
+              <a:latin typeface="楷体" panose="02010609060101010101" pitchFamily="49" charset="-122"/>
+              <a:ea typeface="楷体" panose="02010609060101010101" pitchFamily="49" charset="-122"/>
+            </a:endParaRPr>
+          </a:p>
+        </p:txBody>
+      </p:sp>
+      <p:sp>
+        <p:nvSpPr>
+          <p:cNvPr id="36" name="文本框 35"/>
+          <p:cNvSpPr txBox="1"/>
+          <p:nvPr/>
+        </p:nvSpPr>
+        <p:spPr>
+          <a:xfrm>
+            <a:off x="1860239" y="715624"/>
+            <a:ext cx="417102" cy="369332"/>
+          </a:xfrm>
+          <a:prstGeom prst="rect">
+            <a:avLst/>
+          </a:prstGeom>
+          <a:noFill/>
+        </p:spPr>
+        <p:txBody>
+          <a:bodyPr wrap="none" rtlCol="0">
+            <a:spAutoFit/>
+          </a:bodyPr>
+          <a:lstStyle/>
+          <a:p>
+            <a:r>
+              <a:rPr lang="zh-CN" altLang="en-US" b="1" dirty="0" smtClean="0">
+                <a:solidFill>
+                  <a:schemeClr val="bg1"/>
+                </a:solidFill>
+                <a:latin typeface="楷体" panose="02010609060101010101" pitchFamily="49" charset="-122"/>
+                <a:ea typeface="楷体" panose="02010609060101010101" pitchFamily="49" charset="-122"/>
+              </a:rPr>
+              <a:t>申</a:t>
+            </a:r>
+            <a:endParaRPr lang="zh-CN" altLang="en-US" b="1" dirty="0">
+              <a:solidFill>
+                <a:schemeClr val="bg1"/>
+              </a:solidFill>
+              <a:latin typeface="楷体" panose="02010609060101010101" pitchFamily="49" charset="-122"/>
+              <a:ea typeface="楷体" panose="02010609060101010101" pitchFamily="49" charset="-122"/>
+            </a:endParaRPr>
+          </a:p>
+        </p:txBody>
+      </p:sp>
+      <p:sp>
+        <p:nvSpPr>
+          <p:cNvPr id="48" name="文本框 47"/>
+          <p:cNvSpPr txBox="1"/>
+          <p:nvPr/>
+        </p:nvSpPr>
+        <p:spPr>
+          <a:xfrm>
+            <a:off x="3418549" y="328266"/>
+            <a:ext cx="417102" cy="369332"/>
+          </a:xfrm>
+          <a:prstGeom prst="rect">
+            <a:avLst/>
+          </a:prstGeom>
+          <a:noFill/>
+        </p:spPr>
+        <p:txBody>
+          <a:bodyPr wrap="none" rtlCol="0">
+            <a:spAutoFit/>
+          </a:bodyPr>
+          <a:lstStyle/>
+          <a:p>
+            <a:r>
+              <a:rPr lang="zh-CN" altLang="en-US" b="1" dirty="0" smtClean="0">
+                <a:solidFill>
+                  <a:schemeClr val="bg1"/>
+                </a:solidFill>
+                <a:latin typeface="楷体" panose="02010609060101010101" pitchFamily="49" charset="-122"/>
+                <a:ea typeface="楷体" panose="02010609060101010101" pitchFamily="49" charset="-122"/>
+              </a:rPr>
+              <a:t>酉</a:t>
+            </a:r>
+            <a:endParaRPr lang="zh-CN" altLang="en-US" b="1" dirty="0">
+              <a:solidFill>
+                <a:schemeClr val="bg1"/>
+              </a:solidFill>
+              <a:latin typeface="楷体" panose="02010609060101010101" pitchFamily="49" charset="-122"/>
+              <a:ea typeface="楷体" panose="02010609060101010101" pitchFamily="49" charset="-122"/>
+            </a:endParaRPr>
+          </a:p>
+        </p:txBody>
+      </p:sp>
+      <p:sp>
+        <p:nvSpPr>
+          <p:cNvPr id="50" name="文本框 49"/>
+          <p:cNvSpPr txBox="1"/>
+          <p:nvPr/>
+        </p:nvSpPr>
+        <p:spPr>
+          <a:xfrm>
+            <a:off x="4966075" y="722381"/>
+            <a:ext cx="418704" cy="369332"/>
+          </a:xfrm>
+          <a:prstGeom prst="rect">
+            <a:avLst/>
+          </a:prstGeom>
+          <a:noFill/>
+        </p:spPr>
+        <p:txBody>
+          <a:bodyPr wrap="none" rtlCol="0">
+            <a:spAutoFit/>
+          </a:bodyPr>
+          <a:lstStyle/>
+          <a:p>
+            <a:r>
+              <a:rPr lang="zh-CN" altLang="en-US" b="1" dirty="0" smtClean="0">
+                <a:solidFill>
+                  <a:schemeClr val="bg1"/>
+                </a:solidFill>
+                <a:latin typeface="楷体" panose="02010609060101010101" pitchFamily="49" charset="-122"/>
+                <a:ea typeface="楷体" panose="02010609060101010101" pitchFamily="49" charset="-122"/>
+              </a:rPr>
+              <a:t>戌</a:t>
+            </a:r>
+            <a:endParaRPr lang="zh-CN" altLang="en-US" b="1" dirty="0">
+              <a:solidFill>
+                <a:schemeClr val="bg1"/>
+              </a:solidFill>
+              <a:latin typeface="楷体" panose="02010609060101010101" pitchFamily="49" charset="-122"/>
+              <a:ea typeface="楷体" panose="02010609060101010101" pitchFamily="49" charset="-122"/>
+            </a:endParaRPr>
+          </a:p>
+        </p:txBody>
+      </p:sp>
+      <p:sp>
+        <p:nvSpPr>
+          <p:cNvPr id="51" name="文本框 50"/>
+          <p:cNvSpPr txBox="1"/>
+          <p:nvPr/>
+        </p:nvSpPr>
+        <p:spPr>
+          <a:xfrm>
+            <a:off x="5914186" y="1783887"/>
+            <a:ext cx="417102" cy="369332"/>
+          </a:xfrm>
+          <a:prstGeom prst="rect">
+            <a:avLst/>
+          </a:prstGeom>
+          <a:noFill/>
+        </p:spPr>
+        <p:txBody>
+          <a:bodyPr wrap="none" rtlCol="0">
+            <a:spAutoFit/>
+          </a:bodyPr>
+          <a:lstStyle/>
+          <a:p>
+            <a:r>
+              <a:rPr lang="zh-CN" altLang="en-US" b="1" dirty="0" smtClean="0">
+                <a:solidFill>
+                  <a:schemeClr val="bg1"/>
+                </a:solidFill>
+                <a:latin typeface="楷体" panose="02010609060101010101" pitchFamily="49" charset="-122"/>
+                <a:ea typeface="楷体" panose="02010609060101010101" pitchFamily="49" charset="-122"/>
+              </a:rPr>
+              <a:t>亥</a:t>
+            </a:r>
+            <a:endParaRPr lang="zh-CN" altLang="en-US" b="1" dirty="0">
+              <a:solidFill>
+                <a:schemeClr val="bg1"/>
+              </a:solidFill>
+              <a:latin typeface="楷体" panose="02010609060101010101" pitchFamily="49" charset="-122"/>
+              <a:ea typeface="楷体" panose="02010609060101010101" pitchFamily="49" charset="-122"/>
+            </a:endParaRPr>
+          </a:p>
+        </p:txBody>
+      </p:sp>
+      <p:sp>
+        <p:nvSpPr>
+          <p:cNvPr id="52" name="文本框 51"/>
+          <p:cNvSpPr txBox="1"/>
+          <p:nvPr/>
+        </p:nvSpPr>
+        <p:spPr>
+          <a:xfrm>
+            <a:off x="6269358" y="3179634"/>
+            <a:ext cx="418704" cy="369332"/>
+          </a:xfrm>
+          <a:prstGeom prst="rect">
+            <a:avLst/>
+          </a:prstGeom>
+          <a:noFill/>
+        </p:spPr>
+        <p:txBody>
+          <a:bodyPr wrap="none" rtlCol="0">
+            <a:spAutoFit/>
+          </a:bodyPr>
+          <a:lstStyle/>
+          <a:p>
+            <a:r>
+              <a:rPr lang="zh-CN" altLang="en-US" b="1" dirty="0" smtClean="0">
+                <a:solidFill>
+                  <a:schemeClr val="bg1"/>
+                </a:solidFill>
+                <a:latin typeface="楷体" panose="02010609060101010101" pitchFamily="49" charset="-122"/>
+                <a:ea typeface="楷体" panose="02010609060101010101" pitchFamily="49" charset="-122"/>
+              </a:rPr>
+              <a:t>子</a:t>
+            </a:r>
+            <a:endParaRPr lang="zh-CN" altLang="en-US" b="1" dirty="0">
+              <a:solidFill>
+                <a:schemeClr val="bg1"/>
+              </a:solidFill>
+              <a:latin typeface="楷体" panose="02010609060101010101" pitchFamily="49" charset="-122"/>
+              <a:ea typeface="楷体" panose="02010609060101010101" pitchFamily="49" charset="-122"/>
+            </a:endParaRPr>
+          </a:p>
+        </p:txBody>
+      </p:sp>
+      <p:sp>
+        <p:nvSpPr>
+          <p:cNvPr id="53" name="文本框 52"/>
+          <p:cNvSpPr txBox="1"/>
+          <p:nvPr/>
+        </p:nvSpPr>
+        <p:spPr>
+          <a:xfrm>
+            <a:off x="5844019" y="4652289"/>
+            <a:ext cx="417102" cy="369332"/>
+          </a:xfrm>
+          <a:prstGeom prst="rect">
+            <a:avLst/>
+          </a:prstGeom>
+          <a:noFill/>
+        </p:spPr>
+        <p:txBody>
+          <a:bodyPr wrap="none" rtlCol="0">
+            <a:spAutoFit/>
+          </a:bodyPr>
+          <a:lstStyle/>
+          <a:p>
+            <a:r>
+              <a:rPr lang="zh-CN" altLang="en-US" b="1" dirty="0" smtClean="0">
+                <a:solidFill>
+                  <a:schemeClr val="bg1"/>
+                </a:solidFill>
+                <a:latin typeface="楷体" panose="02010609060101010101" pitchFamily="49" charset="-122"/>
+                <a:ea typeface="楷体" panose="02010609060101010101" pitchFamily="49" charset="-122"/>
+              </a:rPr>
+              <a:t>丑</a:t>
+            </a:r>
+            <a:endParaRPr lang="zh-CN" altLang="en-US" b="1" dirty="0">
+              <a:solidFill>
+                <a:schemeClr val="bg1"/>
+              </a:solidFill>
+              <a:latin typeface="楷体" panose="02010609060101010101" pitchFamily="49" charset="-122"/>
+              <a:ea typeface="楷体" panose="02010609060101010101" pitchFamily="49" charset="-122"/>
+            </a:endParaRPr>
+          </a:p>
+        </p:txBody>
+      </p:sp>
+      <p:sp>
+        <p:nvSpPr>
+          <p:cNvPr id="2" name="矩形 1"/>
+          <p:cNvSpPr/>
+          <p:nvPr/>
+        </p:nvSpPr>
+        <p:spPr>
+          <a:xfrm>
+            <a:off x="6938576" y="620637"/>
+            <a:ext cx="4974814" cy="3693319"/>
+          </a:xfrm>
+          <a:prstGeom prst="rect">
+            <a:avLst/>
+          </a:prstGeom>
+        </p:spPr>
+        <p:txBody>
+          <a:bodyPr wrap="square">
+            <a:spAutoFit/>
+          </a:bodyPr>
+          <a:lstStyle/>
+          <a:p>
+            <a:r>
+              <a:rPr lang="zh-CN" altLang="en-US" b="1" dirty="0" smtClean="0">
+                <a:latin typeface="楷体" panose="02010609060101010101" pitchFamily="49" charset="-122"/>
+                <a:ea typeface="楷体" panose="02010609060101010101" pitchFamily="49" charset="-122"/>
+              </a:rPr>
+              <a:t>全盘黄道地支克赤道地支，互相刑克，</a:t>
+            </a:r>
+            <a:endParaRPr lang="en-US" altLang="zh-CN" b="1" dirty="0" smtClean="0">
+              <a:latin typeface="楷体" panose="02010609060101010101" pitchFamily="49" charset="-122"/>
+              <a:ea typeface="楷体" panose="02010609060101010101" pitchFamily="49" charset="-122"/>
+            </a:endParaRPr>
+          </a:p>
+          <a:p>
+            <a:r>
+              <a:rPr lang="zh-CN" altLang="en-US" b="1" dirty="0" smtClean="0">
+                <a:latin typeface="楷体" panose="02010609060101010101" pitchFamily="49" charset="-122"/>
+                <a:ea typeface="楷体" panose="02010609060101010101" pitchFamily="49" charset="-122"/>
+              </a:rPr>
+              <a:t>占卜上：压力大，危机四伏，动态僵持，四面楚歌</a:t>
+            </a:r>
+            <a:endParaRPr lang="en-US" altLang="zh-CN" b="1" dirty="0" smtClean="0">
+              <a:latin typeface="楷体" panose="02010609060101010101" pitchFamily="49" charset="-122"/>
+              <a:ea typeface="楷体" panose="02010609060101010101" pitchFamily="49" charset="-122"/>
+            </a:endParaRPr>
+          </a:p>
+          <a:p>
+            <a:r>
+              <a:rPr lang="zh-CN" altLang="en-US" b="1" dirty="0">
+                <a:latin typeface="楷体" panose="02010609060101010101" pitchFamily="49" charset="-122"/>
+                <a:ea typeface="楷体" panose="02010609060101010101" pitchFamily="49" charset="-122"/>
+              </a:rPr>
+              <a:t>命</a:t>
+            </a:r>
+            <a:r>
+              <a:rPr lang="zh-CN" altLang="en-US" b="1" dirty="0" smtClean="0">
+                <a:latin typeface="楷体" panose="02010609060101010101" pitchFamily="49" charset="-122"/>
+                <a:ea typeface="楷体" panose="02010609060101010101" pitchFamily="49" charset="-122"/>
+              </a:rPr>
+              <a:t>盘上：对外界梳理，拉锯</a:t>
+            </a:r>
+            <a:r>
+              <a:rPr lang="zh-CN" altLang="en-US" b="1" dirty="0">
+                <a:latin typeface="楷体" panose="02010609060101010101" pitchFamily="49" charset="-122"/>
+                <a:ea typeface="楷体" panose="02010609060101010101" pitchFamily="49" charset="-122"/>
+              </a:rPr>
+              <a:t>超凡脱俗的人</a:t>
+            </a:r>
+            <a:endParaRPr lang="en-US" altLang="zh-CN" b="1" dirty="0">
+              <a:latin typeface="楷体" panose="02010609060101010101" pitchFamily="49" charset="-122"/>
+              <a:ea typeface="楷体" panose="02010609060101010101" pitchFamily="49" charset="-122"/>
+            </a:endParaRPr>
+          </a:p>
+          <a:p>
+            <a:r>
+              <a:rPr lang="zh-CN" altLang="en-US" b="1" dirty="0" smtClean="0">
+                <a:latin typeface="楷体" panose="02010609060101010101" pitchFamily="49" charset="-122"/>
+                <a:ea typeface="楷体" panose="02010609060101010101" pitchFamily="49" charset="-122"/>
+              </a:rPr>
+              <a:t>，疏远，鄙弃世俗 （事物，看法），但会受到世俗的影响，拉锯，对峙</a:t>
+            </a:r>
+            <a:endParaRPr lang="en-US" altLang="zh-CN" b="1" dirty="0" smtClean="0">
+              <a:latin typeface="楷体" panose="02010609060101010101" pitchFamily="49" charset="-122"/>
+              <a:ea typeface="楷体" panose="02010609060101010101" pitchFamily="49" charset="-122"/>
+            </a:endParaRPr>
+          </a:p>
+          <a:p>
+            <a:endParaRPr lang="en-US" altLang="zh-CN" b="1" dirty="0" smtClean="0">
+              <a:latin typeface="楷体" panose="02010609060101010101" pitchFamily="49" charset="-122"/>
+              <a:ea typeface="楷体" panose="02010609060101010101" pitchFamily="49" charset="-122"/>
+            </a:endParaRPr>
+          </a:p>
+          <a:p>
+            <a:r>
+              <a:rPr lang="zh-CN" altLang="en-US" b="1" dirty="0" smtClean="0">
+                <a:latin typeface="楷体" panose="02010609060101010101" pitchFamily="49" charset="-122"/>
+                <a:ea typeface="楷体" panose="02010609060101010101" pitchFamily="49" charset="-122"/>
+              </a:rPr>
+              <a:t>孟宫 寅申巳亥 在长生下 ，长生又名学堂，知识，精神追求</a:t>
+            </a:r>
+            <a:r>
+              <a:rPr lang="en-US" altLang="zh-CN" b="1" dirty="0" smtClean="0">
+                <a:latin typeface="楷体" panose="02010609060101010101" pitchFamily="49" charset="-122"/>
+                <a:ea typeface="楷体" panose="02010609060101010101" pitchFamily="49" charset="-122"/>
+              </a:rPr>
+              <a:t>	</a:t>
+            </a:r>
+          </a:p>
+          <a:p>
+            <a:r>
+              <a:rPr lang="zh-CN" altLang="en-US" b="1" dirty="0" smtClean="0">
+                <a:latin typeface="楷体" panose="02010609060101010101" pitchFamily="49" charset="-122"/>
+                <a:ea typeface="楷体" panose="02010609060101010101" pitchFamily="49" charset="-122"/>
+              </a:rPr>
+              <a:t>喜欢投资精神价值，喜欢和精神价值高的人在一起，物质生活随意</a:t>
+            </a:r>
+            <a:endParaRPr lang="en-US" altLang="zh-CN" b="1" dirty="0" smtClean="0">
+              <a:latin typeface="楷体" panose="02010609060101010101" pitchFamily="49" charset="-122"/>
+              <a:ea typeface="楷体" panose="02010609060101010101" pitchFamily="49" charset="-122"/>
+            </a:endParaRPr>
+          </a:p>
+          <a:p>
+            <a:r>
+              <a:rPr lang="zh-CN" altLang="en-US" b="1" dirty="0" smtClean="0">
+                <a:latin typeface="楷体" panose="02010609060101010101" pitchFamily="49" charset="-122"/>
+                <a:ea typeface="楷体" panose="02010609060101010101" pitchFamily="49" charset="-122"/>
+              </a:rPr>
+              <a:t>黄道仲宫 子午卯酉 在死上</a:t>
+            </a:r>
+            <a:endParaRPr lang="en-US" altLang="zh-CN" b="1" dirty="0" smtClean="0">
+              <a:latin typeface="楷体" panose="02010609060101010101" pitchFamily="49" charset="-122"/>
+              <a:ea typeface="楷体" panose="02010609060101010101" pitchFamily="49" charset="-122"/>
+            </a:endParaRPr>
+          </a:p>
+          <a:p>
+            <a:r>
+              <a:rPr lang="zh-CN" altLang="en-US" b="1" dirty="0" smtClean="0">
+                <a:latin typeface="楷体" panose="02010609060101010101" pitchFamily="49" charset="-122"/>
+                <a:ea typeface="楷体" panose="02010609060101010101" pitchFamily="49" charset="-122"/>
+              </a:rPr>
+              <a:t>赤道仲宫 子午卯酉 在沐浴下</a:t>
+            </a:r>
+            <a:endParaRPr lang="en-US" altLang="zh-CN" b="1" dirty="0" smtClean="0">
+              <a:latin typeface="楷体" panose="02010609060101010101" pitchFamily="49" charset="-122"/>
+              <a:ea typeface="楷体" panose="02010609060101010101" pitchFamily="49" charset="-122"/>
+            </a:endParaRPr>
           </a:p>
         </p:txBody>
       </p:sp>
     </p:spTree>
     <p:extLst>
       <p:ext uri="{BB962C8B-B14F-4D97-AF65-F5344CB8AC3E}">
-        <p14:creationId xmlns:p14="http://schemas.microsoft.com/office/powerpoint/2010/main" val="2983110358"/>
+        <p14:creationId xmlns:p14="http://schemas.microsoft.com/office/powerpoint/2010/main" val="692887381"/>
       </p:ext>
     </p:extLst>
   </p:cSld>
